--- a/docs/p2ppost_prezentace.pptx
+++ b/docs/p2ppost_prezentace.pptx
@@ -5,7 +5,7 @@
     <p:sldMasterId id="2147483672" r:id="rId1"/>
   </p:sldMasterIdLst>
   <p:notesMasterIdLst>
-    <p:notesMasterId r:id="rId24"/>
+    <p:notesMasterId r:id="rId29"/>
   </p:notesMasterIdLst>
   <p:sldIdLst>
     <p:sldId id="256" r:id="rId2"/>
@@ -26,10 +26,15 @@
     <p:sldId id="276" r:id="rId17"/>
     <p:sldId id="277" r:id="rId18"/>
     <p:sldId id="278" r:id="rId19"/>
-    <p:sldId id="282" r:id="rId20"/>
-    <p:sldId id="280" r:id="rId21"/>
-    <p:sldId id="281" r:id="rId22"/>
-    <p:sldId id="279" r:id="rId23"/>
+    <p:sldId id="283" r:id="rId20"/>
+    <p:sldId id="284" r:id="rId21"/>
+    <p:sldId id="285" r:id="rId22"/>
+    <p:sldId id="286" r:id="rId23"/>
+    <p:sldId id="287" r:id="rId24"/>
+    <p:sldId id="280" r:id="rId25"/>
+    <p:sldId id="282" r:id="rId26"/>
+    <p:sldId id="281" r:id="rId27"/>
+    <p:sldId id="279" r:id="rId28"/>
   </p:sldIdLst>
   <p:sldSz cx="12192000" cy="6858000"/>
   <p:notesSz cx="6858000" cy="9144000"/>
@@ -218,7 +223,7 @@
           <a:p>
             <a:fld id="{DD2E46A2-F158-4BED-A71D-F36B4700C14A}" type="datetimeFigureOut">
               <a:rPr lang="en-GB" smtClean="0"/>
-              <a:t>16/04/2025</a:t>
+              <a:t>25/04/2025</a:t>
             </a:fld>
             <a:endParaRPr lang="en-GB"/>
           </a:p>
@@ -719,7 +724,7 @@
           <a:p>
             <a:fld id="{CFBB353D-A9CC-4A50-AEB6-42341B31158E}" type="datetime1">
               <a:rPr lang="en-GB" smtClean="0"/>
-              <a:t>16/04/2025</a:t>
+              <a:t>25/04/2025</a:t>
             </a:fld>
             <a:endParaRPr lang="en-GB"/>
           </a:p>
@@ -919,7 +924,7 @@
           <a:p>
             <a:fld id="{EB96EF39-887F-41D7-8E72-6B975371605A}" type="datetime1">
               <a:rPr lang="en-GB" smtClean="0"/>
-              <a:t>16/04/2025</a:t>
+              <a:t>25/04/2025</a:t>
             </a:fld>
             <a:endParaRPr lang="en-GB"/>
           </a:p>
@@ -1129,7 +1134,7 @@
           <a:p>
             <a:fld id="{067D2E50-B61F-4B9C-A2ED-B350683F3156}" type="datetime1">
               <a:rPr lang="en-GB" smtClean="0"/>
-              <a:t>16/04/2025</a:t>
+              <a:t>25/04/2025</a:t>
             </a:fld>
             <a:endParaRPr lang="en-GB"/>
           </a:p>
@@ -1329,7 +1334,7 @@
           <a:p>
             <a:fld id="{DFD24230-BB46-4A99-92E0-5F7BD4039F61}" type="datetime1">
               <a:rPr lang="en-GB" smtClean="0"/>
-              <a:t>16/04/2025</a:t>
+              <a:t>25/04/2025</a:t>
             </a:fld>
             <a:endParaRPr lang="en-GB"/>
           </a:p>
@@ -1605,7 +1610,7 @@
           <a:p>
             <a:fld id="{8540C167-9577-4083-BD6E-9376B6373118}" type="datetime1">
               <a:rPr lang="en-GB" smtClean="0"/>
-              <a:t>16/04/2025</a:t>
+              <a:t>25/04/2025</a:t>
             </a:fld>
             <a:endParaRPr lang="en-GB"/>
           </a:p>
@@ -1873,7 +1878,7 @@
           <a:p>
             <a:fld id="{2EE73FD0-6BC8-4D2A-943F-1CE580F74102}" type="datetime1">
               <a:rPr lang="en-GB" smtClean="0"/>
-              <a:t>16/04/2025</a:t>
+              <a:t>25/04/2025</a:t>
             </a:fld>
             <a:endParaRPr lang="en-GB"/>
           </a:p>
@@ -2288,7 +2293,7 @@
           <a:p>
             <a:fld id="{5F74465D-695A-43BB-A2E4-5D251AF1F3FB}" type="datetime1">
               <a:rPr lang="en-GB" smtClean="0"/>
-              <a:t>16/04/2025</a:t>
+              <a:t>25/04/2025</a:t>
             </a:fld>
             <a:endParaRPr lang="en-GB"/>
           </a:p>
@@ -2430,7 +2435,7 @@
           <a:p>
             <a:fld id="{88357162-6A14-4212-A0A4-5C19A1008B56}" type="datetime1">
               <a:rPr lang="en-GB" smtClean="0"/>
-              <a:t>16/04/2025</a:t>
+              <a:t>25/04/2025</a:t>
             </a:fld>
             <a:endParaRPr lang="en-GB"/>
           </a:p>
@@ -2543,7 +2548,7 @@
           <a:p>
             <a:fld id="{460961C2-EC52-4AA6-8B9A-E569488EF0AE}" type="datetime1">
               <a:rPr lang="en-GB" smtClean="0"/>
-              <a:t>16/04/2025</a:t>
+              <a:t>25/04/2025</a:t>
             </a:fld>
             <a:endParaRPr lang="en-GB"/>
           </a:p>
@@ -2856,7 +2861,7 @@
           <a:p>
             <a:fld id="{65D047CA-679E-4D26-97BE-4B49DD2A0BD5}" type="datetime1">
               <a:rPr lang="en-GB" smtClean="0"/>
-              <a:t>16/04/2025</a:t>
+              <a:t>25/04/2025</a:t>
             </a:fld>
             <a:endParaRPr lang="en-GB"/>
           </a:p>
@@ -3145,7 +3150,7 @@
           <a:p>
             <a:fld id="{5F7E52EE-56F2-41D1-BEFA-1CD00EAC2057}" type="datetime1">
               <a:rPr lang="en-GB" smtClean="0"/>
-              <a:t>16/04/2025</a:t>
+              <a:t>25/04/2025</a:t>
             </a:fld>
             <a:endParaRPr lang="en-GB"/>
           </a:p>
@@ -3388,7 +3393,7 @@
           <a:p>
             <a:fld id="{0C33FE3F-F1C9-475B-A681-8D66ED612CC1}" type="datetime1">
               <a:rPr lang="en-GB" smtClean="0"/>
-              <a:t>16/04/2025</a:t>
+              <a:t>25/04/2025</a:t>
             </a:fld>
             <a:endParaRPr lang="en-GB"/>
           </a:p>
@@ -5098,14 +5103,6 @@
           <a:lstStyle/>
           <a:p>
             <a:r>
-              <a:rPr lang="cs-CZ" sz="4000" dirty="0">
-                <a:solidFill>
-                  <a:srgbClr val="FF0000"/>
-                </a:solidFill>
-              </a:rPr>
-              <a:t>Ukázka aplikace - </a:t>
-            </a:r>
-            <a:r>
               <a:rPr lang="en-GB" sz="4000" dirty="0" err="1">
                 <a:solidFill>
                   <a:srgbClr val="FF0000"/>
@@ -8047,6 +8044,3951 @@
       </p:grpSpPr>
       <p:sp>
         <p:nvSpPr>
+          <p:cNvPr id="5" name="Zástupný symbol pro číslo snímku 4">
+            <a:extLst>
+              <a:ext uri="{FF2B5EF4-FFF2-40B4-BE49-F238E27FC236}">
+                <a16:creationId xmlns:a16="http://schemas.microsoft.com/office/drawing/2014/main" id="{EDC81BE0-AE93-512D-ED9F-52A2F9287C82}"/>
+              </a:ext>
+            </a:extLst>
+          </p:cNvPr>
+          <p:cNvSpPr>
+            <a:spLocks noGrp="1"/>
+          </p:cNvSpPr>
+          <p:nvPr>
+            <p:ph type="sldNum" sz="quarter" idx="12"/>
+          </p:nvPr>
+        </p:nvSpPr>
+        <p:spPr/>
+        <p:txBody>
+          <a:bodyPr/>
+          <a:lstStyle/>
+          <a:p>
+            <a:fld id="{2396986B-09E1-422F-9D6D-F3432B0D2D09}" type="slidenum">
+              <a:rPr lang="en-GB" smtClean="0"/>
+              <a:t>19</a:t>
+            </a:fld>
+            <a:endParaRPr lang="en-GB"/>
+          </a:p>
+        </p:txBody>
+      </p:sp>
+      <p:sp>
+        <p:nvSpPr>
+          <p:cNvPr id="6" name="Obdélník 5">
+            <a:extLst>
+              <a:ext uri="{FF2B5EF4-FFF2-40B4-BE49-F238E27FC236}">
+                <a16:creationId xmlns:a16="http://schemas.microsoft.com/office/drawing/2014/main" id="{193D11DB-07F8-D5DE-6428-77E8C615242A}"/>
+              </a:ext>
+            </a:extLst>
+          </p:cNvPr>
+          <p:cNvSpPr/>
+          <p:nvPr/>
+        </p:nvSpPr>
+        <p:spPr>
+          <a:xfrm>
+            <a:off x="0" y="-1"/>
+            <a:ext cx="12192000" cy="1116703"/>
+          </a:xfrm>
+          <a:prstGeom prst="rect">
+            <a:avLst/>
+          </a:prstGeom>
+          <a:solidFill>
+            <a:schemeClr val="bg2"/>
+          </a:solidFill>
+          <a:ln>
+            <a:noFill/>
+          </a:ln>
+        </p:spPr>
+        <p:style>
+          <a:lnRef idx="2">
+            <a:schemeClr val="accent1">
+              <a:shade val="15000"/>
+            </a:schemeClr>
+          </a:lnRef>
+          <a:fillRef idx="1">
+            <a:schemeClr val="accent1"/>
+          </a:fillRef>
+          <a:effectRef idx="0">
+            <a:schemeClr val="accent1"/>
+          </a:effectRef>
+          <a:fontRef idx="minor">
+            <a:schemeClr val="lt1"/>
+          </a:fontRef>
+        </p:style>
+        <p:txBody>
+          <a:bodyPr rtlCol="0" anchor="ctr"/>
+          <a:lstStyle/>
+          <a:p>
+            <a:pPr algn="ctr"/>
+            <a:endParaRPr lang="en-GB"/>
+          </a:p>
+        </p:txBody>
+      </p:sp>
+      <p:sp>
+        <p:nvSpPr>
+          <p:cNvPr id="7" name="Nadpis 1">
+            <a:extLst>
+              <a:ext uri="{FF2B5EF4-FFF2-40B4-BE49-F238E27FC236}">
+                <a16:creationId xmlns:a16="http://schemas.microsoft.com/office/drawing/2014/main" id="{5CDBF2F6-39B9-B716-8D02-3199B6B25AC7}"/>
+              </a:ext>
+            </a:extLst>
+          </p:cNvPr>
+          <p:cNvSpPr>
+            <a:spLocks noGrp="1"/>
+          </p:cNvSpPr>
+          <p:nvPr>
+            <p:ph type="title"/>
+          </p:nvPr>
+        </p:nvSpPr>
+        <p:spPr>
+          <a:xfrm>
+            <a:off x="0" y="0"/>
+            <a:ext cx="10515600" cy="1325563"/>
+          </a:xfrm>
+        </p:spPr>
+        <p:txBody>
+          <a:bodyPr/>
+          <a:lstStyle/>
+          <a:p>
+            <a:r>
+              <a:rPr lang="cs-CZ" dirty="0">
+                <a:solidFill>
+                  <a:srgbClr val="FF0000"/>
+                </a:solidFill>
+              </a:rPr>
+              <a:t>Testování</a:t>
+            </a:r>
+            <a:endParaRPr lang="en-GB" dirty="0">
+              <a:solidFill>
+                <a:srgbClr val="FF0000"/>
+              </a:solidFill>
+            </a:endParaRPr>
+          </a:p>
+        </p:txBody>
+      </p:sp>
+      <p:sp>
+        <p:nvSpPr>
+          <p:cNvPr id="8" name="Zástupný obsah 3">
+            <a:extLst>
+              <a:ext uri="{FF2B5EF4-FFF2-40B4-BE49-F238E27FC236}">
+                <a16:creationId xmlns:a16="http://schemas.microsoft.com/office/drawing/2014/main" id="{4FEE6EB0-7D9E-2705-8E06-B3CD49C61B8E}"/>
+              </a:ext>
+            </a:extLst>
+          </p:cNvPr>
+          <p:cNvSpPr txBox="1">
+            <a:spLocks/>
+          </p:cNvSpPr>
+          <p:nvPr/>
+        </p:nvSpPr>
+        <p:spPr>
+          <a:xfrm>
+            <a:off x="437515" y="1456426"/>
+            <a:ext cx="11172594" cy="4351338"/>
+          </a:xfrm>
+          <a:prstGeom prst="rect">
+            <a:avLst/>
+          </a:prstGeom>
+        </p:spPr>
+        <p:txBody>
+          <a:bodyPr vert="horz" lIns="91440" tIns="45720" rIns="91440" bIns="45720" rtlCol="0">
+            <a:normAutofit fontScale="85000" lnSpcReduction="20000"/>
+          </a:bodyPr>
+          <a:lstStyle>
+            <a:lvl1pPr marL="228600" indent="-228600" algn="l" defTabSz="914400" rtl="0" eaLnBrk="1" latinLnBrk="0" hangingPunct="1">
+              <a:lnSpc>
+                <a:spcPct val="90000"/>
+              </a:lnSpc>
+              <a:spcBef>
+                <a:spcPts val="1000"/>
+              </a:spcBef>
+              <a:buFont typeface="Arial" panose="020B0604020202020204" pitchFamily="34" charset="0"/>
+              <a:buChar char="•"/>
+              <a:defRPr sz="2800" kern="1200">
+                <a:solidFill>
+                  <a:schemeClr val="tx1"/>
+                </a:solidFill>
+                <a:latin typeface="+mn-lt"/>
+                <a:ea typeface="+mn-ea"/>
+                <a:cs typeface="+mn-cs"/>
+              </a:defRPr>
+            </a:lvl1pPr>
+            <a:lvl2pPr marL="685800" indent="-228600" algn="l" defTabSz="914400" rtl="0" eaLnBrk="1" latinLnBrk="0" hangingPunct="1">
+              <a:lnSpc>
+                <a:spcPct val="90000"/>
+              </a:lnSpc>
+              <a:spcBef>
+                <a:spcPts val="500"/>
+              </a:spcBef>
+              <a:buFont typeface="Arial" panose="020B0604020202020204" pitchFamily="34" charset="0"/>
+              <a:buChar char="•"/>
+              <a:defRPr sz="2400" kern="1200">
+                <a:solidFill>
+                  <a:schemeClr val="tx1"/>
+                </a:solidFill>
+                <a:latin typeface="+mn-lt"/>
+                <a:ea typeface="+mn-ea"/>
+                <a:cs typeface="+mn-cs"/>
+              </a:defRPr>
+            </a:lvl2pPr>
+            <a:lvl3pPr marL="1143000" indent="-228600" algn="l" defTabSz="914400" rtl="0" eaLnBrk="1" latinLnBrk="0" hangingPunct="1">
+              <a:lnSpc>
+                <a:spcPct val="90000"/>
+              </a:lnSpc>
+              <a:spcBef>
+                <a:spcPts val="500"/>
+              </a:spcBef>
+              <a:buFont typeface="Arial" panose="020B0604020202020204" pitchFamily="34" charset="0"/>
+              <a:buChar char="•"/>
+              <a:defRPr sz="2000" kern="1200">
+                <a:solidFill>
+                  <a:schemeClr val="tx1"/>
+                </a:solidFill>
+                <a:latin typeface="+mn-lt"/>
+                <a:ea typeface="+mn-ea"/>
+                <a:cs typeface="+mn-cs"/>
+              </a:defRPr>
+            </a:lvl3pPr>
+            <a:lvl4pPr marL="1600200" indent="-228600" algn="l" defTabSz="914400" rtl="0" eaLnBrk="1" latinLnBrk="0" hangingPunct="1">
+              <a:lnSpc>
+                <a:spcPct val="90000"/>
+              </a:lnSpc>
+              <a:spcBef>
+                <a:spcPts val="500"/>
+              </a:spcBef>
+              <a:buFont typeface="Arial" panose="020B0604020202020204" pitchFamily="34" charset="0"/>
+              <a:buChar char="•"/>
+              <a:defRPr sz="1800" kern="1200">
+                <a:solidFill>
+                  <a:schemeClr val="tx1"/>
+                </a:solidFill>
+                <a:latin typeface="+mn-lt"/>
+                <a:ea typeface="+mn-ea"/>
+                <a:cs typeface="+mn-cs"/>
+              </a:defRPr>
+            </a:lvl4pPr>
+            <a:lvl5pPr marL="2057400" indent="-228600" algn="l" defTabSz="914400" rtl="0" eaLnBrk="1" latinLnBrk="0" hangingPunct="1">
+              <a:lnSpc>
+                <a:spcPct val="90000"/>
+              </a:lnSpc>
+              <a:spcBef>
+                <a:spcPts val="500"/>
+              </a:spcBef>
+              <a:buFont typeface="Arial" panose="020B0604020202020204" pitchFamily="34" charset="0"/>
+              <a:buChar char="•"/>
+              <a:defRPr sz="1800" kern="1200">
+                <a:solidFill>
+                  <a:schemeClr val="tx1"/>
+                </a:solidFill>
+                <a:latin typeface="+mn-lt"/>
+                <a:ea typeface="+mn-ea"/>
+                <a:cs typeface="+mn-cs"/>
+              </a:defRPr>
+            </a:lvl5pPr>
+            <a:lvl6pPr marL="2514600" indent="-228600" algn="l" defTabSz="914400" rtl="0" eaLnBrk="1" latinLnBrk="0" hangingPunct="1">
+              <a:lnSpc>
+                <a:spcPct val="90000"/>
+              </a:lnSpc>
+              <a:spcBef>
+                <a:spcPts val="500"/>
+              </a:spcBef>
+              <a:buFont typeface="Arial" panose="020B0604020202020204" pitchFamily="34" charset="0"/>
+              <a:buChar char="•"/>
+              <a:defRPr sz="1800" kern="1200">
+                <a:solidFill>
+                  <a:schemeClr val="tx1"/>
+                </a:solidFill>
+                <a:latin typeface="+mn-lt"/>
+                <a:ea typeface="+mn-ea"/>
+                <a:cs typeface="+mn-cs"/>
+              </a:defRPr>
+            </a:lvl6pPr>
+            <a:lvl7pPr marL="2971800" indent="-228600" algn="l" defTabSz="914400" rtl="0" eaLnBrk="1" latinLnBrk="0" hangingPunct="1">
+              <a:lnSpc>
+                <a:spcPct val="90000"/>
+              </a:lnSpc>
+              <a:spcBef>
+                <a:spcPts val="500"/>
+              </a:spcBef>
+              <a:buFont typeface="Arial" panose="020B0604020202020204" pitchFamily="34" charset="0"/>
+              <a:buChar char="•"/>
+              <a:defRPr sz="1800" kern="1200">
+                <a:solidFill>
+                  <a:schemeClr val="tx1"/>
+                </a:solidFill>
+                <a:latin typeface="+mn-lt"/>
+                <a:ea typeface="+mn-ea"/>
+                <a:cs typeface="+mn-cs"/>
+              </a:defRPr>
+            </a:lvl7pPr>
+            <a:lvl8pPr marL="3429000" indent="-228600" algn="l" defTabSz="914400" rtl="0" eaLnBrk="1" latinLnBrk="0" hangingPunct="1">
+              <a:lnSpc>
+                <a:spcPct val="90000"/>
+              </a:lnSpc>
+              <a:spcBef>
+                <a:spcPts val="500"/>
+              </a:spcBef>
+              <a:buFont typeface="Arial" panose="020B0604020202020204" pitchFamily="34" charset="0"/>
+              <a:buChar char="•"/>
+              <a:defRPr sz="1800" kern="1200">
+                <a:solidFill>
+                  <a:schemeClr val="tx1"/>
+                </a:solidFill>
+                <a:latin typeface="+mn-lt"/>
+                <a:ea typeface="+mn-ea"/>
+                <a:cs typeface="+mn-cs"/>
+              </a:defRPr>
+            </a:lvl8pPr>
+            <a:lvl9pPr marL="3886200" indent="-228600" algn="l" defTabSz="914400" rtl="0" eaLnBrk="1" latinLnBrk="0" hangingPunct="1">
+              <a:lnSpc>
+                <a:spcPct val="90000"/>
+              </a:lnSpc>
+              <a:spcBef>
+                <a:spcPts val="500"/>
+              </a:spcBef>
+              <a:buFont typeface="Arial" panose="020B0604020202020204" pitchFamily="34" charset="0"/>
+              <a:buChar char="•"/>
+              <a:defRPr sz="1800" kern="1200">
+                <a:solidFill>
+                  <a:schemeClr val="tx1"/>
+                </a:solidFill>
+                <a:latin typeface="+mn-lt"/>
+                <a:ea typeface="+mn-ea"/>
+                <a:cs typeface="+mn-cs"/>
+              </a:defRPr>
+            </a:lvl9pPr>
+          </a:lstStyle>
+          <a:p>
+            <a:pPr algn="l">
+              <a:buNone/>
+            </a:pPr>
+            <a:r>
+              <a:rPr lang="en-GB" b="1" i="0" dirty="0" err="1">
+                <a:solidFill>
+                  <a:srgbClr val="030712"/>
+                </a:solidFill>
+                <a:effectLst/>
+                <a:latin typeface="ui-sans-serif"/>
+              </a:rPr>
+              <a:t>Dva</a:t>
+            </a:r>
+            <a:r>
+              <a:rPr lang="en-GB" b="1" i="0" dirty="0">
+                <a:solidFill>
+                  <a:srgbClr val="030712"/>
+                </a:solidFill>
+                <a:effectLst/>
+                <a:latin typeface="ui-sans-serif"/>
+              </a:rPr>
+              <a:t> </a:t>
+            </a:r>
+            <a:r>
+              <a:rPr lang="en-GB" b="1" i="0" dirty="0" err="1">
+                <a:solidFill>
+                  <a:srgbClr val="030712"/>
+                </a:solidFill>
+                <a:effectLst/>
+                <a:latin typeface="ui-sans-serif"/>
+              </a:rPr>
+              <a:t>základní</a:t>
+            </a:r>
+            <a:r>
+              <a:rPr lang="en-GB" b="1" i="0" dirty="0">
+                <a:solidFill>
+                  <a:srgbClr val="030712"/>
+                </a:solidFill>
+                <a:effectLst/>
+                <a:latin typeface="ui-sans-serif"/>
+              </a:rPr>
+              <a:t> </a:t>
+            </a:r>
+            <a:r>
+              <a:rPr lang="en-GB" b="1" i="0" dirty="0" err="1">
+                <a:solidFill>
+                  <a:srgbClr val="030712"/>
+                </a:solidFill>
+                <a:effectLst/>
+                <a:latin typeface="ui-sans-serif"/>
+              </a:rPr>
+              <a:t>přístupy</a:t>
+            </a:r>
+            <a:r>
+              <a:rPr lang="en-GB" b="1" i="0" dirty="0">
+                <a:solidFill>
+                  <a:srgbClr val="030712"/>
+                </a:solidFill>
+                <a:effectLst/>
+                <a:latin typeface="ui-sans-serif"/>
+              </a:rPr>
+              <a:t> k </a:t>
+            </a:r>
+            <a:r>
+              <a:rPr lang="en-GB" b="1" i="0" dirty="0" err="1">
+                <a:solidFill>
+                  <a:srgbClr val="030712"/>
+                </a:solidFill>
+                <a:effectLst/>
+                <a:latin typeface="ui-sans-serif"/>
+              </a:rPr>
+              <a:t>testování</a:t>
+            </a:r>
+            <a:r>
+              <a:rPr lang="en-GB" b="1" i="0" dirty="0">
+                <a:solidFill>
+                  <a:srgbClr val="030712"/>
+                </a:solidFill>
+                <a:effectLst/>
+                <a:latin typeface="ui-sans-serif"/>
+              </a:rPr>
+              <a:t>:</a:t>
+            </a:r>
+          </a:p>
+          <a:p>
+            <a:pPr algn="l">
+              <a:spcBef>
+                <a:spcPts val="1200"/>
+              </a:spcBef>
+              <a:buNone/>
+            </a:pPr>
+            <a:r>
+              <a:rPr lang="en-GB" b="0" i="0" dirty="0">
+                <a:solidFill>
+                  <a:srgbClr val="030712"/>
+                </a:solidFill>
+                <a:effectLst/>
+                <a:latin typeface="ui-sans-serif"/>
+              </a:rPr>
+              <a:t>1. Manuální </a:t>
+            </a:r>
+            <a:r>
+              <a:rPr lang="en-GB" b="0" i="0" dirty="0" err="1">
+                <a:solidFill>
+                  <a:srgbClr val="030712"/>
+                </a:solidFill>
+                <a:effectLst/>
+                <a:latin typeface="ui-sans-serif"/>
+              </a:rPr>
+              <a:t>testování</a:t>
+            </a:r>
+            <a:r>
+              <a:rPr lang="en-GB" b="0" i="0" dirty="0">
+                <a:solidFill>
+                  <a:srgbClr val="030712"/>
+                </a:solidFill>
+                <a:effectLst/>
+                <a:latin typeface="ui-sans-serif"/>
+              </a:rPr>
+              <a:t> UI a </a:t>
+            </a:r>
+            <a:r>
+              <a:rPr lang="en-GB" b="0" i="0" dirty="0" err="1">
+                <a:solidFill>
+                  <a:srgbClr val="030712"/>
+                </a:solidFill>
+                <a:effectLst/>
+                <a:latin typeface="ui-sans-serif"/>
+              </a:rPr>
+              <a:t>funkčnosti</a:t>
+            </a:r>
+            <a:endParaRPr lang="en-GB" b="0" i="0" dirty="0">
+              <a:solidFill>
+                <a:srgbClr val="030712"/>
+              </a:solidFill>
+              <a:effectLst/>
+              <a:latin typeface="ui-sans-serif"/>
+            </a:endParaRPr>
+          </a:p>
+          <a:p>
+            <a:pPr lvl="1">
+              <a:spcBef>
+                <a:spcPts val="1200"/>
+              </a:spcBef>
+            </a:pPr>
+            <a:r>
+              <a:rPr lang="en-GB" b="0" i="0" dirty="0" err="1">
+                <a:solidFill>
+                  <a:srgbClr val="030712"/>
+                </a:solidFill>
+                <a:effectLst/>
+                <a:latin typeface="ui-sans-serif"/>
+              </a:rPr>
+              <a:t>Testování</a:t>
+            </a:r>
+            <a:r>
+              <a:rPr lang="en-GB" b="0" i="0" dirty="0">
+                <a:solidFill>
+                  <a:srgbClr val="030712"/>
+                </a:solidFill>
+                <a:effectLst/>
+                <a:latin typeface="ui-sans-serif"/>
+              </a:rPr>
+              <a:t> </a:t>
+            </a:r>
+            <a:r>
+              <a:rPr lang="en-GB" b="0" i="0" dirty="0" err="1">
+                <a:solidFill>
+                  <a:srgbClr val="030712"/>
+                </a:solidFill>
+                <a:effectLst/>
+                <a:latin typeface="ui-sans-serif"/>
+              </a:rPr>
+              <a:t>uživatelského</a:t>
+            </a:r>
+            <a:r>
+              <a:rPr lang="en-GB" b="0" i="0" dirty="0">
+                <a:solidFill>
+                  <a:srgbClr val="030712"/>
+                </a:solidFill>
+                <a:effectLst/>
+                <a:latin typeface="ui-sans-serif"/>
+              </a:rPr>
+              <a:t> </a:t>
+            </a:r>
+            <a:r>
+              <a:rPr lang="en-GB" b="0" i="0" dirty="0" err="1">
+                <a:solidFill>
+                  <a:srgbClr val="030712"/>
+                </a:solidFill>
+                <a:effectLst/>
+                <a:latin typeface="ui-sans-serif"/>
+              </a:rPr>
+              <a:t>rozhraní</a:t>
+            </a:r>
+            <a:endParaRPr lang="en-GB" b="0" i="0" dirty="0">
+              <a:solidFill>
+                <a:srgbClr val="030712"/>
+              </a:solidFill>
+              <a:effectLst/>
+              <a:latin typeface="ui-sans-serif"/>
+            </a:endParaRPr>
+          </a:p>
+          <a:p>
+            <a:pPr lvl="1">
+              <a:spcBef>
+                <a:spcPts val="1200"/>
+              </a:spcBef>
+            </a:pPr>
+            <a:r>
+              <a:rPr lang="en-GB" b="0" i="0" dirty="0" err="1">
+                <a:solidFill>
+                  <a:srgbClr val="030712"/>
+                </a:solidFill>
+                <a:effectLst/>
+                <a:latin typeface="ui-sans-serif"/>
+              </a:rPr>
+              <a:t>Ověření</a:t>
+            </a:r>
+            <a:r>
+              <a:rPr lang="en-GB" b="0" i="0" dirty="0">
+                <a:solidFill>
+                  <a:srgbClr val="030712"/>
+                </a:solidFill>
+                <a:effectLst/>
+                <a:latin typeface="ui-sans-serif"/>
+              </a:rPr>
+              <a:t> </a:t>
+            </a:r>
+            <a:r>
+              <a:rPr lang="en-GB" b="0" i="0" dirty="0" err="1">
+                <a:solidFill>
+                  <a:srgbClr val="030712"/>
+                </a:solidFill>
+                <a:effectLst/>
+                <a:latin typeface="ui-sans-serif"/>
+              </a:rPr>
+              <a:t>spojení</a:t>
+            </a:r>
+            <a:r>
+              <a:rPr lang="en-GB" b="0" i="0" dirty="0">
+                <a:solidFill>
+                  <a:srgbClr val="030712"/>
+                </a:solidFill>
+                <a:effectLst/>
+                <a:latin typeface="ui-sans-serif"/>
+              </a:rPr>
+              <a:t> </a:t>
+            </a:r>
+            <a:r>
+              <a:rPr lang="en-GB" b="0" i="0" dirty="0" err="1">
+                <a:solidFill>
+                  <a:srgbClr val="030712"/>
+                </a:solidFill>
+                <a:effectLst/>
+                <a:latin typeface="ui-sans-serif"/>
+              </a:rPr>
+              <a:t>mezi</a:t>
+            </a:r>
+            <a:r>
+              <a:rPr lang="en-GB" b="0" i="0" dirty="0">
+                <a:solidFill>
+                  <a:srgbClr val="030712"/>
+                </a:solidFill>
+                <a:effectLst/>
+                <a:latin typeface="ui-sans-serif"/>
+              </a:rPr>
+              <a:t> </a:t>
+            </a:r>
+            <a:r>
+              <a:rPr lang="en-GB" b="0" i="0" dirty="0" err="1">
+                <a:solidFill>
+                  <a:srgbClr val="030712"/>
+                </a:solidFill>
+                <a:effectLst/>
+                <a:latin typeface="ui-sans-serif"/>
+              </a:rPr>
+              <a:t>stanicemi</a:t>
+            </a:r>
+            <a:endParaRPr lang="en-GB" b="0" i="0" dirty="0">
+              <a:solidFill>
+                <a:srgbClr val="030712"/>
+              </a:solidFill>
+              <a:effectLst/>
+              <a:latin typeface="ui-sans-serif"/>
+            </a:endParaRPr>
+          </a:p>
+          <a:p>
+            <a:pPr lvl="1">
+              <a:spcBef>
+                <a:spcPts val="1200"/>
+              </a:spcBef>
+            </a:pPr>
+            <a:r>
+              <a:rPr lang="en-GB" b="0" i="0" dirty="0" err="1">
+                <a:solidFill>
+                  <a:srgbClr val="030712"/>
+                </a:solidFill>
+                <a:effectLst/>
+                <a:latin typeface="ui-sans-serif"/>
+              </a:rPr>
+              <a:t>Výměna</a:t>
+            </a:r>
+            <a:r>
+              <a:rPr lang="en-GB" b="0" i="0" dirty="0">
+                <a:solidFill>
+                  <a:srgbClr val="030712"/>
+                </a:solidFill>
+                <a:effectLst/>
+                <a:latin typeface="ui-sans-serif"/>
+              </a:rPr>
+              <a:t> </a:t>
+            </a:r>
+            <a:r>
+              <a:rPr lang="en-GB" b="0" i="0" dirty="0" err="1">
+                <a:solidFill>
+                  <a:srgbClr val="030712"/>
+                </a:solidFill>
+                <a:effectLst/>
+                <a:latin typeface="ui-sans-serif"/>
+              </a:rPr>
+              <a:t>klíčů</a:t>
+            </a:r>
+            <a:r>
+              <a:rPr lang="en-GB" b="0" i="0" dirty="0">
+                <a:solidFill>
+                  <a:srgbClr val="030712"/>
+                </a:solidFill>
+                <a:effectLst/>
+                <a:latin typeface="ui-sans-serif"/>
+              </a:rPr>
+              <a:t> a </a:t>
+            </a:r>
+            <a:r>
+              <a:rPr lang="en-GB" b="0" i="0" dirty="0" err="1">
+                <a:solidFill>
+                  <a:srgbClr val="030712"/>
+                </a:solidFill>
+                <a:effectLst/>
+                <a:latin typeface="ui-sans-serif"/>
+              </a:rPr>
+              <a:t>šifrovaná</a:t>
+            </a:r>
+            <a:r>
+              <a:rPr lang="en-GB" b="0" i="0" dirty="0">
+                <a:solidFill>
+                  <a:srgbClr val="030712"/>
+                </a:solidFill>
+                <a:effectLst/>
+                <a:latin typeface="ui-sans-serif"/>
+              </a:rPr>
+              <a:t> </a:t>
+            </a:r>
+            <a:r>
+              <a:rPr lang="en-GB" b="0" i="0" dirty="0" err="1">
+                <a:solidFill>
+                  <a:srgbClr val="030712"/>
+                </a:solidFill>
+                <a:effectLst/>
+                <a:latin typeface="ui-sans-serif"/>
+              </a:rPr>
+              <a:t>komunikace</a:t>
+            </a:r>
+            <a:endParaRPr lang="en-GB" b="0" i="0" dirty="0">
+              <a:solidFill>
+                <a:srgbClr val="030712"/>
+              </a:solidFill>
+              <a:effectLst/>
+              <a:latin typeface="ui-sans-serif"/>
+            </a:endParaRPr>
+          </a:p>
+          <a:p>
+            <a:pPr lvl="1">
+              <a:spcBef>
+                <a:spcPts val="1200"/>
+              </a:spcBef>
+            </a:pPr>
+            <a:r>
+              <a:rPr lang="en-GB" b="0" i="0" dirty="0" err="1">
+                <a:solidFill>
+                  <a:srgbClr val="030712"/>
+                </a:solidFill>
+                <a:effectLst/>
+                <a:latin typeface="ui-sans-serif"/>
+              </a:rPr>
+              <a:t>Přenos</a:t>
+            </a:r>
+            <a:r>
+              <a:rPr lang="en-GB" b="0" i="0" dirty="0">
+                <a:solidFill>
+                  <a:srgbClr val="030712"/>
+                </a:solidFill>
+                <a:effectLst/>
+                <a:latin typeface="ui-sans-serif"/>
+              </a:rPr>
+              <a:t> </a:t>
+            </a:r>
+            <a:r>
+              <a:rPr lang="en-GB" b="0" i="0" dirty="0" err="1">
+                <a:solidFill>
+                  <a:srgbClr val="030712"/>
+                </a:solidFill>
+                <a:effectLst/>
+                <a:latin typeface="ui-sans-serif"/>
+              </a:rPr>
+              <a:t>souborů</a:t>
+            </a:r>
+            <a:r>
+              <a:rPr lang="en-GB" b="0" i="0" dirty="0">
+                <a:solidFill>
+                  <a:srgbClr val="030712"/>
+                </a:solidFill>
+                <a:effectLst/>
+                <a:latin typeface="ui-sans-serif"/>
+              </a:rPr>
+              <a:t> </a:t>
+            </a:r>
+            <a:r>
+              <a:rPr lang="en-GB" b="0" i="0" dirty="0" err="1">
+                <a:solidFill>
+                  <a:srgbClr val="030712"/>
+                </a:solidFill>
+                <a:effectLst/>
+                <a:latin typeface="ui-sans-serif"/>
+              </a:rPr>
+              <a:t>různých</a:t>
+            </a:r>
+            <a:r>
+              <a:rPr lang="en-GB" b="0" i="0" dirty="0">
+                <a:solidFill>
+                  <a:srgbClr val="030712"/>
+                </a:solidFill>
+                <a:effectLst/>
+                <a:latin typeface="ui-sans-serif"/>
+              </a:rPr>
+              <a:t> </a:t>
+            </a:r>
+            <a:r>
+              <a:rPr lang="en-GB" b="0" i="0" dirty="0" err="1">
+                <a:solidFill>
+                  <a:srgbClr val="030712"/>
+                </a:solidFill>
+                <a:effectLst/>
+                <a:latin typeface="ui-sans-serif"/>
+              </a:rPr>
+              <a:t>velikostí</a:t>
+            </a:r>
+            <a:endParaRPr lang="en-GB" b="0" i="0" dirty="0">
+              <a:solidFill>
+                <a:srgbClr val="030712"/>
+              </a:solidFill>
+              <a:effectLst/>
+              <a:latin typeface="ui-sans-serif"/>
+            </a:endParaRPr>
+          </a:p>
+          <a:p>
+            <a:pPr algn="l">
+              <a:spcBef>
+                <a:spcPts val="1200"/>
+              </a:spcBef>
+              <a:buNone/>
+            </a:pPr>
+            <a:r>
+              <a:rPr lang="en-GB" b="0" i="0" dirty="0">
+                <a:solidFill>
+                  <a:srgbClr val="030712"/>
+                </a:solidFill>
+                <a:effectLst/>
+                <a:latin typeface="ui-sans-serif"/>
+              </a:rPr>
+              <a:t>2. </a:t>
+            </a:r>
+            <a:r>
+              <a:rPr lang="en-GB" b="0" i="0" dirty="0" err="1">
+                <a:solidFill>
+                  <a:srgbClr val="030712"/>
+                </a:solidFill>
+                <a:effectLst/>
+                <a:latin typeface="ui-sans-serif"/>
+              </a:rPr>
+              <a:t>Automatizované</a:t>
+            </a:r>
+            <a:r>
+              <a:rPr lang="en-GB" b="0" i="0" dirty="0">
+                <a:solidFill>
+                  <a:srgbClr val="030712"/>
+                </a:solidFill>
+                <a:effectLst/>
+                <a:latin typeface="ui-sans-serif"/>
+              </a:rPr>
+              <a:t> </a:t>
+            </a:r>
+            <a:r>
+              <a:rPr lang="en-GB" b="0" i="0" dirty="0" err="1">
+                <a:solidFill>
+                  <a:srgbClr val="030712"/>
+                </a:solidFill>
+                <a:effectLst/>
+                <a:latin typeface="ui-sans-serif"/>
+              </a:rPr>
+              <a:t>testování</a:t>
+            </a:r>
+            <a:r>
+              <a:rPr lang="en-GB" b="0" i="0" dirty="0">
+                <a:solidFill>
+                  <a:srgbClr val="030712"/>
+                </a:solidFill>
+                <a:effectLst/>
+                <a:latin typeface="ui-sans-serif"/>
+              </a:rPr>
+              <a:t> </a:t>
+            </a:r>
+            <a:r>
+              <a:rPr lang="en-GB" b="0" i="0" dirty="0" err="1">
+                <a:solidFill>
+                  <a:srgbClr val="030712"/>
+                </a:solidFill>
+                <a:effectLst/>
+                <a:latin typeface="ui-sans-serif"/>
+              </a:rPr>
+              <a:t>kombinací</a:t>
+            </a:r>
+            <a:r>
+              <a:rPr lang="en-GB" b="0" i="0" dirty="0">
+                <a:solidFill>
+                  <a:srgbClr val="030712"/>
+                </a:solidFill>
+                <a:effectLst/>
+                <a:latin typeface="ui-sans-serif"/>
+              </a:rPr>
+              <a:t> </a:t>
+            </a:r>
+            <a:r>
+              <a:rPr lang="en-GB" b="0" i="0" dirty="0" err="1">
+                <a:solidFill>
+                  <a:srgbClr val="030712"/>
+                </a:solidFill>
+                <a:effectLst/>
+                <a:latin typeface="ui-sans-serif"/>
+              </a:rPr>
+              <a:t>algoritmů</a:t>
+            </a:r>
+            <a:endParaRPr lang="en-GB" b="0" i="0" dirty="0">
+              <a:solidFill>
+                <a:srgbClr val="030712"/>
+              </a:solidFill>
+              <a:effectLst/>
+              <a:latin typeface="ui-sans-serif"/>
+            </a:endParaRPr>
+          </a:p>
+          <a:p>
+            <a:pPr lvl="1">
+              <a:spcBef>
+                <a:spcPts val="1200"/>
+              </a:spcBef>
+            </a:pPr>
+            <a:r>
+              <a:rPr lang="en-GB" b="0" i="0" dirty="0" err="1">
+                <a:solidFill>
+                  <a:srgbClr val="030712"/>
+                </a:solidFill>
+                <a:effectLst/>
+                <a:latin typeface="ui-sans-serif"/>
+              </a:rPr>
+              <a:t>Testování</a:t>
+            </a:r>
+            <a:r>
+              <a:rPr lang="en-GB" b="0" i="0" dirty="0">
+                <a:solidFill>
+                  <a:srgbClr val="030712"/>
+                </a:solidFill>
+                <a:effectLst/>
+                <a:latin typeface="ui-sans-serif"/>
+              </a:rPr>
+              <a:t> </a:t>
+            </a:r>
+            <a:r>
+              <a:rPr lang="en-GB" b="0" i="0" dirty="0" err="1">
+                <a:solidFill>
+                  <a:srgbClr val="030712"/>
+                </a:solidFill>
+                <a:effectLst/>
+                <a:latin typeface="ui-sans-serif"/>
+              </a:rPr>
+              <a:t>všech</a:t>
+            </a:r>
+            <a:r>
+              <a:rPr lang="en-GB" b="0" i="0" dirty="0">
+                <a:solidFill>
+                  <a:srgbClr val="030712"/>
+                </a:solidFill>
+                <a:effectLst/>
+                <a:latin typeface="ui-sans-serif"/>
+              </a:rPr>
+              <a:t> </a:t>
+            </a:r>
+            <a:r>
+              <a:rPr lang="en-GB" b="0" i="0" dirty="0" err="1">
+                <a:solidFill>
+                  <a:srgbClr val="030712"/>
+                </a:solidFill>
+                <a:effectLst/>
+                <a:latin typeface="ui-sans-serif"/>
+              </a:rPr>
+              <a:t>kombinací</a:t>
+            </a:r>
+            <a:r>
+              <a:rPr lang="en-GB" b="0" i="0" dirty="0">
+                <a:solidFill>
+                  <a:srgbClr val="030712"/>
+                </a:solidFill>
+                <a:effectLst/>
+                <a:latin typeface="ui-sans-serif"/>
+              </a:rPr>
+              <a:t> </a:t>
+            </a:r>
+            <a:r>
+              <a:rPr lang="en-GB" b="0" i="0" dirty="0" err="1">
+                <a:solidFill>
+                  <a:srgbClr val="030712"/>
+                </a:solidFill>
+                <a:effectLst/>
+                <a:latin typeface="ui-sans-serif"/>
+              </a:rPr>
+              <a:t>algoritmů</a:t>
+            </a:r>
+            <a:endParaRPr lang="en-GB" b="0" i="0" dirty="0">
+              <a:solidFill>
+                <a:srgbClr val="030712"/>
+              </a:solidFill>
+              <a:effectLst/>
+              <a:latin typeface="ui-sans-serif"/>
+            </a:endParaRPr>
+          </a:p>
+          <a:p>
+            <a:pPr lvl="1">
+              <a:spcBef>
+                <a:spcPts val="1200"/>
+              </a:spcBef>
+            </a:pPr>
+            <a:r>
+              <a:rPr lang="en-GB" b="0" i="0" dirty="0" err="1">
+                <a:solidFill>
+                  <a:srgbClr val="030712"/>
+                </a:solidFill>
+                <a:effectLst/>
+                <a:latin typeface="ui-sans-serif"/>
+              </a:rPr>
+              <a:t>Měření</a:t>
+            </a:r>
+            <a:r>
+              <a:rPr lang="en-GB" b="0" i="0" dirty="0">
+                <a:solidFill>
+                  <a:srgbClr val="030712"/>
+                </a:solidFill>
+                <a:effectLst/>
+                <a:latin typeface="ui-sans-serif"/>
+              </a:rPr>
+              <a:t> </a:t>
+            </a:r>
+            <a:r>
+              <a:rPr lang="en-GB" b="0" i="0" dirty="0" err="1">
+                <a:solidFill>
+                  <a:srgbClr val="030712"/>
+                </a:solidFill>
+                <a:effectLst/>
+                <a:latin typeface="ui-sans-serif"/>
+              </a:rPr>
+              <a:t>rychlosti</a:t>
+            </a:r>
+            <a:r>
+              <a:rPr lang="en-GB" b="0" i="0" dirty="0">
+                <a:solidFill>
+                  <a:srgbClr val="030712"/>
+                </a:solidFill>
+                <a:effectLst/>
+                <a:latin typeface="ui-sans-serif"/>
+              </a:rPr>
+              <a:t> </a:t>
+            </a:r>
+            <a:r>
+              <a:rPr lang="en-GB" b="0" i="0" dirty="0" err="1">
+                <a:solidFill>
+                  <a:srgbClr val="030712"/>
+                </a:solidFill>
+                <a:effectLst/>
+                <a:latin typeface="ui-sans-serif"/>
+              </a:rPr>
+              <a:t>výměny</a:t>
+            </a:r>
+            <a:r>
+              <a:rPr lang="en-GB" b="0" i="0" dirty="0">
+                <a:solidFill>
+                  <a:srgbClr val="030712"/>
+                </a:solidFill>
+                <a:effectLst/>
+                <a:latin typeface="ui-sans-serif"/>
+              </a:rPr>
+              <a:t> </a:t>
+            </a:r>
+            <a:r>
+              <a:rPr lang="en-GB" b="0" i="0" dirty="0" err="1">
+                <a:solidFill>
+                  <a:srgbClr val="030712"/>
+                </a:solidFill>
+                <a:effectLst/>
+                <a:latin typeface="ui-sans-serif"/>
+              </a:rPr>
+              <a:t>klíčů</a:t>
+            </a:r>
+            <a:endParaRPr lang="en-GB" b="0" i="0" dirty="0">
+              <a:solidFill>
+                <a:srgbClr val="030712"/>
+              </a:solidFill>
+              <a:effectLst/>
+              <a:latin typeface="ui-sans-serif"/>
+            </a:endParaRPr>
+          </a:p>
+          <a:p>
+            <a:pPr lvl="1">
+              <a:spcBef>
+                <a:spcPts val="1200"/>
+              </a:spcBef>
+            </a:pPr>
+            <a:r>
+              <a:rPr lang="en-GB" b="0" i="0" dirty="0" err="1">
+                <a:solidFill>
+                  <a:srgbClr val="030712"/>
+                </a:solidFill>
+                <a:effectLst/>
+                <a:latin typeface="ui-sans-serif"/>
+              </a:rPr>
+              <a:t>Měření</a:t>
+            </a:r>
+            <a:r>
+              <a:rPr lang="en-GB" b="0" i="0" dirty="0">
+                <a:solidFill>
+                  <a:srgbClr val="030712"/>
+                </a:solidFill>
+                <a:effectLst/>
+                <a:latin typeface="ui-sans-serif"/>
+              </a:rPr>
+              <a:t> </a:t>
+            </a:r>
+            <a:r>
+              <a:rPr lang="en-GB" b="0" i="0" dirty="0" err="1">
+                <a:solidFill>
+                  <a:srgbClr val="030712"/>
+                </a:solidFill>
+                <a:effectLst/>
+                <a:latin typeface="ui-sans-serif"/>
+              </a:rPr>
+              <a:t>rychlosti</a:t>
+            </a:r>
+            <a:r>
+              <a:rPr lang="en-GB" b="0" i="0" dirty="0">
+                <a:solidFill>
+                  <a:srgbClr val="030712"/>
+                </a:solidFill>
+                <a:effectLst/>
+                <a:latin typeface="ui-sans-serif"/>
+              </a:rPr>
+              <a:t> </a:t>
+            </a:r>
+            <a:r>
+              <a:rPr lang="en-GB" b="0" i="0" dirty="0" err="1">
+                <a:solidFill>
+                  <a:srgbClr val="030712"/>
+                </a:solidFill>
+                <a:effectLst/>
+                <a:latin typeface="ui-sans-serif"/>
+              </a:rPr>
+              <a:t>přenosu</a:t>
+            </a:r>
+            <a:r>
+              <a:rPr lang="en-GB" b="0" i="0" dirty="0">
+                <a:solidFill>
+                  <a:srgbClr val="030712"/>
+                </a:solidFill>
+                <a:effectLst/>
+                <a:latin typeface="ui-sans-serif"/>
+              </a:rPr>
+              <a:t> </a:t>
+            </a:r>
+            <a:r>
+              <a:rPr lang="en-GB" b="0" i="0" dirty="0" err="1">
+                <a:solidFill>
+                  <a:srgbClr val="030712"/>
+                </a:solidFill>
+                <a:effectLst/>
+                <a:latin typeface="ui-sans-serif"/>
+              </a:rPr>
+              <a:t>souborů</a:t>
+            </a:r>
+            <a:endParaRPr lang="en-GB" b="0" i="0" dirty="0">
+              <a:solidFill>
+                <a:srgbClr val="030712"/>
+              </a:solidFill>
+              <a:effectLst/>
+              <a:latin typeface="ui-sans-serif"/>
+            </a:endParaRPr>
+          </a:p>
+          <a:p>
+            <a:pPr lvl="1">
+              <a:spcBef>
+                <a:spcPts val="1200"/>
+              </a:spcBef>
+            </a:pPr>
+            <a:r>
+              <a:rPr lang="en-GB" b="0" i="0" dirty="0" err="1">
+                <a:solidFill>
+                  <a:srgbClr val="030712"/>
+                </a:solidFill>
+                <a:effectLst/>
+                <a:latin typeface="ui-sans-serif"/>
+              </a:rPr>
+              <a:t>Generování</a:t>
+            </a:r>
+            <a:r>
+              <a:rPr lang="en-GB" b="0" i="0" dirty="0">
+                <a:solidFill>
+                  <a:srgbClr val="030712"/>
+                </a:solidFill>
+                <a:effectLst/>
+                <a:latin typeface="ui-sans-serif"/>
+              </a:rPr>
+              <a:t> </a:t>
+            </a:r>
+            <a:r>
+              <a:rPr lang="en-GB" b="0" i="0" dirty="0" err="1">
+                <a:solidFill>
+                  <a:srgbClr val="030712"/>
+                </a:solidFill>
+                <a:effectLst/>
+                <a:latin typeface="ui-sans-serif"/>
+              </a:rPr>
+              <a:t>podrobných</a:t>
+            </a:r>
+            <a:r>
+              <a:rPr lang="en-GB" b="0" i="0" dirty="0">
+                <a:solidFill>
+                  <a:srgbClr val="030712"/>
+                </a:solidFill>
+                <a:effectLst/>
+                <a:latin typeface="ui-sans-serif"/>
+              </a:rPr>
+              <a:t> </a:t>
+            </a:r>
+            <a:r>
+              <a:rPr lang="en-GB" b="0" i="0" dirty="0" err="1">
+                <a:solidFill>
+                  <a:srgbClr val="030712"/>
+                </a:solidFill>
+                <a:effectLst/>
+                <a:latin typeface="ui-sans-serif"/>
+              </a:rPr>
+              <a:t>reportů</a:t>
+            </a:r>
+            <a:endParaRPr lang="en-GB" b="0" i="0" dirty="0">
+              <a:solidFill>
+                <a:srgbClr val="030712"/>
+              </a:solidFill>
+              <a:effectLst/>
+              <a:latin typeface="ui-sans-serif"/>
+            </a:endParaRPr>
+          </a:p>
+        </p:txBody>
+      </p:sp>
+      <p:pic>
+        <p:nvPicPr>
+          <p:cNvPr id="9" name="Obrázek 8">
+            <a:extLst>
+              <a:ext uri="{FF2B5EF4-FFF2-40B4-BE49-F238E27FC236}">
+                <a16:creationId xmlns:a16="http://schemas.microsoft.com/office/drawing/2014/main" id="{E7A66BB3-807A-4ABD-3C09-C6EA6598D297}"/>
+              </a:ext>
+            </a:extLst>
+          </p:cNvPr>
+          <p:cNvPicPr>
+            <a:picLocks noChangeAspect="1"/>
+          </p:cNvPicPr>
+          <p:nvPr/>
+        </p:nvPicPr>
+        <p:blipFill>
+          <a:blip r:embed="rId2"/>
+          <a:stretch>
+            <a:fillRect/>
+          </a:stretch>
+        </p:blipFill>
+        <p:spPr>
+          <a:xfrm>
+            <a:off x="10113527" y="299406"/>
+            <a:ext cx="1556365" cy="493482"/>
+          </a:xfrm>
+          <a:prstGeom prst="rect">
+            <a:avLst/>
+          </a:prstGeom>
+        </p:spPr>
+      </p:pic>
+      <p:sp>
+        <p:nvSpPr>
+          <p:cNvPr id="10" name="Obdélník 9">
+            <a:extLst>
+              <a:ext uri="{FF2B5EF4-FFF2-40B4-BE49-F238E27FC236}">
+                <a16:creationId xmlns:a16="http://schemas.microsoft.com/office/drawing/2014/main" id="{3794559E-0FD6-875B-1586-C4461A5EDC6B}"/>
+              </a:ext>
+            </a:extLst>
+          </p:cNvPr>
+          <p:cNvSpPr/>
+          <p:nvPr/>
+        </p:nvSpPr>
+        <p:spPr>
+          <a:xfrm>
+            <a:off x="-1349" y="1070983"/>
+            <a:ext cx="860453" cy="45719"/>
+          </a:xfrm>
+          <a:prstGeom prst="rect">
+            <a:avLst/>
+          </a:prstGeom>
+          <a:solidFill>
+            <a:srgbClr val="FF0000"/>
+          </a:solidFill>
+          <a:ln>
+            <a:noFill/>
+          </a:ln>
+        </p:spPr>
+        <p:style>
+          <a:lnRef idx="2">
+            <a:schemeClr val="accent1">
+              <a:shade val="15000"/>
+            </a:schemeClr>
+          </a:lnRef>
+          <a:fillRef idx="1">
+            <a:schemeClr val="accent1"/>
+          </a:fillRef>
+          <a:effectRef idx="0">
+            <a:schemeClr val="accent1"/>
+          </a:effectRef>
+          <a:fontRef idx="minor">
+            <a:schemeClr val="lt1"/>
+          </a:fontRef>
+        </p:style>
+        <p:txBody>
+          <a:bodyPr rtlCol="0" anchor="ctr"/>
+          <a:lstStyle/>
+          <a:p>
+            <a:pPr algn="ctr"/>
+            <a:endParaRPr lang="en-GB"/>
+          </a:p>
+        </p:txBody>
+      </p:sp>
+    </p:spTree>
+    <p:extLst>
+      <p:ext uri="{BB962C8B-B14F-4D97-AF65-F5344CB8AC3E}">
+        <p14:creationId xmlns:p14="http://schemas.microsoft.com/office/powerpoint/2010/main" val="2975547985"/>
+      </p:ext>
+    </p:extLst>
+  </p:cSld>
+  <p:clrMapOvr>
+    <a:masterClrMapping/>
+  </p:clrMapOvr>
+</p:sld>
+</file>
+
+<file path=ppt/slides/slide2.xml><?xml version="1.0" encoding="utf-8"?>
+<p:sld xmlns:a="http://schemas.openxmlformats.org/drawingml/2006/main" xmlns:r="http://schemas.openxmlformats.org/officeDocument/2006/relationships" xmlns:p="http://schemas.openxmlformats.org/presentationml/2006/main">
+  <p:cSld>
+    <p:spTree>
+      <p:nvGrpSpPr>
+        <p:cNvPr id="1" name=""/>
+        <p:cNvGrpSpPr/>
+        <p:nvPr/>
+      </p:nvGrpSpPr>
+      <p:grpSpPr>
+        <a:xfrm>
+          <a:off x="0" y="0"/>
+          <a:ext cx="0" cy="0"/>
+          <a:chOff x="0" y="0"/>
+          <a:chExt cx="0" cy="0"/>
+        </a:xfrm>
+      </p:grpSpPr>
+      <p:sp>
+        <p:nvSpPr>
+          <p:cNvPr id="5" name="Obdélník 4">
+            <a:extLst>
+              <a:ext uri="{FF2B5EF4-FFF2-40B4-BE49-F238E27FC236}">
+                <a16:creationId xmlns:a16="http://schemas.microsoft.com/office/drawing/2014/main" id="{C7CB94EB-D1D3-2704-6E65-6FC4D559AE01}"/>
+              </a:ext>
+            </a:extLst>
+          </p:cNvPr>
+          <p:cNvSpPr/>
+          <p:nvPr/>
+        </p:nvSpPr>
+        <p:spPr>
+          <a:xfrm>
+            <a:off x="0" y="-1"/>
+            <a:ext cx="12192000" cy="1116703"/>
+          </a:xfrm>
+          <a:prstGeom prst="rect">
+            <a:avLst/>
+          </a:prstGeom>
+          <a:solidFill>
+            <a:schemeClr val="bg2"/>
+          </a:solidFill>
+          <a:ln>
+            <a:noFill/>
+          </a:ln>
+        </p:spPr>
+        <p:style>
+          <a:lnRef idx="2">
+            <a:schemeClr val="accent1">
+              <a:shade val="15000"/>
+            </a:schemeClr>
+          </a:lnRef>
+          <a:fillRef idx="1">
+            <a:schemeClr val="accent1"/>
+          </a:fillRef>
+          <a:effectRef idx="0">
+            <a:schemeClr val="accent1"/>
+          </a:effectRef>
+          <a:fontRef idx="minor">
+            <a:schemeClr val="lt1"/>
+          </a:fontRef>
+        </p:style>
+        <p:txBody>
+          <a:bodyPr rtlCol="0" anchor="ctr"/>
+          <a:lstStyle/>
+          <a:p>
+            <a:pPr algn="ctr"/>
+            <a:endParaRPr lang="en-GB"/>
+          </a:p>
+        </p:txBody>
+      </p:sp>
+      <p:sp>
+        <p:nvSpPr>
+          <p:cNvPr id="2" name="Nadpis 1">
+            <a:extLst>
+              <a:ext uri="{FF2B5EF4-FFF2-40B4-BE49-F238E27FC236}">
+                <a16:creationId xmlns:a16="http://schemas.microsoft.com/office/drawing/2014/main" id="{D9AF3CC2-4CFB-28A4-DDA3-04D10EBB8BC5}"/>
+              </a:ext>
+            </a:extLst>
+          </p:cNvPr>
+          <p:cNvSpPr>
+            <a:spLocks noGrp="1"/>
+          </p:cNvSpPr>
+          <p:nvPr>
+            <p:ph type="title"/>
+          </p:nvPr>
+        </p:nvSpPr>
+        <p:spPr>
+          <a:xfrm>
+            <a:off x="0" y="-2"/>
+            <a:ext cx="10515600" cy="1325563"/>
+          </a:xfrm>
+        </p:spPr>
+        <p:txBody>
+          <a:bodyPr/>
+          <a:lstStyle/>
+          <a:p>
+            <a:r>
+              <a:rPr lang="cs-CZ" dirty="0">
+                <a:solidFill>
+                  <a:srgbClr val="FF0000"/>
+                </a:solidFill>
+              </a:rPr>
+              <a:t>OBSAH</a:t>
+            </a:r>
+            <a:endParaRPr lang="en-GB" dirty="0">
+              <a:solidFill>
+                <a:srgbClr val="FF0000"/>
+              </a:solidFill>
+            </a:endParaRPr>
+          </a:p>
+        </p:txBody>
+      </p:sp>
+      <p:sp>
+        <p:nvSpPr>
+          <p:cNvPr id="3" name="Zástupný obsah 2">
+            <a:extLst>
+              <a:ext uri="{FF2B5EF4-FFF2-40B4-BE49-F238E27FC236}">
+                <a16:creationId xmlns:a16="http://schemas.microsoft.com/office/drawing/2014/main" id="{D4501A3E-9FD8-3D2D-03F5-FF97516784B2}"/>
+              </a:ext>
+            </a:extLst>
+          </p:cNvPr>
+          <p:cNvSpPr>
+            <a:spLocks noGrp="1"/>
+          </p:cNvSpPr>
+          <p:nvPr>
+            <p:ph idx="1"/>
+          </p:nvPr>
+        </p:nvSpPr>
+        <p:spPr>
+          <a:xfrm>
+            <a:off x="376109" y="1665286"/>
+            <a:ext cx="10515600" cy="4351338"/>
+          </a:xfrm>
+        </p:spPr>
+        <p:txBody>
+          <a:bodyPr/>
+          <a:lstStyle/>
+          <a:p>
+            <a:r>
+              <a:rPr lang="cs-CZ" dirty="0"/>
+              <a:t>Popis projektu</a:t>
+            </a:r>
+          </a:p>
+          <a:p>
+            <a:r>
+              <a:rPr lang="cs-CZ" dirty="0"/>
+              <a:t>Cíle projektu</a:t>
+            </a:r>
+          </a:p>
+          <a:p>
+            <a:r>
+              <a:rPr lang="cs-CZ" dirty="0"/>
+              <a:t>Klíčové funkce</a:t>
+            </a:r>
+          </a:p>
+          <a:p>
+            <a:r>
+              <a:rPr lang="cs-CZ" dirty="0"/>
+              <a:t>Architektura</a:t>
+            </a:r>
+          </a:p>
+          <a:p>
+            <a:r>
+              <a:rPr lang="cs-CZ" dirty="0"/>
+              <a:t>Bezpečnostní model</a:t>
+            </a:r>
+          </a:p>
+          <a:p>
+            <a:r>
+              <a:rPr lang="cs-CZ" dirty="0"/>
+              <a:t>Implementace</a:t>
+            </a:r>
+          </a:p>
+          <a:p>
+            <a:r>
+              <a:rPr lang="cs-CZ" dirty="0"/>
+              <a:t>Datové toky a komunikace</a:t>
+            </a:r>
+          </a:p>
+          <a:p>
+            <a:r>
+              <a:rPr lang="cs-CZ" dirty="0"/>
+              <a:t>Popis a ukázka samotné aplikace</a:t>
+            </a:r>
+          </a:p>
+          <a:p>
+            <a:endParaRPr lang="en-GB" dirty="0"/>
+          </a:p>
+        </p:txBody>
+      </p:sp>
+      <p:sp>
+        <p:nvSpPr>
+          <p:cNvPr id="4" name="Zástupný symbol pro číslo snímku 3">
+            <a:extLst>
+              <a:ext uri="{FF2B5EF4-FFF2-40B4-BE49-F238E27FC236}">
+                <a16:creationId xmlns:a16="http://schemas.microsoft.com/office/drawing/2014/main" id="{3A8AB913-2710-BF92-C629-B5E9CA8A442B}"/>
+              </a:ext>
+            </a:extLst>
+          </p:cNvPr>
+          <p:cNvSpPr>
+            <a:spLocks noGrp="1"/>
+          </p:cNvSpPr>
+          <p:nvPr>
+            <p:ph type="sldNum" sz="quarter" idx="12"/>
+          </p:nvPr>
+        </p:nvSpPr>
+        <p:spPr/>
+        <p:txBody>
+          <a:bodyPr/>
+          <a:lstStyle/>
+          <a:p>
+            <a:fld id="{2396986B-09E1-422F-9D6D-F3432B0D2D09}" type="slidenum">
+              <a:rPr lang="en-GB" smtClean="0"/>
+              <a:t>2</a:t>
+            </a:fld>
+            <a:endParaRPr lang="en-GB"/>
+          </a:p>
+        </p:txBody>
+      </p:sp>
+      <p:pic>
+        <p:nvPicPr>
+          <p:cNvPr id="6" name="Obrázek 5">
+            <a:extLst>
+              <a:ext uri="{FF2B5EF4-FFF2-40B4-BE49-F238E27FC236}">
+                <a16:creationId xmlns:a16="http://schemas.microsoft.com/office/drawing/2014/main" id="{C7C244FB-33ED-3125-D602-1497A397DE7B}"/>
+              </a:ext>
+            </a:extLst>
+          </p:cNvPr>
+          <p:cNvPicPr>
+            <a:picLocks noChangeAspect="1"/>
+          </p:cNvPicPr>
+          <p:nvPr/>
+        </p:nvPicPr>
+        <p:blipFill>
+          <a:blip r:embed="rId2"/>
+          <a:stretch>
+            <a:fillRect/>
+          </a:stretch>
+        </p:blipFill>
+        <p:spPr>
+          <a:xfrm>
+            <a:off x="10113527" y="299406"/>
+            <a:ext cx="1556365" cy="493482"/>
+          </a:xfrm>
+          <a:prstGeom prst="rect">
+            <a:avLst/>
+          </a:prstGeom>
+        </p:spPr>
+      </p:pic>
+      <p:sp>
+        <p:nvSpPr>
+          <p:cNvPr id="7" name="Obdélník 6">
+            <a:extLst>
+              <a:ext uri="{FF2B5EF4-FFF2-40B4-BE49-F238E27FC236}">
+                <a16:creationId xmlns:a16="http://schemas.microsoft.com/office/drawing/2014/main" id="{957EB5CA-2910-AFC9-FB4A-E53911462726}"/>
+              </a:ext>
+            </a:extLst>
+          </p:cNvPr>
+          <p:cNvSpPr/>
+          <p:nvPr/>
+        </p:nvSpPr>
+        <p:spPr>
+          <a:xfrm>
+            <a:off x="-1349" y="1070983"/>
+            <a:ext cx="860453" cy="45719"/>
+          </a:xfrm>
+          <a:prstGeom prst="rect">
+            <a:avLst/>
+          </a:prstGeom>
+          <a:solidFill>
+            <a:srgbClr val="FF0000"/>
+          </a:solidFill>
+          <a:ln>
+            <a:noFill/>
+          </a:ln>
+        </p:spPr>
+        <p:style>
+          <a:lnRef idx="2">
+            <a:schemeClr val="accent1">
+              <a:shade val="15000"/>
+            </a:schemeClr>
+          </a:lnRef>
+          <a:fillRef idx="1">
+            <a:schemeClr val="accent1"/>
+          </a:fillRef>
+          <a:effectRef idx="0">
+            <a:schemeClr val="accent1"/>
+          </a:effectRef>
+          <a:fontRef idx="minor">
+            <a:schemeClr val="lt1"/>
+          </a:fontRef>
+        </p:style>
+        <p:txBody>
+          <a:bodyPr rtlCol="0" anchor="ctr"/>
+          <a:lstStyle/>
+          <a:p>
+            <a:pPr algn="ctr"/>
+            <a:endParaRPr lang="en-GB"/>
+          </a:p>
+        </p:txBody>
+      </p:sp>
+    </p:spTree>
+    <p:extLst>
+      <p:ext uri="{BB962C8B-B14F-4D97-AF65-F5344CB8AC3E}">
+        <p14:creationId xmlns:p14="http://schemas.microsoft.com/office/powerpoint/2010/main" val="660583943"/>
+      </p:ext>
+    </p:extLst>
+  </p:cSld>
+  <p:clrMapOvr>
+    <a:masterClrMapping/>
+  </p:clrMapOvr>
+</p:sld>
+</file>
+
+<file path=ppt/slides/slide20.xml><?xml version="1.0" encoding="utf-8"?>
+<p:sld xmlns:a="http://schemas.openxmlformats.org/drawingml/2006/main" xmlns:r="http://schemas.openxmlformats.org/officeDocument/2006/relationships" xmlns:p="http://schemas.openxmlformats.org/presentationml/2006/main">
+  <p:cSld>
+    <p:spTree>
+      <p:nvGrpSpPr>
+        <p:cNvPr id="1" name=""/>
+        <p:cNvGrpSpPr/>
+        <p:nvPr/>
+      </p:nvGrpSpPr>
+      <p:grpSpPr>
+        <a:xfrm>
+          <a:off x="0" y="0"/>
+          <a:ext cx="0" cy="0"/>
+          <a:chOff x="0" y="0"/>
+          <a:chExt cx="0" cy="0"/>
+        </a:xfrm>
+      </p:grpSpPr>
+      <p:sp>
+        <p:nvSpPr>
+          <p:cNvPr id="3" name="Zástupný obsah 2">
+            <a:extLst>
+              <a:ext uri="{FF2B5EF4-FFF2-40B4-BE49-F238E27FC236}">
+                <a16:creationId xmlns:a16="http://schemas.microsoft.com/office/drawing/2014/main" id="{88DB3F59-4AE7-3EA8-8BB2-8355273AEE18}"/>
+              </a:ext>
+            </a:extLst>
+          </p:cNvPr>
+          <p:cNvSpPr>
+            <a:spLocks noGrp="1"/>
+          </p:cNvSpPr>
+          <p:nvPr>
+            <p:ph sz="half" idx="1"/>
+          </p:nvPr>
+        </p:nvSpPr>
+        <p:spPr>
+          <a:xfrm>
+            <a:off x="838200" y="1825625"/>
+            <a:ext cx="10938164" cy="4351338"/>
+          </a:xfrm>
+        </p:spPr>
+        <p:txBody>
+          <a:bodyPr>
+            <a:normAutofit fontScale="70000" lnSpcReduction="20000"/>
+          </a:bodyPr>
+          <a:lstStyle/>
+          <a:p>
+            <a:pPr marL="514350" indent="-514350">
+              <a:buFont typeface="+mj-lt"/>
+              <a:buAutoNum type="arabicPeriod"/>
+            </a:pPr>
+            <a:r>
+              <a:rPr lang="cs-CZ" b="0" i="0" dirty="0">
+                <a:solidFill>
+                  <a:srgbClr val="030712"/>
+                </a:solidFill>
+                <a:effectLst/>
+                <a:latin typeface="ui-sans-serif"/>
+              </a:rPr>
+              <a:t>V</a:t>
+            </a:r>
+            <a:r>
+              <a:rPr lang="en-GB" b="0" i="0" dirty="0" err="1">
+                <a:solidFill>
+                  <a:srgbClr val="030712"/>
+                </a:solidFill>
+                <a:effectLst/>
+                <a:latin typeface="ui-sans-serif"/>
+              </a:rPr>
+              <a:t>ytvoření</a:t>
+            </a:r>
+            <a:r>
+              <a:rPr lang="en-GB" b="0" i="0" dirty="0">
+                <a:solidFill>
+                  <a:srgbClr val="030712"/>
+                </a:solidFill>
+                <a:effectLst/>
+                <a:latin typeface="ui-sans-serif"/>
+              </a:rPr>
+              <a:t> </a:t>
+            </a:r>
+            <a:r>
+              <a:rPr lang="en-GB" b="0" i="0" dirty="0" err="1">
+                <a:solidFill>
+                  <a:srgbClr val="030712"/>
+                </a:solidFill>
+                <a:effectLst/>
+                <a:latin typeface="ui-sans-serif"/>
+              </a:rPr>
+              <a:t>dvou</a:t>
+            </a:r>
+            <a:r>
+              <a:rPr lang="en-GB" b="0" i="0" dirty="0">
+                <a:solidFill>
+                  <a:srgbClr val="030712"/>
+                </a:solidFill>
+                <a:effectLst/>
+                <a:latin typeface="ui-sans-serif"/>
+              </a:rPr>
+              <a:t> </a:t>
+            </a:r>
+            <a:r>
+              <a:rPr lang="en-GB" b="0" i="0" dirty="0" err="1">
+                <a:solidFill>
+                  <a:srgbClr val="030712"/>
+                </a:solidFill>
+                <a:effectLst/>
+                <a:latin typeface="ui-sans-serif"/>
+              </a:rPr>
+              <a:t>testovacích</a:t>
+            </a:r>
+            <a:r>
+              <a:rPr lang="en-GB" b="0" i="0" dirty="0">
+                <a:solidFill>
+                  <a:srgbClr val="030712"/>
+                </a:solidFill>
+                <a:effectLst/>
+                <a:latin typeface="ui-sans-serif"/>
+              </a:rPr>
+              <a:t> </a:t>
+            </a:r>
+            <a:r>
+              <a:rPr lang="en-GB" b="0" i="0" dirty="0" err="1">
+                <a:solidFill>
+                  <a:srgbClr val="030712"/>
+                </a:solidFill>
+                <a:effectLst/>
+                <a:latin typeface="ui-sans-serif"/>
+              </a:rPr>
+              <a:t>uzlů</a:t>
+            </a:r>
+            <a:r>
+              <a:rPr lang="en-GB" b="0" i="0" dirty="0">
+                <a:solidFill>
+                  <a:srgbClr val="030712"/>
+                </a:solidFill>
+                <a:effectLst/>
+                <a:latin typeface="ui-sans-serif"/>
+              </a:rPr>
+              <a:t> (server a </a:t>
+            </a:r>
+            <a:r>
+              <a:rPr lang="en-GB" b="0" i="0" dirty="0" err="1">
+                <a:solidFill>
+                  <a:srgbClr val="030712"/>
+                </a:solidFill>
+                <a:effectLst/>
+                <a:latin typeface="ui-sans-serif"/>
+              </a:rPr>
+              <a:t>klient</a:t>
+            </a:r>
+            <a:r>
+              <a:rPr lang="en-GB" b="0" i="0" dirty="0">
+                <a:solidFill>
+                  <a:srgbClr val="030712"/>
+                </a:solidFill>
+                <a:effectLst/>
+                <a:latin typeface="ui-sans-serif"/>
+              </a:rPr>
+              <a:t>)</a:t>
+            </a:r>
+            <a:endParaRPr lang="cs-CZ" b="0" i="0" dirty="0">
+              <a:solidFill>
+                <a:srgbClr val="030712"/>
+              </a:solidFill>
+              <a:effectLst/>
+              <a:latin typeface="ui-sans-serif"/>
+            </a:endParaRPr>
+          </a:p>
+          <a:p>
+            <a:pPr marL="514350" indent="-514350">
+              <a:spcBef>
+                <a:spcPts val="900"/>
+              </a:spcBef>
+              <a:buFont typeface="+mj-lt"/>
+              <a:buAutoNum type="arabicPeriod"/>
+            </a:pPr>
+            <a:r>
+              <a:rPr lang="en-GB" b="0" i="0" dirty="0" err="1">
+                <a:solidFill>
+                  <a:srgbClr val="030712"/>
+                </a:solidFill>
+                <a:effectLst/>
+                <a:latin typeface="ui-sans-serif"/>
+              </a:rPr>
+              <a:t>Testování</a:t>
+            </a:r>
+            <a:r>
+              <a:rPr lang="en-GB" b="0" i="0" dirty="0">
+                <a:solidFill>
+                  <a:srgbClr val="030712"/>
+                </a:solidFill>
+                <a:effectLst/>
+                <a:latin typeface="ui-sans-serif"/>
+              </a:rPr>
+              <a:t> </a:t>
+            </a:r>
+            <a:r>
+              <a:rPr lang="en-GB" b="0" i="0" dirty="0" err="1">
+                <a:solidFill>
+                  <a:srgbClr val="030712"/>
+                </a:solidFill>
+                <a:effectLst/>
+                <a:latin typeface="ui-sans-serif"/>
+              </a:rPr>
+              <a:t>všech</a:t>
+            </a:r>
+            <a:r>
+              <a:rPr lang="en-GB" b="0" i="0" dirty="0">
+                <a:solidFill>
+                  <a:srgbClr val="030712"/>
+                </a:solidFill>
+                <a:effectLst/>
+                <a:latin typeface="ui-sans-serif"/>
+              </a:rPr>
+              <a:t> 108 </a:t>
+            </a:r>
+            <a:r>
+              <a:rPr lang="en-GB" b="0" i="0" dirty="0" err="1">
+                <a:solidFill>
+                  <a:srgbClr val="030712"/>
+                </a:solidFill>
+                <a:effectLst/>
+                <a:latin typeface="ui-sans-serif"/>
+              </a:rPr>
+              <a:t>kombinací</a:t>
+            </a:r>
+            <a:r>
+              <a:rPr lang="en-GB" b="0" i="0" dirty="0">
+                <a:solidFill>
+                  <a:srgbClr val="030712"/>
+                </a:solidFill>
+                <a:effectLst/>
+                <a:latin typeface="ui-sans-serif"/>
+              </a:rPr>
+              <a:t> </a:t>
+            </a:r>
+            <a:r>
+              <a:rPr lang="en-GB" b="0" i="0" dirty="0" err="1">
+                <a:solidFill>
+                  <a:srgbClr val="030712"/>
+                </a:solidFill>
+                <a:effectLst/>
+                <a:latin typeface="ui-sans-serif"/>
+              </a:rPr>
+              <a:t>kryptografických</a:t>
+            </a:r>
+            <a:r>
+              <a:rPr lang="en-GB" b="0" i="0" dirty="0">
+                <a:solidFill>
+                  <a:srgbClr val="030712"/>
+                </a:solidFill>
+                <a:effectLst/>
+                <a:latin typeface="ui-sans-serif"/>
+              </a:rPr>
+              <a:t> </a:t>
+            </a:r>
+            <a:r>
+              <a:rPr lang="en-GB" b="0" i="0" dirty="0" err="1">
+                <a:solidFill>
+                  <a:srgbClr val="030712"/>
+                </a:solidFill>
+                <a:effectLst/>
+                <a:latin typeface="ui-sans-serif"/>
+              </a:rPr>
+              <a:t>algoritmů</a:t>
+            </a:r>
+            <a:r>
+              <a:rPr lang="en-GB" b="0" i="0" dirty="0">
+                <a:solidFill>
+                  <a:srgbClr val="030712"/>
+                </a:solidFill>
+                <a:effectLst/>
+                <a:latin typeface="ui-sans-serif"/>
+              </a:rPr>
+              <a:t>:</a:t>
+            </a:r>
+            <a:endParaRPr lang="cs-CZ" dirty="0">
+              <a:solidFill>
+                <a:srgbClr val="030712"/>
+              </a:solidFill>
+              <a:latin typeface="ui-sans-serif"/>
+            </a:endParaRPr>
+          </a:p>
+          <a:p>
+            <a:pPr lvl="1">
+              <a:spcBef>
+                <a:spcPts val="900"/>
+              </a:spcBef>
+            </a:pPr>
+            <a:r>
+              <a:rPr lang="en-GB" b="0" i="0" dirty="0">
+                <a:solidFill>
+                  <a:srgbClr val="030712"/>
+                </a:solidFill>
+                <a:effectLst/>
+                <a:latin typeface="ui-sans-serif"/>
+              </a:rPr>
+              <a:t>9 variant </a:t>
+            </a:r>
+            <a:r>
+              <a:rPr lang="en-GB" b="0" i="0" dirty="0" err="1">
+                <a:solidFill>
+                  <a:srgbClr val="030712"/>
+                </a:solidFill>
+                <a:effectLst/>
+                <a:latin typeface="ui-sans-serif"/>
+              </a:rPr>
+              <a:t>výměny</a:t>
+            </a:r>
+            <a:r>
+              <a:rPr lang="en-GB" b="0" i="0" dirty="0">
+                <a:solidFill>
+                  <a:srgbClr val="030712"/>
+                </a:solidFill>
+                <a:effectLst/>
+                <a:latin typeface="ui-sans-serif"/>
+              </a:rPr>
+              <a:t> </a:t>
+            </a:r>
+            <a:r>
+              <a:rPr lang="en-GB" b="0" i="0" dirty="0" err="1">
+                <a:solidFill>
+                  <a:srgbClr val="030712"/>
+                </a:solidFill>
+                <a:effectLst/>
+                <a:latin typeface="ui-sans-serif"/>
+              </a:rPr>
+              <a:t>klíčů</a:t>
+            </a:r>
+            <a:r>
+              <a:rPr lang="en-GB" b="0" i="0" dirty="0">
+                <a:solidFill>
+                  <a:srgbClr val="030712"/>
+                </a:solidFill>
+                <a:effectLst/>
+                <a:latin typeface="ui-sans-serif"/>
+              </a:rPr>
+              <a:t> × 2 </a:t>
+            </a:r>
+            <a:r>
+              <a:rPr lang="en-GB" b="0" i="0" dirty="0" err="1">
+                <a:solidFill>
+                  <a:srgbClr val="030712"/>
+                </a:solidFill>
+                <a:effectLst/>
+                <a:latin typeface="ui-sans-serif"/>
+              </a:rPr>
+              <a:t>symetrické</a:t>
+            </a:r>
+            <a:r>
+              <a:rPr lang="en-GB" b="0" i="0" dirty="0">
+                <a:solidFill>
+                  <a:srgbClr val="030712"/>
+                </a:solidFill>
+                <a:effectLst/>
+                <a:latin typeface="ui-sans-serif"/>
+              </a:rPr>
+              <a:t> </a:t>
+            </a:r>
+            <a:r>
+              <a:rPr lang="en-GB" b="0" i="0" dirty="0" err="1">
+                <a:solidFill>
+                  <a:srgbClr val="030712"/>
+                </a:solidFill>
+                <a:effectLst/>
+                <a:latin typeface="ui-sans-serif"/>
+              </a:rPr>
+              <a:t>algoritmy</a:t>
+            </a:r>
+            <a:r>
+              <a:rPr lang="en-GB" b="0" i="0" dirty="0">
+                <a:solidFill>
+                  <a:srgbClr val="030712"/>
+                </a:solidFill>
+                <a:effectLst/>
+                <a:latin typeface="ui-sans-serif"/>
+              </a:rPr>
+              <a:t> × 6 </a:t>
+            </a:r>
+            <a:r>
+              <a:rPr lang="en-GB" b="0" i="0" dirty="0" err="1">
+                <a:solidFill>
+                  <a:srgbClr val="030712"/>
+                </a:solidFill>
+                <a:effectLst/>
+                <a:latin typeface="ui-sans-serif"/>
+              </a:rPr>
+              <a:t>algoritmů</a:t>
+            </a:r>
+            <a:r>
+              <a:rPr lang="en-GB" b="0" i="0" dirty="0">
+                <a:solidFill>
+                  <a:srgbClr val="030712"/>
+                </a:solidFill>
+                <a:effectLst/>
+                <a:latin typeface="ui-sans-serif"/>
+              </a:rPr>
+              <a:t> </a:t>
+            </a:r>
+            <a:r>
+              <a:rPr lang="en-GB" b="0" i="0" dirty="0" err="1">
+                <a:solidFill>
+                  <a:srgbClr val="030712"/>
+                </a:solidFill>
+                <a:effectLst/>
+                <a:latin typeface="ui-sans-serif"/>
+              </a:rPr>
+              <a:t>podpisu</a:t>
+            </a:r>
+            <a:endParaRPr lang="cs-CZ" dirty="0">
+              <a:solidFill>
+                <a:srgbClr val="030712"/>
+              </a:solidFill>
+              <a:latin typeface="ui-sans-serif"/>
+            </a:endParaRPr>
+          </a:p>
+          <a:p>
+            <a:pPr marL="514350" indent="-514350">
+              <a:spcBef>
+                <a:spcPts val="900"/>
+              </a:spcBef>
+              <a:buFont typeface="+mj-lt"/>
+              <a:buAutoNum type="arabicPeriod"/>
+            </a:pPr>
+            <a:r>
+              <a:rPr lang="en-GB" b="0" i="0" dirty="0">
+                <a:solidFill>
+                  <a:srgbClr val="030712"/>
+                </a:solidFill>
+                <a:effectLst/>
+                <a:latin typeface="ui-sans-serif"/>
+              </a:rPr>
+              <a:t>Pro </a:t>
+            </a:r>
+            <a:r>
+              <a:rPr lang="en-GB" b="0" i="0" dirty="0" err="1">
+                <a:solidFill>
+                  <a:srgbClr val="030712"/>
+                </a:solidFill>
+                <a:effectLst/>
+                <a:latin typeface="ui-sans-serif"/>
+              </a:rPr>
+              <a:t>každou</a:t>
+            </a:r>
+            <a:r>
+              <a:rPr lang="en-GB" b="0" i="0" dirty="0">
+                <a:solidFill>
+                  <a:srgbClr val="030712"/>
+                </a:solidFill>
+                <a:effectLst/>
+                <a:latin typeface="ui-sans-serif"/>
+              </a:rPr>
+              <a:t> </a:t>
+            </a:r>
+            <a:r>
+              <a:rPr lang="en-GB" b="0" i="0" dirty="0" err="1">
+                <a:solidFill>
+                  <a:srgbClr val="030712"/>
+                </a:solidFill>
+                <a:effectLst/>
+                <a:latin typeface="ui-sans-serif"/>
+              </a:rPr>
+              <a:t>kombinaci</a:t>
+            </a:r>
+            <a:r>
+              <a:rPr lang="en-GB" b="0" i="0" dirty="0">
+                <a:solidFill>
+                  <a:srgbClr val="030712"/>
+                </a:solidFill>
+                <a:effectLst/>
+                <a:latin typeface="ui-sans-serif"/>
+              </a:rPr>
+              <a:t> </a:t>
+            </a:r>
+            <a:r>
+              <a:rPr lang="en-GB" b="0" i="0" dirty="0" err="1">
+                <a:solidFill>
+                  <a:srgbClr val="030712"/>
+                </a:solidFill>
+                <a:effectLst/>
+                <a:latin typeface="ui-sans-serif"/>
+              </a:rPr>
+              <a:t>testuje</a:t>
+            </a:r>
+            <a:r>
+              <a:rPr lang="en-GB" b="0" i="0" dirty="0">
+                <a:solidFill>
+                  <a:srgbClr val="030712"/>
+                </a:solidFill>
+                <a:effectLst/>
+                <a:latin typeface="ui-sans-serif"/>
+              </a:rPr>
+              <a:t>:</a:t>
+            </a:r>
+          </a:p>
+          <a:p>
+            <a:pPr lvl="1">
+              <a:spcBef>
+                <a:spcPts val="900"/>
+              </a:spcBef>
+            </a:pPr>
+            <a:r>
+              <a:rPr lang="en-GB" b="0" i="0" dirty="0" err="1">
+                <a:solidFill>
+                  <a:srgbClr val="030712"/>
+                </a:solidFill>
+                <a:effectLst/>
+                <a:latin typeface="ui-sans-serif"/>
+              </a:rPr>
+              <a:t>Navázání</a:t>
+            </a:r>
+            <a:r>
+              <a:rPr lang="en-GB" b="0" i="0" dirty="0">
+                <a:solidFill>
+                  <a:srgbClr val="030712"/>
+                </a:solidFill>
+                <a:effectLst/>
+                <a:latin typeface="ui-sans-serif"/>
+              </a:rPr>
+              <a:t> </a:t>
+            </a:r>
+            <a:r>
+              <a:rPr lang="en-GB" b="0" i="0" dirty="0" err="1">
+                <a:solidFill>
+                  <a:srgbClr val="030712"/>
+                </a:solidFill>
+                <a:effectLst/>
+                <a:latin typeface="ui-sans-serif"/>
+              </a:rPr>
+              <a:t>spojení</a:t>
+            </a:r>
+            <a:r>
+              <a:rPr lang="en-GB" b="0" i="0" dirty="0">
+                <a:solidFill>
+                  <a:srgbClr val="030712"/>
+                </a:solidFill>
+                <a:effectLst/>
+                <a:latin typeface="ui-sans-serif"/>
+              </a:rPr>
+              <a:t> </a:t>
+            </a:r>
+            <a:r>
+              <a:rPr lang="en-GB" b="0" i="0" dirty="0" err="1">
+                <a:solidFill>
+                  <a:srgbClr val="030712"/>
+                </a:solidFill>
+                <a:effectLst/>
+                <a:latin typeface="ui-sans-serif"/>
+              </a:rPr>
+              <a:t>mezi</a:t>
+            </a:r>
+            <a:r>
+              <a:rPr lang="en-GB" b="0" i="0" dirty="0">
+                <a:solidFill>
+                  <a:srgbClr val="030712"/>
+                </a:solidFill>
+                <a:effectLst/>
+                <a:latin typeface="ui-sans-serif"/>
+              </a:rPr>
+              <a:t> </a:t>
+            </a:r>
+            <a:r>
+              <a:rPr lang="en-GB" b="0" i="0" dirty="0" err="1">
+                <a:solidFill>
+                  <a:srgbClr val="030712"/>
+                </a:solidFill>
+                <a:effectLst/>
+                <a:latin typeface="ui-sans-serif"/>
+              </a:rPr>
+              <a:t>uzly</a:t>
+            </a:r>
+            <a:endParaRPr lang="en-GB" b="0" i="0" dirty="0">
+              <a:solidFill>
+                <a:srgbClr val="030712"/>
+              </a:solidFill>
+              <a:effectLst/>
+              <a:latin typeface="ui-sans-serif"/>
+            </a:endParaRPr>
+          </a:p>
+          <a:p>
+            <a:pPr lvl="1">
+              <a:spcBef>
+                <a:spcPts val="900"/>
+              </a:spcBef>
+            </a:pPr>
+            <a:r>
+              <a:rPr lang="en-GB" b="0" i="0" dirty="0" err="1">
+                <a:solidFill>
+                  <a:srgbClr val="030712"/>
+                </a:solidFill>
+                <a:effectLst/>
+                <a:latin typeface="ui-sans-serif"/>
+              </a:rPr>
+              <a:t>Výměnu</a:t>
+            </a:r>
+            <a:r>
+              <a:rPr lang="en-GB" b="0" i="0" dirty="0">
+                <a:solidFill>
+                  <a:srgbClr val="030712"/>
+                </a:solidFill>
+                <a:effectLst/>
+                <a:latin typeface="ui-sans-serif"/>
+              </a:rPr>
+              <a:t> </a:t>
+            </a:r>
+            <a:r>
+              <a:rPr lang="en-GB" b="0" i="0" dirty="0" err="1">
+                <a:solidFill>
+                  <a:srgbClr val="030712"/>
+                </a:solidFill>
+                <a:effectLst/>
+                <a:latin typeface="ui-sans-serif"/>
+              </a:rPr>
+              <a:t>klíčů</a:t>
+            </a:r>
+            <a:r>
+              <a:rPr lang="en-GB" b="0" i="0" dirty="0">
+                <a:solidFill>
+                  <a:srgbClr val="030712"/>
+                </a:solidFill>
+                <a:effectLst/>
+                <a:latin typeface="ui-sans-serif"/>
+              </a:rPr>
+              <a:t> a </a:t>
+            </a:r>
+            <a:r>
+              <a:rPr lang="en-GB" b="0" i="0" dirty="0" err="1">
+                <a:solidFill>
+                  <a:srgbClr val="030712"/>
+                </a:solidFill>
+                <a:effectLst/>
+                <a:latin typeface="ui-sans-serif"/>
+              </a:rPr>
+              <a:t>její</a:t>
+            </a:r>
+            <a:r>
+              <a:rPr lang="en-GB" b="0" i="0" dirty="0">
+                <a:solidFill>
+                  <a:srgbClr val="030712"/>
+                </a:solidFill>
+                <a:effectLst/>
+                <a:latin typeface="ui-sans-serif"/>
+              </a:rPr>
+              <a:t> </a:t>
+            </a:r>
+            <a:r>
+              <a:rPr lang="en-GB" b="0" i="0" dirty="0" err="1">
+                <a:solidFill>
+                  <a:srgbClr val="030712"/>
+                </a:solidFill>
+                <a:effectLst/>
+                <a:latin typeface="ui-sans-serif"/>
+              </a:rPr>
+              <a:t>rychlost</a:t>
+            </a:r>
+            <a:endParaRPr lang="en-GB" b="0" i="0" dirty="0">
+              <a:solidFill>
+                <a:srgbClr val="030712"/>
+              </a:solidFill>
+              <a:effectLst/>
+              <a:latin typeface="ui-sans-serif"/>
+            </a:endParaRPr>
+          </a:p>
+          <a:p>
+            <a:pPr lvl="1">
+              <a:spcBef>
+                <a:spcPts val="900"/>
+              </a:spcBef>
+            </a:pPr>
+            <a:r>
+              <a:rPr lang="en-GB" b="0" i="0" dirty="0" err="1">
+                <a:solidFill>
+                  <a:srgbClr val="030712"/>
+                </a:solidFill>
+                <a:effectLst/>
+                <a:latin typeface="ui-sans-serif"/>
+              </a:rPr>
+              <a:t>Základní</a:t>
+            </a:r>
+            <a:r>
+              <a:rPr lang="en-GB" b="0" i="0" dirty="0">
+                <a:solidFill>
+                  <a:srgbClr val="030712"/>
+                </a:solidFill>
+                <a:effectLst/>
+                <a:latin typeface="ui-sans-serif"/>
+              </a:rPr>
+              <a:t> </a:t>
+            </a:r>
+            <a:r>
+              <a:rPr lang="en-GB" b="0" i="0" dirty="0" err="1">
+                <a:solidFill>
+                  <a:srgbClr val="030712"/>
+                </a:solidFill>
+                <a:effectLst/>
+                <a:latin typeface="ui-sans-serif"/>
+              </a:rPr>
+              <a:t>zasílání</a:t>
+            </a:r>
+            <a:r>
+              <a:rPr lang="en-GB" b="0" i="0" dirty="0">
+                <a:solidFill>
+                  <a:srgbClr val="030712"/>
+                </a:solidFill>
+                <a:effectLst/>
+                <a:latin typeface="ui-sans-serif"/>
+              </a:rPr>
+              <a:t> </a:t>
+            </a:r>
+            <a:r>
+              <a:rPr lang="en-GB" b="0" i="0" dirty="0" err="1">
+                <a:solidFill>
+                  <a:srgbClr val="030712"/>
+                </a:solidFill>
+                <a:effectLst/>
+                <a:latin typeface="ui-sans-serif"/>
+              </a:rPr>
+              <a:t>zpráv</a:t>
+            </a:r>
+            <a:endParaRPr lang="en-GB" b="0" i="0" dirty="0">
+              <a:solidFill>
+                <a:srgbClr val="030712"/>
+              </a:solidFill>
+              <a:effectLst/>
+              <a:latin typeface="ui-sans-serif"/>
+            </a:endParaRPr>
+          </a:p>
+          <a:p>
+            <a:pPr lvl="1">
+              <a:spcBef>
+                <a:spcPts val="900"/>
+              </a:spcBef>
+            </a:pPr>
+            <a:r>
+              <a:rPr lang="en-GB" b="0" i="0" dirty="0" err="1">
+                <a:solidFill>
+                  <a:srgbClr val="030712"/>
+                </a:solidFill>
+                <a:effectLst/>
+                <a:latin typeface="ui-sans-serif"/>
+              </a:rPr>
+              <a:t>Přenos</a:t>
+            </a:r>
+            <a:r>
+              <a:rPr lang="en-GB" b="0" i="0" dirty="0">
+                <a:solidFill>
+                  <a:srgbClr val="030712"/>
+                </a:solidFill>
+                <a:effectLst/>
+                <a:latin typeface="ui-sans-serif"/>
+              </a:rPr>
+              <a:t> </a:t>
+            </a:r>
+            <a:r>
+              <a:rPr lang="en-GB" b="0" i="0" dirty="0" err="1">
+                <a:solidFill>
+                  <a:srgbClr val="030712"/>
+                </a:solidFill>
+                <a:effectLst/>
+                <a:latin typeface="ui-sans-serif"/>
+              </a:rPr>
+              <a:t>souborů</a:t>
+            </a:r>
+            <a:r>
+              <a:rPr lang="en-GB" b="0" i="0" dirty="0">
+                <a:solidFill>
+                  <a:srgbClr val="030712"/>
+                </a:solidFill>
+                <a:effectLst/>
+                <a:latin typeface="ui-sans-serif"/>
+              </a:rPr>
+              <a:t> </a:t>
+            </a:r>
+            <a:r>
+              <a:rPr lang="en-GB" b="0" i="0" dirty="0" err="1">
+                <a:solidFill>
+                  <a:srgbClr val="030712"/>
+                </a:solidFill>
+                <a:effectLst/>
+                <a:latin typeface="ui-sans-serif"/>
+              </a:rPr>
+              <a:t>různých</a:t>
+            </a:r>
+            <a:r>
+              <a:rPr lang="en-GB" b="0" i="0" dirty="0">
+                <a:solidFill>
+                  <a:srgbClr val="030712"/>
+                </a:solidFill>
+                <a:effectLst/>
+                <a:latin typeface="ui-sans-serif"/>
+              </a:rPr>
+              <a:t> </a:t>
+            </a:r>
+            <a:r>
+              <a:rPr lang="en-GB" b="0" i="0" dirty="0" err="1">
+                <a:solidFill>
+                  <a:srgbClr val="030712"/>
+                </a:solidFill>
+                <a:effectLst/>
+                <a:latin typeface="ui-sans-serif"/>
+              </a:rPr>
+              <a:t>velikostí</a:t>
+            </a:r>
+            <a:r>
+              <a:rPr lang="en-GB" b="0" i="0" dirty="0">
+                <a:solidFill>
+                  <a:srgbClr val="030712"/>
+                </a:solidFill>
+                <a:effectLst/>
+                <a:latin typeface="ui-sans-serif"/>
+              </a:rPr>
+              <a:t> (10 KB, 100 KB, 1 MB)</a:t>
+            </a:r>
+            <a:endParaRPr lang="cs-CZ" b="0" i="0" dirty="0">
+              <a:solidFill>
+                <a:srgbClr val="030712"/>
+              </a:solidFill>
+              <a:effectLst/>
+              <a:latin typeface="ui-sans-serif"/>
+            </a:endParaRPr>
+          </a:p>
+          <a:p>
+            <a:pPr marL="514350" indent="-514350">
+              <a:spcBef>
+                <a:spcPts val="900"/>
+              </a:spcBef>
+              <a:buFont typeface="+mj-lt"/>
+              <a:buAutoNum type="arabicPeriod"/>
+            </a:pPr>
+            <a:r>
+              <a:rPr lang="en-GB" b="0" i="0" dirty="0" err="1">
+                <a:solidFill>
+                  <a:srgbClr val="030712"/>
+                </a:solidFill>
+                <a:effectLst/>
+                <a:latin typeface="ui-sans-serif"/>
+              </a:rPr>
+              <a:t>Měření</a:t>
+            </a:r>
+            <a:r>
+              <a:rPr lang="en-GB" b="0" i="0" dirty="0">
+                <a:solidFill>
+                  <a:srgbClr val="030712"/>
+                </a:solidFill>
+                <a:effectLst/>
+                <a:latin typeface="ui-sans-serif"/>
+              </a:rPr>
+              <a:t> </a:t>
+            </a:r>
+            <a:r>
+              <a:rPr lang="en-GB" b="0" i="0" dirty="0" err="1">
+                <a:solidFill>
+                  <a:srgbClr val="030712"/>
+                </a:solidFill>
+                <a:effectLst/>
+                <a:latin typeface="ui-sans-serif"/>
+              </a:rPr>
+              <a:t>výkonnostních</a:t>
+            </a:r>
+            <a:r>
+              <a:rPr lang="en-GB" b="0" i="0" dirty="0">
+                <a:solidFill>
+                  <a:srgbClr val="030712"/>
+                </a:solidFill>
+                <a:effectLst/>
+                <a:latin typeface="ui-sans-serif"/>
+              </a:rPr>
+              <a:t> </a:t>
+            </a:r>
+            <a:r>
+              <a:rPr lang="en-GB" b="0" i="0" dirty="0" err="1">
+                <a:solidFill>
+                  <a:srgbClr val="030712"/>
+                </a:solidFill>
+                <a:effectLst/>
+                <a:latin typeface="ui-sans-serif"/>
+              </a:rPr>
+              <a:t>metrik</a:t>
+            </a:r>
+            <a:r>
+              <a:rPr lang="en-GB" b="0" i="0" dirty="0">
+                <a:solidFill>
+                  <a:srgbClr val="030712"/>
+                </a:solidFill>
+                <a:effectLst/>
+                <a:latin typeface="ui-sans-serif"/>
+              </a:rPr>
+              <a:t>:</a:t>
+            </a:r>
+          </a:p>
+          <a:p>
+            <a:pPr lvl="1">
+              <a:spcBef>
+                <a:spcPts val="900"/>
+              </a:spcBef>
+            </a:pPr>
+            <a:r>
+              <a:rPr lang="en-GB" b="0" i="0" dirty="0">
+                <a:solidFill>
+                  <a:srgbClr val="030712"/>
+                </a:solidFill>
+                <a:effectLst/>
+                <a:latin typeface="ui-sans-serif"/>
+              </a:rPr>
+              <a:t>Doba </a:t>
+            </a:r>
+            <a:r>
+              <a:rPr lang="en-GB" b="0" i="0" dirty="0" err="1">
+                <a:solidFill>
+                  <a:srgbClr val="030712"/>
+                </a:solidFill>
+                <a:effectLst/>
+                <a:latin typeface="ui-sans-serif"/>
+              </a:rPr>
+              <a:t>výměny</a:t>
+            </a:r>
+            <a:r>
+              <a:rPr lang="en-GB" b="0" i="0" dirty="0">
+                <a:solidFill>
+                  <a:srgbClr val="030712"/>
+                </a:solidFill>
+                <a:effectLst/>
+                <a:latin typeface="ui-sans-serif"/>
+              </a:rPr>
+              <a:t> </a:t>
+            </a:r>
+            <a:r>
+              <a:rPr lang="en-GB" b="0" i="0" dirty="0" err="1">
+                <a:solidFill>
+                  <a:srgbClr val="030712"/>
+                </a:solidFill>
+                <a:effectLst/>
+                <a:latin typeface="ui-sans-serif"/>
+              </a:rPr>
+              <a:t>klíčů</a:t>
+            </a:r>
+            <a:endParaRPr lang="en-GB" b="0" i="0" dirty="0">
+              <a:solidFill>
+                <a:srgbClr val="030712"/>
+              </a:solidFill>
+              <a:effectLst/>
+              <a:latin typeface="ui-sans-serif"/>
+            </a:endParaRPr>
+          </a:p>
+          <a:p>
+            <a:pPr lvl="1">
+              <a:spcBef>
+                <a:spcPts val="900"/>
+              </a:spcBef>
+            </a:pPr>
+            <a:r>
+              <a:rPr lang="en-GB" b="0" i="0" dirty="0" err="1">
+                <a:solidFill>
+                  <a:srgbClr val="030712"/>
+                </a:solidFill>
+                <a:effectLst/>
+                <a:latin typeface="ui-sans-serif"/>
+              </a:rPr>
+              <a:t>Rychlost</a:t>
+            </a:r>
+            <a:r>
+              <a:rPr lang="en-GB" b="0" i="0" dirty="0">
+                <a:solidFill>
+                  <a:srgbClr val="030712"/>
+                </a:solidFill>
+                <a:effectLst/>
+                <a:latin typeface="ui-sans-serif"/>
+              </a:rPr>
+              <a:t> </a:t>
+            </a:r>
+            <a:r>
+              <a:rPr lang="en-GB" b="0" i="0" dirty="0" err="1">
+                <a:solidFill>
+                  <a:srgbClr val="030712"/>
+                </a:solidFill>
+                <a:effectLst/>
+                <a:latin typeface="ui-sans-serif"/>
+              </a:rPr>
+              <a:t>přenosu</a:t>
+            </a:r>
+            <a:r>
+              <a:rPr lang="en-GB" b="0" i="0" dirty="0">
+                <a:solidFill>
+                  <a:srgbClr val="030712"/>
+                </a:solidFill>
+                <a:effectLst/>
+                <a:latin typeface="ui-sans-serif"/>
+              </a:rPr>
+              <a:t> </a:t>
+            </a:r>
+            <a:r>
+              <a:rPr lang="en-GB" b="0" i="0" dirty="0" err="1">
+                <a:solidFill>
+                  <a:srgbClr val="030712"/>
+                </a:solidFill>
+                <a:effectLst/>
+                <a:latin typeface="ui-sans-serif"/>
+              </a:rPr>
+              <a:t>souborů</a:t>
+            </a:r>
+            <a:r>
+              <a:rPr lang="en-GB" b="0" i="0" dirty="0">
+                <a:solidFill>
+                  <a:srgbClr val="030712"/>
+                </a:solidFill>
+                <a:effectLst/>
+                <a:latin typeface="ui-sans-serif"/>
+              </a:rPr>
+              <a:t> (KB/s)</a:t>
+            </a:r>
+          </a:p>
+          <a:p>
+            <a:pPr marL="457200" lvl="1" indent="0" algn="l">
+              <a:spcBef>
+                <a:spcPts val="900"/>
+              </a:spcBef>
+              <a:buNone/>
+            </a:pPr>
+            <a:endParaRPr lang="en-GB" b="0" i="0" dirty="0">
+              <a:solidFill>
+                <a:srgbClr val="030712"/>
+              </a:solidFill>
+              <a:effectLst/>
+              <a:latin typeface="ui-sans-serif"/>
+            </a:endParaRPr>
+          </a:p>
+          <a:p>
+            <a:pPr>
+              <a:buNone/>
+            </a:pPr>
+            <a:br>
+              <a:rPr lang="en-GB" dirty="0"/>
+            </a:br>
+            <a:endParaRPr lang="en-GB" dirty="0"/>
+          </a:p>
+        </p:txBody>
+      </p:sp>
+      <p:sp>
+        <p:nvSpPr>
+          <p:cNvPr id="5" name="Zástupný symbol pro číslo snímku 4">
+            <a:extLst>
+              <a:ext uri="{FF2B5EF4-FFF2-40B4-BE49-F238E27FC236}">
+                <a16:creationId xmlns:a16="http://schemas.microsoft.com/office/drawing/2014/main" id="{694B6C75-9502-86C0-133C-042576FA96BA}"/>
+              </a:ext>
+            </a:extLst>
+          </p:cNvPr>
+          <p:cNvSpPr>
+            <a:spLocks noGrp="1"/>
+          </p:cNvSpPr>
+          <p:nvPr>
+            <p:ph type="sldNum" sz="quarter" idx="12"/>
+          </p:nvPr>
+        </p:nvSpPr>
+        <p:spPr/>
+        <p:txBody>
+          <a:bodyPr/>
+          <a:lstStyle/>
+          <a:p>
+            <a:fld id="{2396986B-09E1-422F-9D6D-F3432B0D2D09}" type="slidenum">
+              <a:rPr lang="en-GB" smtClean="0"/>
+              <a:t>20</a:t>
+            </a:fld>
+            <a:endParaRPr lang="en-GB"/>
+          </a:p>
+        </p:txBody>
+      </p:sp>
+      <p:sp>
+        <p:nvSpPr>
+          <p:cNvPr id="6" name="Obdélník 5">
+            <a:extLst>
+              <a:ext uri="{FF2B5EF4-FFF2-40B4-BE49-F238E27FC236}">
+                <a16:creationId xmlns:a16="http://schemas.microsoft.com/office/drawing/2014/main" id="{097E23C4-EF76-E201-4FDB-FE5AACA112F6}"/>
+              </a:ext>
+            </a:extLst>
+          </p:cNvPr>
+          <p:cNvSpPr/>
+          <p:nvPr/>
+        </p:nvSpPr>
+        <p:spPr>
+          <a:xfrm>
+            <a:off x="0" y="-1"/>
+            <a:ext cx="12192000" cy="1116703"/>
+          </a:xfrm>
+          <a:prstGeom prst="rect">
+            <a:avLst/>
+          </a:prstGeom>
+          <a:solidFill>
+            <a:schemeClr val="bg2"/>
+          </a:solidFill>
+          <a:ln>
+            <a:noFill/>
+          </a:ln>
+        </p:spPr>
+        <p:style>
+          <a:lnRef idx="2">
+            <a:schemeClr val="accent1">
+              <a:shade val="15000"/>
+            </a:schemeClr>
+          </a:lnRef>
+          <a:fillRef idx="1">
+            <a:schemeClr val="accent1"/>
+          </a:fillRef>
+          <a:effectRef idx="0">
+            <a:schemeClr val="accent1"/>
+          </a:effectRef>
+          <a:fontRef idx="minor">
+            <a:schemeClr val="lt1"/>
+          </a:fontRef>
+        </p:style>
+        <p:txBody>
+          <a:bodyPr rtlCol="0" anchor="ctr"/>
+          <a:lstStyle/>
+          <a:p>
+            <a:pPr algn="ctr"/>
+            <a:endParaRPr lang="en-GB" dirty="0"/>
+          </a:p>
+        </p:txBody>
+      </p:sp>
+      <p:sp>
+        <p:nvSpPr>
+          <p:cNvPr id="7" name="Nadpis 1">
+            <a:extLst>
+              <a:ext uri="{FF2B5EF4-FFF2-40B4-BE49-F238E27FC236}">
+                <a16:creationId xmlns:a16="http://schemas.microsoft.com/office/drawing/2014/main" id="{F1BC26BA-F977-C661-41D1-E0086FC5E47C}"/>
+              </a:ext>
+            </a:extLst>
+          </p:cNvPr>
+          <p:cNvSpPr>
+            <a:spLocks noGrp="1"/>
+          </p:cNvSpPr>
+          <p:nvPr>
+            <p:ph type="title"/>
+          </p:nvPr>
+        </p:nvSpPr>
+        <p:spPr>
+          <a:xfrm>
+            <a:off x="0" y="0"/>
+            <a:ext cx="10515600" cy="1325563"/>
+          </a:xfrm>
+        </p:spPr>
+        <p:txBody>
+          <a:bodyPr/>
+          <a:lstStyle/>
+          <a:p>
+            <a:r>
+              <a:rPr lang="cs-CZ" dirty="0">
+                <a:solidFill>
+                  <a:srgbClr val="FF0000"/>
+                </a:solidFill>
+              </a:rPr>
+              <a:t>Proces testování</a:t>
+            </a:r>
+            <a:endParaRPr lang="en-GB" dirty="0">
+              <a:solidFill>
+                <a:srgbClr val="FF0000"/>
+              </a:solidFill>
+            </a:endParaRPr>
+          </a:p>
+        </p:txBody>
+      </p:sp>
+      <p:pic>
+        <p:nvPicPr>
+          <p:cNvPr id="8" name="Obrázek 7">
+            <a:extLst>
+              <a:ext uri="{FF2B5EF4-FFF2-40B4-BE49-F238E27FC236}">
+                <a16:creationId xmlns:a16="http://schemas.microsoft.com/office/drawing/2014/main" id="{64702623-CB72-E66B-54EC-1B1773F6CD4E}"/>
+              </a:ext>
+            </a:extLst>
+          </p:cNvPr>
+          <p:cNvPicPr>
+            <a:picLocks noChangeAspect="1"/>
+          </p:cNvPicPr>
+          <p:nvPr/>
+        </p:nvPicPr>
+        <p:blipFill>
+          <a:blip r:embed="rId2"/>
+          <a:stretch>
+            <a:fillRect/>
+          </a:stretch>
+        </p:blipFill>
+        <p:spPr>
+          <a:xfrm>
+            <a:off x="10113527" y="299406"/>
+            <a:ext cx="1556365" cy="493482"/>
+          </a:xfrm>
+          <a:prstGeom prst="rect">
+            <a:avLst/>
+          </a:prstGeom>
+        </p:spPr>
+      </p:pic>
+      <p:sp>
+        <p:nvSpPr>
+          <p:cNvPr id="9" name="Obdélník 8">
+            <a:extLst>
+              <a:ext uri="{FF2B5EF4-FFF2-40B4-BE49-F238E27FC236}">
+                <a16:creationId xmlns:a16="http://schemas.microsoft.com/office/drawing/2014/main" id="{C8DBE1D7-2AF6-E7F2-FF19-67BF596A8BC7}"/>
+              </a:ext>
+            </a:extLst>
+          </p:cNvPr>
+          <p:cNvSpPr/>
+          <p:nvPr/>
+        </p:nvSpPr>
+        <p:spPr>
+          <a:xfrm>
+            <a:off x="-1349" y="1070983"/>
+            <a:ext cx="860453" cy="45719"/>
+          </a:xfrm>
+          <a:prstGeom prst="rect">
+            <a:avLst/>
+          </a:prstGeom>
+          <a:solidFill>
+            <a:srgbClr val="FF0000"/>
+          </a:solidFill>
+          <a:ln>
+            <a:noFill/>
+          </a:ln>
+        </p:spPr>
+        <p:style>
+          <a:lnRef idx="2">
+            <a:schemeClr val="accent1">
+              <a:shade val="15000"/>
+            </a:schemeClr>
+          </a:lnRef>
+          <a:fillRef idx="1">
+            <a:schemeClr val="accent1"/>
+          </a:fillRef>
+          <a:effectRef idx="0">
+            <a:schemeClr val="accent1"/>
+          </a:effectRef>
+          <a:fontRef idx="minor">
+            <a:schemeClr val="lt1"/>
+          </a:fontRef>
+        </p:style>
+        <p:txBody>
+          <a:bodyPr rtlCol="0" anchor="ctr"/>
+          <a:lstStyle/>
+          <a:p>
+            <a:pPr algn="ctr"/>
+            <a:endParaRPr lang="en-GB"/>
+          </a:p>
+        </p:txBody>
+      </p:sp>
+    </p:spTree>
+    <p:extLst>
+      <p:ext uri="{BB962C8B-B14F-4D97-AF65-F5344CB8AC3E}">
+        <p14:creationId xmlns:p14="http://schemas.microsoft.com/office/powerpoint/2010/main" val="1479531615"/>
+      </p:ext>
+    </p:extLst>
+  </p:cSld>
+  <p:clrMapOvr>
+    <a:masterClrMapping/>
+  </p:clrMapOvr>
+</p:sld>
+</file>
+
+<file path=ppt/slides/slide21.xml><?xml version="1.0" encoding="utf-8"?>
+<p:sld xmlns:a="http://schemas.openxmlformats.org/drawingml/2006/main" xmlns:r="http://schemas.openxmlformats.org/officeDocument/2006/relationships" xmlns:p="http://schemas.openxmlformats.org/presentationml/2006/main">
+  <p:cSld>
+    <p:spTree>
+      <p:nvGrpSpPr>
+        <p:cNvPr id="1" name=""/>
+        <p:cNvGrpSpPr/>
+        <p:nvPr/>
+      </p:nvGrpSpPr>
+      <p:grpSpPr>
+        <a:xfrm>
+          <a:off x="0" y="0"/>
+          <a:ext cx="0" cy="0"/>
+          <a:chOff x="0" y="0"/>
+          <a:chExt cx="0" cy="0"/>
+        </a:xfrm>
+      </p:grpSpPr>
+      <p:sp>
+        <p:nvSpPr>
+          <p:cNvPr id="5" name="Zástupný symbol pro číslo snímku 4">
+            <a:extLst>
+              <a:ext uri="{FF2B5EF4-FFF2-40B4-BE49-F238E27FC236}">
+                <a16:creationId xmlns:a16="http://schemas.microsoft.com/office/drawing/2014/main" id="{8135870D-E5D0-B096-3CD2-00A013D914CE}"/>
+              </a:ext>
+            </a:extLst>
+          </p:cNvPr>
+          <p:cNvSpPr>
+            <a:spLocks noGrp="1"/>
+          </p:cNvSpPr>
+          <p:nvPr>
+            <p:ph type="sldNum" sz="quarter" idx="12"/>
+          </p:nvPr>
+        </p:nvSpPr>
+        <p:spPr/>
+        <p:txBody>
+          <a:bodyPr/>
+          <a:lstStyle/>
+          <a:p>
+            <a:fld id="{2396986B-09E1-422F-9D6D-F3432B0D2D09}" type="slidenum">
+              <a:rPr lang="en-GB" smtClean="0"/>
+              <a:t>21</a:t>
+            </a:fld>
+            <a:endParaRPr lang="en-GB"/>
+          </a:p>
+        </p:txBody>
+      </p:sp>
+      <p:sp>
+        <p:nvSpPr>
+          <p:cNvPr id="6" name="Obdélník 5">
+            <a:extLst>
+              <a:ext uri="{FF2B5EF4-FFF2-40B4-BE49-F238E27FC236}">
+                <a16:creationId xmlns:a16="http://schemas.microsoft.com/office/drawing/2014/main" id="{A8127886-6113-00D7-DA4E-46E06B112A82}"/>
+              </a:ext>
+            </a:extLst>
+          </p:cNvPr>
+          <p:cNvSpPr/>
+          <p:nvPr/>
+        </p:nvSpPr>
+        <p:spPr>
+          <a:xfrm>
+            <a:off x="0" y="-1"/>
+            <a:ext cx="12192000" cy="1116703"/>
+          </a:xfrm>
+          <a:prstGeom prst="rect">
+            <a:avLst/>
+          </a:prstGeom>
+          <a:solidFill>
+            <a:schemeClr val="bg2"/>
+          </a:solidFill>
+          <a:ln>
+            <a:noFill/>
+          </a:ln>
+        </p:spPr>
+        <p:style>
+          <a:lnRef idx="2">
+            <a:schemeClr val="accent1">
+              <a:shade val="15000"/>
+            </a:schemeClr>
+          </a:lnRef>
+          <a:fillRef idx="1">
+            <a:schemeClr val="accent1"/>
+          </a:fillRef>
+          <a:effectRef idx="0">
+            <a:schemeClr val="accent1"/>
+          </a:effectRef>
+          <a:fontRef idx="minor">
+            <a:schemeClr val="lt1"/>
+          </a:fontRef>
+        </p:style>
+        <p:txBody>
+          <a:bodyPr rtlCol="0" anchor="ctr"/>
+          <a:lstStyle/>
+          <a:p>
+            <a:pPr algn="ctr"/>
+            <a:endParaRPr lang="en-GB" dirty="0"/>
+          </a:p>
+        </p:txBody>
+      </p:sp>
+      <p:sp>
+        <p:nvSpPr>
+          <p:cNvPr id="7" name="Nadpis 1">
+            <a:extLst>
+              <a:ext uri="{FF2B5EF4-FFF2-40B4-BE49-F238E27FC236}">
+                <a16:creationId xmlns:a16="http://schemas.microsoft.com/office/drawing/2014/main" id="{C5B700DA-2C59-42BA-F59F-40C887886F20}"/>
+              </a:ext>
+            </a:extLst>
+          </p:cNvPr>
+          <p:cNvSpPr>
+            <a:spLocks noGrp="1"/>
+          </p:cNvSpPr>
+          <p:nvPr>
+            <p:ph type="title"/>
+          </p:nvPr>
+        </p:nvSpPr>
+        <p:spPr>
+          <a:xfrm>
+            <a:off x="0" y="0"/>
+            <a:ext cx="10515600" cy="1325563"/>
+          </a:xfrm>
+        </p:spPr>
+        <p:txBody>
+          <a:bodyPr/>
+          <a:lstStyle/>
+          <a:p>
+            <a:r>
+              <a:rPr lang="cs-CZ" dirty="0">
+                <a:solidFill>
+                  <a:srgbClr val="FF0000"/>
+                </a:solidFill>
+              </a:rPr>
+              <a:t>Výsledky testování</a:t>
+            </a:r>
+            <a:endParaRPr lang="en-GB" dirty="0">
+              <a:solidFill>
+                <a:srgbClr val="FF0000"/>
+              </a:solidFill>
+            </a:endParaRPr>
+          </a:p>
+        </p:txBody>
+      </p:sp>
+      <p:pic>
+        <p:nvPicPr>
+          <p:cNvPr id="9" name="Obrázek 8">
+            <a:extLst>
+              <a:ext uri="{FF2B5EF4-FFF2-40B4-BE49-F238E27FC236}">
+                <a16:creationId xmlns:a16="http://schemas.microsoft.com/office/drawing/2014/main" id="{AF79EB77-2B85-A414-7F2F-3A51512A39CC}"/>
+              </a:ext>
+            </a:extLst>
+          </p:cNvPr>
+          <p:cNvPicPr>
+            <a:picLocks noChangeAspect="1"/>
+          </p:cNvPicPr>
+          <p:nvPr/>
+        </p:nvPicPr>
+        <p:blipFill>
+          <a:blip r:embed="rId2"/>
+          <a:stretch>
+            <a:fillRect/>
+          </a:stretch>
+        </p:blipFill>
+        <p:spPr>
+          <a:xfrm>
+            <a:off x="2000250" y="1652587"/>
+            <a:ext cx="8191500" cy="3552825"/>
+          </a:xfrm>
+          <a:prstGeom prst="rect">
+            <a:avLst/>
+          </a:prstGeom>
+        </p:spPr>
+      </p:pic>
+      <p:pic>
+        <p:nvPicPr>
+          <p:cNvPr id="10" name="Obrázek 9">
+            <a:extLst>
+              <a:ext uri="{FF2B5EF4-FFF2-40B4-BE49-F238E27FC236}">
+                <a16:creationId xmlns:a16="http://schemas.microsoft.com/office/drawing/2014/main" id="{F65A792A-367E-B1D5-0D83-6873CFF22AE8}"/>
+              </a:ext>
+            </a:extLst>
+          </p:cNvPr>
+          <p:cNvPicPr>
+            <a:picLocks noChangeAspect="1"/>
+          </p:cNvPicPr>
+          <p:nvPr/>
+        </p:nvPicPr>
+        <p:blipFill>
+          <a:blip r:embed="rId3"/>
+          <a:stretch>
+            <a:fillRect/>
+          </a:stretch>
+        </p:blipFill>
+        <p:spPr>
+          <a:xfrm>
+            <a:off x="10113527" y="299406"/>
+            <a:ext cx="1556365" cy="493482"/>
+          </a:xfrm>
+          <a:prstGeom prst="rect">
+            <a:avLst/>
+          </a:prstGeom>
+        </p:spPr>
+      </p:pic>
+      <p:sp>
+        <p:nvSpPr>
+          <p:cNvPr id="11" name="Obdélník 10">
+            <a:extLst>
+              <a:ext uri="{FF2B5EF4-FFF2-40B4-BE49-F238E27FC236}">
+                <a16:creationId xmlns:a16="http://schemas.microsoft.com/office/drawing/2014/main" id="{C9397266-9DD8-1C04-1B18-C0C90B874BD2}"/>
+              </a:ext>
+            </a:extLst>
+          </p:cNvPr>
+          <p:cNvSpPr/>
+          <p:nvPr/>
+        </p:nvSpPr>
+        <p:spPr>
+          <a:xfrm>
+            <a:off x="-1349" y="1070983"/>
+            <a:ext cx="860453" cy="45719"/>
+          </a:xfrm>
+          <a:prstGeom prst="rect">
+            <a:avLst/>
+          </a:prstGeom>
+          <a:solidFill>
+            <a:srgbClr val="FF0000"/>
+          </a:solidFill>
+          <a:ln>
+            <a:noFill/>
+          </a:ln>
+        </p:spPr>
+        <p:style>
+          <a:lnRef idx="2">
+            <a:schemeClr val="accent1">
+              <a:shade val="15000"/>
+            </a:schemeClr>
+          </a:lnRef>
+          <a:fillRef idx="1">
+            <a:schemeClr val="accent1"/>
+          </a:fillRef>
+          <a:effectRef idx="0">
+            <a:schemeClr val="accent1"/>
+          </a:effectRef>
+          <a:fontRef idx="minor">
+            <a:schemeClr val="lt1"/>
+          </a:fontRef>
+        </p:style>
+        <p:txBody>
+          <a:bodyPr rtlCol="0" anchor="ctr"/>
+          <a:lstStyle/>
+          <a:p>
+            <a:pPr algn="ctr"/>
+            <a:endParaRPr lang="en-GB"/>
+          </a:p>
+        </p:txBody>
+      </p:sp>
+    </p:spTree>
+    <p:extLst>
+      <p:ext uri="{BB962C8B-B14F-4D97-AF65-F5344CB8AC3E}">
+        <p14:creationId xmlns:p14="http://schemas.microsoft.com/office/powerpoint/2010/main" val="894034352"/>
+      </p:ext>
+    </p:extLst>
+  </p:cSld>
+  <p:clrMapOvr>
+    <a:masterClrMapping/>
+  </p:clrMapOvr>
+</p:sld>
+</file>
+
+<file path=ppt/slides/slide22.xml><?xml version="1.0" encoding="utf-8"?>
+<p:sld xmlns:a="http://schemas.openxmlformats.org/drawingml/2006/main" xmlns:r="http://schemas.openxmlformats.org/officeDocument/2006/relationships" xmlns:p="http://schemas.openxmlformats.org/presentationml/2006/main">
+  <p:cSld>
+    <p:spTree>
+      <p:nvGrpSpPr>
+        <p:cNvPr id="1" name="">
+          <a:extLst>
+            <a:ext uri="{FF2B5EF4-FFF2-40B4-BE49-F238E27FC236}">
+              <a16:creationId xmlns:a16="http://schemas.microsoft.com/office/drawing/2014/main" id="{FF6B5575-36BF-B6F5-468D-F0B92CBB1EF3}"/>
+            </a:ext>
+          </a:extLst>
+        </p:cNvPr>
+        <p:cNvGrpSpPr/>
+        <p:nvPr/>
+      </p:nvGrpSpPr>
+      <p:grpSpPr>
+        <a:xfrm>
+          <a:off x="0" y="0"/>
+          <a:ext cx="0" cy="0"/>
+          <a:chOff x="0" y="0"/>
+          <a:chExt cx="0" cy="0"/>
+        </a:xfrm>
+      </p:grpSpPr>
+      <p:sp>
+        <p:nvSpPr>
+          <p:cNvPr id="5" name="Zástupný symbol pro číslo snímku 4">
+            <a:extLst>
+              <a:ext uri="{FF2B5EF4-FFF2-40B4-BE49-F238E27FC236}">
+                <a16:creationId xmlns:a16="http://schemas.microsoft.com/office/drawing/2014/main" id="{E51348F6-CB26-BFFB-14E9-0B4CF799EC17}"/>
+              </a:ext>
+            </a:extLst>
+          </p:cNvPr>
+          <p:cNvSpPr>
+            <a:spLocks noGrp="1"/>
+          </p:cNvSpPr>
+          <p:nvPr>
+            <p:ph type="sldNum" sz="quarter" idx="12"/>
+          </p:nvPr>
+        </p:nvSpPr>
+        <p:spPr/>
+        <p:txBody>
+          <a:bodyPr/>
+          <a:lstStyle/>
+          <a:p>
+            <a:fld id="{2396986B-09E1-422F-9D6D-F3432B0D2D09}" type="slidenum">
+              <a:rPr lang="en-GB" smtClean="0"/>
+              <a:t>22</a:t>
+            </a:fld>
+            <a:endParaRPr lang="en-GB"/>
+          </a:p>
+        </p:txBody>
+      </p:sp>
+      <p:sp>
+        <p:nvSpPr>
+          <p:cNvPr id="6" name="Obdélník 5">
+            <a:extLst>
+              <a:ext uri="{FF2B5EF4-FFF2-40B4-BE49-F238E27FC236}">
+                <a16:creationId xmlns:a16="http://schemas.microsoft.com/office/drawing/2014/main" id="{B3812337-19EA-9597-21A1-74334F0EBD26}"/>
+              </a:ext>
+            </a:extLst>
+          </p:cNvPr>
+          <p:cNvSpPr/>
+          <p:nvPr/>
+        </p:nvSpPr>
+        <p:spPr>
+          <a:xfrm>
+            <a:off x="0" y="-1"/>
+            <a:ext cx="12192000" cy="1116703"/>
+          </a:xfrm>
+          <a:prstGeom prst="rect">
+            <a:avLst/>
+          </a:prstGeom>
+          <a:solidFill>
+            <a:schemeClr val="bg2"/>
+          </a:solidFill>
+          <a:ln>
+            <a:noFill/>
+          </a:ln>
+        </p:spPr>
+        <p:style>
+          <a:lnRef idx="2">
+            <a:schemeClr val="accent1">
+              <a:shade val="15000"/>
+            </a:schemeClr>
+          </a:lnRef>
+          <a:fillRef idx="1">
+            <a:schemeClr val="accent1"/>
+          </a:fillRef>
+          <a:effectRef idx="0">
+            <a:schemeClr val="accent1"/>
+          </a:effectRef>
+          <a:fontRef idx="minor">
+            <a:schemeClr val="lt1"/>
+          </a:fontRef>
+        </p:style>
+        <p:txBody>
+          <a:bodyPr rtlCol="0" anchor="ctr"/>
+          <a:lstStyle/>
+          <a:p>
+            <a:pPr algn="ctr"/>
+            <a:endParaRPr lang="en-GB" dirty="0"/>
+          </a:p>
+        </p:txBody>
+      </p:sp>
+      <p:sp>
+        <p:nvSpPr>
+          <p:cNvPr id="7" name="Nadpis 1">
+            <a:extLst>
+              <a:ext uri="{FF2B5EF4-FFF2-40B4-BE49-F238E27FC236}">
+                <a16:creationId xmlns:a16="http://schemas.microsoft.com/office/drawing/2014/main" id="{E6EAFEA1-96B6-1762-E449-90551A3AD264}"/>
+              </a:ext>
+            </a:extLst>
+          </p:cNvPr>
+          <p:cNvSpPr>
+            <a:spLocks noGrp="1"/>
+          </p:cNvSpPr>
+          <p:nvPr>
+            <p:ph type="title"/>
+          </p:nvPr>
+        </p:nvSpPr>
+        <p:spPr>
+          <a:xfrm>
+            <a:off x="0" y="0"/>
+            <a:ext cx="10515600" cy="1325563"/>
+          </a:xfrm>
+        </p:spPr>
+        <p:txBody>
+          <a:bodyPr/>
+          <a:lstStyle/>
+          <a:p>
+            <a:r>
+              <a:rPr lang="cs-CZ" dirty="0">
+                <a:solidFill>
+                  <a:srgbClr val="FF0000"/>
+                </a:solidFill>
+              </a:rPr>
+              <a:t>Výsledky testování</a:t>
+            </a:r>
+            <a:endParaRPr lang="en-GB" dirty="0">
+              <a:solidFill>
+                <a:srgbClr val="FF0000"/>
+              </a:solidFill>
+            </a:endParaRPr>
+          </a:p>
+        </p:txBody>
+      </p:sp>
+      <p:pic>
+        <p:nvPicPr>
+          <p:cNvPr id="3" name="Obrázek 2">
+            <a:extLst>
+              <a:ext uri="{FF2B5EF4-FFF2-40B4-BE49-F238E27FC236}">
+                <a16:creationId xmlns:a16="http://schemas.microsoft.com/office/drawing/2014/main" id="{F7A4DDA0-8B94-56C8-1F05-7AEF96CBCCBB}"/>
+              </a:ext>
+            </a:extLst>
+          </p:cNvPr>
+          <p:cNvPicPr>
+            <a:picLocks noChangeAspect="1"/>
+          </p:cNvPicPr>
+          <p:nvPr/>
+        </p:nvPicPr>
+        <p:blipFill>
+          <a:blip r:embed="rId2"/>
+          <a:stretch>
+            <a:fillRect/>
+          </a:stretch>
+        </p:blipFill>
+        <p:spPr>
+          <a:xfrm>
+            <a:off x="1962150" y="1431820"/>
+            <a:ext cx="8267700" cy="4400550"/>
+          </a:xfrm>
+          <a:prstGeom prst="rect">
+            <a:avLst/>
+          </a:prstGeom>
+        </p:spPr>
+      </p:pic>
+      <p:pic>
+        <p:nvPicPr>
+          <p:cNvPr id="4" name="Obrázek 3">
+            <a:extLst>
+              <a:ext uri="{FF2B5EF4-FFF2-40B4-BE49-F238E27FC236}">
+                <a16:creationId xmlns:a16="http://schemas.microsoft.com/office/drawing/2014/main" id="{6EB2EAA5-AB10-4729-3F72-024D44311341}"/>
+              </a:ext>
+            </a:extLst>
+          </p:cNvPr>
+          <p:cNvPicPr>
+            <a:picLocks noChangeAspect="1"/>
+          </p:cNvPicPr>
+          <p:nvPr/>
+        </p:nvPicPr>
+        <p:blipFill>
+          <a:blip r:embed="rId3"/>
+          <a:stretch>
+            <a:fillRect/>
+          </a:stretch>
+        </p:blipFill>
+        <p:spPr>
+          <a:xfrm>
+            <a:off x="10113527" y="299406"/>
+            <a:ext cx="1556365" cy="493482"/>
+          </a:xfrm>
+          <a:prstGeom prst="rect">
+            <a:avLst/>
+          </a:prstGeom>
+        </p:spPr>
+      </p:pic>
+      <p:sp>
+        <p:nvSpPr>
+          <p:cNvPr id="8" name="Obdélník 7">
+            <a:extLst>
+              <a:ext uri="{FF2B5EF4-FFF2-40B4-BE49-F238E27FC236}">
+                <a16:creationId xmlns:a16="http://schemas.microsoft.com/office/drawing/2014/main" id="{CBBB05A1-6601-771C-9C64-DFC413347520}"/>
+              </a:ext>
+            </a:extLst>
+          </p:cNvPr>
+          <p:cNvSpPr/>
+          <p:nvPr/>
+        </p:nvSpPr>
+        <p:spPr>
+          <a:xfrm>
+            <a:off x="-1349" y="1070983"/>
+            <a:ext cx="860453" cy="45719"/>
+          </a:xfrm>
+          <a:prstGeom prst="rect">
+            <a:avLst/>
+          </a:prstGeom>
+          <a:solidFill>
+            <a:srgbClr val="FF0000"/>
+          </a:solidFill>
+          <a:ln>
+            <a:noFill/>
+          </a:ln>
+        </p:spPr>
+        <p:style>
+          <a:lnRef idx="2">
+            <a:schemeClr val="accent1">
+              <a:shade val="15000"/>
+            </a:schemeClr>
+          </a:lnRef>
+          <a:fillRef idx="1">
+            <a:schemeClr val="accent1"/>
+          </a:fillRef>
+          <a:effectRef idx="0">
+            <a:schemeClr val="accent1"/>
+          </a:effectRef>
+          <a:fontRef idx="minor">
+            <a:schemeClr val="lt1"/>
+          </a:fontRef>
+        </p:style>
+        <p:txBody>
+          <a:bodyPr rtlCol="0" anchor="ctr"/>
+          <a:lstStyle/>
+          <a:p>
+            <a:pPr algn="ctr"/>
+            <a:endParaRPr lang="en-GB"/>
+          </a:p>
+        </p:txBody>
+      </p:sp>
+    </p:spTree>
+    <p:extLst>
+      <p:ext uri="{BB962C8B-B14F-4D97-AF65-F5344CB8AC3E}">
+        <p14:creationId xmlns:p14="http://schemas.microsoft.com/office/powerpoint/2010/main" val="455269535"/>
+      </p:ext>
+    </p:extLst>
+  </p:cSld>
+  <p:clrMapOvr>
+    <a:masterClrMapping/>
+  </p:clrMapOvr>
+</p:sld>
+</file>
+
+<file path=ppt/slides/slide23.xml><?xml version="1.0" encoding="utf-8"?>
+<p:sld xmlns:a="http://schemas.openxmlformats.org/drawingml/2006/main" xmlns:r="http://schemas.openxmlformats.org/officeDocument/2006/relationships" xmlns:p="http://schemas.openxmlformats.org/presentationml/2006/main">
+  <p:cSld>
+    <p:spTree>
+      <p:nvGrpSpPr>
+        <p:cNvPr id="1" name="">
+          <a:extLst>
+            <a:ext uri="{FF2B5EF4-FFF2-40B4-BE49-F238E27FC236}">
+              <a16:creationId xmlns:a16="http://schemas.microsoft.com/office/drawing/2014/main" id="{29BB4504-5457-1463-5149-903402E74F92}"/>
+            </a:ext>
+          </a:extLst>
+        </p:cNvPr>
+        <p:cNvGrpSpPr/>
+        <p:nvPr/>
+      </p:nvGrpSpPr>
+      <p:grpSpPr>
+        <a:xfrm>
+          <a:off x="0" y="0"/>
+          <a:ext cx="0" cy="0"/>
+          <a:chOff x="0" y="0"/>
+          <a:chExt cx="0" cy="0"/>
+        </a:xfrm>
+      </p:grpSpPr>
+      <p:sp>
+        <p:nvSpPr>
+          <p:cNvPr id="5" name="Zástupný symbol pro číslo snímku 4">
+            <a:extLst>
+              <a:ext uri="{FF2B5EF4-FFF2-40B4-BE49-F238E27FC236}">
+                <a16:creationId xmlns:a16="http://schemas.microsoft.com/office/drawing/2014/main" id="{796AE311-FBC2-505E-6188-EE4F3414063E}"/>
+              </a:ext>
+            </a:extLst>
+          </p:cNvPr>
+          <p:cNvSpPr>
+            <a:spLocks noGrp="1"/>
+          </p:cNvSpPr>
+          <p:nvPr>
+            <p:ph type="sldNum" sz="quarter" idx="12"/>
+          </p:nvPr>
+        </p:nvSpPr>
+        <p:spPr/>
+        <p:txBody>
+          <a:bodyPr/>
+          <a:lstStyle/>
+          <a:p>
+            <a:fld id="{2396986B-09E1-422F-9D6D-F3432B0D2D09}" type="slidenum">
+              <a:rPr lang="en-GB" smtClean="0"/>
+              <a:t>23</a:t>
+            </a:fld>
+            <a:endParaRPr lang="en-GB"/>
+          </a:p>
+        </p:txBody>
+      </p:sp>
+      <p:sp>
+        <p:nvSpPr>
+          <p:cNvPr id="6" name="Obdélník 5">
+            <a:extLst>
+              <a:ext uri="{FF2B5EF4-FFF2-40B4-BE49-F238E27FC236}">
+                <a16:creationId xmlns:a16="http://schemas.microsoft.com/office/drawing/2014/main" id="{2EB3FCC7-3D36-2684-F855-D227E243308F}"/>
+              </a:ext>
+            </a:extLst>
+          </p:cNvPr>
+          <p:cNvSpPr/>
+          <p:nvPr/>
+        </p:nvSpPr>
+        <p:spPr>
+          <a:xfrm>
+            <a:off x="0" y="-1"/>
+            <a:ext cx="12192000" cy="1116703"/>
+          </a:xfrm>
+          <a:prstGeom prst="rect">
+            <a:avLst/>
+          </a:prstGeom>
+          <a:solidFill>
+            <a:schemeClr val="bg2"/>
+          </a:solidFill>
+          <a:ln>
+            <a:noFill/>
+          </a:ln>
+        </p:spPr>
+        <p:style>
+          <a:lnRef idx="2">
+            <a:schemeClr val="accent1">
+              <a:shade val="15000"/>
+            </a:schemeClr>
+          </a:lnRef>
+          <a:fillRef idx="1">
+            <a:schemeClr val="accent1"/>
+          </a:fillRef>
+          <a:effectRef idx="0">
+            <a:schemeClr val="accent1"/>
+          </a:effectRef>
+          <a:fontRef idx="minor">
+            <a:schemeClr val="lt1"/>
+          </a:fontRef>
+        </p:style>
+        <p:txBody>
+          <a:bodyPr rtlCol="0" anchor="ctr"/>
+          <a:lstStyle/>
+          <a:p>
+            <a:pPr algn="ctr"/>
+            <a:endParaRPr lang="en-GB" dirty="0"/>
+          </a:p>
+        </p:txBody>
+      </p:sp>
+      <p:sp>
+        <p:nvSpPr>
+          <p:cNvPr id="7" name="Nadpis 1">
+            <a:extLst>
+              <a:ext uri="{FF2B5EF4-FFF2-40B4-BE49-F238E27FC236}">
+                <a16:creationId xmlns:a16="http://schemas.microsoft.com/office/drawing/2014/main" id="{6C6303FB-B554-9572-DBBC-98BDE67DCB19}"/>
+              </a:ext>
+            </a:extLst>
+          </p:cNvPr>
+          <p:cNvSpPr>
+            <a:spLocks noGrp="1"/>
+          </p:cNvSpPr>
+          <p:nvPr>
+            <p:ph type="title"/>
+          </p:nvPr>
+        </p:nvSpPr>
+        <p:spPr>
+          <a:xfrm>
+            <a:off x="0" y="0"/>
+            <a:ext cx="10515600" cy="1325563"/>
+          </a:xfrm>
+        </p:spPr>
+        <p:txBody>
+          <a:bodyPr/>
+          <a:lstStyle/>
+          <a:p>
+            <a:r>
+              <a:rPr lang="cs-CZ" dirty="0">
+                <a:solidFill>
+                  <a:srgbClr val="FF0000"/>
+                </a:solidFill>
+              </a:rPr>
+              <a:t>Doporučení na základě testování</a:t>
+            </a:r>
+            <a:endParaRPr lang="en-GB" dirty="0">
+              <a:solidFill>
+                <a:srgbClr val="FF0000"/>
+              </a:solidFill>
+            </a:endParaRPr>
+          </a:p>
+        </p:txBody>
+      </p:sp>
+      <p:pic>
+        <p:nvPicPr>
+          <p:cNvPr id="4" name="Obrázek 3">
+            <a:extLst>
+              <a:ext uri="{FF2B5EF4-FFF2-40B4-BE49-F238E27FC236}">
+                <a16:creationId xmlns:a16="http://schemas.microsoft.com/office/drawing/2014/main" id="{B6A6BA83-EB57-899F-D8DD-F0062A3CE0A7}"/>
+              </a:ext>
+            </a:extLst>
+          </p:cNvPr>
+          <p:cNvPicPr>
+            <a:picLocks noChangeAspect="1"/>
+          </p:cNvPicPr>
+          <p:nvPr/>
+        </p:nvPicPr>
+        <p:blipFill>
+          <a:blip r:embed="rId2"/>
+          <a:stretch>
+            <a:fillRect/>
+          </a:stretch>
+        </p:blipFill>
+        <p:spPr>
+          <a:xfrm>
+            <a:off x="1985962" y="1281112"/>
+            <a:ext cx="8220075" cy="4295775"/>
+          </a:xfrm>
+          <a:prstGeom prst="rect">
+            <a:avLst/>
+          </a:prstGeom>
+        </p:spPr>
+      </p:pic>
+      <p:pic>
+        <p:nvPicPr>
+          <p:cNvPr id="8" name="Obrázek 7">
+            <a:extLst>
+              <a:ext uri="{FF2B5EF4-FFF2-40B4-BE49-F238E27FC236}">
+                <a16:creationId xmlns:a16="http://schemas.microsoft.com/office/drawing/2014/main" id="{58C15B4E-3796-771D-47A8-1F0248B0A66D}"/>
+              </a:ext>
+            </a:extLst>
+          </p:cNvPr>
+          <p:cNvPicPr>
+            <a:picLocks noChangeAspect="1"/>
+          </p:cNvPicPr>
+          <p:nvPr/>
+        </p:nvPicPr>
+        <p:blipFill>
+          <a:blip r:embed="rId3"/>
+          <a:stretch>
+            <a:fillRect/>
+          </a:stretch>
+        </p:blipFill>
+        <p:spPr>
+          <a:xfrm>
+            <a:off x="10113527" y="299406"/>
+            <a:ext cx="1556365" cy="493482"/>
+          </a:xfrm>
+          <a:prstGeom prst="rect">
+            <a:avLst/>
+          </a:prstGeom>
+        </p:spPr>
+      </p:pic>
+      <p:sp>
+        <p:nvSpPr>
+          <p:cNvPr id="9" name="Obdélník 8">
+            <a:extLst>
+              <a:ext uri="{FF2B5EF4-FFF2-40B4-BE49-F238E27FC236}">
+                <a16:creationId xmlns:a16="http://schemas.microsoft.com/office/drawing/2014/main" id="{4DC50664-6B0E-858D-A60C-3FDB2FAD98CE}"/>
+              </a:ext>
+            </a:extLst>
+          </p:cNvPr>
+          <p:cNvSpPr/>
+          <p:nvPr/>
+        </p:nvSpPr>
+        <p:spPr>
+          <a:xfrm>
+            <a:off x="-1349" y="1070983"/>
+            <a:ext cx="860453" cy="45719"/>
+          </a:xfrm>
+          <a:prstGeom prst="rect">
+            <a:avLst/>
+          </a:prstGeom>
+          <a:solidFill>
+            <a:srgbClr val="FF0000"/>
+          </a:solidFill>
+          <a:ln>
+            <a:noFill/>
+          </a:ln>
+        </p:spPr>
+        <p:style>
+          <a:lnRef idx="2">
+            <a:schemeClr val="accent1">
+              <a:shade val="15000"/>
+            </a:schemeClr>
+          </a:lnRef>
+          <a:fillRef idx="1">
+            <a:schemeClr val="accent1"/>
+          </a:fillRef>
+          <a:effectRef idx="0">
+            <a:schemeClr val="accent1"/>
+          </a:effectRef>
+          <a:fontRef idx="minor">
+            <a:schemeClr val="lt1"/>
+          </a:fontRef>
+        </p:style>
+        <p:txBody>
+          <a:bodyPr rtlCol="0" anchor="ctr"/>
+          <a:lstStyle/>
+          <a:p>
+            <a:pPr algn="ctr"/>
+            <a:endParaRPr lang="en-GB"/>
+          </a:p>
+        </p:txBody>
+      </p:sp>
+    </p:spTree>
+    <p:extLst>
+      <p:ext uri="{BB962C8B-B14F-4D97-AF65-F5344CB8AC3E}">
+        <p14:creationId xmlns:p14="http://schemas.microsoft.com/office/powerpoint/2010/main" val="3529689052"/>
+      </p:ext>
+    </p:extLst>
+  </p:cSld>
+  <p:clrMapOvr>
+    <a:masterClrMapping/>
+  </p:clrMapOvr>
+</p:sld>
+</file>
+
+<file path=ppt/slides/slide24.xml><?xml version="1.0" encoding="utf-8"?>
+<p:sld xmlns:a="http://schemas.openxmlformats.org/drawingml/2006/main" xmlns:r="http://schemas.openxmlformats.org/officeDocument/2006/relationships" xmlns:p="http://schemas.openxmlformats.org/presentationml/2006/main">
+  <p:cSld>
+    <p:spTree>
+      <p:nvGrpSpPr>
+        <p:cNvPr id="1" name=""/>
+        <p:cNvGrpSpPr/>
+        <p:nvPr/>
+      </p:nvGrpSpPr>
+      <p:grpSpPr>
+        <a:xfrm>
+          <a:off x="0" y="0"/>
+          <a:ext cx="0" cy="0"/>
+          <a:chOff x="0" y="0"/>
+          <a:chExt cx="0" cy="0"/>
+        </a:xfrm>
+      </p:grpSpPr>
+      <p:sp>
+        <p:nvSpPr>
+          <p:cNvPr id="6" name="Obdélník 5">
+            <a:extLst>
+              <a:ext uri="{FF2B5EF4-FFF2-40B4-BE49-F238E27FC236}">
+                <a16:creationId xmlns:a16="http://schemas.microsoft.com/office/drawing/2014/main" id="{9AB1E2E0-E445-7609-3BC3-2408D765191C}"/>
+              </a:ext>
+            </a:extLst>
+          </p:cNvPr>
+          <p:cNvSpPr/>
+          <p:nvPr/>
+        </p:nvSpPr>
+        <p:spPr>
+          <a:xfrm>
+            <a:off x="0" y="-1"/>
+            <a:ext cx="12192000" cy="1116703"/>
+          </a:xfrm>
+          <a:prstGeom prst="rect">
+            <a:avLst/>
+          </a:prstGeom>
+          <a:solidFill>
+            <a:schemeClr val="bg2"/>
+          </a:solidFill>
+          <a:ln>
+            <a:noFill/>
+          </a:ln>
+        </p:spPr>
+        <p:style>
+          <a:lnRef idx="2">
+            <a:schemeClr val="accent1">
+              <a:shade val="15000"/>
+            </a:schemeClr>
+          </a:lnRef>
+          <a:fillRef idx="1">
+            <a:schemeClr val="accent1"/>
+          </a:fillRef>
+          <a:effectRef idx="0">
+            <a:schemeClr val="accent1"/>
+          </a:effectRef>
+          <a:fontRef idx="minor">
+            <a:schemeClr val="lt1"/>
+          </a:fontRef>
+        </p:style>
+        <p:txBody>
+          <a:bodyPr rtlCol="0" anchor="ctr"/>
+          <a:lstStyle/>
+          <a:p>
+            <a:pPr algn="ctr"/>
+            <a:endParaRPr lang="en-GB"/>
+          </a:p>
+        </p:txBody>
+      </p:sp>
+      <p:sp>
+        <p:nvSpPr>
+          <p:cNvPr id="2" name="Nadpis 1">
+            <a:extLst>
+              <a:ext uri="{FF2B5EF4-FFF2-40B4-BE49-F238E27FC236}">
+                <a16:creationId xmlns:a16="http://schemas.microsoft.com/office/drawing/2014/main" id="{E85E28AF-D31F-9986-04D8-696B845F2560}"/>
+              </a:ext>
+            </a:extLst>
+          </p:cNvPr>
+          <p:cNvSpPr>
+            <a:spLocks noGrp="1"/>
+          </p:cNvSpPr>
+          <p:nvPr>
+            <p:ph type="title"/>
+          </p:nvPr>
+        </p:nvSpPr>
+        <p:spPr>
+          <a:xfrm>
+            <a:off x="0" y="-11363"/>
+            <a:ext cx="10515600" cy="1325563"/>
+          </a:xfrm>
+        </p:spPr>
+        <p:txBody>
+          <a:bodyPr/>
+          <a:lstStyle/>
+          <a:p>
+            <a:r>
+              <a:rPr lang="cs-CZ" dirty="0" err="1">
+                <a:solidFill>
+                  <a:srgbClr val="FF0000"/>
+                </a:solidFill>
+              </a:rPr>
+              <a:t>Ukazka</a:t>
+            </a:r>
+            <a:r>
+              <a:rPr lang="cs-CZ" dirty="0">
+                <a:solidFill>
+                  <a:srgbClr val="FF0000"/>
+                </a:solidFill>
+              </a:rPr>
+              <a:t> Aplikace</a:t>
+            </a:r>
+            <a:endParaRPr lang="en-GB" dirty="0">
+              <a:solidFill>
+                <a:srgbClr val="FF0000"/>
+              </a:solidFill>
+            </a:endParaRPr>
+          </a:p>
+        </p:txBody>
+      </p:sp>
+      <p:sp>
+        <p:nvSpPr>
+          <p:cNvPr id="3" name="Zástupný obsah 2">
+            <a:extLst>
+              <a:ext uri="{FF2B5EF4-FFF2-40B4-BE49-F238E27FC236}">
+                <a16:creationId xmlns:a16="http://schemas.microsoft.com/office/drawing/2014/main" id="{D0CB7290-F736-14F9-C8FD-B9CDA15801A9}"/>
+              </a:ext>
+            </a:extLst>
+          </p:cNvPr>
+          <p:cNvSpPr>
+            <a:spLocks noGrp="1"/>
+          </p:cNvSpPr>
+          <p:nvPr>
+            <p:ph sz="half" idx="1"/>
+          </p:nvPr>
+        </p:nvSpPr>
+        <p:spPr>
+          <a:xfrm>
+            <a:off x="372324" y="1690688"/>
+            <a:ext cx="11447352" cy="4351338"/>
+          </a:xfrm>
+        </p:spPr>
+        <p:txBody>
+          <a:bodyPr/>
+          <a:lstStyle/>
+          <a:p>
+            <a:pPr marL="0" indent="0">
+              <a:buNone/>
+            </a:pPr>
+            <a:endParaRPr lang="cs-CZ" dirty="0"/>
+          </a:p>
+        </p:txBody>
+      </p:sp>
+      <p:sp>
+        <p:nvSpPr>
+          <p:cNvPr id="5" name="Zástupný symbol pro číslo snímku 4">
+            <a:extLst>
+              <a:ext uri="{FF2B5EF4-FFF2-40B4-BE49-F238E27FC236}">
+                <a16:creationId xmlns:a16="http://schemas.microsoft.com/office/drawing/2014/main" id="{A4AF7EF7-19BA-3A65-E16C-250A6BF0B8F4}"/>
+              </a:ext>
+            </a:extLst>
+          </p:cNvPr>
+          <p:cNvSpPr>
+            <a:spLocks noGrp="1"/>
+          </p:cNvSpPr>
+          <p:nvPr>
+            <p:ph type="sldNum" sz="quarter" idx="12"/>
+          </p:nvPr>
+        </p:nvSpPr>
+        <p:spPr/>
+        <p:txBody>
+          <a:bodyPr/>
+          <a:lstStyle/>
+          <a:p>
+            <a:fld id="{2396986B-09E1-422F-9D6D-F3432B0D2D09}" type="slidenum">
+              <a:rPr lang="en-GB" smtClean="0"/>
+              <a:t>24</a:t>
+            </a:fld>
+            <a:endParaRPr lang="en-GB"/>
+          </a:p>
+        </p:txBody>
+      </p:sp>
+      <p:pic>
+        <p:nvPicPr>
+          <p:cNvPr id="7" name="Obrázek 6">
+            <a:extLst>
+              <a:ext uri="{FF2B5EF4-FFF2-40B4-BE49-F238E27FC236}">
+                <a16:creationId xmlns:a16="http://schemas.microsoft.com/office/drawing/2014/main" id="{42C9C5F8-45A3-7588-5E5A-96B6E799EEAA}"/>
+              </a:ext>
+            </a:extLst>
+          </p:cNvPr>
+          <p:cNvPicPr>
+            <a:picLocks noChangeAspect="1"/>
+          </p:cNvPicPr>
+          <p:nvPr/>
+        </p:nvPicPr>
+        <p:blipFill>
+          <a:blip r:embed="rId2"/>
+          <a:stretch>
+            <a:fillRect/>
+          </a:stretch>
+        </p:blipFill>
+        <p:spPr>
+          <a:xfrm>
+            <a:off x="10113527" y="299406"/>
+            <a:ext cx="1556365" cy="493482"/>
+          </a:xfrm>
+          <a:prstGeom prst="rect">
+            <a:avLst/>
+          </a:prstGeom>
+        </p:spPr>
+      </p:pic>
+      <p:sp>
+        <p:nvSpPr>
+          <p:cNvPr id="8" name="Obdélník 7">
+            <a:extLst>
+              <a:ext uri="{FF2B5EF4-FFF2-40B4-BE49-F238E27FC236}">
+                <a16:creationId xmlns:a16="http://schemas.microsoft.com/office/drawing/2014/main" id="{D2798C63-D0C7-8503-BE22-A0C93FE44363}"/>
+              </a:ext>
+            </a:extLst>
+          </p:cNvPr>
+          <p:cNvSpPr/>
+          <p:nvPr/>
+        </p:nvSpPr>
+        <p:spPr>
+          <a:xfrm>
+            <a:off x="-1349" y="1070983"/>
+            <a:ext cx="860453" cy="45719"/>
+          </a:xfrm>
+          <a:prstGeom prst="rect">
+            <a:avLst/>
+          </a:prstGeom>
+          <a:solidFill>
+            <a:srgbClr val="FF0000"/>
+          </a:solidFill>
+          <a:ln>
+            <a:noFill/>
+          </a:ln>
+        </p:spPr>
+        <p:style>
+          <a:lnRef idx="2">
+            <a:schemeClr val="accent1">
+              <a:shade val="15000"/>
+            </a:schemeClr>
+          </a:lnRef>
+          <a:fillRef idx="1">
+            <a:schemeClr val="accent1"/>
+          </a:fillRef>
+          <a:effectRef idx="0">
+            <a:schemeClr val="accent1"/>
+          </a:effectRef>
+          <a:fontRef idx="minor">
+            <a:schemeClr val="lt1"/>
+          </a:fontRef>
+        </p:style>
+        <p:txBody>
+          <a:bodyPr rtlCol="0" anchor="ctr"/>
+          <a:lstStyle/>
+          <a:p>
+            <a:pPr algn="ctr"/>
+            <a:endParaRPr lang="en-GB"/>
+          </a:p>
+        </p:txBody>
+      </p:sp>
+    </p:spTree>
+    <p:extLst>
+      <p:ext uri="{BB962C8B-B14F-4D97-AF65-F5344CB8AC3E}">
+        <p14:creationId xmlns:p14="http://schemas.microsoft.com/office/powerpoint/2010/main" val="943163058"/>
+      </p:ext>
+    </p:extLst>
+  </p:cSld>
+  <p:clrMapOvr>
+    <a:masterClrMapping/>
+  </p:clrMapOvr>
+</p:sld>
+</file>
+
+<file path=ppt/slides/slide25.xml><?xml version="1.0" encoding="utf-8"?>
+<p:sld xmlns:a="http://schemas.openxmlformats.org/drawingml/2006/main" xmlns:r="http://schemas.openxmlformats.org/officeDocument/2006/relationships" xmlns:p="http://schemas.openxmlformats.org/presentationml/2006/main">
+  <p:cSld>
+    <p:spTree>
+      <p:nvGrpSpPr>
+        <p:cNvPr id="1" name=""/>
+        <p:cNvGrpSpPr/>
+        <p:nvPr/>
+      </p:nvGrpSpPr>
+      <p:grpSpPr>
+        <a:xfrm>
+          <a:off x="0" y="0"/>
+          <a:ext cx="0" cy="0"/>
+          <a:chOff x="0" y="0"/>
+          <a:chExt cx="0" cy="0"/>
+        </a:xfrm>
+      </p:grpSpPr>
+      <p:sp>
+        <p:nvSpPr>
           <p:cNvPr id="10" name="Obdélník 9">
             <a:extLst>
               <a:ext uri="{FF2B5EF4-FFF2-40B4-BE49-F238E27FC236}">
@@ -8158,7 +12100,7 @@
           <a:p>
             <a:fld id="{2396986B-09E1-422F-9D6D-F3432B0D2D09}" type="slidenum">
               <a:rPr lang="en-GB" smtClean="0"/>
-              <a:t>19</a:t>
+              <a:t>25</a:t>
             </a:fld>
             <a:endParaRPr lang="en-GB"/>
           </a:p>
@@ -8259,8 +12201,8 @@
 </p:sld>
 </file>
 
-<file path=ppt/slides/slide2.xml><?xml version="1.0" encoding="utf-8"?>
-<p:sld xmlns:a="http://schemas.openxmlformats.org/drawingml/2006/main" xmlns:r="http://schemas.openxmlformats.org/officeDocument/2006/relationships" xmlns:p="http://schemas.openxmlformats.org/presentationml/2006/main">
+<file path=ppt/slides/slide26.xml><?xml version="1.0" encoding="utf-8"?>
+<p:sld xmlns:a="http://schemas.openxmlformats.org/drawingml/2006/main" xmlns:r="http://schemas.openxmlformats.org/officeDocument/2006/relationships" xmlns:p="http://schemas.openxmlformats.org/presentationml/2006/main" show="0">
   <p:cSld>
     <p:spTree>
       <p:nvGrpSpPr>
@@ -8278,10 +12220,10 @@
       </p:grpSpPr>
       <p:sp>
         <p:nvSpPr>
-          <p:cNvPr id="5" name="Obdélník 4">
-            <a:extLst>
-              <a:ext uri="{FF2B5EF4-FFF2-40B4-BE49-F238E27FC236}">
-                <a16:creationId xmlns:a16="http://schemas.microsoft.com/office/drawing/2014/main" id="{C7CB94EB-D1D3-2704-6E65-6FC4D559AE01}"/>
+          <p:cNvPr id="8" name="Obdélník 7">
+            <a:extLst>
+              <a:ext uri="{FF2B5EF4-FFF2-40B4-BE49-F238E27FC236}">
+                <a16:creationId xmlns:a16="http://schemas.microsoft.com/office/drawing/2014/main" id="{F0241744-709C-AA2F-50D3-49E8A9A35848}"/>
               </a:ext>
             </a:extLst>
           </p:cNvPr>
@@ -8333,7 +12275,7 @@
           <p:cNvPr id="2" name="Nadpis 1">
             <a:extLst>
               <a:ext uri="{FF2B5EF4-FFF2-40B4-BE49-F238E27FC236}">
-                <a16:creationId xmlns:a16="http://schemas.microsoft.com/office/drawing/2014/main" id="{D9AF3CC2-4CFB-28A4-DDA3-04D10EBB8BC5}"/>
+                <a16:creationId xmlns:a16="http://schemas.microsoft.com/office/drawing/2014/main" id="{1BC86644-4608-0793-92CB-184632470A43}"/>
               </a:ext>
             </a:extLst>
           </p:cNvPr>
@@ -8346,7 +12288,7 @@
         </p:nvSpPr>
         <p:spPr>
           <a:xfrm>
-            <a:off x="0" y="-2"/>
+            <a:off x="0" y="0"/>
             <a:ext cx="10515600" cy="1325563"/>
           </a:xfrm>
         </p:spPr>
@@ -8360,7 +12302,7 @@
                   <a:srgbClr val="FF0000"/>
                 </a:solidFill>
               </a:rPr>
-              <a:t>OBSAH</a:t>
+              <a:t>1. Změna kryptografických nastavení</a:t>
             </a:r>
             <a:endParaRPr lang="en-GB" dirty="0">
               <a:solidFill>
@@ -8375,7 +12317,7 @@
           <p:cNvPr id="3" name="Zástupný obsah 2">
             <a:extLst>
               <a:ext uri="{FF2B5EF4-FFF2-40B4-BE49-F238E27FC236}">
-                <a16:creationId xmlns:a16="http://schemas.microsoft.com/office/drawing/2014/main" id="{D4501A3E-9FD8-3D2D-03F5-FF97516784B2}"/>
+                <a16:creationId xmlns:a16="http://schemas.microsoft.com/office/drawing/2014/main" id="{4BD7B373-B74E-A159-CA52-27686A08C599}"/>
               </a:ext>
             </a:extLst>
           </p:cNvPr>
@@ -8383,13 +12325,13 @@
             <a:spLocks noGrp="1"/>
           </p:cNvSpPr>
           <p:nvPr>
-            <p:ph idx="1"/>
+            <p:ph sz="half" idx="1"/>
           </p:nvPr>
         </p:nvSpPr>
         <p:spPr>
           <a:xfrm>
-            <a:off x="376109" y="1665286"/>
-            <a:ext cx="10515600" cy="4351338"/>
+            <a:off x="439847" y="1322388"/>
+            <a:ext cx="5181600" cy="4351338"/>
           </a:xfrm>
         </p:spPr>
         <p:txBody>
@@ -8398,62 +12340,189 @@
           <a:p>
             <a:r>
               <a:rPr lang="cs-CZ" dirty="0"/>
-              <a:t>Popis projektu</a:t>
-            </a:r>
-          </a:p>
-          <a:p>
+              <a:t>Tlačítko </a:t>
+            </a:r>
+            <a:r>
+              <a:rPr lang="cs-CZ" b="1" dirty="0" err="1"/>
+              <a:t>Crypto</a:t>
+            </a:r>
+            <a:r>
+              <a:rPr lang="cs-CZ" b="1" dirty="0"/>
+              <a:t> </a:t>
+            </a:r>
+            <a:r>
+              <a:rPr lang="cs-CZ" b="1" dirty="0" err="1"/>
+              <a:t>Settings</a:t>
+            </a:r>
+            <a:endParaRPr lang="cs-CZ" b="1" dirty="0"/>
+          </a:p>
+          <a:p>
+            <a:r>
+              <a:rPr lang="en-GB" dirty="0"/>
+              <a:t>V </a:t>
+            </a:r>
+            <a:r>
+              <a:rPr lang="en-GB" dirty="0" err="1"/>
+              <a:t>případě</a:t>
+            </a:r>
+            <a:r>
+              <a:rPr lang="en-GB" dirty="0"/>
+              <a:t> </a:t>
+            </a:r>
             <a:r>
               <a:rPr lang="cs-CZ" dirty="0"/>
-              <a:t>Cíle projektu</a:t>
-            </a:r>
-          </a:p>
-          <a:p>
+              <a:t>změny </a:t>
+            </a:r>
+            <a:r>
+              <a:rPr lang="en-GB" dirty="0" err="1"/>
+              <a:t>používaných</a:t>
+            </a:r>
+            <a:r>
+              <a:rPr lang="en-GB" dirty="0"/>
+              <a:t> </a:t>
+            </a:r>
+            <a:r>
+              <a:rPr lang="en-GB" dirty="0" err="1"/>
+              <a:t>algoritmů</a:t>
+            </a:r>
+            <a:r>
+              <a:rPr lang="en-GB" dirty="0"/>
+              <a:t> je </a:t>
+            </a:r>
+            <a:r>
+              <a:rPr lang="en-GB" dirty="0" err="1"/>
+              <a:t>možné</a:t>
+            </a:r>
             <a:r>
               <a:rPr lang="cs-CZ" dirty="0"/>
-              <a:t>Klíčové funkce</a:t>
-            </a:r>
-          </a:p>
-          <a:p>
-            <a:r>
-              <a:rPr lang="cs-CZ" dirty="0"/>
-              <a:t>Architektura</a:t>
-            </a:r>
-          </a:p>
-          <a:p>
-            <a:r>
-              <a:rPr lang="cs-CZ" dirty="0"/>
-              <a:t>Bezpečnostní model</a:t>
-            </a:r>
-          </a:p>
-          <a:p>
-            <a:r>
-              <a:rPr lang="cs-CZ" dirty="0"/>
-              <a:t>Implementace</a:t>
-            </a:r>
-          </a:p>
-          <a:p>
-            <a:r>
-              <a:rPr lang="cs-CZ" dirty="0"/>
-              <a:t>Datové toky a komunikace</a:t>
-            </a:r>
-          </a:p>
-          <a:p>
-            <a:r>
-              <a:rPr lang="cs-CZ" dirty="0"/>
-              <a:t>Popis a ukázka samotné aplikace</a:t>
-            </a:r>
-          </a:p>
-          <a:p>
-            <a:endParaRPr lang="en-GB" dirty="0"/>
-          </a:p>
-        </p:txBody>
-      </p:sp>
-      <p:sp>
-        <p:nvSpPr>
-          <p:cNvPr id="4" name="Zástupný symbol pro číslo snímku 3">
-            <a:extLst>
-              <a:ext uri="{FF2B5EF4-FFF2-40B4-BE49-F238E27FC236}">
-                <a16:creationId xmlns:a16="http://schemas.microsoft.com/office/drawing/2014/main" id="{3A8AB913-2710-BF92-C629-B5E9CA8A442B}"/>
+              <a:t> </a:t>
+            </a:r>
+            <a:r>
+              <a:rPr lang="en-GB" dirty="0" err="1"/>
+              <a:t>automaticky</a:t>
+            </a:r>
+            <a:r>
+              <a:rPr lang="en-GB" dirty="0"/>
+              <a:t> </a:t>
+            </a:r>
+            <a:r>
+              <a:rPr lang="en-GB" dirty="0" err="1"/>
+              <a:t>aplikovat</a:t>
+            </a:r>
+            <a:r>
+              <a:rPr lang="en-GB" dirty="0"/>
+              <a:t> </a:t>
+            </a:r>
+            <a:r>
+              <a:rPr lang="en-GB" dirty="0" err="1"/>
+              <a:t>stejné</a:t>
+            </a:r>
+            <a:r>
+              <a:rPr lang="en-GB" dirty="0"/>
+              <a:t> </a:t>
+            </a:r>
+            <a:r>
+              <a:rPr lang="en-GB" dirty="0" err="1"/>
+              <a:t>nastavení</a:t>
+            </a:r>
+            <a:r>
+              <a:rPr lang="en-GB" dirty="0"/>
+              <a:t> </a:t>
+            </a:r>
+            <a:r>
+              <a:rPr lang="en-GB" dirty="0" err="1"/>
+              <a:t>zvolením</a:t>
+            </a:r>
+            <a:r>
+              <a:rPr lang="en-GB" dirty="0"/>
+              <a:t> </a:t>
+            </a:r>
+            <a:r>
+              <a:rPr lang="en-GB" dirty="0" err="1"/>
+              <a:t>daného</a:t>
+            </a:r>
+            <a:r>
+              <a:rPr lang="en-GB" dirty="0"/>
+              <a:t> </a:t>
+            </a:r>
+            <a:r>
+              <a:rPr lang="en-GB" dirty="0" err="1"/>
+              <a:t>počítače</a:t>
+            </a:r>
+            <a:r>
+              <a:rPr lang="en-GB" dirty="0"/>
+              <a:t> v </a:t>
+            </a:r>
+            <a:r>
+              <a:rPr lang="en-GB" dirty="0" err="1"/>
+              <a:t>nabídce</a:t>
+            </a:r>
+            <a:r>
+              <a:rPr lang="en-GB" dirty="0"/>
+              <a:t> a </a:t>
+            </a:r>
+            <a:r>
+              <a:rPr lang="en-GB" dirty="0" err="1"/>
+              <a:t>stisknutím</a:t>
+            </a:r>
+            <a:r>
+              <a:rPr lang="en-GB" dirty="0"/>
+              <a:t> </a:t>
+            </a:r>
+            <a:r>
+              <a:rPr lang="en-GB" dirty="0" err="1"/>
+              <a:t>tlačítka</a:t>
+            </a:r>
+            <a:r>
+              <a:rPr lang="en-GB" dirty="0"/>
+              <a:t> </a:t>
+            </a:r>
+            <a:r>
+              <a:rPr lang="en-GB" b="1" dirty="0"/>
+              <a:t>Adopt Selected Peer’s Settings</a:t>
+            </a:r>
+            <a:r>
+              <a:rPr lang="en-GB" dirty="0"/>
+              <a:t>.</a:t>
+            </a:r>
+          </a:p>
+        </p:txBody>
+      </p:sp>
+      <p:pic>
+        <p:nvPicPr>
+          <p:cNvPr id="7" name="Zástupný obsah 6">
+            <a:extLst>
+              <a:ext uri="{FF2B5EF4-FFF2-40B4-BE49-F238E27FC236}">
+                <a16:creationId xmlns:a16="http://schemas.microsoft.com/office/drawing/2014/main" id="{73882F1E-2719-F28F-8868-EFD35DEF126B}"/>
+              </a:ext>
+            </a:extLst>
+          </p:cNvPr>
+          <p:cNvPicPr>
+            <a:picLocks noGrp="1" noChangeAspect="1"/>
+          </p:cNvPicPr>
+          <p:nvPr>
+            <p:ph sz="half" idx="2"/>
+          </p:nvPr>
+        </p:nvPicPr>
+        <p:blipFill>
+          <a:blip r:embed="rId2"/>
+          <a:stretch>
+            <a:fillRect/>
+          </a:stretch>
+        </p:blipFill>
+        <p:spPr>
+          <a:xfrm>
+            <a:off x="6260784" y="1825625"/>
+            <a:ext cx="5004432" cy="4351338"/>
+          </a:xfrm>
+        </p:spPr>
+      </p:pic>
+      <p:sp>
+        <p:nvSpPr>
+          <p:cNvPr id="5" name="Zástupný symbol pro číslo snímku 4">
+            <a:extLst>
+              <a:ext uri="{FF2B5EF4-FFF2-40B4-BE49-F238E27FC236}">
+                <a16:creationId xmlns:a16="http://schemas.microsoft.com/office/drawing/2014/main" id="{BF065C1C-3704-E94B-8B5C-E09648D9EBC2}"/>
               </a:ext>
             </a:extLst>
           </p:cNvPr>
@@ -8471,7 +12540,7 @@
           <a:p>
             <a:fld id="{2396986B-09E1-422F-9D6D-F3432B0D2D09}" type="slidenum">
               <a:rPr lang="en-GB" smtClean="0"/>
-              <a:t>2</a:t>
+              <a:t>26</a:t>
             </a:fld>
             <a:endParaRPr lang="en-GB"/>
           </a:p>
@@ -8479,10 +12548,10 @@
       </p:sp>
       <p:pic>
         <p:nvPicPr>
-          <p:cNvPr id="6" name="Obrázek 5">
-            <a:extLst>
-              <a:ext uri="{FF2B5EF4-FFF2-40B4-BE49-F238E27FC236}">
-                <a16:creationId xmlns:a16="http://schemas.microsoft.com/office/drawing/2014/main" id="{C7C244FB-33ED-3125-D602-1497A397DE7B}"/>
+          <p:cNvPr id="9" name="Obrázek 8">
+            <a:extLst>
+              <a:ext uri="{FF2B5EF4-FFF2-40B4-BE49-F238E27FC236}">
+                <a16:creationId xmlns:a16="http://schemas.microsoft.com/office/drawing/2014/main" id="{41326911-F9EF-5423-FBFF-AFB08926CDF0}"/>
               </a:ext>
             </a:extLst>
           </p:cNvPr>
@@ -8492,7 +12561,7 @@
           <p:nvPr/>
         </p:nvPicPr>
         <p:blipFill>
-          <a:blip r:embed="rId2"/>
+          <a:blip r:embed="rId3"/>
           <a:stretch>
             <a:fillRect/>
           </a:stretch>
@@ -8509,10 +12578,10 @@
       </p:pic>
       <p:sp>
         <p:nvSpPr>
-          <p:cNvPr id="7" name="Obdélník 6">
-            <a:extLst>
-              <a:ext uri="{FF2B5EF4-FFF2-40B4-BE49-F238E27FC236}">
-                <a16:creationId xmlns:a16="http://schemas.microsoft.com/office/drawing/2014/main" id="{957EB5CA-2910-AFC9-FB4A-E53911462726}"/>
+          <p:cNvPr id="10" name="Obdélník 9">
+            <a:extLst>
+              <a:ext uri="{FF2B5EF4-FFF2-40B4-BE49-F238E27FC236}">
+                <a16:creationId xmlns:a16="http://schemas.microsoft.com/office/drawing/2014/main" id="{606FA707-EFAE-0154-848E-1C60EBE99DD8}"/>
               </a:ext>
             </a:extLst>
           </p:cNvPr>
@@ -8562,7 +12631,7 @@
     </p:spTree>
     <p:extLst>
       <p:ext uri="{BB962C8B-B14F-4D97-AF65-F5344CB8AC3E}">
-        <p14:creationId xmlns:p14="http://schemas.microsoft.com/office/powerpoint/2010/main" val="660583943"/>
+        <p14:creationId xmlns:p14="http://schemas.microsoft.com/office/powerpoint/2010/main" val="3346832384"/>
       </p:ext>
     </p:extLst>
   </p:cSld>
@@ -8572,8 +12641,8 @@
 </p:sld>
 </file>
 
-<file path=ppt/slides/slide20.xml><?xml version="1.0" encoding="utf-8"?>
-<p:sld xmlns:a="http://schemas.openxmlformats.org/drawingml/2006/main" xmlns:r="http://schemas.openxmlformats.org/officeDocument/2006/relationships" xmlns:p="http://schemas.openxmlformats.org/presentationml/2006/main">
+<file path=ppt/slides/slide27.xml><?xml version="1.0" encoding="utf-8"?>
+<p:sld xmlns:a="http://schemas.openxmlformats.org/drawingml/2006/main" xmlns:r="http://schemas.openxmlformats.org/officeDocument/2006/relationships" xmlns:p="http://schemas.openxmlformats.org/presentationml/2006/main" show="0">
   <p:cSld>
     <p:spTree>
       <p:nvGrpSpPr>
@@ -8591,10 +12660,10 @@
       </p:grpSpPr>
       <p:sp>
         <p:nvSpPr>
-          <p:cNvPr id="6" name="Obdélník 5">
-            <a:extLst>
-              <a:ext uri="{FF2B5EF4-FFF2-40B4-BE49-F238E27FC236}">
-                <a16:creationId xmlns:a16="http://schemas.microsoft.com/office/drawing/2014/main" id="{9AB1E2E0-E445-7609-3BC3-2408D765191C}"/>
+          <p:cNvPr id="11" name="Obdélník 10">
+            <a:extLst>
+              <a:ext uri="{FF2B5EF4-FFF2-40B4-BE49-F238E27FC236}">
+                <a16:creationId xmlns:a16="http://schemas.microsoft.com/office/drawing/2014/main" id="{02FEE0C8-71D8-0419-B9DF-D78FF024C3DB}"/>
               </a:ext>
             </a:extLst>
           </p:cNvPr>
@@ -8646,7 +12715,7 @@
           <p:cNvPr id="2" name="Nadpis 1">
             <a:extLst>
               <a:ext uri="{FF2B5EF4-FFF2-40B4-BE49-F238E27FC236}">
-                <a16:creationId xmlns:a16="http://schemas.microsoft.com/office/drawing/2014/main" id="{E85E28AF-D31F-9986-04D8-696B845F2560}"/>
+                <a16:creationId xmlns:a16="http://schemas.microsoft.com/office/drawing/2014/main" id="{48717568-4353-464F-EAC1-D088FF9225C7}"/>
               </a:ext>
             </a:extLst>
           </p:cNvPr>
@@ -8659,7 +12728,7 @@
         </p:nvSpPr>
         <p:spPr>
           <a:xfrm>
-            <a:off x="0" y="-11363"/>
+            <a:off x="0" y="0"/>
             <a:ext cx="10515600" cy="1325563"/>
           </a:xfrm>
         </p:spPr>
@@ -8668,20 +12737,68 @@
           <a:lstStyle/>
           <a:p>
             <a:r>
-              <a:rPr lang="cs-CZ" dirty="0" err="1">
+              <a:rPr lang="cs-CZ" dirty="0">
                 <a:solidFill>
                   <a:srgbClr val="FF0000"/>
                 </a:solidFill>
               </a:rPr>
-              <a:t>Ukazka</a:t>
-            </a:r>
-            <a:r>
-              <a:rPr lang="cs-CZ" dirty="0">
+              <a:t>3. </a:t>
+            </a:r>
+            <a:r>
+              <a:rPr lang="en-GB" dirty="0" err="1">
                 <a:solidFill>
                   <a:srgbClr val="FF0000"/>
                 </a:solidFill>
               </a:rPr>
-              <a:t> Aplikace</a:t>
+              <a:t>Kryptografické</a:t>
+            </a:r>
+            <a:r>
+              <a:rPr lang="en-GB" dirty="0">
+                <a:solidFill>
+                  <a:srgbClr val="FF0000"/>
+                </a:solidFill>
+              </a:rPr>
+              <a:t> </a:t>
+            </a:r>
+            <a:r>
+              <a:rPr lang="en-GB" dirty="0" err="1">
+                <a:solidFill>
+                  <a:srgbClr val="FF0000"/>
+                </a:solidFill>
+              </a:rPr>
+              <a:t>nastavení</a:t>
+            </a:r>
+            <a:r>
+              <a:rPr lang="en-GB" dirty="0">
+                <a:solidFill>
+                  <a:srgbClr val="FF0000"/>
+                </a:solidFill>
+              </a:rPr>
+              <a:t> </a:t>
+            </a:r>
+            <a:r>
+              <a:rPr lang="en-GB" dirty="0" err="1">
+                <a:solidFill>
+                  <a:srgbClr val="FF0000"/>
+                </a:solidFill>
+              </a:rPr>
+              <a:t>stanic</a:t>
+            </a:r>
+            <a:r>
+              <a:rPr lang="en-GB" dirty="0">
+                <a:solidFill>
+                  <a:srgbClr val="FF0000"/>
+                </a:solidFill>
+              </a:rPr>
+              <a:t> se </a:t>
+            </a:r>
+            <a:r>
+              <a:rPr lang="en-GB" dirty="0" err="1">
+                <a:solidFill>
+                  <a:srgbClr val="FF0000"/>
+                </a:solidFill>
+              </a:rPr>
+              <a:t>liší</a:t>
             </a:r>
             <a:endParaRPr lang="en-GB" dirty="0">
               <a:solidFill>
@@ -8696,7 +12813,7 @@
           <p:cNvPr id="3" name="Zástupný obsah 2">
             <a:extLst>
               <a:ext uri="{FF2B5EF4-FFF2-40B4-BE49-F238E27FC236}">
-                <a16:creationId xmlns:a16="http://schemas.microsoft.com/office/drawing/2014/main" id="{D0CB7290-F736-14F9-C8FD-B9CDA15801A9}"/>
+                <a16:creationId xmlns:a16="http://schemas.microsoft.com/office/drawing/2014/main" id="{4487B778-7798-1935-B2D0-AD1E9E31F189}"/>
               </a:ext>
             </a:extLst>
           </p:cNvPr>
@@ -8709,19 +12826,50 @@
         </p:nvSpPr>
         <p:spPr>
           <a:xfrm>
-            <a:off x="372324" y="1690688"/>
-            <a:ext cx="11447352" cy="4351338"/>
+            <a:off x="349313" y="1331441"/>
+            <a:ext cx="5181600" cy="4351338"/>
           </a:xfrm>
         </p:spPr>
         <p:txBody>
           <a:bodyPr/>
           <a:lstStyle/>
           <a:p>
-            <a:pPr marL="0" indent="0">
-              <a:buNone/>
-            </a:pPr>
+            <a:r>
+              <a:rPr lang="cs-CZ" dirty="0"/>
+              <a:t>Změna kryptografického nastavení = </a:t>
+            </a:r>
+            <a:r>
+              <a:rPr lang="en-GB" dirty="0" err="1"/>
+              <a:t>komunikace</a:t>
+            </a:r>
+            <a:r>
+              <a:rPr lang="en-GB" dirty="0"/>
+              <a:t> </a:t>
+            </a:r>
+            <a:r>
+              <a:rPr lang="en-GB" dirty="0" err="1"/>
+              <a:t>přerušena</a:t>
+            </a:r>
             <a:endParaRPr lang="cs-CZ" dirty="0"/>
           </a:p>
+          <a:p>
+            <a:r>
+              <a:rPr lang="cs-CZ" dirty="0"/>
+              <a:t>K sjednoceni nastavení pomocí   </a:t>
+            </a:r>
+            <a:r>
+              <a:rPr lang="en-GB" dirty="0" err="1"/>
+              <a:t>tlačítka</a:t>
+            </a:r>
+            <a:r>
+              <a:rPr lang="en-GB" dirty="0"/>
+              <a:t> </a:t>
+            </a:r>
+            <a:r>
+              <a:rPr lang="en-GB" b="1" dirty="0"/>
+              <a:t>Establish Shared Key</a:t>
+            </a:r>
+          </a:p>
         </p:txBody>
       </p:sp>
       <p:sp>
@@ -8729,7 +12877,7 @@
           <p:cNvPr id="5" name="Zástupný symbol pro číslo snímku 4">
             <a:extLst>
               <a:ext uri="{FF2B5EF4-FFF2-40B4-BE49-F238E27FC236}">
-                <a16:creationId xmlns:a16="http://schemas.microsoft.com/office/drawing/2014/main" id="{A4AF7EF7-19BA-3A65-E16C-250A6BF0B8F4}"/>
+                <a16:creationId xmlns:a16="http://schemas.microsoft.com/office/drawing/2014/main" id="{423E44F2-9B20-BE16-9DF8-3DAA034851F2}"/>
               </a:ext>
             </a:extLst>
           </p:cNvPr>
@@ -8747,802 +12895,7 @@
           <a:p>
             <a:fld id="{2396986B-09E1-422F-9D6D-F3432B0D2D09}" type="slidenum">
               <a:rPr lang="en-GB" smtClean="0"/>
-              <a:t>20</a:t>
-            </a:fld>
-            <a:endParaRPr lang="en-GB"/>
-          </a:p>
-        </p:txBody>
-      </p:sp>
-      <p:pic>
-        <p:nvPicPr>
-          <p:cNvPr id="7" name="Obrázek 6">
-            <a:extLst>
-              <a:ext uri="{FF2B5EF4-FFF2-40B4-BE49-F238E27FC236}">
-                <a16:creationId xmlns:a16="http://schemas.microsoft.com/office/drawing/2014/main" id="{42C9C5F8-45A3-7588-5E5A-96B6E799EEAA}"/>
-              </a:ext>
-            </a:extLst>
-          </p:cNvPr>
-          <p:cNvPicPr>
-            <a:picLocks noChangeAspect="1"/>
-          </p:cNvPicPr>
-          <p:nvPr/>
-        </p:nvPicPr>
-        <p:blipFill>
-          <a:blip r:embed="rId2"/>
-          <a:stretch>
-            <a:fillRect/>
-          </a:stretch>
-        </p:blipFill>
-        <p:spPr>
-          <a:xfrm>
-            <a:off x="10113527" y="299406"/>
-            <a:ext cx="1556365" cy="493482"/>
-          </a:xfrm>
-          <a:prstGeom prst="rect">
-            <a:avLst/>
-          </a:prstGeom>
-        </p:spPr>
-      </p:pic>
-      <p:sp>
-        <p:nvSpPr>
-          <p:cNvPr id="8" name="Obdélník 7">
-            <a:extLst>
-              <a:ext uri="{FF2B5EF4-FFF2-40B4-BE49-F238E27FC236}">
-                <a16:creationId xmlns:a16="http://schemas.microsoft.com/office/drawing/2014/main" id="{D2798C63-D0C7-8503-BE22-A0C93FE44363}"/>
-              </a:ext>
-            </a:extLst>
-          </p:cNvPr>
-          <p:cNvSpPr/>
-          <p:nvPr/>
-        </p:nvSpPr>
-        <p:spPr>
-          <a:xfrm>
-            <a:off x="-1349" y="1070983"/>
-            <a:ext cx="860453" cy="45719"/>
-          </a:xfrm>
-          <a:prstGeom prst="rect">
-            <a:avLst/>
-          </a:prstGeom>
-          <a:solidFill>
-            <a:srgbClr val="FF0000"/>
-          </a:solidFill>
-          <a:ln>
-            <a:noFill/>
-          </a:ln>
-        </p:spPr>
-        <p:style>
-          <a:lnRef idx="2">
-            <a:schemeClr val="accent1">
-              <a:shade val="15000"/>
-            </a:schemeClr>
-          </a:lnRef>
-          <a:fillRef idx="1">
-            <a:schemeClr val="accent1"/>
-          </a:fillRef>
-          <a:effectRef idx="0">
-            <a:schemeClr val="accent1"/>
-          </a:effectRef>
-          <a:fontRef idx="minor">
-            <a:schemeClr val="lt1"/>
-          </a:fontRef>
-        </p:style>
-        <p:txBody>
-          <a:bodyPr rtlCol="0" anchor="ctr"/>
-          <a:lstStyle/>
-          <a:p>
-            <a:pPr algn="ctr"/>
-            <a:endParaRPr lang="en-GB"/>
-          </a:p>
-        </p:txBody>
-      </p:sp>
-    </p:spTree>
-    <p:extLst>
-      <p:ext uri="{BB962C8B-B14F-4D97-AF65-F5344CB8AC3E}">
-        <p14:creationId xmlns:p14="http://schemas.microsoft.com/office/powerpoint/2010/main" val="943163058"/>
-      </p:ext>
-    </p:extLst>
-  </p:cSld>
-  <p:clrMapOvr>
-    <a:masterClrMapping/>
-  </p:clrMapOvr>
-</p:sld>
-</file>
-
-<file path=ppt/slides/slide21.xml><?xml version="1.0" encoding="utf-8"?>
-<p:sld xmlns:a="http://schemas.openxmlformats.org/drawingml/2006/main" xmlns:r="http://schemas.openxmlformats.org/officeDocument/2006/relationships" xmlns:p="http://schemas.openxmlformats.org/presentationml/2006/main" show="0">
-  <p:cSld>
-    <p:spTree>
-      <p:nvGrpSpPr>
-        <p:cNvPr id="1" name=""/>
-        <p:cNvGrpSpPr/>
-        <p:nvPr/>
-      </p:nvGrpSpPr>
-      <p:grpSpPr>
-        <a:xfrm>
-          <a:off x="0" y="0"/>
-          <a:ext cx="0" cy="0"/>
-          <a:chOff x="0" y="0"/>
-          <a:chExt cx="0" cy="0"/>
-        </a:xfrm>
-      </p:grpSpPr>
-      <p:sp>
-        <p:nvSpPr>
-          <p:cNvPr id="8" name="Obdélník 7">
-            <a:extLst>
-              <a:ext uri="{FF2B5EF4-FFF2-40B4-BE49-F238E27FC236}">
-                <a16:creationId xmlns:a16="http://schemas.microsoft.com/office/drawing/2014/main" id="{F0241744-709C-AA2F-50D3-49E8A9A35848}"/>
-              </a:ext>
-            </a:extLst>
-          </p:cNvPr>
-          <p:cNvSpPr/>
-          <p:nvPr/>
-        </p:nvSpPr>
-        <p:spPr>
-          <a:xfrm>
-            <a:off x="0" y="-1"/>
-            <a:ext cx="12192000" cy="1116703"/>
-          </a:xfrm>
-          <a:prstGeom prst="rect">
-            <a:avLst/>
-          </a:prstGeom>
-          <a:solidFill>
-            <a:schemeClr val="bg2"/>
-          </a:solidFill>
-          <a:ln>
-            <a:noFill/>
-          </a:ln>
-        </p:spPr>
-        <p:style>
-          <a:lnRef idx="2">
-            <a:schemeClr val="accent1">
-              <a:shade val="15000"/>
-            </a:schemeClr>
-          </a:lnRef>
-          <a:fillRef idx="1">
-            <a:schemeClr val="accent1"/>
-          </a:fillRef>
-          <a:effectRef idx="0">
-            <a:schemeClr val="accent1"/>
-          </a:effectRef>
-          <a:fontRef idx="minor">
-            <a:schemeClr val="lt1"/>
-          </a:fontRef>
-        </p:style>
-        <p:txBody>
-          <a:bodyPr rtlCol="0" anchor="ctr"/>
-          <a:lstStyle/>
-          <a:p>
-            <a:pPr algn="ctr"/>
-            <a:endParaRPr lang="en-GB"/>
-          </a:p>
-        </p:txBody>
-      </p:sp>
-      <p:sp>
-        <p:nvSpPr>
-          <p:cNvPr id="2" name="Nadpis 1">
-            <a:extLst>
-              <a:ext uri="{FF2B5EF4-FFF2-40B4-BE49-F238E27FC236}">
-                <a16:creationId xmlns:a16="http://schemas.microsoft.com/office/drawing/2014/main" id="{1BC86644-4608-0793-92CB-184632470A43}"/>
-              </a:ext>
-            </a:extLst>
-          </p:cNvPr>
-          <p:cNvSpPr>
-            <a:spLocks noGrp="1"/>
-          </p:cNvSpPr>
-          <p:nvPr>
-            <p:ph type="title"/>
-          </p:nvPr>
-        </p:nvSpPr>
-        <p:spPr>
-          <a:xfrm>
-            <a:off x="0" y="0"/>
-            <a:ext cx="10515600" cy="1325563"/>
-          </a:xfrm>
-        </p:spPr>
-        <p:txBody>
-          <a:bodyPr/>
-          <a:lstStyle/>
-          <a:p>
-            <a:r>
-              <a:rPr lang="cs-CZ" dirty="0">
-                <a:solidFill>
-                  <a:srgbClr val="FF0000"/>
-                </a:solidFill>
-              </a:rPr>
-              <a:t>1. Změna kryptografických nastavení</a:t>
-            </a:r>
-            <a:endParaRPr lang="en-GB" dirty="0">
-              <a:solidFill>
-                <a:srgbClr val="FF0000"/>
-              </a:solidFill>
-            </a:endParaRPr>
-          </a:p>
-        </p:txBody>
-      </p:sp>
-      <p:sp>
-        <p:nvSpPr>
-          <p:cNvPr id="3" name="Zástupný obsah 2">
-            <a:extLst>
-              <a:ext uri="{FF2B5EF4-FFF2-40B4-BE49-F238E27FC236}">
-                <a16:creationId xmlns:a16="http://schemas.microsoft.com/office/drawing/2014/main" id="{4BD7B373-B74E-A159-CA52-27686A08C599}"/>
-              </a:ext>
-            </a:extLst>
-          </p:cNvPr>
-          <p:cNvSpPr>
-            <a:spLocks noGrp="1"/>
-          </p:cNvSpPr>
-          <p:nvPr>
-            <p:ph sz="half" idx="1"/>
-          </p:nvPr>
-        </p:nvSpPr>
-        <p:spPr>
-          <a:xfrm>
-            <a:off x="439847" y="1322388"/>
-            <a:ext cx="5181600" cy="4351338"/>
-          </a:xfrm>
-        </p:spPr>
-        <p:txBody>
-          <a:bodyPr/>
-          <a:lstStyle/>
-          <a:p>
-            <a:r>
-              <a:rPr lang="cs-CZ" dirty="0"/>
-              <a:t>Tlačítko </a:t>
-            </a:r>
-            <a:r>
-              <a:rPr lang="cs-CZ" b="1" dirty="0" err="1"/>
-              <a:t>Crypto</a:t>
-            </a:r>
-            <a:r>
-              <a:rPr lang="cs-CZ" b="1" dirty="0"/>
-              <a:t> </a:t>
-            </a:r>
-            <a:r>
-              <a:rPr lang="cs-CZ" b="1" dirty="0" err="1"/>
-              <a:t>Settings</a:t>
-            </a:r>
-            <a:endParaRPr lang="cs-CZ" b="1" dirty="0"/>
-          </a:p>
-          <a:p>
-            <a:r>
-              <a:rPr lang="en-GB" dirty="0"/>
-              <a:t>V </a:t>
-            </a:r>
-            <a:r>
-              <a:rPr lang="en-GB" dirty="0" err="1"/>
-              <a:t>případě</a:t>
-            </a:r>
-            <a:r>
-              <a:rPr lang="en-GB" dirty="0"/>
-              <a:t> </a:t>
-            </a:r>
-            <a:r>
-              <a:rPr lang="cs-CZ" dirty="0"/>
-              <a:t>změny </a:t>
-            </a:r>
-            <a:r>
-              <a:rPr lang="en-GB" dirty="0" err="1"/>
-              <a:t>používaných</a:t>
-            </a:r>
-            <a:r>
-              <a:rPr lang="en-GB" dirty="0"/>
-              <a:t> </a:t>
-            </a:r>
-            <a:r>
-              <a:rPr lang="en-GB" dirty="0" err="1"/>
-              <a:t>algoritmů</a:t>
-            </a:r>
-            <a:r>
-              <a:rPr lang="en-GB" dirty="0"/>
-              <a:t> je </a:t>
-            </a:r>
-            <a:r>
-              <a:rPr lang="en-GB" dirty="0" err="1"/>
-              <a:t>možné</a:t>
-            </a:r>
-            <a:r>
-              <a:rPr lang="cs-CZ" dirty="0"/>
-              <a:t> </a:t>
-            </a:r>
-            <a:r>
-              <a:rPr lang="en-GB" dirty="0" err="1"/>
-              <a:t>automaticky</a:t>
-            </a:r>
-            <a:r>
-              <a:rPr lang="en-GB" dirty="0"/>
-              <a:t> </a:t>
-            </a:r>
-            <a:r>
-              <a:rPr lang="en-GB" dirty="0" err="1"/>
-              <a:t>aplikovat</a:t>
-            </a:r>
-            <a:r>
-              <a:rPr lang="en-GB" dirty="0"/>
-              <a:t> </a:t>
-            </a:r>
-            <a:r>
-              <a:rPr lang="en-GB" dirty="0" err="1"/>
-              <a:t>stejné</a:t>
-            </a:r>
-            <a:r>
-              <a:rPr lang="en-GB" dirty="0"/>
-              <a:t> </a:t>
-            </a:r>
-            <a:r>
-              <a:rPr lang="en-GB" dirty="0" err="1"/>
-              <a:t>nastavení</a:t>
-            </a:r>
-            <a:r>
-              <a:rPr lang="en-GB" dirty="0"/>
-              <a:t> </a:t>
-            </a:r>
-            <a:r>
-              <a:rPr lang="en-GB" dirty="0" err="1"/>
-              <a:t>zvolením</a:t>
-            </a:r>
-            <a:r>
-              <a:rPr lang="en-GB" dirty="0"/>
-              <a:t> </a:t>
-            </a:r>
-            <a:r>
-              <a:rPr lang="en-GB" dirty="0" err="1"/>
-              <a:t>daného</a:t>
-            </a:r>
-            <a:r>
-              <a:rPr lang="en-GB" dirty="0"/>
-              <a:t> </a:t>
-            </a:r>
-            <a:r>
-              <a:rPr lang="en-GB" dirty="0" err="1"/>
-              <a:t>počítače</a:t>
-            </a:r>
-            <a:r>
-              <a:rPr lang="en-GB" dirty="0"/>
-              <a:t> v </a:t>
-            </a:r>
-            <a:r>
-              <a:rPr lang="en-GB" dirty="0" err="1"/>
-              <a:t>nabídce</a:t>
-            </a:r>
-            <a:r>
-              <a:rPr lang="en-GB" dirty="0"/>
-              <a:t> a </a:t>
-            </a:r>
-            <a:r>
-              <a:rPr lang="en-GB" dirty="0" err="1"/>
-              <a:t>stisknutím</a:t>
-            </a:r>
-            <a:r>
-              <a:rPr lang="en-GB" dirty="0"/>
-              <a:t> </a:t>
-            </a:r>
-            <a:r>
-              <a:rPr lang="en-GB" dirty="0" err="1"/>
-              <a:t>tlačítka</a:t>
-            </a:r>
-            <a:r>
-              <a:rPr lang="en-GB" dirty="0"/>
-              <a:t> </a:t>
-            </a:r>
-            <a:r>
-              <a:rPr lang="en-GB" b="1" dirty="0"/>
-              <a:t>Adopt Selected Peer’s Settings</a:t>
-            </a:r>
-            <a:r>
-              <a:rPr lang="en-GB" dirty="0"/>
-              <a:t>.</a:t>
-            </a:r>
-          </a:p>
-        </p:txBody>
-      </p:sp>
-      <p:pic>
-        <p:nvPicPr>
-          <p:cNvPr id="7" name="Zástupný obsah 6">
-            <a:extLst>
-              <a:ext uri="{FF2B5EF4-FFF2-40B4-BE49-F238E27FC236}">
-                <a16:creationId xmlns:a16="http://schemas.microsoft.com/office/drawing/2014/main" id="{73882F1E-2719-F28F-8868-EFD35DEF126B}"/>
-              </a:ext>
-            </a:extLst>
-          </p:cNvPr>
-          <p:cNvPicPr>
-            <a:picLocks noGrp="1" noChangeAspect="1"/>
-          </p:cNvPicPr>
-          <p:nvPr>
-            <p:ph sz="half" idx="2"/>
-          </p:nvPr>
-        </p:nvPicPr>
-        <p:blipFill>
-          <a:blip r:embed="rId2"/>
-          <a:stretch>
-            <a:fillRect/>
-          </a:stretch>
-        </p:blipFill>
-        <p:spPr>
-          <a:xfrm>
-            <a:off x="6260784" y="1825625"/>
-            <a:ext cx="5004432" cy="4351338"/>
-          </a:xfrm>
-        </p:spPr>
-      </p:pic>
-      <p:sp>
-        <p:nvSpPr>
-          <p:cNvPr id="5" name="Zástupný symbol pro číslo snímku 4">
-            <a:extLst>
-              <a:ext uri="{FF2B5EF4-FFF2-40B4-BE49-F238E27FC236}">
-                <a16:creationId xmlns:a16="http://schemas.microsoft.com/office/drawing/2014/main" id="{BF065C1C-3704-E94B-8B5C-E09648D9EBC2}"/>
-              </a:ext>
-            </a:extLst>
-          </p:cNvPr>
-          <p:cNvSpPr>
-            <a:spLocks noGrp="1"/>
-          </p:cNvSpPr>
-          <p:nvPr>
-            <p:ph type="sldNum" sz="quarter" idx="12"/>
-          </p:nvPr>
-        </p:nvSpPr>
-        <p:spPr/>
-        <p:txBody>
-          <a:bodyPr/>
-          <a:lstStyle/>
-          <a:p>
-            <a:fld id="{2396986B-09E1-422F-9D6D-F3432B0D2D09}" type="slidenum">
-              <a:rPr lang="en-GB" smtClean="0"/>
-              <a:t>21</a:t>
-            </a:fld>
-            <a:endParaRPr lang="en-GB"/>
-          </a:p>
-        </p:txBody>
-      </p:sp>
-      <p:pic>
-        <p:nvPicPr>
-          <p:cNvPr id="9" name="Obrázek 8">
-            <a:extLst>
-              <a:ext uri="{FF2B5EF4-FFF2-40B4-BE49-F238E27FC236}">
-                <a16:creationId xmlns:a16="http://schemas.microsoft.com/office/drawing/2014/main" id="{41326911-F9EF-5423-FBFF-AFB08926CDF0}"/>
-              </a:ext>
-            </a:extLst>
-          </p:cNvPr>
-          <p:cNvPicPr>
-            <a:picLocks noChangeAspect="1"/>
-          </p:cNvPicPr>
-          <p:nvPr/>
-        </p:nvPicPr>
-        <p:blipFill>
-          <a:blip r:embed="rId3"/>
-          <a:stretch>
-            <a:fillRect/>
-          </a:stretch>
-        </p:blipFill>
-        <p:spPr>
-          <a:xfrm>
-            <a:off x="10113527" y="299406"/>
-            <a:ext cx="1556365" cy="493482"/>
-          </a:xfrm>
-          <a:prstGeom prst="rect">
-            <a:avLst/>
-          </a:prstGeom>
-        </p:spPr>
-      </p:pic>
-      <p:sp>
-        <p:nvSpPr>
-          <p:cNvPr id="10" name="Obdélník 9">
-            <a:extLst>
-              <a:ext uri="{FF2B5EF4-FFF2-40B4-BE49-F238E27FC236}">
-                <a16:creationId xmlns:a16="http://schemas.microsoft.com/office/drawing/2014/main" id="{606FA707-EFAE-0154-848E-1C60EBE99DD8}"/>
-              </a:ext>
-            </a:extLst>
-          </p:cNvPr>
-          <p:cNvSpPr/>
-          <p:nvPr/>
-        </p:nvSpPr>
-        <p:spPr>
-          <a:xfrm>
-            <a:off x="-1349" y="1070983"/>
-            <a:ext cx="860453" cy="45719"/>
-          </a:xfrm>
-          <a:prstGeom prst="rect">
-            <a:avLst/>
-          </a:prstGeom>
-          <a:solidFill>
-            <a:srgbClr val="FF0000"/>
-          </a:solidFill>
-          <a:ln>
-            <a:noFill/>
-          </a:ln>
-        </p:spPr>
-        <p:style>
-          <a:lnRef idx="2">
-            <a:schemeClr val="accent1">
-              <a:shade val="15000"/>
-            </a:schemeClr>
-          </a:lnRef>
-          <a:fillRef idx="1">
-            <a:schemeClr val="accent1"/>
-          </a:fillRef>
-          <a:effectRef idx="0">
-            <a:schemeClr val="accent1"/>
-          </a:effectRef>
-          <a:fontRef idx="minor">
-            <a:schemeClr val="lt1"/>
-          </a:fontRef>
-        </p:style>
-        <p:txBody>
-          <a:bodyPr rtlCol="0" anchor="ctr"/>
-          <a:lstStyle/>
-          <a:p>
-            <a:pPr algn="ctr"/>
-            <a:endParaRPr lang="en-GB"/>
-          </a:p>
-        </p:txBody>
-      </p:sp>
-    </p:spTree>
-    <p:extLst>
-      <p:ext uri="{BB962C8B-B14F-4D97-AF65-F5344CB8AC3E}">
-        <p14:creationId xmlns:p14="http://schemas.microsoft.com/office/powerpoint/2010/main" val="3346832384"/>
-      </p:ext>
-    </p:extLst>
-  </p:cSld>
-  <p:clrMapOvr>
-    <a:masterClrMapping/>
-  </p:clrMapOvr>
-</p:sld>
-</file>
-
-<file path=ppt/slides/slide22.xml><?xml version="1.0" encoding="utf-8"?>
-<p:sld xmlns:a="http://schemas.openxmlformats.org/drawingml/2006/main" xmlns:r="http://schemas.openxmlformats.org/officeDocument/2006/relationships" xmlns:p="http://schemas.openxmlformats.org/presentationml/2006/main" show="0">
-  <p:cSld>
-    <p:spTree>
-      <p:nvGrpSpPr>
-        <p:cNvPr id="1" name=""/>
-        <p:cNvGrpSpPr/>
-        <p:nvPr/>
-      </p:nvGrpSpPr>
-      <p:grpSpPr>
-        <a:xfrm>
-          <a:off x="0" y="0"/>
-          <a:ext cx="0" cy="0"/>
-          <a:chOff x="0" y="0"/>
-          <a:chExt cx="0" cy="0"/>
-        </a:xfrm>
-      </p:grpSpPr>
-      <p:sp>
-        <p:nvSpPr>
-          <p:cNvPr id="11" name="Obdélník 10">
-            <a:extLst>
-              <a:ext uri="{FF2B5EF4-FFF2-40B4-BE49-F238E27FC236}">
-                <a16:creationId xmlns:a16="http://schemas.microsoft.com/office/drawing/2014/main" id="{02FEE0C8-71D8-0419-B9DF-D78FF024C3DB}"/>
-              </a:ext>
-            </a:extLst>
-          </p:cNvPr>
-          <p:cNvSpPr/>
-          <p:nvPr/>
-        </p:nvSpPr>
-        <p:spPr>
-          <a:xfrm>
-            <a:off x="0" y="-1"/>
-            <a:ext cx="12192000" cy="1116703"/>
-          </a:xfrm>
-          <a:prstGeom prst="rect">
-            <a:avLst/>
-          </a:prstGeom>
-          <a:solidFill>
-            <a:schemeClr val="bg2"/>
-          </a:solidFill>
-          <a:ln>
-            <a:noFill/>
-          </a:ln>
-        </p:spPr>
-        <p:style>
-          <a:lnRef idx="2">
-            <a:schemeClr val="accent1">
-              <a:shade val="15000"/>
-            </a:schemeClr>
-          </a:lnRef>
-          <a:fillRef idx="1">
-            <a:schemeClr val="accent1"/>
-          </a:fillRef>
-          <a:effectRef idx="0">
-            <a:schemeClr val="accent1"/>
-          </a:effectRef>
-          <a:fontRef idx="minor">
-            <a:schemeClr val="lt1"/>
-          </a:fontRef>
-        </p:style>
-        <p:txBody>
-          <a:bodyPr rtlCol="0" anchor="ctr"/>
-          <a:lstStyle/>
-          <a:p>
-            <a:pPr algn="ctr"/>
-            <a:endParaRPr lang="en-GB"/>
-          </a:p>
-        </p:txBody>
-      </p:sp>
-      <p:sp>
-        <p:nvSpPr>
-          <p:cNvPr id="2" name="Nadpis 1">
-            <a:extLst>
-              <a:ext uri="{FF2B5EF4-FFF2-40B4-BE49-F238E27FC236}">
-                <a16:creationId xmlns:a16="http://schemas.microsoft.com/office/drawing/2014/main" id="{48717568-4353-464F-EAC1-D088FF9225C7}"/>
-              </a:ext>
-            </a:extLst>
-          </p:cNvPr>
-          <p:cNvSpPr>
-            <a:spLocks noGrp="1"/>
-          </p:cNvSpPr>
-          <p:nvPr>
-            <p:ph type="title"/>
-          </p:nvPr>
-        </p:nvSpPr>
-        <p:spPr>
-          <a:xfrm>
-            <a:off x="0" y="0"/>
-            <a:ext cx="10515600" cy="1325563"/>
-          </a:xfrm>
-        </p:spPr>
-        <p:txBody>
-          <a:bodyPr/>
-          <a:lstStyle/>
-          <a:p>
-            <a:r>
-              <a:rPr lang="cs-CZ" dirty="0">
-                <a:solidFill>
-                  <a:srgbClr val="FF0000"/>
-                </a:solidFill>
-              </a:rPr>
-              <a:t>3. </a:t>
-            </a:r>
-            <a:r>
-              <a:rPr lang="en-GB" dirty="0" err="1">
-                <a:solidFill>
-                  <a:srgbClr val="FF0000"/>
-                </a:solidFill>
-              </a:rPr>
-              <a:t>Kryptografické</a:t>
-            </a:r>
-            <a:r>
-              <a:rPr lang="en-GB" dirty="0">
-                <a:solidFill>
-                  <a:srgbClr val="FF0000"/>
-                </a:solidFill>
-              </a:rPr>
-              <a:t> </a:t>
-            </a:r>
-            <a:r>
-              <a:rPr lang="en-GB" dirty="0" err="1">
-                <a:solidFill>
-                  <a:srgbClr val="FF0000"/>
-                </a:solidFill>
-              </a:rPr>
-              <a:t>nastavení</a:t>
-            </a:r>
-            <a:r>
-              <a:rPr lang="en-GB" dirty="0">
-                <a:solidFill>
-                  <a:srgbClr val="FF0000"/>
-                </a:solidFill>
-              </a:rPr>
-              <a:t> </a:t>
-            </a:r>
-            <a:r>
-              <a:rPr lang="en-GB" dirty="0" err="1">
-                <a:solidFill>
-                  <a:srgbClr val="FF0000"/>
-                </a:solidFill>
-              </a:rPr>
-              <a:t>stanic</a:t>
-            </a:r>
-            <a:r>
-              <a:rPr lang="en-GB" dirty="0">
-                <a:solidFill>
-                  <a:srgbClr val="FF0000"/>
-                </a:solidFill>
-              </a:rPr>
-              <a:t> se </a:t>
-            </a:r>
-            <a:r>
-              <a:rPr lang="en-GB" dirty="0" err="1">
-                <a:solidFill>
-                  <a:srgbClr val="FF0000"/>
-                </a:solidFill>
-              </a:rPr>
-              <a:t>liší</a:t>
-            </a:r>
-            <a:endParaRPr lang="en-GB" dirty="0">
-              <a:solidFill>
-                <a:srgbClr val="FF0000"/>
-              </a:solidFill>
-            </a:endParaRPr>
-          </a:p>
-        </p:txBody>
-      </p:sp>
-      <p:sp>
-        <p:nvSpPr>
-          <p:cNvPr id="3" name="Zástupný obsah 2">
-            <a:extLst>
-              <a:ext uri="{FF2B5EF4-FFF2-40B4-BE49-F238E27FC236}">
-                <a16:creationId xmlns:a16="http://schemas.microsoft.com/office/drawing/2014/main" id="{4487B778-7798-1935-B2D0-AD1E9E31F189}"/>
-              </a:ext>
-            </a:extLst>
-          </p:cNvPr>
-          <p:cNvSpPr>
-            <a:spLocks noGrp="1"/>
-          </p:cNvSpPr>
-          <p:nvPr>
-            <p:ph sz="half" idx="1"/>
-          </p:nvPr>
-        </p:nvSpPr>
-        <p:spPr>
-          <a:xfrm>
-            <a:off x="349313" y="1331441"/>
-            <a:ext cx="5181600" cy="4351338"/>
-          </a:xfrm>
-        </p:spPr>
-        <p:txBody>
-          <a:bodyPr/>
-          <a:lstStyle/>
-          <a:p>
-            <a:r>
-              <a:rPr lang="cs-CZ" dirty="0"/>
-              <a:t>Změna kryptografického nastavení = </a:t>
-            </a:r>
-            <a:r>
-              <a:rPr lang="en-GB" dirty="0" err="1"/>
-              <a:t>komunikace</a:t>
-            </a:r>
-            <a:r>
-              <a:rPr lang="en-GB" dirty="0"/>
-              <a:t> </a:t>
-            </a:r>
-            <a:r>
-              <a:rPr lang="en-GB" dirty="0" err="1"/>
-              <a:t>přerušena</a:t>
-            </a:r>
-            <a:endParaRPr lang="cs-CZ" dirty="0"/>
-          </a:p>
-          <a:p>
-            <a:r>
-              <a:rPr lang="cs-CZ" dirty="0"/>
-              <a:t>K sjednoceni nastavení pomocí   </a:t>
-            </a:r>
-            <a:r>
-              <a:rPr lang="en-GB" dirty="0" err="1"/>
-              <a:t>tlačítka</a:t>
-            </a:r>
-            <a:r>
-              <a:rPr lang="en-GB" dirty="0"/>
-              <a:t> </a:t>
-            </a:r>
-            <a:r>
-              <a:rPr lang="en-GB" b="1" dirty="0"/>
-              <a:t>Establish Shared Key</a:t>
-            </a:r>
-          </a:p>
-        </p:txBody>
-      </p:sp>
-      <p:sp>
-        <p:nvSpPr>
-          <p:cNvPr id="5" name="Zástupný symbol pro číslo snímku 4">
-            <a:extLst>
-              <a:ext uri="{FF2B5EF4-FFF2-40B4-BE49-F238E27FC236}">
-                <a16:creationId xmlns:a16="http://schemas.microsoft.com/office/drawing/2014/main" id="{423E44F2-9B20-BE16-9DF8-3DAA034851F2}"/>
-              </a:ext>
-            </a:extLst>
-          </p:cNvPr>
-          <p:cNvSpPr>
-            <a:spLocks noGrp="1"/>
-          </p:cNvSpPr>
-          <p:nvPr>
-            <p:ph type="sldNum" sz="quarter" idx="12"/>
-          </p:nvPr>
-        </p:nvSpPr>
-        <p:spPr/>
-        <p:txBody>
-          <a:bodyPr/>
-          <a:lstStyle/>
-          <a:p>
-            <a:fld id="{2396986B-09E1-422F-9D6D-F3432B0D2D09}" type="slidenum">
-              <a:rPr lang="en-GB" smtClean="0"/>
-              <a:t>22</a:t>
+              <a:t>27</a:t>
             </a:fld>
             <a:endParaRPr lang="en-GB"/>
           </a:p>

--- a/docs/p2ppost_prezentace.pptx
+++ b/docs/p2ppost_prezentace.pptx
@@ -5,7 +5,7 @@
     <p:sldMasterId id="2147483672" r:id="rId1"/>
   </p:sldMasterIdLst>
   <p:notesMasterIdLst>
-    <p:notesMasterId r:id="rId29"/>
+    <p:notesMasterId r:id="rId26"/>
   </p:notesMasterIdLst>
   <p:sldIdLst>
     <p:sldId id="256" r:id="rId2"/>
@@ -24,17 +24,14 @@
     <p:sldId id="274" r:id="rId15"/>
     <p:sldId id="275" r:id="rId16"/>
     <p:sldId id="276" r:id="rId17"/>
-    <p:sldId id="277" r:id="rId18"/>
-    <p:sldId id="278" r:id="rId19"/>
-    <p:sldId id="283" r:id="rId20"/>
-    <p:sldId id="284" r:id="rId21"/>
-    <p:sldId id="285" r:id="rId22"/>
-    <p:sldId id="286" r:id="rId23"/>
-    <p:sldId id="287" r:id="rId24"/>
-    <p:sldId id="280" r:id="rId25"/>
-    <p:sldId id="282" r:id="rId26"/>
-    <p:sldId id="281" r:id="rId27"/>
-    <p:sldId id="279" r:id="rId28"/>
+    <p:sldId id="278" r:id="rId18"/>
+    <p:sldId id="283" r:id="rId19"/>
+    <p:sldId id="284" r:id="rId20"/>
+    <p:sldId id="285" r:id="rId21"/>
+    <p:sldId id="286" r:id="rId22"/>
+    <p:sldId id="287" r:id="rId23"/>
+    <p:sldId id="280" r:id="rId24"/>
+    <p:sldId id="282" r:id="rId25"/>
   </p:sldIdLst>
   <p:sldSz cx="12192000" cy="6858000"/>
   <p:notesSz cx="6858000" cy="9144000"/>
@@ -7229,10 +7226,10 @@
       </p:grpSpPr>
       <p:sp>
         <p:nvSpPr>
-          <p:cNvPr id="18" name="Obdélník 17">
-            <a:extLst>
-              <a:ext uri="{FF2B5EF4-FFF2-40B4-BE49-F238E27FC236}">
-                <a16:creationId xmlns:a16="http://schemas.microsoft.com/office/drawing/2014/main" id="{867C4904-E0C6-7A59-438D-6499BC6DE8AB}"/>
+          <p:cNvPr id="8" name="Obdélník 7">
+            <a:extLst>
+              <a:ext uri="{FF2B5EF4-FFF2-40B4-BE49-F238E27FC236}">
+                <a16:creationId xmlns:a16="http://schemas.microsoft.com/office/drawing/2014/main" id="{AB0641BC-7878-90EB-40AA-54FAD65B18E6}"/>
               </a:ext>
             </a:extLst>
           </p:cNvPr>
@@ -7284,407 +7281,6 @@
           <p:cNvPr id="2" name="Nadpis 1">
             <a:extLst>
               <a:ext uri="{FF2B5EF4-FFF2-40B4-BE49-F238E27FC236}">
-                <a16:creationId xmlns:a16="http://schemas.microsoft.com/office/drawing/2014/main" id="{B4F25904-CDA2-32E5-EC80-9AAF14E007D0}"/>
-              </a:ext>
-            </a:extLst>
-          </p:cNvPr>
-          <p:cNvSpPr>
-            <a:spLocks noGrp="1"/>
-          </p:cNvSpPr>
-          <p:nvPr>
-            <p:ph type="title"/>
-          </p:nvPr>
-        </p:nvSpPr>
-        <p:spPr>
-          <a:xfrm>
-            <a:off x="0" y="0"/>
-            <a:ext cx="10515600" cy="1325563"/>
-          </a:xfrm>
-        </p:spPr>
-        <p:txBody>
-          <a:bodyPr/>
-          <a:lstStyle/>
-          <a:p>
-            <a:r>
-              <a:rPr lang="en-GB" dirty="0">
-                <a:solidFill>
-                  <a:srgbClr val="FF0000"/>
-                </a:solidFill>
-              </a:rPr>
-              <a:t>Security Metrics</a:t>
-            </a:r>
-          </a:p>
-        </p:txBody>
-      </p:sp>
-      <p:sp>
-        <p:nvSpPr>
-          <p:cNvPr id="4" name="Zástupný obsah 3">
-            <a:extLst>
-              <a:ext uri="{FF2B5EF4-FFF2-40B4-BE49-F238E27FC236}">
-                <a16:creationId xmlns:a16="http://schemas.microsoft.com/office/drawing/2014/main" id="{92F66C17-ADF6-D7AB-1C78-382FC161FF91}"/>
-              </a:ext>
-            </a:extLst>
-          </p:cNvPr>
-          <p:cNvSpPr>
-            <a:spLocks noGrp="1"/>
-          </p:cNvSpPr>
-          <p:nvPr>
-            <p:ph sz="half" idx="2"/>
-          </p:nvPr>
-        </p:nvSpPr>
-        <p:spPr>
-          <a:xfrm>
-            <a:off x="191484" y="1434520"/>
-            <a:ext cx="5181600" cy="4351338"/>
-          </a:xfrm>
-        </p:spPr>
-        <p:txBody>
-          <a:bodyPr/>
-          <a:lstStyle/>
-          <a:p>
-            <a:r>
-              <a:rPr lang="en-GB" dirty="0"/>
-              <a:t>Algorithms</a:t>
-            </a:r>
-            <a:endParaRPr lang="cs-CZ" dirty="0"/>
-          </a:p>
-          <a:p>
-            <a:pPr lvl="1"/>
-            <a:r>
-              <a:rPr lang="cs-CZ" dirty="0"/>
-              <a:t>popis použitých algoritmu</a:t>
-            </a:r>
-          </a:p>
-          <a:p>
-            <a:r>
-              <a:rPr lang="en-GB" dirty="0"/>
-              <a:t>Event Summary</a:t>
-            </a:r>
-            <a:endParaRPr lang="cs-CZ" dirty="0"/>
-          </a:p>
-          <a:p>
-            <a:r>
-              <a:rPr lang="en-GB" dirty="0"/>
-              <a:t>Usage Metrics</a:t>
-            </a:r>
-            <a:endParaRPr lang="cs-CZ" dirty="0"/>
-          </a:p>
-          <a:p>
-            <a:pPr lvl="1"/>
-            <a:r>
-              <a:rPr lang="en-GB" dirty="0" err="1"/>
-              <a:t>eviduje</a:t>
-            </a:r>
-            <a:r>
-              <a:rPr lang="en-GB" dirty="0"/>
-              <a:t> </a:t>
-            </a:r>
-            <a:r>
-              <a:rPr lang="en-GB" dirty="0" err="1"/>
-              <a:t>aktivitu</a:t>
-            </a:r>
-            <a:br>
-              <a:rPr lang="cs-CZ" dirty="0"/>
-            </a:br>
-            <a:r>
-              <a:rPr lang="en-GB" dirty="0"/>
-              <a:t>v </a:t>
-            </a:r>
-            <a:r>
-              <a:rPr lang="cs-CZ" dirty="0"/>
-              <a:t>aplikaci</a:t>
-            </a:r>
-          </a:p>
-        </p:txBody>
-      </p:sp>
-      <p:sp>
-        <p:nvSpPr>
-          <p:cNvPr id="5" name="Zástupný symbol pro číslo snímku 4">
-            <a:extLst>
-              <a:ext uri="{FF2B5EF4-FFF2-40B4-BE49-F238E27FC236}">
-                <a16:creationId xmlns:a16="http://schemas.microsoft.com/office/drawing/2014/main" id="{9339E8E8-44E3-D564-8273-2ED4F92ACAFE}"/>
-              </a:ext>
-            </a:extLst>
-          </p:cNvPr>
-          <p:cNvSpPr>
-            <a:spLocks noGrp="1"/>
-          </p:cNvSpPr>
-          <p:nvPr>
-            <p:ph type="sldNum" sz="quarter" idx="12"/>
-          </p:nvPr>
-        </p:nvSpPr>
-        <p:spPr/>
-        <p:txBody>
-          <a:bodyPr/>
-          <a:lstStyle/>
-          <a:p>
-            <a:fld id="{2396986B-09E1-422F-9D6D-F3432B0D2D09}" type="slidenum">
-              <a:rPr lang="en-GB" smtClean="0"/>
-              <a:t>17</a:t>
-            </a:fld>
-            <a:endParaRPr lang="en-GB"/>
-          </a:p>
-        </p:txBody>
-      </p:sp>
-      <p:pic>
-        <p:nvPicPr>
-          <p:cNvPr id="10" name="Obrázek 9">
-            <a:extLst>
-              <a:ext uri="{FF2B5EF4-FFF2-40B4-BE49-F238E27FC236}">
-                <a16:creationId xmlns:a16="http://schemas.microsoft.com/office/drawing/2014/main" id="{E846BF08-2C73-6A4A-7C55-C5473F5AAEF8}"/>
-              </a:ext>
-            </a:extLst>
-          </p:cNvPr>
-          <p:cNvPicPr>
-            <a:picLocks noChangeAspect="1"/>
-          </p:cNvPicPr>
-          <p:nvPr/>
-        </p:nvPicPr>
-        <p:blipFill>
-          <a:blip r:embed="rId2"/>
-          <a:stretch>
-            <a:fillRect/>
-          </a:stretch>
-        </p:blipFill>
-        <p:spPr>
-          <a:xfrm>
-            <a:off x="3026390" y="2706822"/>
-            <a:ext cx="4257877" cy="3832090"/>
-          </a:xfrm>
-          <a:prstGeom prst="rect">
-            <a:avLst/>
-          </a:prstGeom>
-        </p:spPr>
-      </p:pic>
-      <p:pic>
-        <p:nvPicPr>
-          <p:cNvPr id="15" name="Zástupný obsah 5">
-            <a:extLst>
-              <a:ext uri="{FF2B5EF4-FFF2-40B4-BE49-F238E27FC236}">
-                <a16:creationId xmlns:a16="http://schemas.microsoft.com/office/drawing/2014/main" id="{0E43891A-8428-9507-5083-9270A25CC4E9}"/>
-              </a:ext>
-            </a:extLst>
-          </p:cNvPr>
-          <p:cNvPicPr>
-            <a:picLocks noChangeAspect="1"/>
-          </p:cNvPicPr>
-          <p:nvPr/>
-        </p:nvPicPr>
-        <p:blipFill>
-          <a:blip r:embed="rId3"/>
-          <a:stretch>
-            <a:fillRect/>
-          </a:stretch>
-        </p:blipFill>
-        <p:spPr>
-          <a:xfrm>
-            <a:off x="7284267" y="2677786"/>
-            <a:ext cx="4257877" cy="3800475"/>
-          </a:xfrm>
-          <a:prstGeom prst="rect">
-            <a:avLst/>
-          </a:prstGeom>
-        </p:spPr>
-      </p:pic>
-      <p:pic>
-        <p:nvPicPr>
-          <p:cNvPr id="17" name="Obrázek 16">
-            <a:extLst>
-              <a:ext uri="{FF2B5EF4-FFF2-40B4-BE49-F238E27FC236}">
-                <a16:creationId xmlns:a16="http://schemas.microsoft.com/office/drawing/2014/main" id="{2F19D1F6-D342-B216-EAEC-536F9FA45BB8}"/>
-              </a:ext>
-            </a:extLst>
-          </p:cNvPr>
-          <p:cNvPicPr>
-            <a:picLocks noChangeAspect="1"/>
-          </p:cNvPicPr>
-          <p:nvPr/>
-        </p:nvPicPr>
-        <p:blipFill>
-          <a:blip r:embed="rId4"/>
-          <a:stretch>
-            <a:fillRect/>
-          </a:stretch>
-        </p:blipFill>
-        <p:spPr>
-          <a:xfrm>
-            <a:off x="5257800" y="386612"/>
-            <a:ext cx="4656160" cy="2109560"/>
-          </a:xfrm>
-          <a:prstGeom prst="rect">
-            <a:avLst/>
-          </a:prstGeom>
-        </p:spPr>
-      </p:pic>
-      <p:pic>
-        <p:nvPicPr>
-          <p:cNvPr id="19" name="Obrázek 18">
-            <a:extLst>
-              <a:ext uri="{FF2B5EF4-FFF2-40B4-BE49-F238E27FC236}">
-                <a16:creationId xmlns:a16="http://schemas.microsoft.com/office/drawing/2014/main" id="{64C7EE09-A1B9-7BD9-61C0-69BBA0D85161}"/>
-              </a:ext>
-            </a:extLst>
-          </p:cNvPr>
-          <p:cNvPicPr>
-            <a:picLocks noChangeAspect="1"/>
-          </p:cNvPicPr>
-          <p:nvPr/>
-        </p:nvPicPr>
-        <p:blipFill>
-          <a:blip r:embed="rId5"/>
-          <a:stretch>
-            <a:fillRect/>
-          </a:stretch>
-        </p:blipFill>
-        <p:spPr>
-          <a:xfrm>
-            <a:off x="10113527" y="299406"/>
-            <a:ext cx="1556365" cy="493482"/>
-          </a:xfrm>
-          <a:prstGeom prst="rect">
-            <a:avLst/>
-          </a:prstGeom>
-        </p:spPr>
-      </p:pic>
-      <p:sp>
-        <p:nvSpPr>
-          <p:cNvPr id="20" name="Obdélník 19">
-            <a:extLst>
-              <a:ext uri="{FF2B5EF4-FFF2-40B4-BE49-F238E27FC236}">
-                <a16:creationId xmlns:a16="http://schemas.microsoft.com/office/drawing/2014/main" id="{B4408B5A-7E57-D2A0-9641-C22569256C4F}"/>
-              </a:ext>
-            </a:extLst>
-          </p:cNvPr>
-          <p:cNvSpPr/>
-          <p:nvPr/>
-        </p:nvSpPr>
-        <p:spPr>
-          <a:xfrm>
-            <a:off x="-1349" y="1070983"/>
-            <a:ext cx="860453" cy="45719"/>
-          </a:xfrm>
-          <a:prstGeom prst="rect">
-            <a:avLst/>
-          </a:prstGeom>
-          <a:solidFill>
-            <a:srgbClr val="FF0000"/>
-          </a:solidFill>
-          <a:ln>
-            <a:noFill/>
-          </a:ln>
-        </p:spPr>
-        <p:style>
-          <a:lnRef idx="2">
-            <a:schemeClr val="accent1">
-              <a:shade val="15000"/>
-            </a:schemeClr>
-          </a:lnRef>
-          <a:fillRef idx="1">
-            <a:schemeClr val="accent1"/>
-          </a:fillRef>
-          <a:effectRef idx="0">
-            <a:schemeClr val="accent1"/>
-          </a:effectRef>
-          <a:fontRef idx="minor">
-            <a:schemeClr val="lt1"/>
-          </a:fontRef>
-        </p:style>
-        <p:txBody>
-          <a:bodyPr rtlCol="0" anchor="ctr"/>
-          <a:lstStyle/>
-          <a:p>
-            <a:pPr algn="ctr"/>
-            <a:endParaRPr lang="en-GB"/>
-          </a:p>
-        </p:txBody>
-      </p:sp>
-    </p:spTree>
-    <p:extLst>
-      <p:ext uri="{BB962C8B-B14F-4D97-AF65-F5344CB8AC3E}">
-        <p14:creationId xmlns:p14="http://schemas.microsoft.com/office/powerpoint/2010/main" val="2989622712"/>
-      </p:ext>
-    </p:extLst>
-  </p:cSld>
-  <p:clrMapOvr>
-    <a:masterClrMapping/>
-  </p:clrMapOvr>
-</p:sld>
-</file>
-
-<file path=ppt/slides/slide18.xml><?xml version="1.0" encoding="utf-8"?>
-<p:sld xmlns:a="http://schemas.openxmlformats.org/drawingml/2006/main" xmlns:r="http://schemas.openxmlformats.org/officeDocument/2006/relationships" xmlns:p="http://schemas.openxmlformats.org/presentationml/2006/main">
-  <p:cSld>
-    <p:spTree>
-      <p:nvGrpSpPr>
-        <p:cNvPr id="1" name=""/>
-        <p:cNvGrpSpPr/>
-        <p:nvPr/>
-      </p:nvGrpSpPr>
-      <p:grpSpPr>
-        <a:xfrm>
-          <a:off x="0" y="0"/>
-          <a:ext cx="0" cy="0"/>
-          <a:chOff x="0" y="0"/>
-          <a:chExt cx="0" cy="0"/>
-        </a:xfrm>
-      </p:grpSpPr>
-      <p:sp>
-        <p:nvSpPr>
-          <p:cNvPr id="8" name="Obdélník 7">
-            <a:extLst>
-              <a:ext uri="{FF2B5EF4-FFF2-40B4-BE49-F238E27FC236}">
-                <a16:creationId xmlns:a16="http://schemas.microsoft.com/office/drawing/2014/main" id="{AB0641BC-7878-90EB-40AA-54FAD65B18E6}"/>
-              </a:ext>
-            </a:extLst>
-          </p:cNvPr>
-          <p:cNvSpPr/>
-          <p:nvPr/>
-        </p:nvSpPr>
-        <p:spPr>
-          <a:xfrm>
-            <a:off x="0" y="-1"/>
-            <a:ext cx="12192000" cy="1116703"/>
-          </a:xfrm>
-          <a:prstGeom prst="rect">
-            <a:avLst/>
-          </a:prstGeom>
-          <a:solidFill>
-            <a:schemeClr val="bg2"/>
-          </a:solidFill>
-          <a:ln>
-            <a:noFill/>
-          </a:ln>
-        </p:spPr>
-        <p:style>
-          <a:lnRef idx="2">
-            <a:schemeClr val="accent1">
-              <a:shade val="15000"/>
-            </a:schemeClr>
-          </a:lnRef>
-          <a:fillRef idx="1">
-            <a:schemeClr val="accent1"/>
-          </a:fillRef>
-          <a:effectRef idx="0">
-            <a:schemeClr val="accent1"/>
-          </a:effectRef>
-          <a:fontRef idx="minor">
-            <a:schemeClr val="lt1"/>
-          </a:fontRef>
-        </p:style>
-        <p:txBody>
-          <a:bodyPr rtlCol="0" anchor="ctr"/>
-          <a:lstStyle/>
-          <a:p>
-            <a:pPr algn="ctr"/>
-            <a:endParaRPr lang="en-GB"/>
-          </a:p>
-        </p:txBody>
-      </p:sp>
-      <p:sp>
-        <p:nvSpPr>
-          <p:cNvPr id="2" name="Nadpis 1">
-            <a:extLst>
-              <a:ext uri="{FF2B5EF4-FFF2-40B4-BE49-F238E27FC236}">
                 <a16:creationId xmlns:a16="http://schemas.microsoft.com/office/drawing/2014/main" id="{16F20D33-0641-2B7E-E888-2BD4E249AE6C}"/>
               </a:ext>
             </a:extLst>
@@ -7924,7 +7520,7 @@
           <a:p>
             <a:fld id="{2396986B-09E1-422F-9D6D-F3432B0D2D09}" type="slidenum">
               <a:rPr lang="en-GB" smtClean="0"/>
-              <a:t>18</a:t>
+              <a:t>17</a:t>
             </a:fld>
             <a:endParaRPr lang="en-GB"/>
           </a:p>
@@ -8025,7 +7621,7 @@
 </p:sld>
 </file>
 
-<file path=ppt/slides/slide19.xml><?xml version="1.0" encoding="utf-8"?>
+<file path=ppt/slides/slide18.xml><?xml version="1.0" encoding="utf-8"?>
 <p:sld xmlns:a="http://schemas.openxmlformats.org/drawingml/2006/main" xmlns:r="http://schemas.openxmlformats.org/officeDocument/2006/relationships" xmlns:p="http://schemas.openxmlformats.org/presentationml/2006/main">
   <p:cSld>
     <p:spTree>
@@ -8065,7 +7661,7 @@
           <a:p>
             <a:fld id="{2396986B-09E1-422F-9D6D-F3432B0D2D09}" type="slidenum">
               <a:rPr lang="en-GB" smtClean="0"/>
-              <a:t>19</a:t>
+              <a:t>18</a:t>
             </a:fld>
             <a:endParaRPr lang="en-GB"/>
           </a:p>
@@ -9320,7 +8916,7 @@
 </p:sld>
 </file>
 
-<file path=ppt/slides/slide2.xml><?xml version="1.0" encoding="utf-8"?>
+<file path=ppt/slides/slide19.xml><?xml version="1.0" encoding="utf-8"?>
 <p:sld xmlns:a="http://schemas.openxmlformats.org/drawingml/2006/main" xmlns:r="http://schemas.openxmlformats.org/officeDocument/2006/relationships" xmlns:p="http://schemas.openxmlformats.org/presentationml/2006/main">
   <p:cSld>
     <p:spTree>
@@ -9339,10 +8935,1058 @@
       </p:grpSpPr>
       <p:sp>
         <p:nvSpPr>
-          <p:cNvPr id="5" name="Obdélník 4">
-            <a:extLst>
-              <a:ext uri="{FF2B5EF4-FFF2-40B4-BE49-F238E27FC236}">
-                <a16:creationId xmlns:a16="http://schemas.microsoft.com/office/drawing/2014/main" id="{C7CB94EB-D1D3-2704-6E65-6FC4D559AE01}"/>
+          <p:cNvPr id="3" name="Zástupný obsah 2">
+            <a:extLst>
+              <a:ext uri="{FF2B5EF4-FFF2-40B4-BE49-F238E27FC236}">
+                <a16:creationId xmlns:a16="http://schemas.microsoft.com/office/drawing/2014/main" id="{88DB3F59-4AE7-3EA8-8BB2-8355273AEE18}"/>
+              </a:ext>
+            </a:extLst>
+          </p:cNvPr>
+          <p:cNvSpPr>
+            <a:spLocks noGrp="1"/>
+          </p:cNvSpPr>
+          <p:nvPr>
+            <p:ph sz="half" idx="1"/>
+          </p:nvPr>
+        </p:nvSpPr>
+        <p:spPr>
+          <a:xfrm>
+            <a:off x="838200" y="1825625"/>
+            <a:ext cx="10938164" cy="4351338"/>
+          </a:xfrm>
+        </p:spPr>
+        <p:txBody>
+          <a:bodyPr>
+            <a:normAutofit fontScale="70000" lnSpcReduction="20000"/>
+          </a:bodyPr>
+          <a:lstStyle/>
+          <a:p>
+            <a:pPr marL="514350" indent="-514350">
+              <a:buFont typeface="+mj-lt"/>
+              <a:buAutoNum type="arabicPeriod"/>
+            </a:pPr>
+            <a:r>
+              <a:rPr lang="cs-CZ" b="0" i="0" dirty="0">
+                <a:solidFill>
+                  <a:srgbClr val="030712"/>
+                </a:solidFill>
+                <a:effectLst/>
+                <a:latin typeface="ui-sans-serif"/>
+              </a:rPr>
+              <a:t>V</a:t>
+            </a:r>
+            <a:r>
+              <a:rPr lang="en-GB" b="0" i="0" dirty="0" err="1">
+                <a:solidFill>
+                  <a:srgbClr val="030712"/>
+                </a:solidFill>
+                <a:effectLst/>
+                <a:latin typeface="ui-sans-serif"/>
+              </a:rPr>
+              <a:t>ytvoření</a:t>
+            </a:r>
+            <a:r>
+              <a:rPr lang="en-GB" b="0" i="0" dirty="0">
+                <a:solidFill>
+                  <a:srgbClr val="030712"/>
+                </a:solidFill>
+                <a:effectLst/>
+                <a:latin typeface="ui-sans-serif"/>
+              </a:rPr>
+              <a:t> </a:t>
+            </a:r>
+            <a:r>
+              <a:rPr lang="en-GB" b="0" i="0" dirty="0" err="1">
+                <a:solidFill>
+                  <a:srgbClr val="030712"/>
+                </a:solidFill>
+                <a:effectLst/>
+                <a:latin typeface="ui-sans-serif"/>
+              </a:rPr>
+              <a:t>dvou</a:t>
+            </a:r>
+            <a:r>
+              <a:rPr lang="en-GB" b="0" i="0" dirty="0">
+                <a:solidFill>
+                  <a:srgbClr val="030712"/>
+                </a:solidFill>
+                <a:effectLst/>
+                <a:latin typeface="ui-sans-serif"/>
+              </a:rPr>
+              <a:t> </a:t>
+            </a:r>
+            <a:r>
+              <a:rPr lang="en-GB" b="0" i="0" dirty="0" err="1">
+                <a:solidFill>
+                  <a:srgbClr val="030712"/>
+                </a:solidFill>
+                <a:effectLst/>
+                <a:latin typeface="ui-sans-serif"/>
+              </a:rPr>
+              <a:t>testovacích</a:t>
+            </a:r>
+            <a:r>
+              <a:rPr lang="en-GB" b="0" i="0" dirty="0">
+                <a:solidFill>
+                  <a:srgbClr val="030712"/>
+                </a:solidFill>
+                <a:effectLst/>
+                <a:latin typeface="ui-sans-serif"/>
+              </a:rPr>
+              <a:t> </a:t>
+            </a:r>
+            <a:r>
+              <a:rPr lang="en-GB" b="0" i="0" dirty="0" err="1">
+                <a:solidFill>
+                  <a:srgbClr val="030712"/>
+                </a:solidFill>
+                <a:effectLst/>
+                <a:latin typeface="ui-sans-serif"/>
+              </a:rPr>
+              <a:t>uzlů</a:t>
+            </a:r>
+            <a:r>
+              <a:rPr lang="en-GB" b="0" i="0" dirty="0">
+                <a:solidFill>
+                  <a:srgbClr val="030712"/>
+                </a:solidFill>
+                <a:effectLst/>
+                <a:latin typeface="ui-sans-serif"/>
+              </a:rPr>
+              <a:t> (server a </a:t>
+            </a:r>
+            <a:r>
+              <a:rPr lang="en-GB" b="0" i="0" dirty="0" err="1">
+                <a:solidFill>
+                  <a:srgbClr val="030712"/>
+                </a:solidFill>
+                <a:effectLst/>
+                <a:latin typeface="ui-sans-serif"/>
+              </a:rPr>
+              <a:t>klient</a:t>
+            </a:r>
+            <a:r>
+              <a:rPr lang="en-GB" b="0" i="0" dirty="0">
+                <a:solidFill>
+                  <a:srgbClr val="030712"/>
+                </a:solidFill>
+                <a:effectLst/>
+                <a:latin typeface="ui-sans-serif"/>
+              </a:rPr>
+              <a:t>)</a:t>
+            </a:r>
+            <a:endParaRPr lang="cs-CZ" b="0" i="0" dirty="0">
+              <a:solidFill>
+                <a:srgbClr val="030712"/>
+              </a:solidFill>
+              <a:effectLst/>
+              <a:latin typeface="ui-sans-serif"/>
+            </a:endParaRPr>
+          </a:p>
+          <a:p>
+            <a:pPr marL="514350" indent="-514350">
+              <a:spcBef>
+                <a:spcPts val="900"/>
+              </a:spcBef>
+              <a:buFont typeface="+mj-lt"/>
+              <a:buAutoNum type="arabicPeriod"/>
+            </a:pPr>
+            <a:r>
+              <a:rPr lang="en-GB" b="0" i="0" dirty="0" err="1">
+                <a:solidFill>
+                  <a:srgbClr val="030712"/>
+                </a:solidFill>
+                <a:effectLst/>
+                <a:latin typeface="ui-sans-serif"/>
+              </a:rPr>
+              <a:t>Testování</a:t>
+            </a:r>
+            <a:r>
+              <a:rPr lang="en-GB" b="0" i="0" dirty="0">
+                <a:solidFill>
+                  <a:srgbClr val="030712"/>
+                </a:solidFill>
+                <a:effectLst/>
+                <a:latin typeface="ui-sans-serif"/>
+              </a:rPr>
+              <a:t> </a:t>
+            </a:r>
+            <a:r>
+              <a:rPr lang="en-GB" b="0" i="0" dirty="0" err="1">
+                <a:solidFill>
+                  <a:srgbClr val="030712"/>
+                </a:solidFill>
+                <a:effectLst/>
+                <a:latin typeface="ui-sans-serif"/>
+              </a:rPr>
+              <a:t>všech</a:t>
+            </a:r>
+            <a:r>
+              <a:rPr lang="en-GB" b="0" i="0" dirty="0">
+                <a:solidFill>
+                  <a:srgbClr val="030712"/>
+                </a:solidFill>
+                <a:effectLst/>
+                <a:latin typeface="ui-sans-serif"/>
+              </a:rPr>
+              <a:t> 108 </a:t>
+            </a:r>
+            <a:r>
+              <a:rPr lang="en-GB" b="0" i="0" dirty="0" err="1">
+                <a:solidFill>
+                  <a:srgbClr val="030712"/>
+                </a:solidFill>
+                <a:effectLst/>
+                <a:latin typeface="ui-sans-serif"/>
+              </a:rPr>
+              <a:t>kombinací</a:t>
+            </a:r>
+            <a:r>
+              <a:rPr lang="en-GB" b="0" i="0" dirty="0">
+                <a:solidFill>
+                  <a:srgbClr val="030712"/>
+                </a:solidFill>
+                <a:effectLst/>
+                <a:latin typeface="ui-sans-serif"/>
+              </a:rPr>
+              <a:t> </a:t>
+            </a:r>
+            <a:r>
+              <a:rPr lang="en-GB" b="0" i="0" dirty="0" err="1">
+                <a:solidFill>
+                  <a:srgbClr val="030712"/>
+                </a:solidFill>
+                <a:effectLst/>
+                <a:latin typeface="ui-sans-serif"/>
+              </a:rPr>
+              <a:t>kryptografických</a:t>
+            </a:r>
+            <a:r>
+              <a:rPr lang="en-GB" b="0" i="0" dirty="0">
+                <a:solidFill>
+                  <a:srgbClr val="030712"/>
+                </a:solidFill>
+                <a:effectLst/>
+                <a:latin typeface="ui-sans-serif"/>
+              </a:rPr>
+              <a:t> </a:t>
+            </a:r>
+            <a:r>
+              <a:rPr lang="en-GB" b="0" i="0" dirty="0" err="1">
+                <a:solidFill>
+                  <a:srgbClr val="030712"/>
+                </a:solidFill>
+                <a:effectLst/>
+                <a:latin typeface="ui-sans-serif"/>
+              </a:rPr>
+              <a:t>algoritmů</a:t>
+            </a:r>
+            <a:r>
+              <a:rPr lang="en-GB" b="0" i="0" dirty="0">
+                <a:solidFill>
+                  <a:srgbClr val="030712"/>
+                </a:solidFill>
+                <a:effectLst/>
+                <a:latin typeface="ui-sans-serif"/>
+              </a:rPr>
+              <a:t>:</a:t>
+            </a:r>
+            <a:endParaRPr lang="cs-CZ" dirty="0">
+              <a:solidFill>
+                <a:srgbClr val="030712"/>
+              </a:solidFill>
+              <a:latin typeface="ui-sans-serif"/>
+            </a:endParaRPr>
+          </a:p>
+          <a:p>
+            <a:pPr lvl="1">
+              <a:spcBef>
+                <a:spcPts val="900"/>
+              </a:spcBef>
+            </a:pPr>
+            <a:r>
+              <a:rPr lang="en-GB" b="0" i="0" dirty="0">
+                <a:solidFill>
+                  <a:srgbClr val="030712"/>
+                </a:solidFill>
+                <a:effectLst/>
+                <a:latin typeface="ui-sans-serif"/>
+              </a:rPr>
+              <a:t>9 variant </a:t>
+            </a:r>
+            <a:r>
+              <a:rPr lang="en-GB" b="0" i="0" dirty="0" err="1">
+                <a:solidFill>
+                  <a:srgbClr val="030712"/>
+                </a:solidFill>
+                <a:effectLst/>
+                <a:latin typeface="ui-sans-serif"/>
+              </a:rPr>
+              <a:t>výměny</a:t>
+            </a:r>
+            <a:r>
+              <a:rPr lang="en-GB" b="0" i="0" dirty="0">
+                <a:solidFill>
+                  <a:srgbClr val="030712"/>
+                </a:solidFill>
+                <a:effectLst/>
+                <a:latin typeface="ui-sans-serif"/>
+              </a:rPr>
+              <a:t> </a:t>
+            </a:r>
+            <a:r>
+              <a:rPr lang="en-GB" b="0" i="0" dirty="0" err="1">
+                <a:solidFill>
+                  <a:srgbClr val="030712"/>
+                </a:solidFill>
+                <a:effectLst/>
+                <a:latin typeface="ui-sans-serif"/>
+              </a:rPr>
+              <a:t>klíčů</a:t>
+            </a:r>
+            <a:r>
+              <a:rPr lang="en-GB" b="0" i="0" dirty="0">
+                <a:solidFill>
+                  <a:srgbClr val="030712"/>
+                </a:solidFill>
+                <a:effectLst/>
+                <a:latin typeface="ui-sans-serif"/>
+              </a:rPr>
+              <a:t> × 2 </a:t>
+            </a:r>
+            <a:r>
+              <a:rPr lang="en-GB" b="0" i="0" dirty="0" err="1">
+                <a:solidFill>
+                  <a:srgbClr val="030712"/>
+                </a:solidFill>
+                <a:effectLst/>
+                <a:latin typeface="ui-sans-serif"/>
+              </a:rPr>
+              <a:t>symetrické</a:t>
+            </a:r>
+            <a:r>
+              <a:rPr lang="en-GB" b="0" i="0" dirty="0">
+                <a:solidFill>
+                  <a:srgbClr val="030712"/>
+                </a:solidFill>
+                <a:effectLst/>
+                <a:latin typeface="ui-sans-serif"/>
+              </a:rPr>
+              <a:t> </a:t>
+            </a:r>
+            <a:r>
+              <a:rPr lang="en-GB" b="0" i="0" dirty="0" err="1">
+                <a:solidFill>
+                  <a:srgbClr val="030712"/>
+                </a:solidFill>
+                <a:effectLst/>
+                <a:latin typeface="ui-sans-serif"/>
+              </a:rPr>
+              <a:t>algoritmy</a:t>
+            </a:r>
+            <a:r>
+              <a:rPr lang="en-GB" b="0" i="0" dirty="0">
+                <a:solidFill>
+                  <a:srgbClr val="030712"/>
+                </a:solidFill>
+                <a:effectLst/>
+                <a:latin typeface="ui-sans-serif"/>
+              </a:rPr>
+              <a:t> × 6 </a:t>
+            </a:r>
+            <a:r>
+              <a:rPr lang="en-GB" b="0" i="0" dirty="0" err="1">
+                <a:solidFill>
+                  <a:srgbClr val="030712"/>
+                </a:solidFill>
+                <a:effectLst/>
+                <a:latin typeface="ui-sans-serif"/>
+              </a:rPr>
+              <a:t>algoritmů</a:t>
+            </a:r>
+            <a:r>
+              <a:rPr lang="en-GB" b="0" i="0" dirty="0">
+                <a:solidFill>
+                  <a:srgbClr val="030712"/>
+                </a:solidFill>
+                <a:effectLst/>
+                <a:latin typeface="ui-sans-serif"/>
+              </a:rPr>
+              <a:t> </a:t>
+            </a:r>
+            <a:r>
+              <a:rPr lang="en-GB" b="0" i="0" dirty="0" err="1">
+                <a:solidFill>
+                  <a:srgbClr val="030712"/>
+                </a:solidFill>
+                <a:effectLst/>
+                <a:latin typeface="ui-sans-serif"/>
+              </a:rPr>
+              <a:t>podpisu</a:t>
+            </a:r>
+            <a:endParaRPr lang="cs-CZ" dirty="0">
+              <a:solidFill>
+                <a:srgbClr val="030712"/>
+              </a:solidFill>
+              <a:latin typeface="ui-sans-serif"/>
+            </a:endParaRPr>
+          </a:p>
+          <a:p>
+            <a:pPr marL="514350" indent="-514350">
+              <a:spcBef>
+                <a:spcPts val="900"/>
+              </a:spcBef>
+              <a:buFont typeface="+mj-lt"/>
+              <a:buAutoNum type="arabicPeriod"/>
+            </a:pPr>
+            <a:r>
+              <a:rPr lang="en-GB" b="0" i="0" dirty="0">
+                <a:solidFill>
+                  <a:srgbClr val="030712"/>
+                </a:solidFill>
+                <a:effectLst/>
+                <a:latin typeface="ui-sans-serif"/>
+              </a:rPr>
+              <a:t>Pro </a:t>
+            </a:r>
+            <a:r>
+              <a:rPr lang="en-GB" b="0" i="0" dirty="0" err="1">
+                <a:solidFill>
+                  <a:srgbClr val="030712"/>
+                </a:solidFill>
+                <a:effectLst/>
+                <a:latin typeface="ui-sans-serif"/>
+              </a:rPr>
+              <a:t>každou</a:t>
+            </a:r>
+            <a:r>
+              <a:rPr lang="en-GB" b="0" i="0" dirty="0">
+                <a:solidFill>
+                  <a:srgbClr val="030712"/>
+                </a:solidFill>
+                <a:effectLst/>
+                <a:latin typeface="ui-sans-serif"/>
+              </a:rPr>
+              <a:t> </a:t>
+            </a:r>
+            <a:r>
+              <a:rPr lang="en-GB" b="0" i="0" dirty="0" err="1">
+                <a:solidFill>
+                  <a:srgbClr val="030712"/>
+                </a:solidFill>
+                <a:effectLst/>
+                <a:latin typeface="ui-sans-serif"/>
+              </a:rPr>
+              <a:t>kombinaci</a:t>
+            </a:r>
+            <a:r>
+              <a:rPr lang="en-GB" b="0" i="0" dirty="0">
+                <a:solidFill>
+                  <a:srgbClr val="030712"/>
+                </a:solidFill>
+                <a:effectLst/>
+                <a:latin typeface="ui-sans-serif"/>
+              </a:rPr>
+              <a:t> </a:t>
+            </a:r>
+            <a:r>
+              <a:rPr lang="en-GB" b="0" i="0" dirty="0" err="1">
+                <a:solidFill>
+                  <a:srgbClr val="030712"/>
+                </a:solidFill>
+                <a:effectLst/>
+                <a:latin typeface="ui-sans-serif"/>
+              </a:rPr>
+              <a:t>testuje</a:t>
+            </a:r>
+            <a:r>
+              <a:rPr lang="en-GB" b="0" i="0" dirty="0">
+                <a:solidFill>
+                  <a:srgbClr val="030712"/>
+                </a:solidFill>
+                <a:effectLst/>
+                <a:latin typeface="ui-sans-serif"/>
+              </a:rPr>
+              <a:t>:</a:t>
+            </a:r>
+          </a:p>
+          <a:p>
+            <a:pPr lvl="1">
+              <a:spcBef>
+                <a:spcPts val="900"/>
+              </a:spcBef>
+            </a:pPr>
+            <a:r>
+              <a:rPr lang="en-GB" b="0" i="0" dirty="0" err="1">
+                <a:solidFill>
+                  <a:srgbClr val="030712"/>
+                </a:solidFill>
+                <a:effectLst/>
+                <a:latin typeface="ui-sans-serif"/>
+              </a:rPr>
+              <a:t>Navázání</a:t>
+            </a:r>
+            <a:r>
+              <a:rPr lang="en-GB" b="0" i="0" dirty="0">
+                <a:solidFill>
+                  <a:srgbClr val="030712"/>
+                </a:solidFill>
+                <a:effectLst/>
+                <a:latin typeface="ui-sans-serif"/>
+              </a:rPr>
+              <a:t> </a:t>
+            </a:r>
+            <a:r>
+              <a:rPr lang="en-GB" b="0" i="0" dirty="0" err="1">
+                <a:solidFill>
+                  <a:srgbClr val="030712"/>
+                </a:solidFill>
+                <a:effectLst/>
+                <a:latin typeface="ui-sans-serif"/>
+              </a:rPr>
+              <a:t>spojení</a:t>
+            </a:r>
+            <a:r>
+              <a:rPr lang="en-GB" b="0" i="0" dirty="0">
+                <a:solidFill>
+                  <a:srgbClr val="030712"/>
+                </a:solidFill>
+                <a:effectLst/>
+                <a:latin typeface="ui-sans-serif"/>
+              </a:rPr>
+              <a:t> </a:t>
+            </a:r>
+            <a:r>
+              <a:rPr lang="en-GB" b="0" i="0" dirty="0" err="1">
+                <a:solidFill>
+                  <a:srgbClr val="030712"/>
+                </a:solidFill>
+                <a:effectLst/>
+                <a:latin typeface="ui-sans-serif"/>
+              </a:rPr>
+              <a:t>mezi</a:t>
+            </a:r>
+            <a:r>
+              <a:rPr lang="en-GB" b="0" i="0" dirty="0">
+                <a:solidFill>
+                  <a:srgbClr val="030712"/>
+                </a:solidFill>
+                <a:effectLst/>
+                <a:latin typeface="ui-sans-serif"/>
+              </a:rPr>
+              <a:t> </a:t>
+            </a:r>
+            <a:r>
+              <a:rPr lang="en-GB" b="0" i="0" dirty="0" err="1">
+                <a:solidFill>
+                  <a:srgbClr val="030712"/>
+                </a:solidFill>
+                <a:effectLst/>
+                <a:latin typeface="ui-sans-serif"/>
+              </a:rPr>
+              <a:t>uzly</a:t>
+            </a:r>
+            <a:endParaRPr lang="en-GB" b="0" i="0" dirty="0">
+              <a:solidFill>
+                <a:srgbClr val="030712"/>
+              </a:solidFill>
+              <a:effectLst/>
+              <a:latin typeface="ui-sans-serif"/>
+            </a:endParaRPr>
+          </a:p>
+          <a:p>
+            <a:pPr lvl="1">
+              <a:spcBef>
+                <a:spcPts val="900"/>
+              </a:spcBef>
+            </a:pPr>
+            <a:r>
+              <a:rPr lang="en-GB" b="0" i="0" dirty="0" err="1">
+                <a:solidFill>
+                  <a:srgbClr val="030712"/>
+                </a:solidFill>
+                <a:effectLst/>
+                <a:latin typeface="ui-sans-serif"/>
+              </a:rPr>
+              <a:t>Výměnu</a:t>
+            </a:r>
+            <a:r>
+              <a:rPr lang="en-GB" b="0" i="0" dirty="0">
+                <a:solidFill>
+                  <a:srgbClr val="030712"/>
+                </a:solidFill>
+                <a:effectLst/>
+                <a:latin typeface="ui-sans-serif"/>
+              </a:rPr>
+              <a:t> </a:t>
+            </a:r>
+            <a:r>
+              <a:rPr lang="en-GB" b="0" i="0" dirty="0" err="1">
+                <a:solidFill>
+                  <a:srgbClr val="030712"/>
+                </a:solidFill>
+                <a:effectLst/>
+                <a:latin typeface="ui-sans-serif"/>
+              </a:rPr>
+              <a:t>klíčů</a:t>
+            </a:r>
+            <a:r>
+              <a:rPr lang="en-GB" b="0" i="0" dirty="0">
+                <a:solidFill>
+                  <a:srgbClr val="030712"/>
+                </a:solidFill>
+                <a:effectLst/>
+                <a:latin typeface="ui-sans-serif"/>
+              </a:rPr>
+              <a:t> a </a:t>
+            </a:r>
+            <a:r>
+              <a:rPr lang="en-GB" b="0" i="0" dirty="0" err="1">
+                <a:solidFill>
+                  <a:srgbClr val="030712"/>
+                </a:solidFill>
+                <a:effectLst/>
+                <a:latin typeface="ui-sans-serif"/>
+              </a:rPr>
+              <a:t>její</a:t>
+            </a:r>
+            <a:r>
+              <a:rPr lang="en-GB" b="0" i="0" dirty="0">
+                <a:solidFill>
+                  <a:srgbClr val="030712"/>
+                </a:solidFill>
+                <a:effectLst/>
+                <a:latin typeface="ui-sans-serif"/>
+              </a:rPr>
+              <a:t> </a:t>
+            </a:r>
+            <a:r>
+              <a:rPr lang="en-GB" b="0" i="0" dirty="0" err="1">
+                <a:solidFill>
+                  <a:srgbClr val="030712"/>
+                </a:solidFill>
+                <a:effectLst/>
+                <a:latin typeface="ui-sans-serif"/>
+              </a:rPr>
+              <a:t>rychlost</a:t>
+            </a:r>
+            <a:endParaRPr lang="en-GB" b="0" i="0" dirty="0">
+              <a:solidFill>
+                <a:srgbClr val="030712"/>
+              </a:solidFill>
+              <a:effectLst/>
+              <a:latin typeface="ui-sans-serif"/>
+            </a:endParaRPr>
+          </a:p>
+          <a:p>
+            <a:pPr lvl="1">
+              <a:spcBef>
+                <a:spcPts val="900"/>
+              </a:spcBef>
+            </a:pPr>
+            <a:r>
+              <a:rPr lang="en-GB" b="0" i="0" dirty="0" err="1">
+                <a:solidFill>
+                  <a:srgbClr val="030712"/>
+                </a:solidFill>
+                <a:effectLst/>
+                <a:latin typeface="ui-sans-serif"/>
+              </a:rPr>
+              <a:t>Základní</a:t>
+            </a:r>
+            <a:r>
+              <a:rPr lang="en-GB" b="0" i="0" dirty="0">
+                <a:solidFill>
+                  <a:srgbClr val="030712"/>
+                </a:solidFill>
+                <a:effectLst/>
+                <a:latin typeface="ui-sans-serif"/>
+              </a:rPr>
+              <a:t> </a:t>
+            </a:r>
+            <a:r>
+              <a:rPr lang="en-GB" b="0" i="0" dirty="0" err="1">
+                <a:solidFill>
+                  <a:srgbClr val="030712"/>
+                </a:solidFill>
+                <a:effectLst/>
+                <a:latin typeface="ui-sans-serif"/>
+              </a:rPr>
+              <a:t>zasílání</a:t>
+            </a:r>
+            <a:r>
+              <a:rPr lang="en-GB" b="0" i="0" dirty="0">
+                <a:solidFill>
+                  <a:srgbClr val="030712"/>
+                </a:solidFill>
+                <a:effectLst/>
+                <a:latin typeface="ui-sans-serif"/>
+              </a:rPr>
+              <a:t> </a:t>
+            </a:r>
+            <a:r>
+              <a:rPr lang="en-GB" b="0" i="0" dirty="0" err="1">
+                <a:solidFill>
+                  <a:srgbClr val="030712"/>
+                </a:solidFill>
+                <a:effectLst/>
+                <a:latin typeface="ui-sans-serif"/>
+              </a:rPr>
+              <a:t>zpráv</a:t>
+            </a:r>
+            <a:endParaRPr lang="en-GB" b="0" i="0" dirty="0">
+              <a:solidFill>
+                <a:srgbClr val="030712"/>
+              </a:solidFill>
+              <a:effectLst/>
+              <a:latin typeface="ui-sans-serif"/>
+            </a:endParaRPr>
+          </a:p>
+          <a:p>
+            <a:pPr lvl="1">
+              <a:spcBef>
+                <a:spcPts val="900"/>
+              </a:spcBef>
+            </a:pPr>
+            <a:r>
+              <a:rPr lang="en-GB" b="0" i="0" dirty="0" err="1">
+                <a:solidFill>
+                  <a:srgbClr val="030712"/>
+                </a:solidFill>
+                <a:effectLst/>
+                <a:latin typeface="ui-sans-serif"/>
+              </a:rPr>
+              <a:t>Přenos</a:t>
+            </a:r>
+            <a:r>
+              <a:rPr lang="en-GB" b="0" i="0" dirty="0">
+                <a:solidFill>
+                  <a:srgbClr val="030712"/>
+                </a:solidFill>
+                <a:effectLst/>
+                <a:latin typeface="ui-sans-serif"/>
+              </a:rPr>
+              <a:t> </a:t>
+            </a:r>
+            <a:r>
+              <a:rPr lang="en-GB" b="0" i="0" dirty="0" err="1">
+                <a:solidFill>
+                  <a:srgbClr val="030712"/>
+                </a:solidFill>
+                <a:effectLst/>
+                <a:latin typeface="ui-sans-serif"/>
+              </a:rPr>
+              <a:t>souborů</a:t>
+            </a:r>
+            <a:r>
+              <a:rPr lang="en-GB" b="0" i="0" dirty="0">
+                <a:solidFill>
+                  <a:srgbClr val="030712"/>
+                </a:solidFill>
+                <a:effectLst/>
+                <a:latin typeface="ui-sans-serif"/>
+              </a:rPr>
+              <a:t> </a:t>
+            </a:r>
+            <a:r>
+              <a:rPr lang="en-GB" b="0" i="0" dirty="0" err="1">
+                <a:solidFill>
+                  <a:srgbClr val="030712"/>
+                </a:solidFill>
+                <a:effectLst/>
+                <a:latin typeface="ui-sans-serif"/>
+              </a:rPr>
+              <a:t>různých</a:t>
+            </a:r>
+            <a:r>
+              <a:rPr lang="en-GB" b="0" i="0" dirty="0">
+                <a:solidFill>
+                  <a:srgbClr val="030712"/>
+                </a:solidFill>
+                <a:effectLst/>
+                <a:latin typeface="ui-sans-serif"/>
+              </a:rPr>
+              <a:t> </a:t>
+            </a:r>
+            <a:r>
+              <a:rPr lang="en-GB" b="0" i="0" dirty="0" err="1">
+                <a:solidFill>
+                  <a:srgbClr val="030712"/>
+                </a:solidFill>
+                <a:effectLst/>
+                <a:latin typeface="ui-sans-serif"/>
+              </a:rPr>
+              <a:t>velikostí</a:t>
+            </a:r>
+            <a:r>
+              <a:rPr lang="en-GB" b="0" i="0" dirty="0">
+                <a:solidFill>
+                  <a:srgbClr val="030712"/>
+                </a:solidFill>
+                <a:effectLst/>
+                <a:latin typeface="ui-sans-serif"/>
+              </a:rPr>
+              <a:t> (10 KB, 100 KB, 1 MB)</a:t>
+            </a:r>
+            <a:endParaRPr lang="cs-CZ" b="0" i="0" dirty="0">
+              <a:solidFill>
+                <a:srgbClr val="030712"/>
+              </a:solidFill>
+              <a:effectLst/>
+              <a:latin typeface="ui-sans-serif"/>
+            </a:endParaRPr>
+          </a:p>
+          <a:p>
+            <a:pPr marL="514350" indent="-514350">
+              <a:spcBef>
+                <a:spcPts val="900"/>
+              </a:spcBef>
+              <a:buFont typeface="+mj-lt"/>
+              <a:buAutoNum type="arabicPeriod"/>
+            </a:pPr>
+            <a:r>
+              <a:rPr lang="en-GB" b="0" i="0" dirty="0" err="1">
+                <a:solidFill>
+                  <a:srgbClr val="030712"/>
+                </a:solidFill>
+                <a:effectLst/>
+                <a:latin typeface="ui-sans-serif"/>
+              </a:rPr>
+              <a:t>Měření</a:t>
+            </a:r>
+            <a:r>
+              <a:rPr lang="en-GB" b="0" i="0" dirty="0">
+                <a:solidFill>
+                  <a:srgbClr val="030712"/>
+                </a:solidFill>
+                <a:effectLst/>
+                <a:latin typeface="ui-sans-serif"/>
+              </a:rPr>
+              <a:t> </a:t>
+            </a:r>
+            <a:r>
+              <a:rPr lang="en-GB" b="0" i="0" dirty="0" err="1">
+                <a:solidFill>
+                  <a:srgbClr val="030712"/>
+                </a:solidFill>
+                <a:effectLst/>
+                <a:latin typeface="ui-sans-serif"/>
+              </a:rPr>
+              <a:t>výkonnostních</a:t>
+            </a:r>
+            <a:r>
+              <a:rPr lang="en-GB" b="0" i="0" dirty="0">
+                <a:solidFill>
+                  <a:srgbClr val="030712"/>
+                </a:solidFill>
+                <a:effectLst/>
+                <a:latin typeface="ui-sans-serif"/>
+              </a:rPr>
+              <a:t> </a:t>
+            </a:r>
+            <a:r>
+              <a:rPr lang="en-GB" b="0" i="0" dirty="0" err="1">
+                <a:solidFill>
+                  <a:srgbClr val="030712"/>
+                </a:solidFill>
+                <a:effectLst/>
+                <a:latin typeface="ui-sans-serif"/>
+              </a:rPr>
+              <a:t>metrik</a:t>
+            </a:r>
+            <a:r>
+              <a:rPr lang="en-GB" b="0" i="0" dirty="0">
+                <a:solidFill>
+                  <a:srgbClr val="030712"/>
+                </a:solidFill>
+                <a:effectLst/>
+                <a:latin typeface="ui-sans-serif"/>
+              </a:rPr>
+              <a:t>:</a:t>
+            </a:r>
+          </a:p>
+          <a:p>
+            <a:pPr lvl="1">
+              <a:spcBef>
+                <a:spcPts val="900"/>
+              </a:spcBef>
+            </a:pPr>
+            <a:r>
+              <a:rPr lang="en-GB" b="0" i="0" dirty="0">
+                <a:solidFill>
+                  <a:srgbClr val="030712"/>
+                </a:solidFill>
+                <a:effectLst/>
+                <a:latin typeface="ui-sans-serif"/>
+              </a:rPr>
+              <a:t>Doba </a:t>
+            </a:r>
+            <a:r>
+              <a:rPr lang="en-GB" b="0" i="0" dirty="0" err="1">
+                <a:solidFill>
+                  <a:srgbClr val="030712"/>
+                </a:solidFill>
+                <a:effectLst/>
+                <a:latin typeface="ui-sans-serif"/>
+              </a:rPr>
+              <a:t>výměny</a:t>
+            </a:r>
+            <a:r>
+              <a:rPr lang="en-GB" b="0" i="0" dirty="0">
+                <a:solidFill>
+                  <a:srgbClr val="030712"/>
+                </a:solidFill>
+                <a:effectLst/>
+                <a:latin typeface="ui-sans-serif"/>
+              </a:rPr>
+              <a:t> </a:t>
+            </a:r>
+            <a:r>
+              <a:rPr lang="en-GB" b="0" i="0" dirty="0" err="1">
+                <a:solidFill>
+                  <a:srgbClr val="030712"/>
+                </a:solidFill>
+                <a:effectLst/>
+                <a:latin typeface="ui-sans-serif"/>
+              </a:rPr>
+              <a:t>klíčů</a:t>
+            </a:r>
+            <a:endParaRPr lang="en-GB" b="0" i="0" dirty="0">
+              <a:solidFill>
+                <a:srgbClr val="030712"/>
+              </a:solidFill>
+              <a:effectLst/>
+              <a:latin typeface="ui-sans-serif"/>
+            </a:endParaRPr>
+          </a:p>
+          <a:p>
+            <a:pPr lvl="1">
+              <a:spcBef>
+                <a:spcPts val="900"/>
+              </a:spcBef>
+            </a:pPr>
+            <a:r>
+              <a:rPr lang="en-GB" b="0" i="0" dirty="0" err="1">
+                <a:solidFill>
+                  <a:srgbClr val="030712"/>
+                </a:solidFill>
+                <a:effectLst/>
+                <a:latin typeface="ui-sans-serif"/>
+              </a:rPr>
+              <a:t>Rychlost</a:t>
+            </a:r>
+            <a:r>
+              <a:rPr lang="en-GB" b="0" i="0" dirty="0">
+                <a:solidFill>
+                  <a:srgbClr val="030712"/>
+                </a:solidFill>
+                <a:effectLst/>
+                <a:latin typeface="ui-sans-serif"/>
+              </a:rPr>
+              <a:t> </a:t>
+            </a:r>
+            <a:r>
+              <a:rPr lang="en-GB" b="0" i="0" dirty="0" err="1">
+                <a:solidFill>
+                  <a:srgbClr val="030712"/>
+                </a:solidFill>
+                <a:effectLst/>
+                <a:latin typeface="ui-sans-serif"/>
+              </a:rPr>
+              <a:t>přenosu</a:t>
+            </a:r>
+            <a:r>
+              <a:rPr lang="en-GB" b="0" i="0" dirty="0">
+                <a:solidFill>
+                  <a:srgbClr val="030712"/>
+                </a:solidFill>
+                <a:effectLst/>
+                <a:latin typeface="ui-sans-serif"/>
+              </a:rPr>
+              <a:t> </a:t>
+            </a:r>
+            <a:r>
+              <a:rPr lang="en-GB" b="0" i="0" dirty="0" err="1">
+                <a:solidFill>
+                  <a:srgbClr val="030712"/>
+                </a:solidFill>
+                <a:effectLst/>
+                <a:latin typeface="ui-sans-serif"/>
+              </a:rPr>
+              <a:t>souborů</a:t>
+            </a:r>
+            <a:r>
+              <a:rPr lang="en-GB" b="0" i="0" dirty="0">
+                <a:solidFill>
+                  <a:srgbClr val="030712"/>
+                </a:solidFill>
+                <a:effectLst/>
+                <a:latin typeface="ui-sans-serif"/>
+              </a:rPr>
+              <a:t> (KB/s)</a:t>
+            </a:r>
+          </a:p>
+          <a:p>
+            <a:pPr marL="457200" lvl="1" indent="0" algn="l">
+              <a:spcBef>
+                <a:spcPts val="900"/>
+              </a:spcBef>
+              <a:buNone/>
+            </a:pPr>
+            <a:endParaRPr lang="en-GB" b="0" i="0" dirty="0">
+              <a:solidFill>
+                <a:srgbClr val="030712"/>
+              </a:solidFill>
+              <a:effectLst/>
+              <a:latin typeface="ui-sans-serif"/>
+            </a:endParaRPr>
+          </a:p>
+          <a:p>
+            <a:pPr>
+              <a:buNone/>
+            </a:pPr>
+            <a:br>
+              <a:rPr lang="en-GB" dirty="0"/>
+            </a:br>
+            <a:endParaRPr lang="en-GB" dirty="0"/>
+          </a:p>
+        </p:txBody>
+      </p:sp>
+      <p:sp>
+        <p:nvSpPr>
+          <p:cNvPr id="5" name="Zástupný symbol pro číslo snímku 4">
+            <a:extLst>
+              <a:ext uri="{FF2B5EF4-FFF2-40B4-BE49-F238E27FC236}">
+                <a16:creationId xmlns:a16="http://schemas.microsoft.com/office/drawing/2014/main" id="{694B6C75-9502-86C0-133C-042576FA96BA}"/>
+              </a:ext>
+            </a:extLst>
+          </p:cNvPr>
+          <p:cNvSpPr>
+            <a:spLocks noGrp="1"/>
+          </p:cNvSpPr>
+          <p:nvPr>
+            <p:ph type="sldNum" sz="quarter" idx="12"/>
+          </p:nvPr>
+        </p:nvSpPr>
+        <p:spPr/>
+        <p:txBody>
+          <a:bodyPr/>
+          <a:lstStyle/>
+          <a:p>
+            <a:fld id="{2396986B-09E1-422F-9D6D-F3432B0D2D09}" type="slidenum">
+              <a:rPr lang="en-GB" smtClean="0"/>
+              <a:t>19</a:t>
+            </a:fld>
+            <a:endParaRPr lang="en-GB"/>
+          </a:p>
+        </p:txBody>
+      </p:sp>
+      <p:sp>
+        <p:nvSpPr>
+          <p:cNvPr id="6" name="Obdélník 5">
+            <a:extLst>
+              <a:ext uri="{FF2B5EF4-FFF2-40B4-BE49-F238E27FC236}">
+                <a16:creationId xmlns:a16="http://schemas.microsoft.com/office/drawing/2014/main" id="{097E23C4-EF76-E201-4FDB-FE5AACA112F6}"/>
               </a:ext>
             </a:extLst>
           </p:cNvPr>
@@ -9385,16 +10029,16 @@
           <a:lstStyle/>
           <a:p>
             <a:pPr algn="ctr"/>
-            <a:endParaRPr lang="en-GB"/>
-          </a:p>
-        </p:txBody>
-      </p:sp>
-      <p:sp>
-        <p:nvSpPr>
-          <p:cNvPr id="2" name="Nadpis 1">
-            <a:extLst>
-              <a:ext uri="{FF2B5EF4-FFF2-40B4-BE49-F238E27FC236}">
-                <a16:creationId xmlns:a16="http://schemas.microsoft.com/office/drawing/2014/main" id="{D9AF3CC2-4CFB-28A4-DDA3-04D10EBB8BC5}"/>
+            <a:endParaRPr lang="en-GB" dirty="0"/>
+          </a:p>
+        </p:txBody>
+      </p:sp>
+      <p:sp>
+        <p:nvSpPr>
+          <p:cNvPr id="7" name="Nadpis 1">
+            <a:extLst>
+              <a:ext uri="{FF2B5EF4-FFF2-40B4-BE49-F238E27FC236}">
+                <a16:creationId xmlns:a16="http://schemas.microsoft.com/office/drawing/2014/main" id="{F1BC26BA-F977-C661-41D1-E0086FC5E47C}"/>
               </a:ext>
             </a:extLst>
           </p:cNvPr>
@@ -9407,7 +10051,7 @@
         </p:nvSpPr>
         <p:spPr>
           <a:xfrm>
-            <a:off x="0" y="-2"/>
+            <a:off x="0" y="0"/>
             <a:ext cx="10515600" cy="1325563"/>
           </a:xfrm>
         </p:spPr>
@@ -9421,7 +10065,7 @@
                   <a:srgbClr val="FF0000"/>
                 </a:solidFill>
               </a:rPr>
-              <a:t>OBSAH</a:t>
+              <a:t>Proces testování</a:t>
             </a:r>
             <a:endParaRPr lang="en-GB" dirty="0">
               <a:solidFill>
@@ -9431,119 +10075,12 @@
           </a:p>
         </p:txBody>
       </p:sp>
-      <p:sp>
-        <p:nvSpPr>
-          <p:cNvPr id="3" name="Zástupný obsah 2">
-            <a:extLst>
-              <a:ext uri="{FF2B5EF4-FFF2-40B4-BE49-F238E27FC236}">
-                <a16:creationId xmlns:a16="http://schemas.microsoft.com/office/drawing/2014/main" id="{D4501A3E-9FD8-3D2D-03F5-FF97516784B2}"/>
-              </a:ext>
-            </a:extLst>
-          </p:cNvPr>
-          <p:cNvSpPr>
-            <a:spLocks noGrp="1"/>
-          </p:cNvSpPr>
-          <p:nvPr>
-            <p:ph idx="1"/>
-          </p:nvPr>
-        </p:nvSpPr>
-        <p:spPr>
-          <a:xfrm>
-            <a:off x="376109" y="1665286"/>
-            <a:ext cx="10515600" cy="4351338"/>
-          </a:xfrm>
-        </p:spPr>
-        <p:txBody>
-          <a:bodyPr/>
-          <a:lstStyle/>
-          <a:p>
-            <a:r>
-              <a:rPr lang="cs-CZ" dirty="0"/>
-              <a:t>Popis projektu</a:t>
-            </a:r>
-          </a:p>
-          <a:p>
-            <a:r>
-              <a:rPr lang="cs-CZ" dirty="0"/>
-              <a:t>Cíle projektu</a:t>
-            </a:r>
-          </a:p>
-          <a:p>
-            <a:r>
-              <a:rPr lang="cs-CZ" dirty="0"/>
-              <a:t>Klíčové funkce</a:t>
-            </a:r>
-          </a:p>
-          <a:p>
-            <a:r>
-              <a:rPr lang="cs-CZ" dirty="0"/>
-              <a:t>Architektura</a:t>
-            </a:r>
-          </a:p>
-          <a:p>
-            <a:r>
-              <a:rPr lang="cs-CZ" dirty="0"/>
-              <a:t>Bezpečnostní model</a:t>
-            </a:r>
-          </a:p>
-          <a:p>
-            <a:r>
-              <a:rPr lang="cs-CZ" dirty="0"/>
-              <a:t>Implementace</a:t>
-            </a:r>
-          </a:p>
-          <a:p>
-            <a:r>
-              <a:rPr lang="cs-CZ" dirty="0"/>
-              <a:t>Datové toky a komunikace</a:t>
-            </a:r>
-          </a:p>
-          <a:p>
-            <a:r>
-              <a:rPr lang="cs-CZ" dirty="0"/>
-              <a:t>Popis a ukázka samotné aplikace</a:t>
-            </a:r>
-          </a:p>
-          <a:p>
-            <a:endParaRPr lang="en-GB" dirty="0"/>
-          </a:p>
-        </p:txBody>
-      </p:sp>
-      <p:sp>
-        <p:nvSpPr>
-          <p:cNvPr id="4" name="Zástupný symbol pro číslo snímku 3">
-            <a:extLst>
-              <a:ext uri="{FF2B5EF4-FFF2-40B4-BE49-F238E27FC236}">
-                <a16:creationId xmlns:a16="http://schemas.microsoft.com/office/drawing/2014/main" id="{3A8AB913-2710-BF92-C629-B5E9CA8A442B}"/>
-              </a:ext>
-            </a:extLst>
-          </p:cNvPr>
-          <p:cNvSpPr>
-            <a:spLocks noGrp="1"/>
-          </p:cNvSpPr>
-          <p:nvPr>
-            <p:ph type="sldNum" sz="quarter" idx="12"/>
-          </p:nvPr>
-        </p:nvSpPr>
-        <p:spPr/>
-        <p:txBody>
-          <a:bodyPr/>
-          <a:lstStyle/>
-          <a:p>
-            <a:fld id="{2396986B-09E1-422F-9D6D-F3432B0D2D09}" type="slidenum">
-              <a:rPr lang="en-GB" smtClean="0"/>
-              <a:t>2</a:t>
-            </a:fld>
-            <a:endParaRPr lang="en-GB"/>
-          </a:p>
-        </p:txBody>
-      </p:sp>
       <p:pic>
         <p:nvPicPr>
-          <p:cNvPr id="6" name="Obrázek 5">
-            <a:extLst>
-              <a:ext uri="{FF2B5EF4-FFF2-40B4-BE49-F238E27FC236}">
-                <a16:creationId xmlns:a16="http://schemas.microsoft.com/office/drawing/2014/main" id="{C7C244FB-33ED-3125-D602-1497A397DE7B}"/>
+          <p:cNvPr id="8" name="Obrázek 7">
+            <a:extLst>
+              <a:ext uri="{FF2B5EF4-FFF2-40B4-BE49-F238E27FC236}">
+                <a16:creationId xmlns:a16="http://schemas.microsoft.com/office/drawing/2014/main" id="{64702623-CB72-E66B-54EC-1B1773F6CD4E}"/>
               </a:ext>
             </a:extLst>
           </p:cNvPr>
@@ -9570,10 +10107,10 @@
       </p:pic>
       <p:sp>
         <p:nvSpPr>
-          <p:cNvPr id="7" name="Obdélník 6">
-            <a:extLst>
-              <a:ext uri="{FF2B5EF4-FFF2-40B4-BE49-F238E27FC236}">
-                <a16:creationId xmlns:a16="http://schemas.microsoft.com/office/drawing/2014/main" id="{957EB5CA-2910-AFC9-FB4A-E53911462726}"/>
+          <p:cNvPr id="9" name="Obdélník 8">
+            <a:extLst>
+              <a:ext uri="{FF2B5EF4-FFF2-40B4-BE49-F238E27FC236}">
+                <a16:creationId xmlns:a16="http://schemas.microsoft.com/office/drawing/2014/main" id="{C8DBE1D7-2AF6-E7F2-FF19-67BF596A8BC7}"/>
               </a:ext>
             </a:extLst>
           </p:cNvPr>
@@ -9623,7 +10160,7 @@
     </p:spTree>
     <p:extLst>
       <p:ext uri="{BB962C8B-B14F-4D97-AF65-F5344CB8AC3E}">
-        <p14:creationId xmlns:p14="http://schemas.microsoft.com/office/powerpoint/2010/main" val="660583943"/>
+        <p14:creationId xmlns:p14="http://schemas.microsoft.com/office/powerpoint/2010/main" val="1479531615"/>
       </p:ext>
     </p:extLst>
   </p:cSld>
@@ -9633,7 +10170,7 @@
 </p:sld>
 </file>
 
-<file path=ppt/slides/slide20.xml><?xml version="1.0" encoding="utf-8"?>
+<file path=ppt/slides/slide2.xml><?xml version="1.0" encoding="utf-8"?>
 <p:sld xmlns:a="http://schemas.openxmlformats.org/drawingml/2006/main" xmlns:r="http://schemas.openxmlformats.org/officeDocument/2006/relationships" xmlns:p="http://schemas.openxmlformats.org/presentationml/2006/main">
   <p:cSld>
     <p:spTree>
@@ -9652,1058 +10189,10 @@
       </p:grpSpPr>
       <p:sp>
         <p:nvSpPr>
-          <p:cNvPr id="3" name="Zástupný obsah 2">
-            <a:extLst>
-              <a:ext uri="{FF2B5EF4-FFF2-40B4-BE49-F238E27FC236}">
-                <a16:creationId xmlns:a16="http://schemas.microsoft.com/office/drawing/2014/main" id="{88DB3F59-4AE7-3EA8-8BB2-8355273AEE18}"/>
-              </a:ext>
-            </a:extLst>
-          </p:cNvPr>
-          <p:cNvSpPr>
-            <a:spLocks noGrp="1"/>
-          </p:cNvSpPr>
-          <p:nvPr>
-            <p:ph sz="half" idx="1"/>
-          </p:nvPr>
-        </p:nvSpPr>
-        <p:spPr>
-          <a:xfrm>
-            <a:off x="838200" y="1825625"/>
-            <a:ext cx="10938164" cy="4351338"/>
-          </a:xfrm>
-        </p:spPr>
-        <p:txBody>
-          <a:bodyPr>
-            <a:normAutofit fontScale="70000" lnSpcReduction="20000"/>
-          </a:bodyPr>
-          <a:lstStyle/>
-          <a:p>
-            <a:pPr marL="514350" indent="-514350">
-              <a:buFont typeface="+mj-lt"/>
-              <a:buAutoNum type="arabicPeriod"/>
-            </a:pPr>
-            <a:r>
-              <a:rPr lang="cs-CZ" b="0" i="0" dirty="0">
-                <a:solidFill>
-                  <a:srgbClr val="030712"/>
-                </a:solidFill>
-                <a:effectLst/>
-                <a:latin typeface="ui-sans-serif"/>
-              </a:rPr>
-              <a:t>V</a:t>
-            </a:r>
-            <a:r>
-              <a:rPr lang="en-GB" b="0" i="0" dirty="0" err="1">
-                <a:solidFill>
-                  <a:srgbClr val="030712"/>
-                </a:solidFill>
-                <a:effectLst/>
-                <a:latin typeface="ui-sans-serif"/>
-              </a:rPr>
-              <a:t>ytvoření</a:t>
-            </a:r>
-            <a:r>
-              <a:rPr lang="en-GB" b="0" i="0" dirty="0">
-                <a:solidFill>
-                  <a:srgbClr val="030712"/>
-                </a:solidFill>
-                <a:effectLst/>
-                <a:latin typeface="ui-sans-serif"/>
-              </a:rPr>
-              <a:t> </a:t>
-            </a:r>
-            <a:r>
-              <a:rPr lang="en-GB" b="0" i="0" dirty="0" err="1">
-                <a:solidFill>
-                  <a:srgbClr val="030712"/>
-                </a:solidFill>
-                <a:effectLst/>
-                <a:latin typeface="ui-sans-serif"/>
-              </a:rPr>
-              <a:t>dvou</a:t>
-            </a:r>
-            <a:r>
-              <a:rPr lang="en-GB" b="0" i="0" dirty="0">
-                <a:solidFill>
-                  <a:srgbClr val="030712"/>
-                </a:solidFill>
-                <a:effectLst/>
-                <a:latin typeface="ui-sans-serif"/>
-              </a:rPr>
-              <a:t> </a:t>
-            </a:r>
-            <a:r>
-              <a:rPr lang="en-GB" b="0" i="0" dirty="0" err="1">
-                <a:solidFill>
-                  <a:srgbClr val="030712"/>
-                </a:solidFill>
-                <a:effectLst/>
-                <a:latin typeface="ui-sans-serif"/>
-              </a:rPr>
-              <a:t>testovacích</a:t>
-            </a:r>
-            <a:r>
-              <a:rPr lang="en-GB" b="0" i="0" dirty="0">
-                <a:solidFill>
-                  <a:srgbClr val="030712"/>
-                </a:solidFill>
-                <a:effectLst/>
-                <a:latin typeface="ui-sans-serif"/>
-              </a:rPr>
-              <a:t> </a:t>
-            </a:r>
-            <a:r>
-              <a:rPr lang="en-GB" b="0" i="0" dirty="0" err="1">
-                <a:solidFill>
-                  <a:srgbClr val="030712"/>
-                </a:solidFill>
-                <a:effectLst/>
-                <a:latin typeface="ui-sans-serif"/>
-              </a:rPr>
-              <a:t>uzlů</a:t>
-            </a:r>
-            <a:r>
-              <a:rPr lang="en-GB" b="0" i="0" dirty="0">
-                <a:solidFill>
-                  <a:srgbClr val="030712"/>
-                </a:solidFill>
-                <a:effectLst/>
-                <a:latin typeface="ui-sans-serif"/>
-              </a:rPr>
-              <a:t> (server a </a:t>
-            </a:r>
-            <a:r>
-              <a:rPr lang="en-GB" b="0" i="0" dirty="0" err="1">
-                <a:solidFill>
-                  <a:srgbClr val="030712"/>
-                </a:solidFill>
-                <a:effectLst/>
-                <a:latin typeface="ui-sans-serif"/>
-              </a:rPr>
-              <a:t>klient</a:t>
-            </a:r>
-            <a:r>
-              <a:rPr lang="en-GB" b="0" i="0" dirty="0">
-                <a:solidFill>
-                  <a:srgbClr val="030712"/>
-                </a:solidFill>
-                <a:effectLst/>
-                <a:latin typeface="ui-sans-serif"/>
-              </a:rPr>
-              <a:t>)</a:t>
-            </a:r>
-            <a:endParaRPr lang="cs-CZ" b="0" i="0" dirty="0">
-              <a:solidFill>
-                <a:srgbClr val="030712"/>
-              </a:solidFill>
-              <a:effectLst/>
-              <a:latin typeface="ui-sans-serif"/>
-            </a:endParaRPr>
-          </a:p>
-          <a:p>
-            <a:pPr marL="514350" indent="-514350">
-              <a:spcBef>
-                <a:spcPts val="900"/>
-              </a:spcBef>
-              <a:buFont typeface="+mj-lt"/>
-              <a:buAutoNum type="arabicPeriod"/>
-            </a:pPr>
-            <a:r>
-              <a:rPr lang="en-GB" b="0" i="0" dirty="0" err="1">
-                <a:solidFill>
-                  <a:srgbClr val="030712"/>
-                </a:solidFill>
-                <a:effectLst/>
-                <a:latin typeface="ui-sans-serif"/>
-              </a:rPr>
-              <a:t>Testování</a:t>
-            </a:r>
-            <a:r>
-              <a:rPr lang="en-GB" b="0" i="0" dirty="0">
-                <a:solidFill>
-                  <a:srgbClr val="030712"/>
-                </a:solidFill>
-                <a:effectLst/>
-                <a:latin typeface="ui-sans-serif"/>
-              </a:rPr>
-              <a:t> </a:t>
-            </a:r>
-            <a:r>
-              <a:rPr lang="en-GB" b="0" i="0" dirty="0" err="1">
-                <a:solidFill>
-                  <a:srgbClr val="030712"/>
-                </a:solidFill>
-                <a:effectLst/>
-                <a:latin typeface="ui-sans-serif"/>
-              </a:rPr>
-              <a:t>všech</a:t>
-            </a:r>
-            <a:r>
-              <a:rPr lang="en-GB" b="0" i="0" dirty="0">
-                <a:solidFill>
-                  <a:srgbClr val="030712"/>
-                </a:solidFill>
-                <a:effectLst/>
-                <a:latin typeface="ui-sans-serif"/>
-              </a:rPr>
-              <a:t> 108 </a:t>
-            </a:r>
-            <a:r>
-              <a:rPr lang="en-GB" b="0" i="0" dirty="0" err="1">
-                <a:solidFill>
-                  <a:srgbClr val="030712"/>
-                </a:solidFill>
-                <a:effectLst/>
-                <a:latin typeface="ui-sans-serif"/>
-              </a:rPr>
-              <a:t>kombinací</a:t>
-            </a:r>
-            <a:r>
-              <a:rPr lang="en-GB" b="0" i="0" dirty="0">
-                <a:solidFill>
-                  <a:srgbClr val="030712"/>
-                </a:solidFill>
-                <a:effectLst/>
-                <a:latin typeface="ui-sans-serif"/>
-              </a:rPr>
-              <a:t> </a:t>
-            </a:r>
-            <a:r>
-              <a:rPr lang="en-GB" b="0" i="0" dirty="0" err="1">
-                <a:solidFill>
-                  <a:srgbClr val="030712"/>
-                </a:solidFill>
-                <a:effectLst/>
-                <a:latin typeface="ui-sans-serif"/>
-              </a:rPr>
-              <a:t>kryptografických</a:t>
-            </a:r>
-            <a:r>
-              <a:rPr lang="en-GB" b="0" i="0" dirty="0">
-                <a:solidFill>
-                  <a:srgbClr val="030712"/>
-                </a:solidFill>
-                <a:effectLst/>
-                <a:latin typeface="ui-sans-serif"/>
-              </a:rPr>
-              <a:t> </a:t>
-            </a:r>
-            <a:r>
-              <a:rPr lang="en-GB" b="0" i="0" dirty="0" err="1">
-                <a:solidFill>
-                  <a:srgbClr val="030712"/>
-                </a:solidFill>
-                <a:effectLst/>
-                <a:latin typeface="ui-sans-serif"/>
-              </a:rPr>
-              <a:t>algoritmů</a:t>
-            </a:r>
-            <a:r>
-              <a:rPr lang="en-GB" b="0" i="0" dirty="0">
-                <a:solidFill>
-                  <a:srgbClr val="030712"/>
-                </a:solidFill>
-                <a:effectLst/>
-                <a:latin typeface="ui-sans-serif"/>
-              </a:rPr>
-              <a:t>:</a:t>
-            </a:r>
-            <a:endParaRPr lang="cs-CZ" dirty="0">
-              <a:solidFill>
-                <a:srgbClr val="030712"/>
-              </a:solidFill>
-              <a:latin typeface="ui-sans-serif"/>
-            </a:endParaRPr>
-          </a:p>
-          <a:p>
-            <a:pPr lvl="1">
-              <a:spcBef>
-                <a:spcPts val="900"/>
-              </a:spcBef>
-            </a:pPr>
-            <a:r>
-              <a:rPr lang="en-GB" b="0" i="0" dirty="0">
-                <a:solidFill>
-                  <a:srgbClr val="030712"/>
-                </a:solidFill>
-                <a:effectLst/>
-                <a:latin typeface="ui-sans-serif"/>
-              </a:rPr>
-              <a:t>9 variant </a:t>
-            </a:r>
-            <a:r>
-              <a:rPr lang="en-GB" b="0" i="0" dirty="0" err="1">
-                <a:solidFill>
-                  <a:srgbClr val="030712"/>
-                </a:solidFill>
-                <a:effectLst/>
-                <a:latin typeface="ui-sans-serif"/>
-              </a:rPr>
-              <a:t>výměny</a:t>
-            </a:r>
-            <a:r>
-              <a:rPr lang="en-GB" b="0" i="0" dirty="0">
-                <a:solidFill>
-                  <a:srgbClr val="030712"/>
-                </a:solidFill>
-                <a:effectLst/>
-                <a:latin typeface="ui-sans-serif"/>
-              </a:rPr>
-              <a:t> </a:t>
-            </a:r>
-            <a:r>
-              <a:rPr lang="en-GB" b="0" i="0" dirty="0" err="1">
-                <a:solidFill>
-                  <a:srgbClr val="030712"/>
-                </a:solidFill>
-                <a:effectLst/>
-                <a:latin typeface="ui-sans-serif"/>
-              </a:rPr>
-              <a:t>klíčů</a:t>
-            </a:r>
-            <a:r>
-              <a:rPr lang="en-GB" b="0" i="0" dirty="0">
-                <a:solidFill>
-                  <a:srgbClr val="030712"/>
-                </a:solidFill>
-                <a:effectLst/>
-                <a:latin typeface="ui-sans-serif"/>
-              </a:rPr>
-              <a:t> × 2 </a:t>
-            </a:r>
-            <a:r>
-              <a:rPr lang="en-GB" b="0" i="0" dirty="0" err="1">
-                <a:solidFill>
-                  <a:srgbClr val="030712"/>
-                </a:solidFill>
-                <a:effectLst/>
-                <a:latin typeface="ui-sans-serif"/>
-              </a:rPr>
-              <a:t>symetrické</a:t>
-            </a:r>
-            <a:r>
-              <a:rPr lang="en-GB" b="0" i="0" dirty="0">
-                <a:solidFill>
-                  <a:srgbClr val="030712"/>
-                </a:solidFill>
-                <a:effectLst/>
-                <a:latin typeface="ui-sans-serif"/>
-              </a:rPr>
-              <a:t> </a:t>
-            </a:r>
-            <a:r>
-              <a:rPr lang="en-GB" b="0" i="0" dirty="0" err="1">
-                <a:solidFill>
-                  <a:srgbClr val="030712"/>
-                </a:solidFill>
-                <a:effectLst/>
-                <a:latin typeface="ui-sans-serif"/>
-              </a:rPr>
-              <a:t>algoritmy</a:t>
-            </a:r>
-            <a:r>
-              <a:rPr lang="en-GB" b="0" i="0" dirty="0">
-                <a:solidFill>
-                  <a:srgbClr val="030712"/>
-                </a:solidFill>
-                <a:effectLst/>
-                <a:latin typeface="ui-sans-serif"/>
-              </a:rPr>
-              <a:t> × 6 </a:t>
-            </a:r>
-            <a:r>
-              <a:rPr lang="en-GB" b="0" i="0" dirty="0" err="1">
-                <a:solidFill>
-                  <a:srgbClr val="030712"/>
-                </a:solidFill>
-                <a:effectLst/>
-                <a:latin typeface="ui-sans-serif"/>
-              </a:rPr>
-              <a:t>algoritmů</a:t>
-            </a:r>
-            <a:r>
-              <a:rPr lang="en-GB" b="0" i="0" dirty="0">
-                <a:solidFill>
-                  <a:srgbClr val="030712"/>
-                </a:solidFill>
-                <a:effectLst/>
-                <a:latin typeface="ui-sans-serif"/>
-              </a:rPr>
-              <a:t> </a:t>
-            </a:r>
-            <a:r>
-              <a:rPr lang="en-GB" b="0" i="0" dirty="0" err="1">
-                <a:solidFill>
-                  <a:srgbClr val="030712"/>
-                </a:solidFill>
-                <a:effectLst/>
-                <a:latin typeface="ui-sans-serif"/>
-              </a:rPr>
-              <a:t>podpisu</a:t>
-            </a:r>
-            <a:endParaRPr lang="cs-CZ" dirty="0">
-              <a:solidFill>
-                <a:srgbClr val="030712"/>
-              </a:solidFill>
-              <a:latin typeface="ui-sans-serif"/>
-            </a:endParaRPr>
-          </a:p>
-          <a:p>
-            <a:pPr marL="514350" indent="-514350">
-              <a:spcBef>
-                <a:spcPts val="900"/>
-              </a:spcBef>
-              <a:buFont typeface="+mj-lt"/>
-              <a:buAutoNum type="arabicPeriod"/>
-            </a:pPr>
-            <a:r>
-              <a:rPr lang="en-GB" b="0" i="0" dirty="0">
-                <a:solidFill>
-                  <a:srgbClr val="030712"/>
-                </a:solidFill>
-                <a:effectLst/>
-                <a:latin typeface="ui-sans-serif"/>
-              </a:rPr>
-              <a:t>Pro </a:t>
-            </a:r>
-            <a:r>
-              <a:rPr lang="en-GB" b="0" i="0" dirty="0" err="1">
-                <a:solidFill>
-                  <a:srgbClr val="030712"/>
-                </a:solidFill>
-                <a:effectLst/>
-                <a:latin typeface="ui-sans-serif"/>
-              </a:rPr>
-              <a:t>každou</a:t>
-            </a:r>
-            <a:r>
-              <a:rPr lang="en-GB" b="0" i="0" dirty="0">
-                <a:solidFill>
-                  <a:srgbClr val="030712"/>
-                </a:solidFill>
-                <a:effectLst/>
-                <a:latin typeface="ui-sans-serif"/>
-              </a:rPr>
-              <a:t> </a:t>
-            </a:r>
-            <a:r>
-              <a:rPr lang="en-GB" b="0" i="0" dirty="0" err="1">
-                <a:solidFill>
-                  <a:srgbClr val="030712"/>
-                </a:solidFill>
-                <a:effectLst/>
-                <a:latin typeface="ui-sans-serif"/>
-              </a:rPr>
-              <a:t>kombinaci</a:t>
-            </a:r>
-            <a:r>
-              <a:rPr lang="en-GB" b="0" i="0" dirty="0">
-                <a:solidFill>
-                  <a:srgbClr val="030712"/>
-                </a:solidFill>
-                <a:effectLst/>
-                <a:latin typeface="ui-sans-serif"/>
-              </a:rPr>
-              <a:t> </a:t>
-            </a:r>
-            <a:r>
-              <a:rPr lang="en-GB" b="0" i="0" dirty="0" err="1">
-                <a:solidFill>
-                  <a:srgbClr val="030712"/>
-                </a:solidFill>
-                <a:effectLst/>
-                <a:latin typeface="ui-sans-serif"/>
-              </a:rPr>
-              <a:t>testuje</a:t>
-            </a:r>
-            <a:r>
-              <a:rPr lang="en-GB" b="0" i="0" dirty="0">
-                <a:solidFill>
-                  <a:srgbClr val="030712"/>
-                </a:solidFill>
-                <a:effectLst/>
-                <a:latin typeface="ui-sans-serif"/>
-              </a:rPr>
-              <a:t>:</a:t>
-            </a:r>
-          </a:p>
-          <a:p>
-            <a:pPr lvl="1">
-              <a:spcBef>
-                <a:spcPts val="900"/>
-              </a:spcBef>
-            </a:pPr>
-            <a:r>
-              <a:rPr lang="en-GB" b="0" i="0" dirty="0" err="1">
-                <a:solidFill>
-                  <a:srgbClr val="030712"/>
-                </a:solidFill>
-                <a:effectLst/>
-                <a:latin typeface="ui-sans-serif"/>
-              </a:rPr>
-              <a:t>Navázání</a:t>
-            </a:r>
-            <a:r>
-              <a:rPr lang="en-GB" b="0" i="0" dirty="0">
-                <a:solidFill>
-                  <a:srgbClr val="030712"/>
-                </a:solidFill>
-                <a:effectLst/>
-                <a:latin typeface="ui-sans-serif"/>
-              </a:rPr>
-              <a:t> </a:t>
-            </a:r>
-            <a:r>
-              <a:rPr lang="en-GB" b="0" i="0" dirty="0" err="1">
-                <a:solidFill>
-                  <a:srgbClr val="030712"/>
-                </a:solidFill>
-                <a:effectLst/>
-                <a:latin typeface="ui-sans-serif"/>
-              </a:rPr>
-              <a:t>spojení</a:t>
-            </a:r>
-            <a:r>
-              <a:rPr lang="en-GB" b="0" i="0" dirty="0">
-                <a:solidFill>
-                  <a:srgbClr val="030712"/>
-                </a:solidFill>
-                <a:effectLst/>
-                <a:latin typeface="ui-sans-serif"/>
-              </a:rPr>
-              <a:t> </a:t>
-            </a:r>
-            <a:r>
-              <a:rPr lang="en-GB" b="0" i="0" dirty="0" err="1">
-                <a:solidFill>
-                  <a:srgbClr val="030712"/>
-                </a:solidFill>
-                <a:effectLst/>
-                <a:latin typeface="ui-sans-serif"/>
-              </a:rPr>
-              <a:t>mezi</a:t>
-            </a:r>
-            <a:r>
-              <a:rPr lang="en-GB" b="0" i="0" dirty="0">
-                <a:solidFill>
-                  <a:srgbClr val="030712"/>
-                </a:solidFill>
-                <a:effectLst/>
-                <a:latin typeface="ui-sans-serif"/>
-              </a:rPr>
-              <a:t> </a:t>
-            </a:r>
-            <a:r>
-              <a:rPr lang="en-GB" b="0" i="0" dirty="0" err="1">
-                <a:solidFill>
-                  <a:srgbClr val="030712"/>
-                </a:solidFill>
-                <a:effectLst/>
-                <a:latin typeface="ui-sans-serif"/>
-              </a:rPr>
-              <a:t>uzly</a:t>
-            </a:r>
-            <a:endParaRPr lang="en-GB" b="0" i="0" dirty="0">
-              <a:solidFill>
-                <a:srgbClr val="030712"/>
-              </a:solidFill>
-              <a:effectLst/>
-              <a:latin typeface="ui-sans-serif"/>
-            </a:endParaRPr>
-          </a:p>
-          <a:p>
-            <a:pPr lvl="1">
-              <a:spcBef>
-                <a:spcPts val="900"/>
-              </a:spcBef>
-            </a:pPr>
-            <a:r>
-              <a:rPr lang="en-GB" b="0" i="0" dirty="0" err="1">
-                <a:solidFill>
-                  <a:srgbClr val="030712"/>
-                </a:solidFill>
-                <a:effectLst/>
-                <a:latin typeface="ui-sans-serif"/>
-              </a:rPr>
-              <a:t>Výměnu</a:t>
-            </a:r>
-            <a:r>
-              <a:rPr lang="en-GB" b="0" i="0" dirty="0">
-                <a:solidFill>
-                  <a:srgbClr val="030712"/>
-                </a:solidFill>
-                <a:effectLst/>
-                <a:latin typeface="ui-sans-serif"/>
-              </a:rPr>
-              <a:t> </a:t>
-            </a:r>
-            <a:r>
-              <a:rPr lang="en-GB" b="0" i="0" dirty="0" err="1">
-                <a:solidFill>
-                  <a:srgbClr val="030712"/>
-                </a:solidFill>
-                <a:effectLst/>
-                <a:latin typeface="ui-sans-serif"/>
-              </a:rPr>
-              <a:t>klíčů</a:t>
-            </a:r>
-            <a:r>
-              <a:rPr lang="en-GB" b="0" i="0" dirty="0">
-                <a:solidFill>
-                  <a:srgbClr val="030712"/>
-                </a:solidFill>
-                <a:effectLst/>
-                <a:latin typeface="ui-sans-serif"/>
-              </a:rPr>
-              <a:t> a </a:t>
-            </a:r>
-            <a:r>
-              <a:rPr lang="en-GB" b="0" i="0" dirty="0" err="1">
-                <a:solidFill>
-                  <a:srgbClr val="030712"/>
-                </a:solidFill>
-                <a:effectLst/>
-                <a:latin typeface="ui-sans-serif"/>
-              </a:rPr>
-              <a:t>její</a:t>
-            </a:r>
-            <a:r>
-              <a:rPr lang="en-GB" b="0" i="0" dirty="0">
-                <a:solidFill>
-                  <a:srgbClr val="030712"/>
-                </a:solidFill>
-                <a:effectLst/>
-                <a:latin typeface="ui-sans-serif"/>
-              </a:rPr>
-              <a:t> </a:t>
-            </a:r>
-            <a:r>
-              <a:rPr lang="en-GB" b="0" i="0" dirty="0" err="1">
-                <a:solidFill>
-                  <a:srgbClr val="030712"/>
-                </a:solidFill>
-                <a:effectLst/>
-                <a:latin typeface="ui-sans-serif"/>
-              </a:rPr>
-              <a:t>rychlost</a:t>
-            </a:r>
-            <a:endParaRPr lang="en-GB" b="0" i="0" dirty="0">
-              <a:solidFill>
-                <a:srgbClr val="030712"/>
-              </a:solidFill>
-              <a:effectLst/>
-              <a:latin typeface="ui-sans-serif"/>
-            </a:endParaRPr>
-          </a:p>
-          <a:p>
-            <a:pPr lvl="1">
-              <a:spcBef>
-                <a:spcPts val="900"/>
-              </a:spcBef>
-            </a:pPr>
-            <a:r>
-              <a:rPr lang="en-GB" b="0" i="0" dirty="0" err="1">
-                <a:solidFill>
-                  <a:srgbClr val="030712"/>
-                </a:solidFill>
-                <a:effectLst/>
-                <a:latin typeface="ui-sans-serif"/>
-              </a:rPr>
-              <a:t>Základní</a:t>
-            </a:r>
-            <a:r>
-              <a:rPr lang="en-GB" b="0" i="0" dirty="0">
-                <a:solidFill>
-                  <a:srgbClr val="030712"/>
-                </a:solidFill>
-                <a:effectLst/>
-                <a:latin typeface="ui-sans-serif"/>
-              </a:rPr>
-              <a:t> </a:t>
-            </a:r>
-            <a:r>
-              <a:rPr lang="en-GB" b="0" i="0" dirty="0" err="1">
-                <a:solidFill>
-                  <a:srgbClr val="030712"/>
-                </a:solidFill>
-                <a:effectLst/>
-                <a:latin typeface="ui-sans-serif"/>
-              </a:rPr>
-              <a:t>zasílání</a:t>
-            </a:r>
-            <a:r>
-              <a:rPr lang="en-GB" b="0" i="0" dirty="0">
-                <a:solidFill>
-                  <a:srgbClr val="030712"/>
-                </a:solidFill>
-                <a:effectLst/>
-                <a:latin typeface="ui-sans-serif"/>
-              </a:rPr>
-              <a:t> </a:t>
-            </a:r>
-            <a:r>
-              <a:rPr lang="en-GB" b="0" i="0" dirty="0" err="1">
-                <a:solidFill>
-                  <a:srgbClr val="030712"/>
-                </a:solidFill>
-                <a:effectLst/>
-                <a:latin typeface="ui-sans-serif"/>
-              </a:rPr>
-              <a:t>zpráv</a:t>
-            </a:r>
-            <a:endParaRPr lang="en-GB" b="0" i="0" dirty="0">
-              <a:solidFill>
-                <a:srgbClr val="030712"/>
-              </a:solidFill>
-              <a:effectLst/>
-              <a:latin typeface="ui-sans-serif"/>
-            </a:endParaRPr>
-          </a:p>
-          <a:p>
-            <a:pPr lvl="1">
-              <a:spcBef>
-                <a:spcPts val="900"/>
-              </a:spcBef>
-            </a:pPr>
-            <a:r>
-              <a:rPr lang="en-GB" b="0" i="0" dirty="0" err="1">
-                <a:solidFill>
-                  <a:srgbClr val="030712"/>
-                </a:solidFill>
-                <a:effectLst/>
-                <a:latin typeface="ui-sans-serif"/>
-              </a:rPr>
-              <a:t>Přenos</a:t>
-            </a:r>
-            <a:r>
-              <a:rPr lang="en-GB" b="0" i="0" dirty="0">
-                <a:solidFill>
-                  <a:srgbClr val="030712"/>
-                </a:solidFill>
-                <a:effectLst/>
-                <a:latin typeface="ui-sans-serif"/>
-              </a:rPr>
-              <a:t> </a:t>
-            </a:r>
-            <a:r>
-              <a:rPr lang="en-GB" b="0" i="0" dirty="0" err="1">
-                <a:solidFill>
-                  <a:srgbClr val="030712"/>
-                </a:solidFill>
-                <a:effectLst/>
-                <a:latin typeface="ui-sans-serif"/>
-              </a:rPr>
-              <a:t>souborů</a:t>
-            </a:r>
-            <a:r>
-              <a:rPr lang="en-GB" b="0" i="0" dirty="0">
-                <a:solidFill>
-                  <a:srgbClr val="030712"/>
-                </a:solidFill>
-                <a:effectLst/>
-                <a:latin typeface="ui-sans-serif"/>
-              </a:rPr>
-              <a:t> </a:t>
-            </a:r>
-            <a:r>
-              <a:rPr lang="en-GB" b="0" i="0" dirty="0" err="1">
-                <a:solidFill>
-                  <a:srgbClr val="030712"/>
-                </a:solidFill>
-                <a:effectLst/>
-                <a:latin typeface="ui-sans-serif"/>
-              </a:rPr>
-              <a:t>různých</a:t>
-            </a:r>
-            <a:r>
-              <a:rPr lang="en-GB" b="0" i="0" dirty="0">
-                <a:solidFill>
-                  <a:srgbClr val="030712"/>
-                </a:solidFill>
-                <a:effectLst/>
-                <a:latin typeface="ui-sans-serif"/>
-              </a:rPr>
-              <a:t> </a:t>
-            </a:r>
-            <a:r>
-              <a:rPr lang="en-GB" b="0" i="0" dirty="0" err="1">
-                <a:solidFill>
-                  <a:srgbClr val="030712"/>
-                </a:solidFill>
-                <a:effectLst/>
-                <a:latin typeface="ui-sans-serif"/>
-              </a:rPr>
-              <a:t>velikostí</a:t>
-            </a:r>
-            <a:r>
-              <a:rPr lang="en-GB" b="0" i="0" dirty="0">
-                <a:solidFill>
-                  <a:srgbClr val="030712"/>
-                </a:solidFill>
-                <a:effectLst/>
-                <a:latin typeface="ui-sans-serif"/>
-              </a:rPr>
-              <a:t> (10 KB, 100 KB, 1 MB)</a:t>
-            </a:r>
-            <a:endParaRPr lang="cs-CZ" b="0" i="0" dirty="0">
-              <a:solidFill>
-                <a:srgbClr val="030712"/>
-              </a:solidFill>
-              <a:effectLst/>
-              <a:latin typeface="ui-sans-serif"/>
-            </a:endParaRPr>
-          </a:p>
-          <a:p>
-            <a:pPr marL="514350" indent="-514350">
-              <a:spcBef>
-                <a:spcPts val="900"/>
-              </a:spcBef>
-              <a:buFont typeface="+mj-lt"/>
-              <a:buAutoNum type="arabicPeriod"/>
-            </a:pPr>
-            <a:r>
-              <a:rPr lang="en-GB" b="0" i="0" dirty="0" err="1">
-                <a:solidFill>
-                  <a:srgbClr val="030712"/>
-                </a:solidFill>
-                <a:effectLst/>
-                <a:latin typeface="ui-sans-serif"/>
-              </a:rPr>
-              <a:t>Měření</a:t>
-            </a:r>
-            <a:r>
-              <a:rPr lang="en-GB" b="0" i="0" dirty="0">
-                <a:solidFill>
-                  <a:srgbClr val="030712"/>
-                </a:solidFill>
-                <a:effectLst/>
-                <a:latin typeface="ui-sans-serif"/>
-              </a:rPr>
-              <a:t> </a:t>
-            </a:r>
-            <a:r>
-              <a:rPr lang="en-GB" b="0" i="0" dirty="0" err="1">
-                <a:solidFill>
-                  <a:srgbClr val="030712"/>
-                </a:solidFill>
-                <a:effectLst/>
-                <a:latin typeface="ui-sans-serif"/>
-              </a:rPr>
-              <a:t>výkonnostních</a:t>
-            </a:r>
-            <a:r>
-              <a:rPr lang="en-GB" b="0" i="0" dirty="0">
-                <a:solidFill>
-                  <a:srgbClr val="030712"/>
-                </a:solidFill>
-                <a:effectLst/>
-                <a:latin typeface="ui-sans-serif"/>
-              </a:rPr>
-              <a:t> </a:t>
-            </a:r>
-            <a:r>
-              <a:rPr lang="en-GB" b="0" i="0" dirty="0" err="1">
-                <a:solidFill>
-                  <a:srgbClr val="030712"/>
-                </a:solidFill>
-                <a:effectLst/>
-                <a:latin typeface="ui-sans-serif"/>
-              </a:rPr>
-              <a:t>metrik</a:t>
-            </a:r>
-            <a:r>
-              <a:rPr lang="en-GB" b="0" i="0" dirty="0">
-                <a:solidFill>
-                  <a:srgbClr val="030712"/>
-                </a:solidFill>
-                <a:effectLst/>
-                <a:latin typeface="ui-sans-serif"/>
-              </a:rPr>
-              <a:t>:</a:t>
-            </a:r>
-          </a:p>
-          <a:p>
-            <a:pPr lvl="1">
-              <a:spcBef>
-                <a:spcPts val="900"/>
-              </a:spcBef>
-            </a:pPr>
-            <a:r>
-              <a:rPr lang="en-GB" b="0" i="0" dirty="0">
-                <a:solidFill>
-                  <a:srgbClr val="030712"/>
-                </a:solidFill>
-                <a:effectLst/>
-                <a:latin typeface="ui-sans-serif"/>
-              </a:rPr>
-              <a:t>Doba </a:t>
-            </a:r>
-            <a:r>
-              <a:rPr lang="en-GB" b="0" i="0" dirty="0" err="1">
-                <a:solidFill>
-                  <a:srgbClr val="030712"/>
-                </a:solidFill>
-                <a:effectLst/>
-                <a:latin typeface="ui-sans-serif"/>
-              </a:rPr>
-              <a:t>výměny</a:t>
-            </a:r>
-            <a:r>
-              <a:rPr lang="en-GB" b="0" i="0" dirty="0">
-                <a:solidFill>
-                  <a:srgbClr val="030712"/>
-                </a:solidFill>
-                <a:effectLst/>
-                <a:latin typeface="ui-sans-serif"/>
-              </a:rPr>
-              <a:t> </a:t>
-            </a:r>
-            <a:r>
-              <a:rPr lang="en-GB" b="0" i="0" dirty="0" err="1">
-                <a:solidFill>
-                  <a:srgbClr val="030712"/>
-                </a:solidFill>
-                <a:effectLst/>
-                <a:latin typeface="ui-sans-serif"/>
-              </a:rPr>
-              <a:t>klíčů</a:t>
-            </a:r>
-            <a:endParaRPr lang="en-GB" b="0" i="0" dirty="0">
-              <a:solidFill>
-                <a:srgbClr val="030712"/>
-              </a:solidFill>
-              <a:effectLst/>
-              <a:latin typeface="ui-sans-serif"/>
-            </a:endParaRPr>
-          </a:p>
-          <a:p>
-            <a:pPr lvl="1">
-              <a:spcBef>
-                <a:spcPts val="900"/>
-              </a:spcBef>
-            </a:pPr>
-            <a:r>
-              <a:rPr lang="en-GB" b="0" i="0" dirty="0" err="1">
-                <a:solidFill>
-                  <a:srgbClr val="030712"/>
-                </a:solidFill>
-                <a:effectLst/>
-                <a:latin typeface="ui-sans-serif"/>
-              </a:rPr>
-              <a:t>Rychlost</a:t>
-            </a:r>
-            <a:r>
-              <a:rPr lang="en-GB" b="0" i="0" dirty="0">
-                <a:solidFill>
-                  <a:srgbClr val="030712"/>
-                </a:solidFill>
-                <a:effectLst/>
-                <a:latin typeface="ui-sans-serif"/>
-              </a:rPr>
-              <a:t> </a:t>
-            </a:r>
-            <a:r>
-              <a:rPr lang="en-GB" b="0" i="0" dirty="0" err="1">
-                <a:solidFill>
-                  <a:srgbClr val="030712"/>
-                </a:solidFill>
-                <a:effectLst/>
-                <a:latin typeface="ui-sans-serif"/>
-              </a:rPr>
-              <a:t>přenosu</a:t>
-            </a:r>
-            <a:r>
-              <a:rPr lang="en-GB" b="0" i="0" dirty="0">
-                <a:solidFill>
-                  <a:srgbClr val="030712"/>
-                </a:solidFill>
-                <a:effectLst/>
-                <a:latin typeface="ui-sans-serif"/>
-              </a:rPr>
-              <a:t> </a:t>
-            </a:r>
-            <a:r>
-              <a:rPr lang="en-GB" b="0" i="0" dirty="0" err="1">
-                <a:solidFill>
-                  <a:srgbClr val="030712"/>
-                </a:solidFill>
-                <a:effectLst/>
-                <a:latin typeface="ui-sans-serif"/>
-              </a:rPr>
-              <a:t>souborů</a:t>
-            </a:r>
-            <a:r>
-              <a:rPr lang="en-GB" b="0" i="0" dirty="0">
-                <a:solidFill>
-                  <a:srgbClr val="030712"/>
-                </a:solidFill>
-                <a:effectLst/>
-                <a:latin typeface="ui-sans-serif"/>
-              </a:rPr>
-              <a:t> (KB/s)</a:t>
-            </a:r>
-          </a:p>
-          <a:p>
-            <a:pPr marL="457200" lvl="1" indent="0" algn="l">
-              <a:spcBef>
-                <a:spcPts val="900"/>
-              </a:spcBef>
-              <a:buNone/>
-            </a:pPr>
-            <a:endParaRPr lang="en-GB" b="0" i="0" dirty="0">
-              <a:solidFill>
-                <a:srgbClr val="030712"/>
-              </a:solidFill>
-              <a:effectLst/>
-              <a:latin typeface="ui-sans-serif"/>
-            </a:endParaRPr>
-          </a:p>
-          <a:p>
-            <a:pPr>
-              <a:buNone/>
-            </a:pPr>
-            <a:br>
-              <a:rPr lang="en-GB" dirty="0"/>
-            </a:br>
-            <a:endParaRPr lang="en-GB" dirty="0"/>
-          </a:p>
-        </p:txBody>
-      </p:sp>
-      <p:sp>
-        <p:nvSpPr>
-          <p:cNvPr id="5" name="Zástupný symbol pro číslo snímku 4">
-            <a:extLst>
-              <a:ext uri="{FF2B5EF4-FFF2-40B4-BE49-F238E27FC236}">
-                <a16:creationId xmlns:a16="http://schemas.microsoft.com/office/drawing/2014/main" id="{694B6C75-9502-86C0-133C-042576FA96BA}"/>
-              </a:ext>
-            </a:extLst>
-          </p:cNvPr>
-          <p:cNvSpPr>
-            <a:spLocks noGrp="1"/>
-          </p:cNvSpPr>
-          <p:nvPr>
-            <p:ph type="sldNum" sz="quarter" idx="12"/>
-          </p:nvPr>
-        </p:nvSpPr>
-        <p:spPr/>
-        <p:txBody>
-          <a:bodyPr/>
-          <a:lstStyle/>
-          <a:p>
-            <a:fld id="{2396986B-09E1-422F-9D6D-F3432B0D2D09}" type="slidenum">
-              <a:rPr lang="en-GB" smtClean="0"/>
-              <a:t>20</a:t>
-            </a:fld>
-            <a:endParaRPr lang="en-GB"/>
-          </a:p>
-        </p:txBody>
-      </p:sp>
-      <p:sp>
-        <p:nvSpPr>
-          <p:cNvPr id="6" name="Obdélník 5">
-            <a:extLst>
-              <a:ext uri="{FF2B5EF4-FFF2-40B4-BE49-F238E27FC236}">
-                <a16:creationId xmlns:a16="http://schemas.microsoft.com/office/drawing/2014/main" id="{097E23C4-EF76-E201-4FDB-FE5AACA112F6}"/>
+          <p:cNvPr id="5" name="Obdélník 4">
+            <a:extLst>
+              <a:ext uri="{FF2B5EF4-FFF2-40B4-BE49-F238E27FC236}">
+                <a16:creationId xmlns:a16="http://schemas.microsoft.com/office/drawing/2014/main" id="{C7CB94EB-D1D3-2704-6E65-6FC4D559AE01}"/>
               </a:ext>
             </a:extLst>
           </p:cNvPr>
@@ -10746,16 +10235,16 @@
           <a:lstStyle/>
           <a:p>
             <a:pPr algn="ctr"/>
-            <a:endParaRPr lang="en-GB" dirty="0"/>
-          </a:p>
-        </p:txBody>
-      </p:sp>
-      <p:sp>
-        <p:nvSpPr>
-          <p:cNvPr id="7" name="Nadpis 1">
-            <a:extLst>
-              <a:ext uri="{FF2B5EF4-FFF2-40B4-BE49-F238E27FC236}">
-                <a16:creationId xmlns:a16="http://schemas.microsoft.com/office/drawing/2014/main" id="{F1BC26BA-F977-C661-41D1-E0086FC5E47C}"/>
+            <a:endParaRPr lang="en-GB"/>
+          </a:p>
+        </p:txBody>
+      </p:sp>
+      <p:sp>
+        <p:nvSpPr>
+          <p:cNvPr id="2" name="Nadpis 1">
+            <a:extLst>
+              <a:ext uri="{FF2B5EF4-FFF2-40B4-BE49-F238E27FC236}">
+                <a16:creationId xmlns:a16="http://schemas.microsoft.com/office/drawing/2014/main" id="{D9AF3CC2-4CFB-28A4-DDA3-04D10EBB8BC5}"/>
               </a:ext>
             </a:extLst>
           </p:cNvPr>
@@ -10768,7 +10257,7 @@
         </p:nvSpPr>
         <p:spPr>
           <a:xfrm>
-            <a:off x="0" y="0"/>
+            <a:off x="0" y="-2"/>
             <a:ext cx="10515600" cy="1325563"/>
           </a:xfrm>
         </p:spPr>
@@ -10782,7 +10271,7 @@
                   <a:srgbClr val="FF0000"/>
                 </a:solidFill>
               </a:rPr>
-              <a:t>Proces testování</a:t>
+              <a:t>OBSAH</a:t>
             </a:r>
             <a:endParaRPr lang="en-GB" dirty="0">
               <a:solidFill>
@@ -10792,12 +10281,133 @@
           </a:p>
         </p:txBody>
       </p:sp>
+      <p:sp>
+        <p:nvSpPr>
+          <p:cNvPr id="3" name="Zástupný obsah 2">
+            <a:extLst>
+              <a:ext uri="{FF2B5EF4-FFF2-40B4-BE49-F238E27FC236}">
+                <a16:creationId xmlns:a16="http://schemas.microsoft.com/office/drawing/2014/main" id="{D4501A3E-9FD8-3D2D-03F5-FF97516784B2}"/>
+              </a:ext>
+            </a:extLst>
+          </p:cNvPr>
+          <p:cNvSpPr>
+            <a:spLocks noGrp="1"/>
+          </p:cNvSpPr>
+          <p:nvPr>
+            <p:ph idx="1"/>
+          </p:nvPr>
+        </p:nvSpPr>
+        <p:spPr>
+          <a:xfrm>
+            <a:off x="376109" y="1665286"/>
+            <a:ext cx="10515600" cy="4351338"/>
+          </a:xfrm>
+        </p:spPr>
+        <p:txBody>
+          <a:bodyPr>
+            <a:normAutofit fontScale="92500" lnSpcReduction="20000"/>
+          </a:bodyPr>
+          <a:lstStyle/>
+          <a:p>
+            <a:r>
+              <a:rPr lang="cs-CZ" dirty="0"/>
+              <a:t>Popis projektu</a:t>
+            </a:r>
+          </a:p>
+          <a:p>
+            <a:r>
+              <a:rPr lang="cs-CZ" dirty="0"/>
+              <a:t>Cíle projektu</a:t>
+            </a:r>
+          </a:p>
+          <a:p>
+            <a:r>
+              <a:rPr lang="cs-CZ" dirty="0"/>
+              <a:t>Klíčové funkce</a:t>
+            </a:r>
+          </a:p>
+          <a:p>
+            <a:r>
+              <a:rPr lang="cs-CZ" dirty="0"/>
+              <a:t>Architektura</a:t>
+            </a:r>
+          </a:p>
+          <a:p>
+            <a:r>
+              <a:rPr lang="cs-CZ" dirty="0"/>
+              <a:t>Bezpečnostní model</a:t>
+            </a:r>
+          </a:p>
+          <a:p>
+            <a:r>
+              <a:rPr lang="cs-CZ" dirty="0"/>
+              <a:t>Implementace</a:t>
+            </a:r>
+          </a:p>
+          <a:p>
+            <a:r>
+              <a:rPr lang="cs-CZ" dirty="0"/>
+              <a:t>Datové toky a komunikace</a:t>
+            </a:r>
+          </a:p>
+          <a:p>
+            <a:r>
+              <a:rPr lang="cs-CZ" dirty="0"/>
+              <a:t>Rozhraní aplikace</a:t>
+            </a:r>
+          </a:p>
+          <a:p>
+            <a:r>
+              <a:rPr lang="cs-CZ" dirty="0"/>
+              <a:t>Testování</a:t>
+            </a:r>
+          </a:p>
+          <a:p>
+            <a:r>
+              <a:rPr lang="cs-CZ" dirty="0"/>
+              <a:t>Popis a ukázka samotné aplikace</a:t>
+            </a:r>
+          </a:p>
+          <a:p>
+            <a:endParaRPr lang="en-GB" dirty="0"/>
+          </a:p>
+        </p:txBody>
+      </p:sp>
+      <p:sp>
+        <p:nvSpPr>
+          <p:cNvPr id="4" name="Zástupný symbol pro číslo snímku 3">
+            <a:extLst>
+              <a:ext uri="{FF2B5EF4-FFF2-40B4-BE49-F238E27FC236}">
+                <a16:creationId xmlns:a16="http://schemas.microsoft.com/office/drawing/2014/main" id="{3A8AB913-2710-BF92-C629-B5E9CA8A442B}"/>
+              </a:ext>
+            </a:extLst>
+          </p:cNvPr>
+          <p:cNvSpPr>
+            <a:spLocks noGrp="1"/>
+          </p:cNvSpPr>
+          <p:nvPr>
+            <p:ph type="sldNum" sz="quarter" idx="12"/>
+          </p:nvPr>
+        </p:nvSpPr>
+        <p:spPr/>
+        <p:txBody>
+          <a:bodyPr/>
+          <a:lstStyle/>
+          <a:p>
+            <a:fld id="{2396986B-09E1-422F-9D6D-F3432B0D2D09}" type="slidenum">
+              <a:rPr lang="en-GB" smtClean="0"/>
+              <a:t>2</a:t>
+            </a:fld>
+            <a:endParaRPr lang="en-GB"/>
+          </a:p>
+        </p:txBody>
+      </p:sp>
       <p:pic>
         <p:nvPicPr>
-          <p:cNvPr id="8" name="Obrázek 7">
-            <a:extLst>
-              <a:ext uri="{FF2B5EF4-FFF2-40B4-BE49-F238E27FC236}">
-                <a16:creationId xmlns:a16="http://schemas.microsoft.com/office/drawing/2014/main" id="{64702623-CB72-E66B-54EC-1B1773F6CD4E}"/>
+          <p:cNvPr id="6" name="Obrázek 5">
+            <a:extLst>
+              <a:ext uri="{FF2B5EF4-FFF2-40B4-BE49-F238E27FC236}">
+                <a16:creationId xmlns:a16="http://schemas.microsoft.com/office/drawing/2014/main" id="{C7C244FB-33ED-3125-D602-1497A397DE7B}"/>
               </a:ext>
             </a:extLst>
           </p:cNvPr>
@@ -10824,10 +10434,10 @@
       </p:pic>
       <p:sp>
         <p:nvSpPr>
-          <p:cNvPr id="9" name="Obdélník 8">
-            <a:extLst>
-              <a:ext uri="{FF2B5EF4-FFF2-40B4-BE49-F238E27FC236}">
-                <a16:creationId xmlns:a16="http://schemas.microsoft.com/office/drawing/2014/main" id="{C8DBE1D7-2AF6-E7F2-FF19-67BF596A8BC7}"/>
+          <p:cNvPr id="7" name="Obdélník 6">
+            <a:extLst>
+              <a:ext uri="{FF2B5EF4-FFF2-40B4-BE49-F238E27FC236}">
+                <a16:creationId xmlns:a16="http://schemas.microsoft.com/office/drawing/2014/main" id="{957EB5CA-2910-AFC9-FB4A-E53911462726}"/>
               </a:ext>
             </a:extLst>
           </p:cNvPr>
@@ -10877,7 +10487,7 @@
     </p:spTree>
     <p:extLst>
       <p:ext uri="{BB962C8B-B14F-4D97-AF65-F5344CB8AC3E}">
-        <p14:creationId xmlns:p14="http://schemas.microsoft.com/office/powerpoint/2010/main" val="1479531615"/>
+        <p14:creationId xmlns:p14="http://schemas.microsoft.com/office/powerpoint/2010/main" val="660583943"/>
       </p:ext>
     </p:extLst>
   </p:cSld>
@@ -10887,7 +10497,7 @@
 </p:sld>
 </file>
 
-<file path=ppt/slides/slide21.xml><?xml version="1.0" encoding="utf-8"?>
+<file path=ppt/slides/slide20.xml><?xml version="1.0" encoding="utf-8"?>
 <p:sld xmlns:a="http://schemas.openxmlformats.org/drawingml/2006/main" xmlns:r="http://schemas.openxmlformats.org/officeDocument/2006/relationships" xmlns:p="http://schemas.openxmlformats.org/presentationml/2006/main">
   <p:cSld>
     <p:spTree>
@@ -10927,7 +10537,7 @@
           <a:p>
             <a:fld id="{2396986B-09E1-422F-9D6D-F3432B0D2D09}" type="slidenum">
               <a:rPr lang="en-GB" smtClean="0"/>
-              <a:t>21</a:t>
+              <a:t>20</a:t>
             </a:fld>
             <a:endParaRPr lang="en-GB"/>
           </a:p>
@@ -11049,7 +10659,7 @@
         </p:blipFill>
         <p:spPr>
           <a:xfrm>
-            <a:off x="2000250" y="1652587"/>
+            <a:off x="2000250" y="2479711"/>
             <a:ext cx="8191500" cy="3552825"/>
           </a:xfrm>
           <a:prstGeom prst="rect">
@@ -11139,6 +10749,118 @@
           </a:p>
         </p:txBody>
       </p:sp>
+      <p:sp>
+        <p:nvSpPr>
+          <p:cNvPr id="12" name="TextovéPole 11">
+            <a:extLst>
+              <a:ext uri="{FF2B5EF4-FFF2-40B4-BE49-F238E27FC236}">
+                <a16:creationId xmlns:a16="http://schemas.microsoft.com/office/drawing/2014/main" id="{5B4D9526-5A54-B211-90AB-649923E03C6E}"/>
+              </a:ext>
+            </a:extLst>
+          </p:cNvPr>
+          <p:cNvSpPr txBox="1"/>
+          <p:nvPr/>
+        </p:nvSpPr>
+        <p:spPr>
+          <a:xfrm>
+            <a:off x="659786" y="1612077"/>
+            <a:ext cx="5818787" cy="523220"/>
+          </a:xfrm>
+          <a:prstGeom prst="rect">
+            <a:avLst/>
+          </a:prstGeom>
+          <a:noFill/>
+        </p:spPr>
+        <p:txBody>
+          <a:bodyPr wrap="square" rtlCol="0">
+            <a:spAutoFit/>
+          </a:bodyPr>
+          <a:lstStyle/>
+          <a:p>
+            <a:r>
+              <a:rPr lang="en-GB" sz="2800" b="1" i="0" dirty="0">
+                <a:solidFill>
+                  <a:srgbClr val="030712"/>
+                </a:solidFill>
+                <a:effectLst/>
+                <a:latin typeface="ui-sans-serif"/>
+              </a:rPr>
+              <a:t>Doba </a:t>
+            </a:r>
+            <a:r>
+              <a:rPr lang="en-GB" sz="2800" b="1" i="0" dirty="0" err="1">
+                <a:solidFill>
+                  <a:srgbClr val="030712"/>
+                </a:solidFill>
+                <a:effectLst/>
+                <a:latin typeface="ui-sans-serif"/>
+              </a:rPr>
+              <a:t>výměny</a:t>
+            </a:r>
+            <a:r>
+              <a:rPr lang="en-GB" sz="2800" b="1" i="0" dirty="0">
+                <a:solidFill>
+                  <a:srgbClr val="030712"/>
+                </a:solidFill>
+                <a:effectLst/>
+                <a:latin typeface="ui-sans-serif"/>
+              </a:rPr>
+              <a:t> </a:t>
+            </a:r>
+            <a:r>
+              <a:rPr lang="en-GB" sz="2800" b="1" i="0" dirty="0" err="1">
+                <a:solidFill>
+                  <a:srgbClr val="030712"/>
+                </a:solidFill>
+                <a:effectLst/>
+                <a:latin typeface="ui-sans-serif"/>
+              </a:rPr>
+              <a:t>klíčů</a:t>
+            </a:r>
+            <a:r>
+              <a:rPr lang="en-GB" sz="2800" b="1" i="0" dirty="0">
+                <a:solidFill>
+                  <a:srgbClr val="030712"/>
+                </a:solidFill>
+                <a:effectLst/>
+                <a:latin typeface="ui-sans-serif"/>
+              </a:rPr>
+              <a:t> </a:t>
+            </a:r>
+            <a:r>
+              <a:rPr lang="en-GB" sz="2800" b="1" i="0" dirty="0" err="1">
+                <a:solidFill>
+                  <a:srgbClr val="030712"/>
+                </a:solidFill>
+                <a:effectLst/>
+                <a:latin typeface="ui-sans-serif"/>
+              </a:rPr>
+              <a:t>podle</a:t>
+            </a:r>
+            <a:r>
+              <a:rPr lang="en-GB" sz="2800" b="1" i="0" dirty="0">
+                <a:solidFill>
+                  <a:srgbClr val="030712"/>
+                </a:solidFill>
+                <a:effectLst/>
+                <a:latin typeface="ui-sans-serif"/>
+              </a:rPr>
+              <a:t> </a:t>
+            </a:r>
+            <a:r>
+              <a:rPr lang="en-GB" sz="2800" b="1" i="0" dirty="0" err="1">
+                <a:solidFill>
+                  <a:srgbClr val="030712"/>
+                </a:solidFill>
+                <a:effectLst/>
+                <a:latin typeface="ui-sans-serif"/>
+              </a:rPr>
+              <a:t>algoritmu</a:t>
+            </a:r>
+            <a:endParaRPr lang="en-GB" sz="2800" b="1" dirty="0"/>
+          </a:p>
+        </p:txBody>
+      </p:sp>
     </p:spTree>
     <p:extLst>
       <p:ext uri="{BB962C8B-B14F-4D97-AF65-F5344CB8AC3E}">
@@ -11152,7 +10874,7 @@
 </p:sld>
 </file>
 
-<file path=ppt/slides/slide22.xml><?xml version="1.0" encoding="utf-8"?>
+<file path=ppt/slides/slide21.xml><?xml version="1.0" encoding="utf-8"?>
 <p:sld xmlns:a="http://schemas.openxmlformats.org/drawingml/2006/main" xmlns:r="http://schemas.openxmlformats.org/officeDocument/2006/relationships" xmlns:p="http://schemas.openxmlformats.org/presentationml/2006/main">
   <p:cSld>
     <p:spTree>
@@ -11198,7 +10920,7 @@
           <a:p>
             <a:fld id="{2396986B-09E1-422F-9D6D-F3432B0D2D09}" type="slidenum">
               <a:rPr lang="en-GB" smtClean="0"/>
-              <a:t>22</a:t>
+              <a:t>21</a:t>
             </a:fld>
             <a:endParaRPr lang="en-GB"/>
           </a:p>
@@ -11423,7 +11145,7 @@
 </p:sld>
 </file>
 
-<file path=ppt/slides/slide23.xml><?xml version="1.0" encoding="utf-8"?>
+<file path=ppt/slides/slide22.xml><?xml version="1.0" encoding="utf-8"?>
 <p:sld xmlns:a="http://schemas.openxmlformats.org/drawingml/2006/main" xmlns:r="http://schemas.openxmlformats.org/officeDocument/2006/relationships" xmlns:p="http://schemas.openxmlformats.org/presentationml/2006/main">
   <p:cSld>
     <p:spTree>
@@ -11469,7 +11191,7 @@
           <a:p>
             <a:fld id="{2396986B-09E1-422F-9D6D-F3432B0D2D09}" type="slidenum">
               <a:rPr lang="en-GB" smtClean="0"/>
-              <a:t>23</a:t>
+              <a:t>22</a:t>
             </a:fld>
             <a:endParaRPr lang="en-GB"/>
           </a:p>
@@ -11694,7 +11416,7 @@
 </p:sld>
 </file>
 
-<file path=ppt/slides/slide24.xml><?xml version="1.0" encoding="utf-8"?>
+<file path=ppt/slides/slide23.xml><?xml version="1.0" encoding="utf-8"?>
 <p:sld xmlns:a="http://schemas.openxmlformats.org/drawingml/2006/main" xmlns:r="http://schemas.openxmlformats.org/officeDocument/2006/relationships" xmlns:p="http://schemas.openxmlformats.org/presentationml/2006/main">
   <p:cSld>
     <p:spTree>
@@ -11869,7 +11591,7 @@
           <a:p>
             <a:fld id="{2396986B-09E1-422F-9D6D-F3432B0D2D09}" type="slidenum">
               <a:rPr lang="en-GB" smtClean="0"/>
-              <a:t>24</a:t>
+              <a:t>23</a:t>
             </a:fld>
             <a:endParaRPr lang="en-GB"/>
           </a:p>
@@ -11970,7 +11692,7 @@
 </p:sld>
 </file>
 
-<file path=ppt/slides/slide25.xml><?xml version="1.0" encoding="utf-8"?>
+<file path=ppt/slides/slide24.xml><?xml version="1.0" encoding="utf-8"?>
 <p:sld xmlns:a="http://schemas.openxmlformats.org/drawingml/2006/main" xmlns:r="http://schemas.openxmlformats.org/officeDocument/2006/relationships" xmlns:p="http://schemas.openxmlformats.org/presentationml/2006/main">
   <p:cSld>
     <p:spTree>
@@ -12100,7 +11822,7 @@
           <a:p>
             <a:fld id="{2396986B-09E1-422F-9D6D-F3432B0D2D09}" type="slidenum">
               <a:rPr lang="en-GB" smtClean="0"/>
-              <a:t>25</a:t>
+              <a:t>24</a:t>
             </a:fld>
             <a:endParaRPr lang="en-GB"/>
           </a:p>
@@ -12192,861 +11914,6 @@
     <p:extLst>
       <p:ext uri="{BB962C8B-B14F-4D97-AF65-F5344CB8AC3E}">
         <p14:creationId xmlns:p14="http://schemas.microsoft.com/office/powerpoint/2010/main" val="2762211018"/>
-      </p:ext>
-    </p:extLst>
-  </p:cSld>
-  <p:clrMapOvr>
-    <a:masterClrMapping/>
-  </p:clrMapOvr>
-</p:sld>
-</file>
-
-<file path=ppt/slides/slide26.xml><?xml version="1.0" encoding="utf-8"?>
-<p:sld xmlns:a="http://schemas.openxmlformats.org/drawingml/2006/main" xmlns:r="http://schemas.openxmlformats.org/officeDocument/2006/relationships" xmlns:p="http://schemas.openxmlformats.org/presentationml/2006/main" show="0">
-  <p:cSld>
-    <p:spTree>
-      <p:nvGrpSpPr>
-        <p:cNvPr id="1" name=""/>
-        <p:cNvGrpSpPr/>
-        <p:nvPr/>
-      </p:nvGrpSpPr>
-      <p:grpSpPr>
-        <a:xfrm>
-          <a:off x="0" y="0"/>
-          <a:ext cx="0" cy="0"/>
-          <a:chOff x="0" y="0"/>
-          <a:chExt cx="0" cy="0"/>
-        </a:xfrm>
-      </p:grpSpPr>
-      <p:sp>
-        <p:nvSpPr>
-          <p:cNvPr id="8" name="Obdélník 7">
-            <a:extLst>
-              <a:ext uri="{FF2B5EF4-FFF2-40B4-BE49-F238E27FC236}">
-                <a16:creationId xmlns:a16="http://schemas.microsoft.com/office/drawing/2014/main" id="{F0241744-709C-AA2F-50D3-49E8A9A35848}"/>
-              </a:ext>
-            </a:extLst>
-          </p:cNvPr>
-          <p:cNvSpPr/>
-          <p:nvPr/>
-        </p:nvSpPr>
-        <p:spPr>
-          <a:xfrm>
-            <a:off x="0" y="-1"/>
-            <a:ext cx="12192000" cy="1116703"/>
-          </a:xfrm>
-          <a:prstGeom prst="rect">
-            <a:avLst/>
-          </a:prstGeom>
-          <a:solidFill>
-            <a:schemeClr val="bg2"/>
-          </a:solidFill>
-          <a:ln>
-            <a:noFill/>
-          </a:ln>
-        </p:spPr>
-        <p:style>
-          <a:lnRef idx="2">
-            <a:schemeClr val="accent1">
-              <a:shade val="15000"/>
-            </a:schemeClr>
-          </a:lnRef>
-          <a:fillRef idx="1">
-            <a:schemeClr val="accent1"/>
-          </a:fillRef>
-          <a:effectRef idx="0">
-            <a:schemeClr val="accent1"/>
-          </a:effectRef>
-          <a:fontRef idx="minor">
-            <a:schemeClr val="lt1"/>
-          </a:fontRef>
-        </p:style>
-        <p:txBody>
-          <a:bodyPr rtlCol="0" anchor="ctr"/>
-          <a:lstStyle/>
-          <a:p>
-            <a:pPr algn="ctr"/>
-            <a:endParaRPr lang="en-GB"/>
-          </a:p>
-        </p:txBody>
-      </p:sp>
-      <p:sp>
-        <p:nvSpPr>
-          <p:cNvPr id="2" name="Nadpis 1">
-            <a:extLst>
-              <a:ext uri="{FF2B5EF4-FFF2-40B4-BE49-F238E27FC236}">
-                <a16:creationId xmlns:a16="http://schemas.microsoft.com/office/drawing/2014/main" id="{1BC86644-4608-0793-92CB-184632470A43}"/>
-              </a:ext>
-            </a:extLst>
-          </p:cNvPr>
-          <p:cNvSpPr>
-            <a:spLocks noGrp="1"/>
-          </p:cNvSpPr>
-          <p:nvPr>
-            <p:ph type="title"/>
-          </p:nvPr>
-        </p:nvSpPr>
-        <p:spPr>
-          <a:xfrm>
-            <a:off x="0" y="0"/>
-            <a:ext cx="10515600" cy="1325563"/>
-          </a:xfrm>
-        </p:spPr>
-        <p:txBody>
-          <a:bodyPr/>
-          <a:lstStyle/>
-          <a:p>
-            <a:r>
-              <a:rPr lang="cs-CZ" dirty="0">
-                <a:solidFill>
-                  <a:srgbClr val="FF0000"/>
-                </a:solidFill>
-              </a:rPr>
-              <a:t>1. Změna kryptografických nastavení</a:t>
-            </a:r>
-            <a:endParaRPr lang="en-GB" dirty="0">
-              <a:solidFill>
-                <a:srgbClr val="FF0000"/>
-              </a:solidFill>
-            </a:endParaRPr>
-          </a:p>
-        </p:txBody>
-      </p:sp>
-      <p:sp>
-        <p:nvSpPr>
-          <p:cNvPr id="3" name="Zástupný obsah 2">
-            <a:extLst>
-              <a:ext uri="{FF2B5EF4-FFF2-40B4-BE49-F238E27FC236}">
-                <a16:creationId xmlns:a16="http://schemas.microsoft.com/office/drawing/2014/main" id="{4BD7B373-B74E-A159-CA52-27686A08C599}"/>
-              </a:ext>
-            </a:extLst>
-          </p:cNvPr>
-          <p:cNvSpPr>
-            <a:spLocks noGrp="1"/>
-          </p:cNvSpPr>
-          <p:nvPr>
-            <p:ph sz="half" idx="1"/>
-          </p:nvPr>
-        </p:nvSpPr>
-        <p:spPr>
-          <a:xfrm>
-            <a:off x="439847" y="1322388"/>
-            <a:ext cx="5181600" cy="4351338"/>
-          </a:xfrm>
-        </p:spPr>
-        <p:txBody>
-          <a:bodyPr/>
-          <a:lstStyle/>
-          <a:p>
-            <a:r>
-              <a:rPr lang="cs-CZ" dirty="0"/>
-              <a:t>Tlačítko </a:t>
-            </a:r>
-            <a:r>
-              <a:rPr lang="cs-CZ" b="1" dirty="0" err="1"/>
-              <a:t>Crypto</a:t>
-            </a:r>
-            <a:r>
-              <a:rPr lang="cs-CZ" b="1" dirty="0"/>
-              <a:t> </a:t>
-            </a:r>
-            <a:r>
-              <a:rPr lang="cs-CZ" b="1" dirty="0" err="1"/>
-              <a:t>Settings</a:t>
-            </a:r>
-            <a:endParaRPr lang="cs-CZ" b="1" dirty="0"/>
-          </a:p>
-          <a:p>
-            <a:r>
-              <a:rPr lang="en-GB" dirty="0"/>
-              <a:t>V </a:t>
-            </a:r>
-            <a:r>
-              <a:rPr lang="en-GB" dirty="0" err="1"/>
-              <a:t>případě</a:t>
-            </a:r>
-            <a:r>
-              <a:rPr lang="en-GB" dirty="0"/>
-              <a:t> </a:t>
-            </a:r>
-            <a:r>
-              <a:rPr lang="cs-CZ" dirty="0"/>
-              <a:t>změny </a:t>
-            </a:r>
-            <a:r>
-              <a:rPr lang="en-GB" dirty="0" err="1"/>
-              <a:t>používaných</a:t>
-            </a:r>
-            <a:r>
-              <a:rPr lang="en-GB" dirty="0"/>
-              <a:t> </a:t>
-            </a:r>
-            <a:r>
-              <a:rPr lang="en-GB" dirty="0" err="1"/>
-              <a:t>algoritmů</a:t>
-            </a:r>
-            <a:r>
-              <a:rPr lang="en-GB" dirty="0"/>
-              <a:t> je </a:t>
-            </a:r>
-            <a:r>
-              <a:rPr lang="en-GB" dirty="0" err="1"/>
-              <a:t>možné</a:t>
-            </a:r>
-            <a:r>
-              <a:rPr lang="cs-CZ" dirty="0"/>
-              <a:t> </a:t>
-            </a:r>
-            <a:r>
-              <a:rPr lang="en-GB" dirty="0" err="1"/>
-              <a:t>automaticky</a:t>
-            </a:r>
-            <a:r>
-              <a:rPr lang="en-GB" dirty="0"/>
-              <a:t> </a:t>
-            </a:r>
-            <a:r>
-              <a:rPr lang="en-GB" dirty="0" err="1"/>
-              <a:t>aplikovat</a:t>
-            </a:r>
-            <a:r>
-              <a:rPr lang="en-GB" dirty="0"/>
-              <a:t> </a:t>
-            </a:r>
-            <a:r>
-              <a:rPr lang="en-GB" dirty="0" err="1"/>
-              <a:t>stejné</a:t>
-            </a:r>
-            <a:r>
-              <a:rPr lang="en-GB" dirty="0"/>
-              <a:t> </a:t>
-            </a:r>
-            <a:r>
-              <a:rPr lang="en-GB" dirty="0" err="1"/>
-              <a:t>nastavení</a:t>
-            </a:r>
-            <a:r>
-              <a:rPr lang="en-GB" dirty="0"/>
-              <a:t> </a:t>
-            </a:r>
-            <a:r>
-              <a:rPr lang="en-GB" dirty="0" err="1"/>
-              <a:t>zvolením</a:t>
-            </a:r>
-            <a:r>
-              <a:rPr lang="en-GB" dirty="0"/>
-              <a:t> </a:t>
-            </a:r>
-            <a:r>
-              <a:rPr lang="en-GB" dirty="0" err="1"/>
-              <a:t>daného</a:t>
-            </a:r>
-            <a:r>
-              <a:rPr lang="en-GB" dirty="0"/>
-              <a:t> </a:t>
-            </a:r>
-            <a:r>
-              <a:rPr lang="en-GB" dirty="0" err="1"/>
-              <a:t>počítače</a:t>
-            </a:r>
-            <a:r>
-              <a:rPr lang="en-GB" dirty="0"/>
-              <a:t> v </a:t>
-            </a:r>
-            <a:r>
-              <a:rPr lang="en-GB" dirty="0" err="1"/>
-              <a:t>nabídce</a:t>
-            </a:r>
-            <a:r>
-              <a:rPr lang="en-GB" dirty="0"/>
-              <a:t> a </a:t>
-            </a:r>
-            <a:r>
-              <a:rPr lang="en-GB" dirty="0" err="1"/>
-              <a:t>stisknutím</a:t>
-            </a:r>
-            <a:r>
-              <a:rPr lang="en-GB" dirty="0"/>
-              <a:t> </a:t>
-            </a:r>
-            <a:r>
-              <a:rPr lang="en-GB" dirty="0" err="1"/>
-              <a:t>tlačítka</a:t>
-            </a:r>
-            <a:r>
-              <a:rPr lang="en-GB" dirty="0"/>
-              <a:t> </a:t>
-            </a:r>
-            <a:r>
-              <a:rPr lang="en-GB" b="1" dirty="0"/>
-              <a:t>Adopt Selected Peer’s Settings</a:t>
-            </a:r>
-            <a:r>
-              <a:rPr lang="en-GB" dirty="0"/>
-              <a:t>.</a:t>
-            </a:r>
-          </a:p>
-        </p:txBody>
-      </p:sp>
-      <p:pic>
-        <p:nvPicPr>
-          <p:cNvPr id="7" name="Zástupný obsah 6">
-            <a:extLst>
-              <a:ext uri="{FF2B5EF4-FFF2-40B4-BE49-F238E27FC236}">
-                <a16:creationId xmlns:a16="http://schemas.microsoft.com/office/drawing/2014/main" id="{73882F1E-2719-F28F-8868-EFD35DEF126B}"/>
-              </a:ext>
-            </a:extLst>
-          </p:cNvPr>
-          <p:cNvPicPr>
-            <a:picLocks noGrp="1" noChangeAspect="1"/>
-          </p:cNvPicPr>
-          <p:nvPr>
-            <p:ph sz="half" idx="2"/>
-          </p:nvPr>
-        </p:nvPicPr>
-        <p:blipFill>
-          <a:blip r:embed="rId2"/>
-          <a:stretch>
-            <a:fillRect/>
-          </a:stretch>
-        </p:blipFill>
-        <p:spPr>
-          <a:xfrm>
-            <a:off x="6260784" y="1825625"/>
-            <a:ext cx="5004432" cy="4351338"/>
-          </a:xfrm>
-        </p:spPr>
-      </p:pic>
-      <p:sp>
-        <p:nvSpPr>
-          <p:cNvPr id="5" name="Zástupný symbol pro číslo snímku 4">
-            <a:extLst>
-              <a:ext uri="{FF2B5EF4-FFF2-40B4-BE49-F238E27FC236}">
-                <a16:creationId xmlns:a16="http://schemas.microsoft.com/office/drawing/2014/main" id="{BF065C1C-3704-E94B-8B5C-E09648D9EBC2}"/>
-              </a:ext>
-            </a:extLst>
-          </p:cNvPr>
-          <p:cNvSpPr>
-            <a:spLocks noGrp="1"/>
-          </p:cNvSpPr>
-          <p:nvPr>
-            <p:ph type="sldNum" sz="quarter" idx="12"/>
-          </p:nvPr>
-        </p:nvSpPr>
-        <p:spPr/>
-        <p:txBody>
-          <a:bodyPr/>
-          <a:lstStyle/>
-          <a:p>
-            <a:fld id="{2396986B-09E1-422F-9D6D-F3432B0D2D09}" type="slidenum">
-              <a:rPr lang="en-GB" smtClean="0"/>
-              <a:t>26</a:t>
-            </a:fld>
-            <a:endParaRPr lang="en-GB"/>
-          </a:p>
-        </p:txBody>
-      </p:sp>
-      <p:pic>
-        <p:nvPicPr>
-          <p:cNvPr id="9" name="Obrázek 8">
-            <a:extLst>
-              <a:ext uri="{FF2B5EF4-FFF2-40B4-BE49-F238E27FC236}">
-                <a16:creationId xmlns:a16="http://schemas.microsoft.com/office/drawing/2014/main" id="{41326911-F9EF-5423-FBFF-AFB08926CDF0}"/>
-              </a:ext>
-            </a:extLst>
-          </p:cNvPr>
-          <p:cNvPicPr>
-            <a:picLocks noChangeAspect="1"/>
-          </p:cNvPicPr>
-          <p:nvPr/>
-        </p:nvPicPr>
-        <p:blipFill>
-          <a:blip r:embed="rId3"/>
-          <a:stretch>
-            <a:fillRect/>
-          </a:stretch>
-        </p:blipFill>
-        <p:spPr>
-          <a:xfrm>
-            <a:off x="10113527" y="299406"/>
-            <a:ext cx="1556365" cy="493482"/>
-          </a:xfrm>
-          <a:prstGeom prst="rect">
-            <a:avLst/>
-          </a:prstGeom>
-        </p:spPr>
-      </p:pic>
-      <p:sp>
-        <p:nvSpPr>
-          <p:cNvPr id="10" name="Obdélník 9">
-            <a:extLst>
-              <a:ext uri="{FF2B5EF4-FFF2-40B4-BE49-F238E27FC236}">
-                <a16:creationId xmlns:a16="http://schemas.microsoft.com/office/drawing/2014/main" id="{606FA707-EFAE-0154-848E-1C60EBE99DD8}"/>
-              </a:ext>
-            </a:extLst>
-          </p:cNvPr>
-          <p:cNvSpPr/>
-          <p:nvPr/>
-        </p:nvSpPr>
-        <p:spPr>
-          <a:xfrm>
-            <a:off x="-1349" y="1070983"/>
-            <a:ext cx="860453" cy="45719"/>
-          </a:xfrm>
-          <a:prstGeom prst="rect">
-            <a:avLst/>
-          </a:prstGeom>
-          <a:solidFill>
-            <a:srgbClr val="FF0000"/>
-          </a:solidFill>
-          <a:ln>
-            <a:noFill/>
-          </a:ln>
-        </p:spPr>
-        <p:style>
-          <a:lnRef idx="2">
-            <a:schemeClr val="accent1">
-              <a:shade val="15000"/>
-            </a:schemeClr>
-          </a:lnRef>
-          <a:fillRef idx="1">
-            <a:schemeClr val="accent1"/>
-          </a:fillRef>
-          <a:effectRef idx="0">
-            <a:schemeClr val="accent1"/>
-          </a:effectRef>
-          <a:fontRef idx="minor">
-            <a:schemeClr val="lt1"/>
-          </a:fontRef>
-        </p:style>
-        <p:txBody>
-          <a:bodyPr rtlCol="0" anchor="ctr"/>
-          <a:lstStyle/>
-          <a:p>
-            <a:pPr algn="ctr"/>
-            <a:endParaRPr lang="en-GB"/>
-          </a:p>
-        </p:txBody>
-      </p:sp>
-    </p:spTree>
-    <p:extLst>
-      <p:ext uri="{BB962C8B-B14F-4D97-AF65-F5344CB8AC3E}">
-        <p14:creationId xmlns:p14="http://schemas.microsoft.com/office/powerpoint/2010/main" val="3346832384"/>
-      </p:ext>
-    </p:extLst>
-  </p:cSld>
-  <p:clrMapOvr>
-    <a:masterClrMapping/>
-  </p:clrMapOvr>
-</p:sld>
-</file>
-
-<file path=ppt/slides/slide27.xml><?xml version="1.0" encoding="utf-8"?>
-<p:sld xmlns:a="http://schemas.openxmlformats.org/drawingml/2006/main" xmlns:r="http://schemas.openxmlformats.org/officeDocument/2006/relationships" xmlns:p="http://schemas.openxmlformats.org/presentationml/2006/main" show="0">
-  <p:cSld>
-    <p:spTree>
-      <p:nvGrpSpPr>
-        <p:cNvPr id="1" name=""/>
-        <p:cNvGrpSpPr/>
-        <p:nvPr/>
-      </p:nvGrpSpPr>
-      <p:grpSpPr>
-        <a:xfrm>
-          <a:off x="0" y="0"/>
-          <a:ext cx="0" cy="0"/>
-          <a:chOff x="0" y="0"/>
-          <a:chExt cx="0" cy="0"/>
-        </a:xfrm>
-      </p:grpSpPr>
-      <p:sp>
-        <p:nvSpPr>
-          <p:cNvPr id="11" name="Obdélník 10">
-            <a:extLst>
-              <a:ext uri="{FF2B5EF4-FFF2-40B4-BE49-F238E27FC236}">
-                <a16:creationId xmlns:a16="http://schemas.microsoft.com/office/drawing/2014/main" id="{02FEE0C8-71D8-0419-B9DF-D78FF024C3DB}"/>
-              </a:ext>
-            </a:extLst>
-          </p:cNvPr>
-          <p:cNvSpPr/>
-          <p:nvPr/>
-        </p:nvSpPr>
-        <p:spPr>
-          <a:xfrm>
-            <a:off x="0" y="-1"/>
-            <a:ext cx="12192000" cy="1116703"/>
-          </a:xfrm>
-          <a:prstGeom prst="rect">
-            <a:avLst/>
-          </a:prstGeom>
-          <a:solidFill>
-            <a:schemeClr val="bg2"/>
-          </a:solidFill>
-          <a:ln>
-            <a:noFill/>
-          </a:ln>
-        </p:spPr>
-        <p:style>
-          <a:lnRef idx="2">
-            <a:schemeClr val="accent1">
-              <a:shade val="15000"/>
-            </a:schemeClr>
-          </a:lnRef>
-          <a:fillRef idx="1">
-            <a:schemeClr val="accent1"/>
-          </a:fillRef>
-          <a:effectRef idx="0">
-            <a:schemeClr val="accent1"/>
-          </a:effectRef>
-          <a:fontRef idx="minor">
-            <a:schemeClr val="lt1"/>
-          </a:fontRef>
-        </p:style>
-        <p:txBody>
-          <a:bodyPr rtlCol="0" anchor="ctr"/>
-          <a:lstStyle/>
-          <a:p>
-            <a:pPr algn="ctr"/>
-            <a:endParaRPr lang="en-GB"/>
-          </a:p>
-        </p:txBody>
-      </p:sp>
-      <p:sp>
-        <p:nvSpPr>
-          <p:cNvPr id="2" name="Nadpis 1">
-            <a:extLst>
-              <a:ext uri="{FF2B5EF4-FFF2-40B4-BE49-F238E27FC236}">
-                <a16:creationId xmlns:a16="http://schemas.microsoft.com/office/drawing/2014/main" id="{48717568-4353-464F-EAC1-D088FF9225C7}"/>
-              </a:ext>
-            </a:extLst>
-          </p:cNvPr>
-          <p:cNvSpPr>
-            <a:spLocks noGrp="1"/>
-          </p:cNvSpPr>
-          <p:nvPr>
-            <p:ph type="title"/>
-          </p:nvPr>
-        </p:nvSpPr>
-        <p:spPr>
-          <a:xfrm>
-            <a:off x="0" y="0"/>
-            <a:ext cx="10515600" cy="1325563"/>
-          </a:xfrm>
-        </p:spPr>
-        <p:txBody>
-          <a:bodyPr/>
-          <a:lstStyle/>
-          <a:p>
-            <a:r>
-              <a:rPr lang="cs-CZ" dirty="0">
-                <a:solidFill>
-                  <a:srgbClr val="FF0000"/>
-                </a:solidFill>
-              </a:rPr>
-              <a:t>3. </a:t>
-            </a:r>
-            <a:r>
-              <a:rPr lang="en-GB" dirty="0" err="1">
-                <a:solidFill>
-                  <a:srgbClr val="FF0000"/>
-                </a:solidFill>
-              </a:rPr>
-              <a:t>Kryptografické</a:t>
-            </a:r>
-            <a:r>
-              <a:rPr lang="en-GB" dirty="0">
-                <a:solidFill>
-                  <a:srgbClr val="FF0000"/>
-                </a:solidFill>
-              </a:rPr>
-              <a:t> </a:t>
-            </a:r>
-            <a:r>
-              <a:rPr lang="en-GB" dirty="0" err="1">
-                <a:solidFill>
-                  <a:srgbClr val="FF0000"/>
-                </a:solidFill>
-              </a:rPr>
-              <a:t>nastavení</a:t>
-            </a:r>
-            <a:r>
-              <a:rPr lang="en-GB" dirty="0">
-                <a:solidFill>
-                  <a:srgbClr val="FF0000"/>
-                </a:solidFill>
-              </a:rPr>
-              <a:t> </a:t>
-            </a:r>
-            <a:r>
-              <a:rPr lang="en-GB" dirty="0" err="1">
-                <a:solidFill>
-                  <a:srgbClr val="FF0000"/>
-                </a:solidFill>
-              </a:rPr>
-              <a:t>stanic</a:t>
-            </a:r>
-            <a:r>
-              <a:rPr lang="en-GB" dirty="0">
-                <a:solidFill>
-                  <a:srgbClr val="FF0000"/>
-                </a:solidFill>
-              </a:rPr>
-              <a:t> se </a:t>
-            </a:r>
-            <a:r>
-              <a:rPr lang="en-GB" dirty="0" err="1">
-                <a:solidFill>
-                  <a:srgbClr val="FF0000"/>
-                </a:solidFill>
-              </a:rPr>
-              <a:t>liší</a:t>
-            </a:r>
-            <a:endParaRPr lang="en-GB" dirty="0">
-              <a:solidFill>
-                <a:srgbClr val="FF0000"/>
-              </a:solidFill>
-            </a:endParaRPr>
-          </a:p>
-        </p:txBody>
-      </p:sp>
-      <p:sp>
-        <p:nvSpPr>
-          <p:cNvPr id="3" name="Zástupný obsah 2">
-            <a:extLst>
-              <a:ext uri="{FF2B5EF4-FFF2-40B4-BE49-F238E27FC236}">
-                <a16:creationId xmlns:a16="http://schemas.microsoft.com/office/drawing/2014/main" id="{4487B778-7798-1935-B2D0-AD1E9E31F189}"/>
-              </a:ext>
-            </a:extLst>
-          </p:cNvPr>
-          <p:cNvSpPr>
-            <a:spLocks noGrp="1"/>
-          </p:cNvSpPr>
-          <p:nvPr>
-            <p:ph sz="half" idx="1"/>
-          </p:nvPr>
-        </p:nvSpPr>
-        <p:spPr>
-          <a:xfrm>
-            <a:off x="349313" y="1331441"/>
-            <a:ext cx="5181600" cy="4351338"/>
-          </a:xfrm>
-        </p:spPr>
-        <p:txBody>
-          <a:bodyPr/>
-          <a:lstStyle/>
-          <a:p>
-            <a:r>
-              <a:rPr lang="cs-CZ" dirty="0"/>
-              <a:t>Změna kryptografického nastavení = </a:t>
-            </a:r>
-            <a:r>
-              <a:rPr lang="en-GB" dirty="0" err="1"/>
-              <a:t>komunikace</a:t>
-            </a:r>
-            <a:r>
-              <a:rPr lang="en-GB" dirty="0"/>
-              <a:t> </a:t>
-            </a:r>
-            <a:r>
-              <a:rPr lang="en-GB" dirty="0" err="1"/>
-              <a:t>přerušena</a:t>
-            </a:r>
-            <a:endParaRPr lang="cs-CZ" dirty="0"/>
-          </a:p>
-          <a:p>
-            <a:r>
-              <a:rPr lang="cs-CZ" dirty="0"/>
-              <a:t>K sjednoceni nastavení pomocí   </a:t>
-            </a:r>
-            <a:r>
-              <a:rPr lang="en-GB" dirty="0" err="1"/>
-              <a:t>tlačítka</a:t>
-            </a:r>
-            <a:r>
-              <a:rPr lang="en-GB" dirty="0"/>
-              <a:t> </a:t>
-            </a:r>
-            <a:r>
-              <a:rPr lang="en-GB" b="1" dirty="0"/>
-              <a:t>Establish Shared Key</a:t>
-            </a:r>
-          </a:p>
-        </p:txBody>
-      </p:sp>
-      <p:sp>
-        <p:nvSpPr>
-          <p:cNvPr id="5" name="Zástupný symbol pro číslo snímku 4">
-            <a:extLst>
-              <a:ext uri="{FF2B5EF4-FFF2-40B4-BE49-F238E27FC236}">
-                <a16:creationId xmlns:a16="http://schemas.microsoft.com/office/drawing/2014/main" id="{423E44F2-9B20-BE16-9DF8-3DAA034851F2}"/>
-              </a:ext>
-            </a:extLst>
-          </p:cNvPr>
-          <p:cNvSpPr>
-            <a:spLocks noGrp="1"/>
-          </p:cNvSpPr>
-          <p:nvPr>
-            <p:ph type="sldNum" sz="quarter" idx="12"/>
-          </p:nvPr>
-        </p:nvSpPr>
-        <p:spPr/>
-        <p:txBody>
-          <a:bodyPr/>
-          <a:lstStyle/>
-          <a:p>
-            <a:fld id="{2396986B-09E1-422F-9D6D-F3432B0D2D09}" type="slidenum">
-              <a:rPr lang="en-GB" smtClean="0"/>
-              <a:t>27</a:t>
-            </a:fld>
-            <a:endParaRPr lang="en-GB"/>
-          </a:p>
-        </p:txBody>
-      </p:sp>
-      <p:pic>
-        <p:nvPicPr>
-          <p:cNvPr id="8" name="Obrázek 7">
-            <a:extLst>
-              <a:ext uri="{FF2B5EF4-FFF2-40B4-BE49-F238E27FC236}">
-                <a16:creationId xmlns:a16="http://schemas.microsoft.com/office/drawing/2014/main" id="{ECE9F03F-0723-A9FD-230E-33D8E99E8BA0}"/>
-              </a:ext>
-            </a:extLst>
-          </p:cNvPr>
-          <p:cNvPicPr>
-            <a:picLocks noChangeAspect="1"/>
-          </p:cNvPicPr>
-          <p:nvPr/>
-        </p:nvPicPr>
-        <p:blipFill>
-          <a:blip r:embed="rId2"/>
-          <a:stretch>
-            <a:fillRect/>
-          </a:stretch>
-        </p:blipFill>
-        <p:spPr>
-          <a:xfrm>
-            <a:off x="5581561" y="1459147"/>
-            <a:ext cx="6058077" cy="4763616"/>
-          </a:xfrm>
-          <a:prstGeom prst="rect">
-            <a:avLst/>
-          </a:prstGeom>
-        </p:spPr>
-      </p:pic>
-      <p:pic>
-        <p:nvPicPr>
-          <p:cNvPr id="10" name="Obrázek 9">
-            <a:extLst>
-              <a:ext uri="{FF2B5EF4-FFF2-40B4-BE49-F238E27FC236}">
-                <a16:creationId xmlns:a16="http://schemas.microsoft.com/office/drawing/2014/main" id="{13C33E3E-D403-FE1A-6ADE-2E5D22A186C6}"/>
-              </a:ext>
-            </a:extLst>
-          </p:cNvPr>
-          <p:cNvPicPr>
-            <a:picLocks noChangeAspect="1"/>
-          </p:cNvPicPr>
-          <p:nvPr/>
-        </p:nvPicPr>
-        <p:blipFill>
-          <a:blip r:embed="rId3"/>
-          <a:stretch>
-            <a:fillRect/>
-          </a:stretch>
-        </p:blipFill>
-        <p:spPr>
-          <a:xfrm>
-            <a:off x="806512" y="3743749"/>
-            <a:ext cx="4073599" cy="1275926"/>
-          </a:xfrm>
-          <a:prstGeom prst="rect">
-            <a:avLst/>
-          </a:prstGeom>
-        </p:spPr>
-      </p:pic>
-      <p:pic>
-        <p:nvPicPr>
-          <p:cNvPr id="12" name="Obrázek 11">
-            <a:extLst>
-              <a:ext uri="{FF2B5EF4-FFF2-40B4-BE49-F238E27FC236}">
-                <a16:creationId xmlns:a16="http://schemas.microsoft.com/office/drawing/2014/main" id="{7678B713-42D3-D081-14FD-DC15C97EC6BA}"/>
-              </a:ext>
-            </a:extLst>
-          </p:cNvPr>
-          <p:cNvPicPr>
-            <a:picLocks noChangeAspect="1"/>
-          </p:cNvPicPr>
-          <p:nvPr/>
-        </p:nvPicPr>
-        <p:blipFill>
-          <a:blip r:embed="rId4"/>
-          <a:stretch>
-            <a:fillRect/>
-          </a:stretch>
-        </p:blipFill>
-        <p:spPr>
-          <a:xfrm>
-            <a:off x="10113527" y="299406"/>
-            <a:ext cx="1556365" cy="493482"/>
-          </a:xfrm>
-          <a:prstGeom prst="rect">
-            <a:avLst/>
-          </a:prstGeom>
-        </p:spPr>
-      </p:pic>
-      <p:sp>
-        <p:nvSpPr>
-          <p:cNvPr id="13" name="Obdélník 12">
-            <a:extLst>
-              <a:ext uri="{FF2B5EF4-FFF2-40B4-BE49-F238E27FC236}">
-                <a16:creationId xmlns:a16="http://schemas.microsoft.com/office/drawing/2014/main" id="{DE64876D-60A6-12BC-91E3-AB05E9A7D1E6}"/>
-              </a:ext>
-            </a:extLst>
-          </p:cNvPr>
-          <p:cNvSpPr/>
-          <p:nvPr/>
-        </p:nvSpPr>
-        <p:spPr>
-          <a:xfrm>
-            <a:off x="-1349" y="1070983"/>
-            <a:ext cx="860453" cy="45719"/>
-          </a:xfrm>
-          <a:prstGeom prst="rect">
-            <a:avLst/>
-          </a:prstGeom>
-          <a:solidFill>
-            <a:srgbClr val="FF0000"/>
-          </a:solidFill>
-          <a:ln>
-            <a:noFill/>
-          </a:ln>
-        </p:spPr>
-        <p:style>
-          <a:lnRef idx="2">
-            <a:schemeClr val="accent1">
-              <a:shade val="15000"/>
-            </a:schemeClr>
-          </a:lnRef>
-          <a:fillRef idx="1">
-            <a:schemeClr val="accent1"/>
-          </a:fillRef>
-          <a:effectRef idx="0">
-            <a:schemeClr val="accent1"/>
-          </a:effectRef>
-          <a:fontRef idx="minor">
-            <a:schemeClr val="lt1"/>
-          </a:fontRef>
-        </p:style>
-        <p:txBody>
-          <a:bodyPr rtlCol="0" anchor="ctr"/>
-          <a:lstStyle/>
-          <a:p>
-            <a:pPr algn="ctr"/>
-            <a:endParaRPr lang="en-GB"/>
-          </a:p>
-        </p:txBody>
-      </p:sp>
-    </p:spTree>
-    <p:extLst>
-      <p:ext uri="{BB962C8B-B14F-4D97-AF65-F5344CB8AC3E}">
-        <p14:creationId xmlns:p14="http://schemas.microsoft.com/office/powerpoint/2010/main" val="2220874622"/>
       </p:ext>
     </p:extLst>
   </p:cSld>

--- a/docs/p2ppost_prezentace.pptx
+++ b/docs/p2ppost_prezentace.pptx
@@ -5,7 +5,7 @@
     <p:sldMasterId id="2147483672" r:id="rId1"/>
   </p:sldMasterIdLst>
   <p:notesMasterIdLst>
-    <p:notesMasterId r:id="rId26"/>
+    <p:notesMasterId r:id="rId27"/>
   </p:notesMasterIdLst>
   <p:sldIdLst>
     <p:sldId id="256" r:id="rId2"/>
@@ -29,9 +29,10 @@
     <p:sldId id="284" r:id="rId20"/>
     <p:sldId id="285" r:id="rId21"/>
     <p:sldId id="286" r:id="rId22"/>
-    <p:sldId id="287" r:id="rId23"/>
-    <p:sldId id="280" r:id="rId24"/>
-    <p:sldId id="282" r:id="rId25"/>
+    <p:sldId id="288" r:id="rId23"/>
+    <p:sldId id="287" r:id="rId24"/>
+    <p:sldId id="280" r:id="rId25"/>
+    <p:sldId id="282" r:id="rId26"/>
   </p:sldIdLst>
   <p:sldSz cx="12192000" cy="6858000"/>
   <p:notesSz cx="6858000" cy="9144000"/>
@@ -11022,10 +11023,10 @@
       </p:sp>
       <p:pic>
         <p:nvPicPr>
-          <p:cNvPr id="3" name="Obrázek 2">
-            <a:extLst>
-              <a:ext uri="{FF2B5EF4-FFF2-40B4-BE49-F238E27FC236}">
-                <a16:creationId xmlns:a16="http://schemas.microsoft.com/office/drawing/2014/main" id="{F7A4DDA0-8B94-56C8-1F05-7AEF96CBCCBB}"/>
+          <p:cNvPr id="4" name="Obrázek 3">
+            <a:extLst>
+              <a:ext uri="{FF2B5EF4-FFF2-40B4-BE49-F238E27FC236}">
+                <a16:creationId xmlns:a16="http://schemas.microsoft.com/office/drawing/2014/main" id="{6EB2EAA5-AB10-4729-3F72-024D44311341}"/>
               </a:ext>
             </a:extLst>
           </p:cNvPr>
@@ -11036,36 +11037,6 @@
         </p:nvPicPr>
         <p:blipFill>
           <a:blip r:embed="rId2"/>
-          <a:stretch>
-            <a:fillRect/>
-          </a:stretch>
-        </p:blipFill>
-        <p:spPr>
-          <a:xfrm>
-            <a:off x="1962150" y="1431820"/>
-            <a:ext cx="8267700" cy="4400550"/>
-          </a:xfrm>
-          <a:prstGeom prst="rect">
-            <a:avLst/>
-          </a:prstGeom>
-        </p:spPr>
-      </p:pic>
-      <p:pic>
-        <p:nvPicPr>
-          <p:cNvPr id="4" name="Obrázek 3">
-            <a:extLst>
-              <a:ext uri="{FF2B5EF4-FFF2-40B4-BE49-F238E27FC236}">
-                <a16:creationId xmlns:a16="http://schemas.microsoft.com/office/drawing/2014/main" id="{6EB2EAA5-AB10-4729-3F72-024D44311341}"/>
-              </a:ext>
-            </a:extLst>
-          </p:cNvPr>
-          <p:cNvPicPr>
-            <a:picLocks noChangeAspect="1"/>
-          </p:cNvPicPr>
-          <p:nvPr/>
-        </p:nvPicPr>
-        <p:blipFill>
-          <a:blip r:embed="rId3"/>
           <a:stretch>
             <a:fillRect/>
           </a:stretch>
@@ -11132,6 +11103,310 @@
           </a:p>
         </p:txBody>
       </p:sp>
+      <p:pic>
+        <p:nvPicPr>
+          <p:cNvPr id="11" name="Obrázek 10">
+            <a:extLst>
+              <a:ext uri="{FF2B5EF4-FFF2-40B4-BE49-F238E27FC236}">
+                <a16:creationId xmlns:a16="http://schemas.microsoft.com/office/drawing/2014/main" id="{130EC6F6-3B02-7021-06A8-44EAD4D92E3E}"/>
+              </a:ext>
+            </a:extLst>
+          </p:cNvPr>
+          <p:cNvPicPr>
+            <a:picLocks noChangeAspect="1"/>
+          </p:cNvPicPr>
+          <p:nvPr/>
+        </p:nvPicPr>
+        <p:blipFill>
+          <a:blip r:embed="rId3"/>
+          <a:stretch>
+            <a:fillRect/>
+          </a:stretch>
+        </p:blipFill>
+        <p:spPr>
+          <a:xfrm>
+            <a:off x="1847613" y="4899346"/>
+            <a:ext cx="8248650" cy="1323975"/>
+          </a:xfrm>
+          <a:prstGeom prst="rect">
+            <a:avLst/>
+          </a:prstGeom>
+        </p:spPr>
+      </p:pic>
+      <p:pic>
+        <p:nvPicPr>
+          <p:cNvPr id="13" name="Obrázek 12">
+            <a:extLst>
+              <a:ext uri="{FF2B5EF4-FFF2-40B4-BE49-F238E27FC236}">
+                <a16:creationId xmlns:a16="http://schemas.microsoft.com/office/drawing/2014/main" id="{26AFBEF9-13C3-A8BB-881B-632CE333EA80}"/>
+              </a:ext>
+            </a:extLst>
+          </p:cNvPr>
+          <p:cNvPicPr>
+            <a:picLocks noChangeAspect="1"/>
+          </p:cNvPicPr>
+          <p:nvPr/>
+        </p:nvPicPr>
+        <p:blipFill>
+          <a:blip r:embed="rId4"/>
+          <a:stretch>
+            <a:fillRect/>
+          </a:stretch>
+        </p:blipFill>
+        <p:spPr>
+          <a:xfrm>
+            <a:off x="1971675" y="1946347"/>
+            <a:ext cx="8201025" cy="2438400"/>
+          </a:xfrm>
+          <a:prstGeom prst="rect">
+            <a:avLst/>
+          </a:prstGeom>
+        </p:spPr>
+      </p:pic>
+      <p:sp>
+        <p:nvSpPr>
+          <p:cNvPr id="14" name="TextovéPole 13">
+            <a:extLst>
+              <a:ext uri="{FF2B5EF4-FFF2-40B4-BE49-F238E27FC236}">
+                <a16:creationId xmlns:a16="http://schemas.microsoft.com/office/drawing/2014/main" id="{B616CBCD-D67E-29C2-AA99-9EDB25257730}"/>
+              </a:ext>
+            </a:extLst>
+          </p:cNvPr>
+          <p:cNvSpPr txBox="1"/>
+          <p:nvPr/>
+        </p:nvSpPr>
+        <p:spPr>
+          <a:xfrm>
+            <a:off x="666278" y="1296666"/>
+            <a:ext cx="10611321" cy="523220"/>
+          </a:xfrm>
+          <a:prstGeom prst="rect">
+            <a:avLst/>
+          </a:prstGeom>
+          <a:noFill/>
+        </p:spPr>
+        <p:txBody>
+          <a:bodyPr wrap="square" rtlCol="0">
+            <a:spAutoFit/>
+          </a:bodyPr>
+          <a:lstStyle/>
+          <a:p>
+            <a:r>
+              <a:rPr lang="en-GB" sz="2800" b="1" i="0" dirty="0" err="1">
+                <a:solidFill>
+                  <a:srgbClr val="030712"/>
+                </a:solidFill>
+                <a:effectLst/>
+                <a:latin typeface="ui-sans-serif"/>
+              </a:rPr>
+              <a:t>Nejlepší</a:t>
+            </a:r>
+            <a:r>
+              <a:rPr lang="en-GB" sz="2800" b="1" i="0" dirty="0">
+                <a:solidFill>
+                  <a:srgbClr val="030712"/>
+                </a:solidFill>
+                <a:effectLst/>
+                <a:latin typeface="ui-sans-serif"/>
+              </a:rPr>
+              <a:t> </a:t>
+            </a:r>
+            <a:r>
+              <a:rPr lang="en-GB" sz="2800" b="1" i="0" dirty="0" err="1">
+                <a:solidFill>
+                  <a:srgbClr val="030712"/>
+                </a:solidFill>
+                <a:effectLst/>
+                <a:latin typeface="ui-sans-serif"/>
+              </a:rPr>
+              <a:t>kombinace</a:t>
+            </a:r>
+            <a:r>
+              <a:rPr lang="en-GB" sz="2800" b="1" i="0" dirty="0">
+                <a:solidFill>
+                  <a:srgbClr val="030712"/>
+                </a:solidFill>
+                <a:effectLst/>
+                <a:latin typeface="ui-sans-serif"/>
+              </a:rPr>
+              <a:t> pro </a:t>
+            </a:r>
+            <a:r>
+              <a:rPr lang="en-GB" sz="2800" b="1" i="0" dirty="0" err="1">
+                <a:solidFill>
+                  <a:srgbClr val="030712"/>
+                </a:solidFill>
+                <a:effectLst/>
+                <a:latin typeface="ui-sans-serif"/>
+              </a:rPr>
+              <a:t>přenos</a:t>
+            </a:r>
+            <a:r>
+              <a:rPr lang="en-GB" sz="2800" b="1" i="0" dirty="0">
+                <a:solidFill>
+                  <a:srgbClr val="030712"/>
+                </a:solidFill>
+                <a:effectLst/>
+                <a:latin typeface="ui-sans-serif"/>
+              </a:rPr>
+              <a:t> </a:t>
+            </a:r>
+            <a:r>
+              <a:rPr lang="en-GB" sz="2800" b="1" i="0" dirty="0" err="1">
+                <a:solidFill>
+                  <a:srgbClr val="030712"/>
+                </a:solidFill>
+                <a:effectLst/>
+                <a:latin typeface="ui-sans-serif"/>
+              </a:rPr>
+              <a:t>souborů</a:t>
+            </a:r>
+            <a:r>
+              <a:rPr lang="en-GB" sz="2800" b="1" i="0" dirty="0">
+                <a:solidFill>
+                  <a:srgbClr val="030712"/>
+                </a:solidFill>
+                <a:effectLst/>
+                <a:latin typeface="ui-sans-serif"/>
+              </a:rPr>
+              <a:t> (</a:t>
+            </a:r>
+            <a:r>
+              <a:rPr lang="en-GB" sz="2800" b="1" i="0" dirty="0" err="1">
+                <a:solidFill>
+                  <a:srgbClr val="030712"/>
+                </a:solidFill>
+                <a:effectLst/>
+                <a:latin typeface="ui-sans-serif"/>
+              </a:rPr>
+              <a:t>průměr</a:t>
+            </a:r>
+            <a:r>
+              <a:rPr lang="en-GB" sz="2800" b="1" i="0" dirty="0">
+                <a:solidFill>
+                  <a:srgbClr val="030712"/>
+                </a:solidFill>
+                <a:effectLst/>
+                <a:latin typeface="ui-sans-serif"/>
+              </a:rPr>
+              <a:t> </a:t>
+            </a:r>
+            <a:r>
+              <a:rPr lang="en-GB" sz="2800" b="1" i="0" dirty="0" err="1">
+                <a:solidFill>
+                  <a:srgbClr val="030712"/>
+                </a:solidFill>
+                <a:effectLst/>
+                <a:latin typeface="ui-sans-serif"/>
+              </a:rPr>
+              <a:t>všech</a:t>
+            </a:r>
+            <a:r>
+              <a:rPr lang="en-GB" sz="2800" b="1" i="0" dirty="0">
+                <a:solidFill>
+                  <a:srgbClr val="030712"/>
+                </a:solidFill>
+                <a:effectLst/>
+                <a:latin typeface="ui-sans-serif"/>
+              </a:rPr>
+              <a:t> </a:t>
+            </a:r>
+            <a:r>
+              <a:rPr lang="en-GB" sz="2800" b="1" i="0" dirty="0" err="1">
+                <a:solidFill>
+                  <a:srgbClr val="030712"/>
+                </a:solidFill>
+                <a:effectLst/>
+                <a:latin typeface="ui-sans-serif"/>
+              </a:rPr>
+              <a:t>velikostí</a:t>
+            </a:r>
+            <a:r>
+              <a:rPr lang="en-GB" sz="2800" b="1" i="0" dirty="0">
+                <a:solidFill>
+                  <a:srgbClr val="030712"/>
+                </a:solidFill>
+                <a:effectLst/>
+                <a:latin typeface="ui-sans-serif"/>
+              </a:rPr>
+              <a:t>)</a:t>
+            </a:r>
+            <a:endParaRPr lang="en-GB" sz="2800" b="1" dirty="0"/>
+          </a:p>
+        </p:txBody>
+      </p:sp>
+      <p:sp>
+        <p:nvSpPr>
+          <p:cNvPr id="15" name="TextovéPole 14">
+            <a:extLst>
+              <a:ext uri="{FF2B5EF4-FFF2-40B4-BE49-F238E27FC236}">
+                <a16:creationId xmlns:a16="http://schemas.microsoft.com/office/drawing/2014/main" id="{AF65B11A-6B6B-D46F-9AC7-84688B6894D3}"/>
+              </a:ext>
+            </a:extLst>
+          </p:cNvPr>
+          <p:cNvSpPr txBox="1"/>
+          <p:nvPr/>
+        </p:nvSpPr>
+        <p:spPr>
+          <a:xfrm>
+            <a:off x="578533" y="4376126"/>
+            <a:ext cx="10611321" cy="523220"/>
+          </a:xfrm>
+          <a:prstGeom prst="rect">
+            <a:avLst/>
+          </a:prstGeom>
+          <a:noFill/>
+        </p:spPr>
+        <p:txBody>
+          <a:bodyPr wrap="square" rtlCol="0">
+            <a:spAutoFit/>
+          </a:bodyPr>
+          <a:lstStyle/>
+          <a:p>
+            <a:r>
+              <a:rPr lang="en-GB" sz="2800" b="1" i="0" dirty="0">
+                <a:solidFill>
+                  <a:srgbClr val="030712"/>
+                </a:solidFill>
+                <a:effectLst/>
+                <a:latin typeface="ui-sans-serif"/>
+              </a:rPr>
+              <a:t>Nej</a:t>
+            </a:r>
+            <a:r>
+              <a:rPr lang="cs-CZ" sz="2800" b="1" i="0" dirty="0">
+                <a:solidFill>
+                  <a:srgbClr val="030712"/>
+                </a:solidFill>
+                <a:effectLst/>
+                <a:latin typeface="ui-sans-serif"/>
+              </a:rPr>
+              <a:t>pomalejší</a:t>
+            </a:r>
+            <a:r>
+              <a:rPr lang="en-GB" sz="2800" b="1" i="0" dirty="0">
+                <a:solidFill>
+                  <a:srgbClr val="030712"/>
+                </a:solidFill>
+                <a:effectLst/>
+                <a:latin typeface="ui-sans-serif"/>
+              </a:rPr>
+              <a:t> </a:t>
+            </a:r>
+            <a:r>
+              <a:rPr lang="cs-CZ" sz="2800" b="1" i="0" dirty="0">
+                <a:solidFill>
+                  <a:srgbClr val="030712"/>
+                </a:solidFill>
+                <a:effectLst/>
+                <a:latin typeface="ui-sans-serif"/>
+              </a:rPr>
+              <a:t>kombinace</a:t>
+            </a:r>
+            <a:endParaRPr lang="en-GB" sz="2800" b="1" dirty="0"/>
+          </a:p>
+        </p:txBody>
+      </p:sp>
     </p:spTree>
     <p:extLst>
       <p:ext uri="{BB962C8B-B14F-4D97-AF65-F5344CB8AC3E}">
@@ -11153,7 +11428,7 @@
         <p:cNvPr id="1" name="">
           <a:extLst>
             <a:ext uri="{FF2B5EF4-FFF2-40B4-BE49-F238E27FC236}">
-              <a16:creationId xmlns:a16="http://schemas.microsoft.com/office/drawing/2014/main" id="{29BB4504-5457-1463-5149-903402E74F92}"/>
+              <a16:creationId xmlns:a16="http://schemas.microsoft.com/office/drawing/2014/main" id="{0B4BE4D2-D3D4-BAF6-144A-DA123BA121CB}"/>
             </a:ext>
           </a:extLst>
         </p:cNvPr>
@@ -11173,7 +11448,7 @@
           <p:cNvPr id="5" name="Zástupný symbol pro číslo snímku 4">
             <a:extLst>
               <a:ext uri="{FF2B5EF4-FFF2-40B4-BE49-F238E27FC236}">
-                <a16:creationId xmlns:a16="http://schemas.microsoft.com/office/drawing/2014/main" id="{796AE311-FBC2-505E-6188-EE4F3414063E}"/>
+                <a16:creationId xmlns:a16="http://schemas.microsoft.com/office/drawing/2014/main" id="{0A9818D7-F494-2CD9-C2F9-70CAD28D1430}"/>
               </a:ext>
             </a:extLst>
           </p:cNvPr>
@@ -11202,7 +11477,7 @@
           <p:cNvPr id="6" name="Obdélník 5">
             <a:extLst>
               <a:ext uri="{FF2B5EF4-FFF2-40B4-BE49-F238E27FC236}">
-                <a16:creationId xmlns:a16="http://schemas.microsoft.com/office/drawing/2014/main" id="{2EB3FCC7-3D36-2684-F855-D227E243308F}"/>
+                <a16:creationId xmlns:a16="http://schemas.microsoft.com/office/drawing/2014/main" id="{DE80FE70-CAEB-F9F4-2EEA-E1E9F114844D}"/>
               </a:ext>
             </a:extLst>
           </p:cNvPr>
@@ -11254,7 +11529,7 @@
           <p:cNvPr id="7" name="Nadpis 1">
             <a:extLst>
               <a:ext uri="{FF2B5EF4-FFF2-40B4-BE49-F238E27FC236}">
-                <a16:creationId xmlns:a16="http://schemas.microsoft.com/office/drawing/2014/main" id="{6C6303FB-B554-9572-DBBC-98BDE67DCB19}"/>
+                <a16:creationId xmlns:a16="http://schemas.microsoft.com/office/drawing/2014/main" id="{4000DBA2-AFB6-D09B-B477-AF0C312BCA16}"/>
               </a:ext>
             </a:extLst>
           </p:cNvPr>
@@ -11281,7 +11556,7 @@
                   <a:srgbClr val="FF0000"/>
                 </a:solidFill>
               </a:rPr>
-              <a:t>Doporučení na základě testování</a:t>
+              <a:t>Výsledky testování</a:t>
             </a:r>
             <a:endParaRPr lang="en-GB" dirty="0">
               <a:solidFill>
@@ -11296,7 +11571,7 @@
           <p:cNvPr id="4" name="Obrázek 3">
             <a:extLst>
               <a:ext uri="{FF2B5EF4-FFF2-40B4-BE49-F238E27FC236}">
-                <a16:creationId xmlns:a16="http://schemas.microsoft.com/office/drawing/2014/main" id="{B6A6BA83-EB57-899F-D8DD-F0062A3CE0A7}"/>
+                <a16:creationId xmlns:a16="http://schemas.microsoft.com/office/drawing/2014/main" id="{545F3921-CA5B-C80A-BE18-2817F382829C}"/>
               </a:ext>
             </a:extLst>
           </p:cNvPr>
@@ -11307,36 +11582,6 @@
         </p:nvPicPr>
         <p:blipFill>
           <a:blip r:embed="rId2"/>
-          <a:stretch>
-            <a:fillRect/>
-          </a:stretch>
-        </p:blipFill>
-        <p:spPr>
-          <a:xfrm>
-            <a:off x="1985962" y="1281112"/>
-            <a:ext cx="8220075" cy="4295775"/>
-          </a:xfrm>
-          <a:prstGeom prst="rect">
-            <a:avLst/>
-          </a:prstGeom>
-        </p:spPr>
-      </p:pic>
-      <p:pic>
-        <p:nvPicPr>
-          <p:cNvPr id="8" name="Obrázek 7">
-            <a:extLst>
-              <a:ext uri="{FF2B5EF4-FFF2-40B4-BE49-F238E27FC236}">
-                <a16:creationId xmlns:a16="http://schemas.microsoft.com/office/drawing/2014/main" id="{58C15B4E-3796-771D-47A8-1F0248B0A66D}"/>
-              </a:ext>
-            </a:extLst>
-          </p:cNvPr>
-          <p:cNvPicPr>
-            <a:picLocks noChangeAspect="1"/>
-          </p:cNvPicPr>
-          <p:nvPr/>
-        </p:nvPicPr>
-        <p:blipFill>
-          <a:blip r:embed="rId3"/>
           <a:stretch>
             <a:fillRect/>
           </a:stretch>
@@ -11353,10 +11598,10 @@
       </p:pic>
       <p:sp>
         <p:nvSpPr>
-          <p:cNvPr id="9" name="Obdélník 8">
-            <a:extLst>
-              <a:ext uri="{FF2B5EF4-FFF2-40B4-BE49-F238E27FC236}">
-                <a16:creationId xmlns:a16="http://schemas.microsoft.com/office/drawing/2014/main" id="{4DC50664-6B0E-858D-A60C-3FDB2FAD98CE}"/>
+          <p:cNvPr id="8" name="Obdélník 7">
+            <a:extLst>
+              <a:ext uri="{FF2B5EF4-FFF2-40B4-BE49-F238E27FC236}">
+                <a16:creationId xmlns:a16="http://schemas.microsoft.com/office/drawing/2014/main" id="{B50F18CF-E31D-FF68-A870-E31A200F2F9E}"/>
               </a:ext>
             </a:extLst>
           </p:cNvPr>
@@ -11403,10 +11648,162 @@
           </a:p>
         </p:txBody>
       </p:sp>
+      <p:pic>
+        <p:nvPicPr>
+          <p:cNvPr id="9" name="Obrázek 8">
+            <a:extLst>
+              <a:ext uri="{FF2B5EF4-FFF2-40B4-BE49-F238E27FC236}">
+                <a16:creationId xmlns:a16="http://schemas.microsoft.com/office/drawing/2014/main" id="{4C54FCB8-304C-DC5C-9158-D04673F9CAAB}"/>
+              </a:ext>
+            </a:extLst>
+          </p:cNvPr>
+          <p:cNvPicPr>
+            <a:picLocks noChangeAspect="1"/>
+          </p:cNvPicPr>
+          <p:nvPr/>
+        </p:nvPicPr>
+        <p:blipFill>
+          <a:blip r:embed="rId3"/>
+          <a:stretch>
+            <a:fillRect/>
+          </a:stretch>
+        </p:blipFill>
+        <p:spPr>
+          <a:xfrm>
+            <a:off x="1850159" y="2175600"/>
+            <a:ext cx="8343900" cy="3648075"/>
+          </a:xfrm>
+          <a:prstGeom prst="rect">
+            <a:avLst/>
+          </a:prstGeom>
+        </p:spPr>
+      </p:pic>
+      <p:sp>
+        <p:nvSpPr>
+          <p:cNvPr id="10" name="TextovéPole 9">
+            <a:extLst>
+              <a:ext uri="{FF2B5EF4-FFF2-40B4-BE49-F238E27FC236}">
+                <a16:creationId xmlns:a16="http://schemas.microsoft.com/office/drawing/2014/main" id="{C9E22EA4-C22F-287F-CAD5-0CBFDE927B15}"/>
+              </a:ext>
+            </a:extLst>
+          </p:cNvPr>
+          <p:cNvSpPr txBox="1"/>
+          <p:nvPr/>
+        </p:nvSpPr>
+        <p:spPr>
+          <a:xfrm>
+            <a:off x="659786" y="1612077"/>
+            <a:ext cx="6950978" cy="523220"/>
+          </a:xfrm>
+          <a:prstGeom prst="rect">
+            <a:avLst/>
+          </a:prstGeom>
+          <a:noFill/>
+        </p:spPr>
+        <p:txBody>
+          <a:bodyPr wrap="square" rtlCol="0">
+            <a:spAutoFit/>
+          </a:bodyPr>
+          <a:lstStyle/>
+          <a:p>
+            <a:r>
+              <a:rPr lang="en-GB" sz="2800" b="1" i="0" dirty="0" err="1">
+                <a:solidFill>
+                  <a:srgbClr val="030712"/>
+                </a:solidFill>
+                <a:effectLst/>
+                <a:latin typeface="ui-sans-serif"/>
+              </a:rPr>
+              <a:t>Rychlost</a:t>
+            </a:r>
+            <a:r>
+              <a:rPr lang="en-GB" sz="2800" b="1" i="0" dirty="0">
+                <a:solidFill>
+                  <a:srgbClr val="030712"/>
+                </a:solidFill>
+                <a:effectLst/>
+                <a:latin typeface="ui-sans-serif"/>
+              </a:rPr>
+              <a:t> </a:t>
+            </a:r>
+            <a:r>
+              <a:rPr lang="en-GB" sz="2800" b="1" i="0" dirty="0" err="1">
+                <a:solidFill>
+                  <a:srgbClr val="030712"/>
+                </a:solidFill>
+                <a:effectLst/>
+                <a:latin typeface="ui-sans-serif"/>
+              </a:rPr>
+              <a:t>přenosu</a:t>
+            </a:r>
+            <a:r>
+              <a:rPr lang="en-GB" sz="2800" b="1" i="0" dirty="0">
+                <a:solidFill>
+                  <a:srgbClr val="030712"/>
+                </a:solidFill>
+                <a:effectLst/>
+                <a:latin typeface="ui-sans-serif"/>
+              </a:rPr>
+              <a:t> </a:t>
+            </a:r>
+            <a:r>
+              <a:rPr lang="en-GB" sz="2800" b="1" i="0" dirty="0" err="1">
+                <a:solidFill>
+                  <a:srgbClr val="030712"/>
+                </a:solidFill>
+                <a:effectLst/>
+                <a:latin typeface="ui-sans-serif"/>
+              </a:rPr>
+              <a:t>podle</a:t>
+            </a:r>
+            <a:r>
+              <a:rPr lang="en-GB" sz="2800" b="1" i="0" dirty="0">
+                <a:solidFill>
+                  <a:srgbClr val="030712"/>
+                </a:solidFill>
+                <a:effectLst/>
+                <a:latin typeface="ui-sans-serif"/>
+              </a:rPr>
+              <a:t> </a:t>
+            </a:r>
+            <a:r>
+              <a:rPr lang="en-GB" sz="2800" b="1" i="0" dirty="0" err="1">
+                <a:solidFill>
+                  <a:srgbClr val="030712"/>
+                </a:solidFill>
+                <a:effectLst/>
+                <a:latin typeface="ui-sans-serif"/>
+              </a:rPr>
+              <a:t>velikosti</a:t>
+            </a:r>
+            <a:r>
+              <a:rPr lang="en-GB" sz="2800" b="1" i="0" dirty="0">
+                <a:solidFill>
+                  <a:srgbClr val="030712"/>
+                </a:solidFill>
+                <a:effectLst/>
+                <a:latin typeface="ui-sans-serif"/>
+              </a:rPr>
+              <a:t> </a:t>
+            </a:r>
+            <a:r>
+              <a:rPr lang="en-GB" sz="2800" b="1" i="0" dirty="0" err="1">
+                <a:solidFill>
+                  <a:srgbClr val="030712"/>
+                </a:solidFill>
+                <a:effectLst/>
+                <a:latin typeface="ui-sans-serif"/>
+              </a:rPr>
+              <a:t>souboru</a:t>
+            </a:r>
+            <a:endParaRPr lang="en-GB" sz="2800" b="1" dirty="0"/>
+          </a:p>
+        </p:txBody>
+      </p:sp>
     </p:spTree>
     <p:extLst>
       <p:ext uri="{BB962C8B-B14F-4D97-AF65-F5344CB8AC3E}">
-        <p14:creationId xmlns:p14="http://schemas.microsoft.com/office/powerpoint/2010/main" val="3529689052"/>
+        <p14:creationId xmlns:p14="http://schemas.microsoft.com/office/powerpoint/2010/main" val="4041539144"/>
       </p:ext>
     </p:extLst>
   </p:cSld>
@@ -11421,7 +11818,13 @@
   <p:cSld>
     <p:spTree>
       <p:nvGrpSpPr>
-        <p:cNvPr id="1" name=""/>
+        <p:cNvPr id="1" name="">
+          <a:extLst>
+            <a:ext uri="{FF2B5EF4-FFF2-40B4-BE49-F238E27FC236}">
+              <a16:creationId xmlns:a16="http://schemas.microsoft.com/office/drawing/2014/main" id="{29BB4504-5457-1463-5149-903402E74F92}"/>
+            </a:ext>
+          </a:extLst>
+        </p:cNvPr>
         <p:cNvGrpSpPr/>
         <p:nvPr/>
       </p:nvGrpSpPr>
@@ -11435,10 +11838,39 @@
       </p:grpSpPr>
       <p:sp>
         <p:nvSpPr>
+          <p:cNvPr id="5" name="Zástupný symbol pro číslo snímku 4">
+            <a:extLst>
+              <a:ext uri="{FF2B5EF4-FFF2-40B4-BE49-F238E27FC236}">
+                <a16:creationId xmlns:a16="http://schemas.microsoft.com/office/drawing/2014/main" id="{796AE311-FBC2-505E-6188-EE4F3414063E}"/>
+              </a:ext>
+            </a:extLst>
+          </p:cNvPr>
+          <p:cNvSpPr>
+            <a:spLocks noGrp="1"/>
+          </p:cNvSpPr>
+          <p:nvPr>
+            <p:ph type="sldNum" sz="quarter" idx="12"/>
+          </p:nvPr>
+        </p:nvSpPr>
+        <p:spPr/>
+        <p:txBody>
+          <a:bodyPr/>
+          <a:lstStyle/>
+          <a:p>
+            <a:fld id="{2396986B-09E1-422F-9D6D-F3432B0D2D09}" type="slidenum">
+              <a:rPr lang="en-GB" smtClean="0"/>
+              <a:t>23</a:t>
+            </a:fld>
+            <a:endParaRPr lang="en-GB"/>
+          </a:p>
+        </p:txBody>
+      </p:sp>
+      <p:sp>
+        <p:nvSpPr>
           <p:cNvPr id="6" name="Obdélník 5">
             <a:extLst>
               <a:ext uri="{FF2B5EF4-FFF2-40B4-BE49-F238E27FC236}">
-                <a16:creationId xmlns:a16="http://schemas.microsoft.com/office/drawing/2014/main" id="{9AB1E2E0-E445-7609-3BC3-2408D765191C}"/>
+                <a16:creationId xmlns:a16="http://schemas.microsoft.com/office/drawing/2014/main" id="{2EB3FCC7-3D36-2684-F855-D227E243308F}"/>
               </a:ext>
             </a:extLst>
           </p:cNvPr>
@@ -11481,16 +11913,16 @@
           <a:lstStyle/>
           <a:p>
             <a:pPr algn="ctr"/>
-            <a:endParaRPr lang="en-GB"/>
-          </a:p>
-        </p:txBody>
-      </p:sp>
-      <p:sp>
-        <p:nvSpPr>
-          <p:cNvPr id="2" name="Nadpis 1">
-            <a:extLst>
-              <a:ext uri="{FF2B5EF4-FFF2-40B4-BE49-F238E27FC236}">
-                <a16:creationId xmlns:a16="http://schemas.microsoft.com/office/drawing/2014/main" id="{E85E28AF-D31F-9986-04D8-696B845F2560}"/>
+            <a:endParaRPr lang="en-GB" dirty="0"/>
+          </a:p>
+        </p:txBody>
+      </p:sp>
+      <p:sp>
+        <p:nvSpPr>
+          <p:cNvPr id="7" name="Nadpis 1">
+            <a:extLst>
+              <a:ext uri="{FF2B5EF4-FFF2-40B4-BE49-F238E27FC236}">
+                <a16:creationId xmlns:a16="http://schemas.microsoft.com/office/drawing/2014/main" id="{6C6303FB-B554-9572-DBBC-98BDE67DCB19}"/>
               </a:ext>
             </a:extLst>
           </p:cNvPr>
@@ -11503,7 +11935,7 @@
         </p:nvSpPr>
         <p:spPr>
           <a:xfrm>
-            <a:off x="0" y="-11363"/>
+            <a:off x="0" y="0"/>
             <a:ext cx="10515600" cy="1325563"/>
           </a:xfrm>
         </p:spPr>
@@ -11512,20 +11944,12 @@
           <a:lstStyle/>
           <a:p>
             <a:r>
-              <a:rPr lang="cs-CZ" dirty="0" err="1">
+              <a:rPr lang="cs-CZ" dirty="0">
                 <a:solidFill>
                   <a:srgbClr val="FF0000"/>
                 </a:solidFill>
               </a:rPr>
-              <a:t>Ukazka</a:t>
-            </a:r>
-            <a:r>
-              <a:rPr lang="cs-CZ" dirty="0">
-                <a:solidFill>
-                  <a:srgbClr val="FF0000"/>
-                </a:solidFill>
-              </a:rPr>
-              <a:t> Aplikace</a:t>
+              <a:t>Doporučení na základě testování</a:t>
             </a:r>
             <a:endParaRPr lang="en-GB" dirty="0">
               <a:solidFill>
@@ -11535,74 +11959,12 @@
           </a:p>
         </p:txBody>
       </p:sp>
-      <p:sp>
-        <p:nvSpPr>
-          <p:cNvPr id="3" name="Zástupný obsah 2">
-            <a:extLst>
-              <a:ext uri="{FF2B5EF4-FFF2-40B4-BE49-F238E27FC236}">
-                <a16:creationId xmlns:a16="http://schemas.microsoft.com/office/drawing/2014/main" id="{D0CB7290-F736-14F9-C8FD-B9CDA15801A9}"/>
-              </a:ext>
-            </a:extLst>
-          </p:cNvPr>
-          <p:cNvSpPr>
-            <a:spLocks noGrp="1"/>
-          </p:cNvSpPr>
-          <p:nvPr>
-            <p:ph sz="half" idx="1"/>
-          </p:nvPr>
-        </p:nvSpPr>
-        <p:spPr>
-          <a:xfrm>
-            <a:off x="372324" y="1690688"/>
-            <a:ext cx="11447352" cy="4351338"/>
-          </a:xfrm>
-        </p:spPr>
-        <p:txBody>
-          <a:bodyPr/>
-          <a:lstStyle/>
-          <a:p>
-            <a:pPr marL="0" indent="0">
-              <a:buNone/>
-            </a:pPr>
-            <a:endParaRPr lang="cs-CZ" dirty="0"/>
-          </a:p>
-        </p:txBody>
-      </p:sp>
-      <p:sp>
-        <p:nvSpPr>
-          <p:cNvPr id="5" name="Zástupný symbol pro číslo snímku 4">
-            <a:extLst>
-              <a:ext uri="{FF2B5EF4-FFF2-40B4-BE49-F238E27FC236}">
-                <a16:creationId xmlns:a16="http://schemas.microsoft.com/office/drawing/2014/main" id="{A4AF7EF7-19BA-3A65-E16C-250A6BF0B8F4}"/>
-              </a:ext>
-            </a:extLst>
-          </p:cNvPr>
-          <p:cNvSpPr>
-            <a:spLocks noGrp="1"/>
-          </p:cNvSpPr>
-          <p:nvPr>
-            <p:ph type="sldNum" sz="quarter" idx="12"/>
-          </p:nvPr>
-        </p:nvSpPr>
-        <p:spPr/>
-        <p:txBody>
-          <a:bodyPr/>
-          <a:lstStyle/>
-          <a:p>
-            <a:fld id="{2396986B-09E1-422F-9D6D-F3432B0D2D09}" type="slidenum">
-              <a:rPr lang="en-GB" smtClean="0"/>
-              <a:t>23</a:t>
-            </a:fld>
-            <a:endParaRPr lang="en-GB"/>
-          </a:p>
-        </p:txBody>
-      </p:sp>
       <p:pic>
         <p:nvPicPr>
-          <p:cNvPr id="7" name="Obrázek 6">
-            <a:extLst>
-              <a:ext uri="{FF2B5EF4-FFF2-40B4-BE49-F238E27FC236}">
-                <a16:creationId xmlns:a16="http://schemas.microsoft.com/office/drawing/2014/main" id="{42C9C5F8-45A3-7588-5E5A-96B6E799EEAA}"/>
+          <p:cNvPr id="4" name="Obrázek 3">
+            <a:extLst>
+              <a:ext uri="{FF2B5EF4-FFF2-40B4-BE49-F238E27FC236}">
+                <a16:creationId xmlns:a16="http://schemas.microsoft.com/office/drawing/2014/main" id="{B6A6BA83-EB57-899F-D8DD-F0062A3CE0A7}"/>
               </a:ext>
             </a:extLst>
           </p:cNvPr>
@@ -11613,6 +11975,36 @@
         </p:nvPicPr>
         <p:blipFill>
           <a:blip r:embed="rId2"/>
+          <a:stretch>
+            <a:fillRect/>
+          </a:stretch>
+        </p:blipFill>
+        <p:spPr>
+          <a:xfrm>
+            <a:off x="1985962" y="1281112"/>
+            <a:ext cx="8220075" cy="4295775"/>
+          </a:xfrm>
+          <a:prstGeom prst="rect">
+            <a:avLst/>
+          </a:prstGeom>
+        </p:spPr>
+      </p:pic>
+      <p:pic>
+        <p:nvPicPr>
+          <p:cNvPr id="8" name="Obrázek 7">
+            <a:extLst>
+              <a:ext uri="{FF2B5EF4-FFF2-40B4-BE49-F238E27FC236}">
+                <a16:creationId xmlns:a16="http://schemas.microsoft.com/office/drawing/2014/main" id="{58C15B4E-3796-771D-47A8-1F0248B0A66D}"/>
+              </a:ext>
+            </a:extLst>
+          </p:cNvPr>
+          <p:cNvPicPr>
+            <a:picLocks noChangeAspect="1"/>
+          </p:cNvPicPr>
+          <p:nvPr/>
+        </p:nvPicPr>
+        <p:blipFill>
+          <a:blip r:embed="rId3"/>
           <a:stretch>
             <a:fillRect/>
           </a:stretch>
@@ -11629,10 +12021,10 @@
       </p:pic>
       <p:sp>
         <p:nvSpPr>
-          <p:cNvPr id="8" name="Obdélník 7">
-            <a:extLst>
-              <a:ext uri="{FF2B5EF4-FFF2-40B4-BE49-F238E27FC236}">
-                <a16:creationId xmlns:a16="http://schemas.microsoft.com/office/drawing/2014/main" id="{D2798C63-D0C7-8503-BE22-A0C93FE44363}"/>
+          <p:cNvPr id="9" name="Obdélník 8">
+            <a:extLst>
+              <a:ext uri="{FF2B5EF4-FFF2-40B4-BE49-F238E27FC236}">
+                <a16:creationId xmlns:a16="http://schemas.microsoft.com/office/drawing/2014/main" id="{4DC50664-6B0E-858D-A60C-3FDB2FAD98CE}"/>
               </a:ext>
             </a:extLst>
           </p:cNvPr>
@@ -11682,6 +12074,282 @@
     </p:spTree>
     <p:extLst>
       <p:ext uri="{BB962C8B-B14F-4D97-AF65-F5344CB8AC3E}">
+        <p14:creationId xmlns:p14="http://schemas.microsoft.com/office/powerpoint/2010/main" val="3529689052"/>
+      </p:ext>
+    </p:extLst>
+  </p:cSld>
+  <p:clrMapOvr>
+    <a:masterClrMapping/>
+  </p:clrMapOvr>
+</p:sld>
+</file>
+
+<file path=ppt/slides/slide24.xml><?xml version="1.0" encoding="utf-8"?>
+<p:sld xmlns:a="http://schemas.openxmlformats.org/drawingml/2006/main" xmlns:r="http://schemas.openxmlformats.org/officeDocument/2006/relationships" xmlns:p="http://schemas.openxmlformats.org/presentationml/2006/main">
+  <p:cSld>
+    <p:spTree>
+      <p:nvGrpSpPr>
+        <p:cNvPr id="1" name=""/>
+        <p:cNvGrpSpPr/>
+        <p:nvPr/>
+      </p:nvGrpSpPr>
+      <p:grpSpPr>
+        <a:xfrm>
+          <a:off x="0" y="0"/>
+          <a:ext cx="0" cy="0"/>
+          <a:chOff x="0" y="0"/>
+          <a:chExt cx="0" cy="0"/>
+        </a:xfrm>
+      </p:grpSpPr>
+      <p:sp>
+        <p:nvSpPr>
+          <p:cNvPr id="6" name="Obdélník 5">
+            <a:extLst>
+              <a:ext uri="{FF2B5EF4-FFF2-40B4-BE49-F238E27FC236}">
+                <a16:creationId xmlns:a16="http://schemas.microsoft.com/office/drawing/2014/main" id="{9AB1E2E0-E445-7609-3BC3-2408D765191C}"/>
+              </a:ext>
+            </a:extLst>
+          </p:cNvPr>
+          <p:cNvSpPr/>
+          <p:nvPr/>
+        </p:nvSpPr>
+        <p:spPr>
+          <a:xfrm>
+            <a:off x="0" y="-1"/>
+            <a:ext cx="12192000" cy="1116703"/>
+          </a:xfrm>
+          <a:prstGeom prst="rect">
+            <a:avLst/>
+          </a:prstGeom>
+          <a:solidFill>
+            <a:schemeClr val="bg2"/>
+          </a:solidFill>
+          <a:ln>
+            <a:noFill/>
+          </a:ln>
+        </p:spPr>
+        <p:style>
+          <a:lnRef idx="2">
+            <a:schemeClr val="accent1">
+              <a:shade val="15000"/>
+            </a:schemeClr>
+          </a:lnRef>
+          <a:fillRef idx="1">
+            <a:schemeClr val="accent1"/>
+          </a:fillRef>
+          <a:effectRef idx="0">
+            <a:schemeClr val="accent1"/>
+          </a:effectRef>
+          <a:fontRef idx="minor">
+            <a:schemeClr val="lt1"/>
+          </a:fontRef>
+        </p:style>
+        <p:txBody>
+          <a:bodyPr rtlCol="0" anchor="ctr"/>
+          <a:lstStyle/>
+          <a:p>
+            <a:pPr algn="ctr"/>
+            <a:endParaRPr lang="en-GB"/>
+          </a:p>
+        </p:txBody>
+      </p:sp>
+      <p:sp>
+        <p:nvSpPr>
+          <p:cNvPr id="2" name="Nadpis 1">
+            <a:extLst>
+              <a:ext uri="{FF2B5EF4-FFF2-40B4-BE49-F238E27FC236}">
+                <a16:creationId xmlns:a16="http://schemas.microsoft.com/office/drawing/2014/main" id="{E85E28AF-D31F-9986-04D8-696B845F2560}"/>
+              </a:ext>
+            </a:extLst>
+          </p:cNvPr>
+          <p:cNvSpPr>
+            <a:spLocks noGrp="1"/>
+          </p:cNvSpPr>
+          <p:nvPr>
+            <p:ph type="title"/>
+          </p:nvPr>
+        </p:nvSpPr>
+        <p:spPr>
+          <a:xfrm>
+            <a:off x="0" y="-11363"/>
+            <a:ext cx="10515600" cy="1325563"/>
+          </a:xfrm>
+        </p:spPr>
+        <p:txBody>
+          <a:bodyPr/>
+          <a:lstStyle/>
+          <a:p>
+            <a:r>
+              <a:rPr lang="cs-CZ" dirty="0" err="1">
+                <a:solidFill>
+                  <a:srgbClr val="FF0000"/>
+                </a:solidFill>
+              </a:rPr>
+              <a:t>Ukazka</a:t>
+            </a:r>
+            <a:r>
+              <a:rPr lang="cs-CZ" dirty="0">
+                <a:solidFill>
+                  <a:srgbClr val="FF0000"/>
+                </a:solidFill>
+              </a:rPr>
+              <a:t> Aplikace</a:t>
+            </a:r>
+            <a:endParaRPr lang="en-GB" dirty="0">
+              <a:solidFill>
+                <a:srgbClr val="FF0000"/>
+              </a:solidFill>
+            </a:endParaRPr>
+          </a:p>
+        </p:txBody>
+      </p:sp>
+      <p:sp>
+        <p:nvSpPr>
+          <p:cNvPr id="3" name="Zástupný obsah 2">
+            <a:extLst>
+              <a:ext uri="{FF2B5EF4-FFF2-40B4-BE49-F238E27FC236}">
+                <a16:creationId xmlns:a16="http://schemas.microsoft.com/office/drawing/2014/main" id="{D0CB7290-F736-14F9-C8FD-B9CDA15801A9}"/>
+              </a:ext>
+            </a:extLst>
+          </p:cNvPr>
+          <p:cNvSpPr>
+            <a:spLocks noGrp="1"/>
+          </p:cNvSpPr>
+          <p:nvPr>
+            <p:ph sz="half" idx="1"/>
+          </p:nvPr>
+        </p:nvSpPr>
+        <p:spPr>
+          <a:xfrm>
+            <a:off x="372324" y="1690688"/>
+            <a:ext cx="11447352" cy="4351338"/>
+          </a:xfrm>
+        </p:spPr>
+        <p:txBody>
+          <a:bodyPr/>
+          <a:lstStyle/>
+          <a:p>
+            <a:pPr marL="0" indent="0">
+              <a:buNone/>
+            </a:pPr>
+            <a:endParaRPr lang="cs-CZ" dirty="0"/>
+          </a:p>
+        </p:txBody>
+      </p:sp>
+      <p:sp>
+        <p:nvSpPr>
+          <p:cNvPr id="5" name="Zástupný symbol pro číslo snímku 4">
+            <a:extLst>
+              <a:ext uri="{FF2B5EF4-FFF2-40B4-BE49-F238E27FC236}">
+                <a16:creationId xmlns:a16="http://schemas.microsoft.com/office/drawing/2014/main" id="{A4AF7EF7-19BA-3A65-E16C-250A6BF0B8F4}"/>
+              </a:ext>
+            </a:extLst>
+          </p:cNvPr>
+          <p:cNvSpPr>
+            <a:spLocks noGrp="1"/>
+          </p:cNvSpPr>
+          <p:nvPr>
+            <p:ph type="sldNum" sz="quarter" idx="12"/>
+          </p:nvPr>
+        </p:nvSpPr>
+        <p:spPr/>
+        <p:txBody>
+          <a:bodyPr/>
+          <a:lstStyle/>
+          <a:p>
+            <a:fld id="{2396986B-09E1-422F-9D6D-F3432B0D2D09}" type="slidenum">
+              <a:rPr lang="en-GB" smtClean="0"/>
+              <a:t>24</a:t>
+            </a:fld>
+            <a:endParaRPr lang="en-GB"/>
+          </a:p>
+        </p:txBody>
+      </p:sp>
+      <p:pic>
+        <p:nvPicPr>
+          <p:cNvPr id="7" name="Obrázek 6">
+            <a:extLst>
+              <a:ext uri="{FF2B5EF4-FFF2-40B4-BE49-F238E27FC236}">
+                <a16:creationId xmlns:a16="http://schemas.microsoft.com/office/drawing/2014/main" id="{42C9C5F8-45A3-7588-5E5A-96B6E799EEAA}"/>
+              </a:ext>
+            </a:extLst>
+          </p:cNvPr>
+          <p:cNvPicPr>
+            <a:picLocks noChangeAspect="1"/>
+          </p:cNvPicPr>
+          <p:nvPr/>
+        </p:nvPicPr>
+        <p:blipFill>
+          <a:blip r:embed="rId2"/>
+          <a:stretch>
+            <a:fillRect/>
+          </a:stretch>
+        </p:blipFill>
+        <p:spPr>
+          <a:xfrm>
+            <a:off x="10113527" y="299406"/>
+            <a:ext cx="1556365" cy="493482"/>
+          </a:xfrm>
+          <a:prstGeom prst="rect">
+            <a:avLst/>
+          </a:prstGeom>
+        </p:spPr>
+      </p:pic>
+      <p:sp>
+        <p:nvSpPr>
+          <p:cNvPr id="8" name="Obdélník 7">
+            <a:extLst>
+              <a:ext uri="{FF2B5EF4-FFF2-40B4-BE49-F238E27FC236}">
+                <a16:creationId xmlns:a16="http://schemas.microsoft.com/office/drawing/2014/main" id="{D2798C63-D0C7-8503-BE22-A0C93FE44363}"/>
+              </a:ext>
+            </a:extLst>
+          </p:cNvPr>
+          <p:cNvSpPr/>
+          <p:nvPr/>
+        </p:nvSpPr>
+        <p:spPr>
+          <a:xfrm>
+            <a:off x="-1349" y="1070983"/>
+            <a:ext cx="860453" cy="45719"/>
+          </a:xfrm>
+          <a:prstGeom prst="rect">
+            <a:avLst/>
+          </a:prstGeom>
+          <a:solidFill>
+            <a:srgbClr val="FF0000"/>
+          </a:solidFill>
+          <a:ln>
+            <a:noFill/>
+          </a:ln>
+        </p:spPr>
+        <p:style>
+          <a:lnRef idx="2">
+            <a:schemeClr val="accent1">
+              <a:shade val="15000"/>
+            </a:schemeClr>
+          </a:lnRef>
+          <a:fillRef idx="1">
+            <a:schemeClr val="accent1"/>
+          </a:fillRef>
+          <a:effectRef idx="0">
+            <a:schemeClr val="accent1"/>
+          </a:effectRef>
+          <a:fontRef idx="minor">
+            <a:schemeClr val="lt1"/>
+          </a:fontRef>
+        </p:style>
+        <p:txBody>
+          <a:bodyPr rtlCol="0" anchor="ctr"/>
+          <a:lstStyle/>
+          <a:p>
+            <a:pPr algn="ctr"/>
+            <a:endParaRPr lang="en-GB"/>
+          </a:p>
+        </p:txBody>
+      </p:sp>
+    </p:spTree>
+    <p:extLst>
+      <p:ext uri="{BB962C8B-B14F-4D97-AF65-F5344CB8AC3E}">
         <p14:creationId xmlns:p14="http://schemas.microsoft.com/office/powerpoint/2010/main" val="943163058"/>
       </p:ext>
     </p:extLst>
@@ -11692,7 +12360,7 @@
 </p:sld>
 </file>
 
-<file path=ppt/slides/slide24.xml><?xml version="1.0" encoding="utf-8"?>
+<file path=ppt/slides/slide25.xml><?xml version="1.0" encoding="utf-8"?>
 <p:sld xmlns:a="http://schemas.openxmlformats.org/drawingml/2006/main" xmlns:r="http://schemas.openxmlformats.org/officeDocument/2006/relationships" xmlns:p="http://schemas.openxmlformats.org/presentationml/2006/main">
   <p:cSld>
     <p:spTree>
@@ -11822,7 +12490,7 @@
           <a:p>
             <a:fld id="{2396986B-09E1-422F-9D6D-F3432B0D2D09}" type="slidenum">
               <a:rPr lang="en-GB" smtClean="0"/>
-              <a:t>24</a:t>
+              <a:t>25</a:t>
             </a:fld>
             <a:endParaRPr lang="en-GB"/>
           </a:p>

--- a/docs/p2ppost_prezentace.pptx
+++ b/docs/p2ppost_prezentace.pptx
@@ -5,7 +5,7 @@
     <p:sldMasterId id="2147483672" r:id="rId1"/>
   </p:sldMasterIdLst>
   <p:notesMasterIdLst>
-    <p:notesMasterId r:id="rId24"/>
+    <p:notesMasterId r:id="rId25"/>
   </p:notesMasterIdLst>
   <p:sldIdLst>
     <p:sldId id="256" r:id="rId2"/>
@@ -28,8 +28,9 @@
     <p:sldId id="286" r:id="rId19"/>
     <p:sldId id="288" r:id="rId20"/>
     <p:sldId id="287" r:id="rId21"/>
-    <p:sldId id="280" r:id="rId22"/>
-    <p:sldId id="282" r:id="rId23"/>
+    <p:sldId id="289" r:id="rId22"/>
+    <p:sldId id="280" r:id="rId23"/>
+    <p:sldId id="282" r:id="rId24"/>
   </p:sldIdLst>
   <p:sldSz cx="12192000" cy="6858000"/>
   <p:notesSz cx="6858000" cy="9144000"/>
@@ -218,7 +219,7 @@
           <a:p>
             <a:fld id="{DD2E46A2-F158-4BED-A71D-F36B4700C14A}" type="datetimeFigureOut">
               <a:rPr lang="en-GB" smtClean="0"/>
-              <a:t>26/04/2025</a:t>
+              <a:t>29/04/2025</a:t>
             </a:fld>
             <a:endParaRPr lang="en-GB"/>
           </a:p>
@@ -635,7 +636,7 @@
           <a:p>
             <a:fld id="{CFBB353D-A9CC-4A50-AEB6-42341B31158E}" type="datetime1">
               <a:rPr lang="en-GB" smtClean="0"/>
-              <a:t>26/04/2025</a:t>
+              <a:t>29/04/2025</a:t>
             </a:fld>
             <a:endParaRPr lang="en-GB"/>
           </a:p>
@@ -835,7 +836,7 @@
           <a:p>
             <a:fld id="{EB96EF39-887F-41D7-8E72-6B975371605A}" type="datetime1">
               <a:rPr lang="en-GB" smtClean="0"/>
-              <a:t>26/04/2025</a:t>
+              <a:t>29/04/2025</a:t>
             </a:fld>
             <a:endParaRPr lang="en-GB"/>
           </a:p>
@@ -1045,7 +1046,7 @@
           <a:p>
             <a:fld id="{067D2E50-B61F-4B9C-A2ED-B350683F3156}" type="datetime1">
               <a:rPr lang="en-GB" smtClean="0"/>
-              <a:t>26/04/2025</a:t>
+              <a:t>29/04/2025</a:t>
             </a:fld>
             <a:endParaRPr lang="en-GB"/>
           </a:p>
@@ -1245,7 +1246,7 @@
           <a:p>
             <a:fld id="{DFD24230-BB46-4A99-92E0-5F7BD4039F61}" type="datetime1">
               <a:rPr lang="en-GB" smtClean="0"/>
-              <a:t>26/04/2025</a:t>
+              <a:t>29/04/2025</a:t>
             </a:fld>
             <a:endParaRPr lang="en-GB"/>
           </a:p>
@@ -1521,7 +1522,7 @@
           <a:p>
             <a:fld id="{8540C167-9577-4083-BD6E-9376B6373118}" type="datetime1">
               <a:rPr lang="en-GB" smtClean="0"/>
-              <a:t>26/04/2025</a:t>
+              <a:t>29/04/2025</a:t>
             </a:fld>
             <a:endParaRPr lang="en-GB"/>
           </a:p>
@@ -1789,7 +1790,7 @@
           <a:p>
             <a:fld id="{2EE73FD0-6BC8-4D2A-943F-1CE580F74102}" type="datetime1">
               <a:rPr lang="en-GB" smtClean="0"/>
-              <a:t>26/04/2025</a:t>
+              <a:t>29/04/2025</a:t>
             </a:fld>
             <a:endParaRPr lang="en-GB"/>
           </a:p>
@@ -2204,7 +2205,7 @@
           <a:p>
             <a:fld id="{5F74465D-695A-43BB-A2E4-5D251AF1F3FB}" type="datetime1">
               <a:rPr lang="en-GB" smtClean="0"/>
-              <a:t>26/04/2025</a:t>
+              <a:t>29/04/2025</a:t>
             </a:fld>
             <a:endParaRPr lang="en-GB"/>
           </a:p>
@@ -2346,7 +2347,7 @@
           <a:p>
             <a:fld id="{88357162-6A14-4212-A0A4-5C19A1008B56}" type="datetime1">
               <a:rPr lang="en-GB" smtClean="0"/>
-              <a:t>26/04/2025</a:t>
+              <a:t>29/04/2025</a:t>
             </a:fld>
             <a:endParaRPr lang="en-GB"/>
           </a:p>
@@ -2459,7 +2460,7 @@
           <a:p>
             <a:fld id="{460961C2-EC52-4AA6-8B9A-E569488EF0AE}" type="datetime1">
               <a:rPr lang="en-GB" smtClean="0"/>
-              <a:t>26/04/2025</a:t>
+              <a:t>29/04/2025</a:t>
             </a:fld>
             <a:endParaRPr lang="en-GB"/>
           </a:p>
@@ -2772,7 +2773,7 @@
           <a:p>
             <a:fld id="{65D047CA-679E-4D26-97BE-4B49DD2A0BD5}" type="datetime1">
               <a:rPr lang="en-GB" smtClean="0"/>
-              <a:t>26/04/2025</a:t>
+              <a:t>29/04/2025</a:t>
             </a:fld>
             <a:endParaRPr lang="en-GB"/>
           </a:p>
@@ -3061,7 +3062,7 @@
           <a:p>
             <a:fld id="{5F7E52EE-56F2-41D1-BEFA-1CD00EAC2057}" type="datetime1">
               <a:rPr lang="en-GB" smtClean="0"/>
-              <a:t>26/04/2025</a:t>
+              <a:t>29/04/2025</a:t>
             </a:fld>
             <a:endParaRPr lang="en-GB"/>
           </a:p>
@@ -3304,7 +3305,7 @@
           <a:p>
             <a:fld id="{0C33FE3F-F1C9-475B-A681-8D66ED612CC1}" type="datetime1">
               <a:rPr lang="en-GB" smtClean="0"/>
-              <a:t>26/04/2025</a:t>
+              <a:t>29/04/2025</a:t>
             </a:fld>
             <a:endParaRPr lang="en-GB"/>
           </a:p>
@@ -6587,7 +6588,6 @@
                   <a:srgbClr val="030712"/>
                 </a:solidFill>
                 <a:effectLst/>
-                <a:latin typeface="ui-sans-serif"/>
               </a:rPr>
               <a:t>Dva</a:t>
             </a:r>
@@ -6597,7 +6597,6 @@
                   <a:srgbClr val="030712"/>
                 </a:solidFill>
                 <a:effectLst/>
-                <a:latin typeface="ui-sans-serif"/>
               </a:rPr>
               <a:t> </a:t>
             </a:r>
@@ -6607,7 +6606,6 @@
                   <a:srgbClr val="030712"/>
                 </a:solidFill>
                 <a:effectLst/>
-                <a:latin typeface="ui-sans-serif"/>
               </a:rPr>
               <a:t>základní</a:t>
             </a:r>
@@ -6617,7 +6615,6 @@
                   <a:srgbClr val="030712"/>
                 </a:solidFill>
                 <a:effectLst/>
-                <a:latin typeface="ui-sans-serif"/>
               </a:rPr>
               <a:t> </a:t>
             </a:r>
@@ -6627,7 +6624,6 @@
                   <a:srgbClr val="030712"/>
                 </a:solidFill>
                 <a:effectLst/>
-                <a:latin typeface="ui-sans-serif"/>
               </a:rPr>
               <a:t>přístupy</a:t>
             </a:r>
@@ -6637,7 +6633,6 @@
                   <a:srgbClr val="030712"/>
                 </a:solidFill>
                 <a:effectLst/>
-                <a:latin typeface="ui-sans-serif"/>
               </a:rPr>
               <a:t> k </a:t>
             </a:r>
@@ -6647,7 +6642,6 @@
                   <a:srgbClr val="030712"/>
                 </a:solidFill>
                 <a:effectLst/>
-                <a:latin typeface="ui-sans-serif"/>
               </a:rPr>
               <a:t>testování</a:t>
             </a:r>
@@ -6657,7 +6651,6 @@
                   <a:srgbClr val="030712"/>
                 </a:solidFill>
                 <a:effectLst/>
-                <a:latin typeface="ui-sans-serif"/>
               </a:rPr>
               <a:t>:</a:t>
             </a:r>
@@ -6675,7 +6668,6 @@
                   <a:srgbClr val="030712"/>
                 </a:solidFill>
                 <a:effectLst/>
-                <a:latin typeface="ui-sans-serif"/>
               </a:rPr>
               <a:t>1. Manuální </a:t>
             </a:r>
@@ -6685,7 +6677,6 @@
                   <a:srgbClr val="030712"/>
                 </a:solidFill>
                 <a:effectLst/>
-                <a:latin typeface="ui-sans-serif"/>
               </a:rPr>
               <a:t>testování</a:t>
             </a:r>
@@ -6695,7 +6686,6 @@
                   <a:srgbClr val="030712"/>
                 </a:solidFill>
                 <a:effectLst/>
-                <a:latin typeface="ui-sans-serif"/>
               </a:rPr>
               <a:t> UI a </a:t>
             </a:r>
@@ -6705,7 +6695,6 @@
                   <a:srgbClr val="030712"/>
                 </a:solidFill>
                 <a:effectLst/>
-                <a:latin typeface="ui-sans-serif"/>
               </a:rPr>
               <a:t>funkčnosti</a:t>
             </a:r>
@@ -6714,7 +6703,6 @@
                 <a:srgbClr val="030712"/>
               </a:solidFill>
               <a:effectLst/>
-              <a:latin typeface="ui-sans-serif"/>
             </a:endParaRPr>
           </a:p>
           <a:p>
@@ -6729,7 +6717,6 @@
                   <a:srgbClr val="030712"/>
                 </a:solidFill>
                 <a:effectLst/>
-                <a:latin typeface="ui-sans-serif"/>
               </a:rPr>
               <a:t>Testování</a:t>
             </a:r>
@@ -6739,7 +6726,6 @@
                   <a:srgbClr val="030712"/>
                 </a:solidFill>
                 <a:effectLst/>
-                <a:latin typeface="ui-sans-serif"/>
               </a:rPr>
               <a:t> </a:t>
             </a:r>
@@ -6749,7 +6735,6 @@
                   <a:srgbClr val="030712"/>
                 </a:solidFill>
                 <a:effectLst/>
-                <a:latin typeface="ui-sans-serif"/>
               </a:rPr>
               <a:t>uživatelského</a:t>
             </a:r>
@@ -6759,7 +6744,6 @@
                   <a:srgbClr val="030712"/>
                 </a:solidFill>
                 <a:effectLst/>
-                <a:latin typeface="ui-sans-serif"/>
               </a:rPr>
               <a:t> </a:t>
             </a:r>
@@ -6769,7 +6753,6 @@
                   <a:srgbClr val="030712"/>
                 </a:solidFill>
                 <a:effectLst/>
-                <a:latin typeface="ui-sans-serif"/>
               </a:rPr>
               <a:t>rozhraní</a:t>
             </a:r>
@@ -6778,7 +6761,6 @@
                 <a:srgbClr val="030712"/>
               </a:solidFill>
               <a:effectLst/>
-              <a:latin typeface="ui-sans-serif"/>
             </a:endParaRPr>
           </a:p>
           <a:p>
@@ -6793,7 +6775,6 @@
                   <a:srgbClr val="030712"/>
                 </a:solidFill>
                 <a:effectLst/>
-                <a:latin typeface="ui-sans-serif"/>
               </a:rPr>
               <a:t>Ověření</a:t>
             </a:r>
@@ -6803,7 +6784,6 @@
                   <a:srgbClr val="030712"/>
                 </a:solidFill>
                 <a:effectLst/>
-                <a:latin typeface="ui-sans-serif"/>
               </a:rPr>
               <a:t> </a:t>
             </a:r>
@@ -6813,7 +6793,6 @@
                   <a:srgbClr val="030712"/>
                 </a:solidFill>
                 <a:effectLst/>
-                <a:latin typeface="ui-sans-serif"/>
               </a:rPr>
               <a:t>spojení</a:t>
             </a:r>
@@ -6823,7 +6802,6 @@
                   <a:srgbClr val="030712"/>
                 </a:solidFill>
                 <a:effectLst/>
-                <a:latin typeface="ui-sans-serif"/>
               </a:rPr>
               <a:t> </a:t>
             </a:r>
@@ -6833,7 +6811,6 @@
                   <a:srgbClr val="030712"/>
                 </a:solidFill>
                 <a:effectLst/>
-                <a:latin typeface="ui-sans-serif"/>
               </a:rPr>
               <a:t>mezi</a:t>
             </a:r>
@@ -6843,7 +6820,6 @@
                   <a:srgbClr val="030712"/>
                 </a:solidFill>
                 <a:effectLst/>
-                <a:latin typeface="ui-sans-serif"/>
               </a:rPr>
               <a:t> </a:t>
             </a:r>
@@ -6853,7 +6829,6 @@
                   <a:srgbClr val="030712"/>
                 </a:solidFill>
                 <a:effectLst/>
-                <a:latin typeface="ui-sans-serif"/>
               </a:rPr>
               <a:t>stanicemi</a:t>
             </a:r>
@@ -6862,7 +6837,6 @@
                 <a:srgbClr val="030712"/>
               </a:solidFill>
               <a:effectLst/>
-              <a:latin typeface="ui-sans-serif"/>
             </a:endParaRPr>
           </a:p>
           <a:p>
@@ -6877,7 +6851,6 @@
                   <a:srgbClr val="030712"/>
                 </a:solidFill>
                 <a:effectLst/>
-                <a:latin typeface="ui-sans-serif"/>
               </a:rPr>
               <a:t>Výměna</a:t>
             </a:r>
@@ -6887,7 +6860,6 @@
                   <a:srgbClr val="030712"/>
                 </a:solidFill>
                 <a:effectLst/>
-                <a:latin typeface="ui-sans-serif"/>
               </a:rPr>
               <a:t> </a:t>
             </a:r>
@@ -6897,7 +6869,6 @@
                   <a:srgbClr val="030712"/>
                 </a:solidFill>
                 <a:effectLst/>
-                <a:latin typeface="ui-sans-serif"/>
               </a:rPr>
               <a:t>klíčů</a:t>
             </a:r>
@@ -6907,7 +6878,6 @@
                   <a:srgbClr val="030712"/>
                 </a:solidFill>
                 <a:effectLst/>
-                <a:latin typeface="ui-sans-serif"/>
               </a:rPr>
               <a:t> a </a:t>
             </a:r>
@@ -6917,7 +6887,6 @@
                   <a:srgbClr val="030712"/>
                 </a:solidFill>
                 <a:effectLst/>
-                <a:latin typeface="ui-sans-serif"/>
               </a:rPr>
               <a:t>šifrovaná</a:t>
             </a:r>
@@ -6927,7 +6896,6 @@
                   <a:srgbClr val="030712"/>
                 </a:solidFill>
                 <a:effectLst/>
-                <a:latin typeface="ui-sans-serif"/>
               </a:rPr>
               <a:t> </a:t>
             </a:r>
@@ -6937,7 +6905,6 @@
                   <a:srgbClr val="030712"/>
                 </a:solidFill>
                 <a:effectLst/>
-                <a:latin typeface="ui-sans-serif"/>
               </a:rPr>
               <a:t>komunikace</a:t>
             </a:r>
@@ -6946,7 +6913,6 @@
                 <a:srgbClr val="030712"/>
               </a:solidFill>
               <a:effectLst/>
-              <a:latin typeface="ui-sans-serif"/>
             </a:endParaRPr>
           </a:p>
           <a:p>
@@ -6961,7 +6927,6 @@
                   <a:srgbClr val="030712"/>
                 </a:solidFill>
                 <a:effectLst/>
-                <a:latin typeface="ui-sans-serif"/>
               </a:rPr>
               <a:t>Přenos</a:t>
             </a:r>
@@ -6971,7 +6936,6 @@
                   <a:srgbClr val="030712"/>
                 </a:solidFill>
                 <a:effectLst/>
-                <a:latin typeface="ui-sans-serif"/>
               </a:rPr>
               <a:t> </a:t>
             </a:r>
@@ -6981,7 +6945,6 @@
                   <a:srgbClr val="030712"/>
                 </a:solidFill>
                 <a:effectLst/>
-                <a:latin typeface="ui-sans-serif"/>
               </a:rPr>
               <a:t>souborů</a:t>
             </a:r>
@@ -6991,7 +6954,6 @@
                   <a:srgbClr val="030712"/>
                 </a:solidFill>
                 <a:effectLst/>
-                <a:latin typeface="ui-sans-serif"/>
               </a:rPr>
               <a:t> </a:t>
             </a:r>
@@ -7001,7 +6963,6 @@
                   <a:srgbClr val="030712"/>
                 </a:solidFill>
                 <a:effectLst/>
-                <a:latin typeface="ui-sans-serif"/>
               </a:rPr>
               <a:t>různých</a:t>
             </a:r>
@@ -7011,7 +6972,6 @@
                   <a:srgbClr val="030712"/>
                 </a:solidFill>
                 <a:effectLst/>
-                <a:latin typeface="ui-sans-serif"/>
               </a:rPr>
               <a:t> </a:t>
             </a:r>
@@ -7021,7 +6981,6 @@
                   <a:srgbClr val="030712"/>
                 </a:solidFill>
                 <a:effectLst/>
-                <a:latin typeface="ui-sans-serif"/>
               </a:rPr>
               <a:t>velikostí</a:t>
             </a:r>
@@ -7030,7 +6989,6 @@
                 <a:srgbClr val="030712"/>
               </a:solidFill>
               <a:effectLst/>
-              <a:latin typeface="ui-sans-serif"/>
             </a:endParaRPr>
           </a:p>
           <a:p>
@@ -7046,7 +7004,6 @@
                   <a:srgbClr val="030712"/>
                 </a:solidFill>
                 <a:effectLst/>
-                <a:latin typeface="ui-sans-serif"/>
               </a:rPr>
               <a:t>2. </a:t>
             </a:r>
@@ -7056,7 +7013,6 @@
                   <a:srgbClr val="030712"/>
                 </a:solidFill>
                 <a:effectLst/>
-                <a:latin typeface="ui-sans-serif"/>
               </a:rPr>
               <a:t>Automatizované</a:t>
             </a:r>
@@ -7066,7 +7022,6 @@
                   <a:srgbClr val="030712"/>
                 </a:solidFill>
                 <a:effectLst/>
-                <a:latin typeface="ui-sans-serif"/>
               </a:rPr>
               <a:t> </a:t>
             </a:r>
@@ -7076,7 +7031,6 @@
                   <a:srgbClr val="030712"/>
                 </a:solidFill>
                 <a:effectLst/>
-                <a:latin typeface="ui-sans-serif"/>
               </a:rPr>
               <a:t>testování</a:t>
             </a:r>
@@ -7086,7 +7040,6 @@
                   <a:srgbClr val="030712"/>
                 </a:solidFill>
                 <a:effectLst/>
-                <a:latin typeface="ui-sans-serif"/>
               </a:rPr>
               <a:t> </a:t>
             </a:r>
@@ -7096,7 +7049,6 @@
                   <a:srgbClr val="030712"/>
                 </a:solidFill>
                 <a:effectLst/>
-                <a:latin typeface="ui-sans-serif"/>
               </a:rPr>
               <a:t>kombinací</a:t>
             </a:r>
@@ -7106,7 +7058,6 @@
                   <a:srgbClr val="030712"/>
                 </a:solidFill>
                 <a:effectLst/>
-                <a:latin typeface="ui-sans-serif"/>
               </a:rPr>
               <a:t> </a:t>
             </a:r>
@@ -7116,16 +7067,23 @@
                   <a:srgbClr val="030712"/>
                 </a:solidFill>
                 <a:effectLst/>
-                <a:latin typeface="ui-sans-serif"/>
               </a:rPr>
               <a:t>algoritmů</a:t>
+            </a:r>
+            <a:r>
+              <a:rPr lang="cs-CZ" b="0" i="0" dirty="0">
+                <a:solidFill>
+                  <a:srgbClr val="030712"/>
+                </a:solidFill>
+                <a:effectLst/>
+              </a:rPr>
+              <a:t> pomocí skriptu</a:t>
             </a:r>
             <a:endParaRPr lang="en-GB" b="0" i="0" dirty="0">
               <a:solidFill>
                 <a:srgbClr val="030712"/>
               </a:solidFill>
               <a:effectLst/>
-              <a:latin typeface="ui-sans-serif"/>
             </a:endParaRPr>
           </a:p>
           <a:p>
@@ -7140,7 +7098,6 @@
                   <a:srgbClr val="030712"/>
                 </a:solidFill>
                 <a:effectLst/>
-                <a:latin typeface="ui-sans-serif"/>
               </a:rPr>
               <a:t>Testování</a:t>
             </a:r>
@@ -7150,7 +7107,6 @@
                   <a:srgbClr val="030712"/>
                 </a:solidFill>
                 <a:effectLst/>
-                <a:latin typeface="ui-sans-serif"/>
               </a:rPr>
               <a:t> </a:t>
             </a:r>
@@ -7160,7 +7116,6 @@
                   <a:srgbClr val="030712"/>
                 </a:solidFill>
                 <a:effectLst/>
-                <a:latin typeface="ui-sans-serif"/>
               </a:rPr>
               <a:t>všech</a:t>
             </a:r>
@@ -7170,7 +7125,6 @@
                   <a:srgbClr val="030712"/>
                 </a:solidFill>
                 <a:effectLst/>
-                <a:latin typeface="ui-sans-serif"/>
               </a:rPr>
               <a:t> </a:t>
             </a:r>
@@ -7180,7 +7134,6 @@
                   <a:srgbClr val="030712"/>
                 </a:solidFill>
                 <a:effectLst/>
-                <a:latin typeface="ui-sans-serif"/>
               </a:rPr>
               <a:t>kombinací</a:t>
             </a:r>
@@ -7190,7 +7143,6 @@
                   <a:srgbClr val="030712"/>
                 </a:solidFill>
                 <a:effectLst/>
-                <a:latin typeface="ui-sans-serif"/>
               </a:rPr>
               <a:t> </a:t>
             </a:r>
@@ -7200,7 +7152,6 @@
                   <a:srgbClr val="030712"/>
                 </a:solidFill>
                 <a:effectLst/>
-                <a:latin typeface="ui-sans-serif"/>
               </a:rPr>
               <a:t>algoritmů</a:t>
             </a:r>
@@ -7209,7 +7160,6 @@
                 <a:srgbClr val="030712"/>
               </a:solidFill>
               <a:effectLst/>
-              <a:latin typeface="ui-sans-serif"/>
             </a:endParaRPr>
           </a:p>
           <a:p>
@@ -7224,7 +7174,6 @@
                   <a:srgbClr val="030712"/>
                 </a:solidFill>
                 <a:effectLst/>
-                <a:latin typeface="ui-sans-serif"/>
               </a:rPr>
               <a:t>Měření</a:t>
             </a:r>
@@ -7234,7 +7183,6 @@
                   <a:srgbClr val="030712"/>
                 </a:solidFill>
                 <a:effectLst/>
-                <a:latin typeface="ui-sans-serif"/>
               </a:rPr>
               <a:t> </a:t>
             </a:r>
@@ -7244,7 +7192,6 @@
                   <a:srgbClr val="030712"/>
                 </a:solidFill>
                 <a:effectLst/>
-                <a:latin typeface="ui-sans-serif"/>
               </a:rPr>
               <a:t>rychlosti</a:t>
             </a:r>
@@ -7254,7 +7201,6 @@
                   <a:srgbClr val="030712"/>
                 </a:solidFill>
                 <a:effectLst/>
-                <a:latin typeface="ui-sans-serif"/>
               </a:rPr>
               <a:t> </a:t>
             </a:r>
@@ -7264,7 +7210,6 @@
                   <a:srgbClr val="030712"/>
                 </a:solidFill>
                 <a:effectLst/>
-                <a:latin typeface="ui-sans-serif"/>
               </a:rPr>
               <a:t>výměny</a:t>
             </a:r>
@@ -7274,7 +7219,6 @@
                   <a:srgbClr val="030712"/>
                 </a:solidFill>
                 <a:effectLst/>
-                <a:latin typeface="ui-sans-serif"/>
               </a:rPr>
               <a:t> </a:t>
             </a:r>
@@ -7284,7 +7228,6 @@
                   <a:srgbClr val="030712"/>
                 </a:solidFill>
                 <a:effectLst/>
-                <a:latin typeface="ui-sans-serif"/>
               </a:rPr>
               <a:t>klíčů</a:t>
             </a:r>
@@ -7293,7 +7236,6 @@
                 <a:srgbClr val="030712"/>
               </a:solidFill>
               <a:effectLst/>
-              <a:latin typeface="ui-sans-serif"/>
             </a:endParaRPr>
           </a:p>
           <a:p>
@@ -7308,7 +7250,6 @@
                   <a:srgbClr val="030712"/>
                 </a:solidFill>
                 <a:effectLst/>
-                <a:latin typeface="ui-sans-serif"/>
               </a:rPr>
               <a:t>Měření</a:t>
             </a:r>
@@ -7318,7 +7259,6 @@
                   <a:srgbClr val="030712"/>
                 </a:solidFill>
                 <a:effectLst/>
-                <a:latin typeface="ui-sans-serif"/>
               </a:rPr>
               <a:t> </a:t>
             </a:r>
@@ -7328,7 +7268,6 @@
                   <a:srgbClr val="030712"/>
                 </a:solidFill>
                 <a:effectLst/>
-                <a:latin typeface="ui-sans-serif"/>
               </a:rPr>
               <a:t>rychlosti</a:t>
             </a:r>
@@ -7338,7 +7277,6 @@
                   <a:srgbClr val="030712"/>
                 </a:solidFill>
                 <a:effectLst/>
-                <a:latin typeface="ui-sans-serif"/>
               </a:rPr>
               <a:t> </a:t>
             </a:r>
@@ -7348,7 +7286,6 @@
                   <a:srgbClr val="030712"/>
                 </a:solidFill>
                 <a:effectLst/>
-                <a:latin typeface="ui-sans-serif"/>
               </a:rPr>
               <a:t>přenosu</a:t>
             </a:r>
@@ -7358,7 +7295,6 @@
                   <a:srgbClr val="030712"/>
                 </a:solidFill>
                 <a:effectLst/>
-                <a:latin typeface="ui-sans-serif"/>
               </a:rPr>
               <a:t> </a:t>
             </a:r>
@@ -7368,7 +7304,6 @@
                   <a:srgbClr val="030712"/>
                 </a:solidFill>
                 <a:effectLst/>
-                <a:latin typeface="ui-sans-serif"/>
               </a:rPr>
               <a:t>souborů</a:t>
             </a:r>
@@ -7377,7 +7312,6 @@
                 <a:srgbClr val="030712"/>
               </a:solidFill>
               <a:effectLst/>
-              <a:latin typeface="ui-sans-serif"/>
             </a:endParaRPr>
           </a:p>
           <a:p>
@@ -7392,7 +7326,6 @@
                   <a:srgbClr val="030712"/>
                 </a:solidFill>
                 <a:effectLst/>
-                <a:latin typeface="ui-sans-serif"/>
               </a:rPr>
               <a:t>Generování</a:t>
             </a:r>
@@ -7402,7 +7335,6 @@
                   <a:srgbClr val="030712"/>
                 </a:solidFill>
                 <a:effectLst/>
-                <a:latin typeface="ui-sans-serif"/>
               </a:rPr>
               <a:t> </a:t>
             </a:r>
@@ -7412,7 +7344,6 @@
                   <a:srgbClr val="030712"/>
                 </a:solidFill>
                 <a:effectLst/>
-                <a:latin typeface="ui-sans-serif"/>
               </a:rPr>
               <a:t>podrobných</a:t>
             </a:r>
@@ -7422,7 +7353,6 @@
                   <a:srgbClr val="030712"/>
                 </a:solidFill>
                 <a:effectLst/>
-                <a:latin typeface="ui-sans-serif"/>
               </a:rPr>
               <a:t> </a:t>
             </a:r>
@@ -7432,7 +7362,6 @@
                   <a:srgbClr val="030712"/>
                 </a:solidFill>
                 <a:effectLst/>
-                <a:latin typeface="ui-sans-serif"/>
               </a:rPr>
               <a:t>reportů</a:t>
             </a:r>
@@ -7441,7 +7370,6 @@
                 <a:srgbClr val="030712"/>
               </a:solidFill>
               <a:effectLst/>
-              <a:latin typeface="ui-sans-serif"/>
             </a:endParaRPr>
           </a:p>
         </p:txBody>
@@ -7596,7 +7524,6 @@
                   <a:srgbClr val="030712"/>
                 </a:solidFill>
                 <a:effectLst/>
-                <a:latin typeface="ui-sans-serif"/>
               </a:rPr>
               <a:t>V</a:t>
             </a:r>
@@ -7606,7 +7533,6 @@
                   <a:srgbClr val="030712"/>
                 </a:solidFill>
                 <a:effectLst/>
-                <a:latin typeface="ui-sans-serif"/>
               </a:rPr>
               <a:t>ytvoření</a:t>
             </a:r>
@@ -7616,7 +7542,6 @@
                   <a:srgbClr val="030712"/>
                 </a:solidFill>
                 <a:effectLst/>
-                <a:latin typeface="ui-sans-serif"/>
               </a:rPr>
               <a:t> </a:t>
             </a:r>
@@ -7626,7 +7551,6 @@
                   <a:srgbClr val="030712"/>
                 </a:solidFill>
                 <a:effectLst/>
-                <a:latin typeface="ui-sans-serif"/>
               </a:rPr>
               <a:t>dvou</a:t>
             </a:r>
@@ -7636,7 +7560,6 @@
                   <a:srgbClr val="030712"/>
                 </a:solidFill>
                 <a:effectLst/>
-                <a:latin typeface="ui-sans-serif"/>
               </a:rPr>
               <a:t> </a:t>
             </a:r>
@@ -7646,7 +7569,6 @@
                   <a:srgbClr val="030712"/>
                 </a:solidFill>
                 <a:effectLst/>
-                <a:latin typeface="ui-sans-serif"/>
               </a:rPr>
               <a:t>testovacích</a:t>
             </a:r>
@@ -7656,7 +7578,6 @@
                   <a:srgbClr val="030712"/>
                 </a:solidFill>
                 <a:effectLst/>
-                <a:latin typeface="ui-sans-serif"/>
               </a:rPr>
               <a:t> </a:t>
             </a:r>
@@ -7666,7 +7587,6 @@
                   <a:srgbClr val="030712"/>
                 </a:solidFill>
                 <a:effectLst/>
-                <a:latin typeface="ui-sans-serif"/>
               </a:rPr>
               <a:t>uzlů</a:t>
             </a:r>
@@ -7676,7 +7596,6 @@
                   <a:srgbClr val="030712"/>
                 </a:solidFill>
                 <a:effectLst/>
-                <a:latin typeface="ui-sans-serif"/>
               </a:rPr>
               <a:t> (server a </a:t>
             </a:r>
@@ -7686,7 +7605,6 @@
                   <a:srgbClr val="030712"/>
                 </a:solidFill>
                 <a:effectLst/>
-                <a:latin typeface="ui-sans-serif"/>
               </a:rPr>
               <a:t>klient</a:t>
             </a:r>
@@ -7696,7 +7614,6 @@
                   <a:srgbClr val="030712"/>
                 </a:solidFill>
                 <a:effectLst/>
-                <a:latin typeface="ui-sans-serif"/>
               </a:rPr>
               <a:t>)</a:t>
             </a:r>
@@ -7705,7 +7622,6 @@
                 <a:srgbClr val="030712"/>
               </a:solidFill>
               <a:effectLst/>
-              <a:latin typeface="ui-sans-serif"/>
             </a:endParaRPr>
           </a:p>
           <a:p>
@@ -7722,7 +7638,6 @@
                   <a:srgbClr val="030712"/>
                 </a:solidFill>
                 <a:effectLst/>
-                <a:latin typeface="ui-sans-serif"/>
               </a:rPr>
               <a:t>Testování</a:t>
             </a:r>
@@ -7732,7 +7647,6 @@
                   <a:srgbClr val="030712"/>
                 </a:solidFill>
                 <a:effectLst/>
-                <a:latin typeface="ui-sans-serif"/>
               </a:rPr>
               <a:t> </a:t>
             </a:r>
@@ -7742,7 +7656,6 @@
                   <a:srgbClr val="030712"/>
                 </a:solidFill>
                 <a:effectLst/>
-                <a:latin typeface="ui-sans-serif"/>
               </a:rPr>
               <a:t>všech</a:t>
             </a:r>
@@ -7752,7 +7665,6 @@
                   <a:srgbClr val="030712"/>
                 </a:solidFill>
                 <a:effectLst/>
-                <a:latin typeface="ui-sans-serif"/>
               </a:rPr>
               <a:t> 108 </a:t>
             </a:r>
@@ -7762,7 +7674,6 @@
                   <a:srgbClr val="030712"/>
                 </a:solidFill>
                 <a:effectLst/>
-                <a:latin typeface="ui-sans-serif"/>
               </a:rPr>
               <a:t>kombinací</a:t>
             </a:r>
@@ -7772,7 +7683,6 @@
                   <a:srgbClr val="030712"/>
                 </a:solidFill>
                 <a:effectLst/>
-                <a:latin typeface="ui-sans-serif"/>
               </a:rPr>
               <a:t> </a:t>
             </a:r>
@@ -7782,7 +7692,6 @@
                   <a:srgbClr val="030712"/>
                 </a:solidFill>
                 <a:effectLst/>
-                <a:latin typeface="ui-sans-serif"/>
               </a:rPr>
               <a:t>kryptografických</a:t>
             </a:r>
@@ -7792,7 +7701,6 @@
                   <a:srgbClr val="030712"/>
                 </a:solidFill>
                 <a:effectLst/>
-                <a:latin typeface="ui-sans-serif"/>
               </a:rPr>
               <a:t> </a:t>
             </a:r>
@@ -7802,7 +7710,6 @@
                   <a:srgbClr val="030712"/>
                 </a:solidFill>
                 <a:effectLst/>
-                <a:latin typeface="ui-sans-serif"/>
               </a:rPr>
               <a:t>algoritmů</a:t>
             </a:r>
@@ -7812,7 +7719,6 @@
                   <a:srgbClr val="030712"/>
                 </a:solidFill>
                 <a:effectLst/>
-                <a:latin typeface="ui-sans-serif"/>
               </a:rPr>
               <a:t>:</a:t>
             </a:r>
@@ -7820,7 +7726,6 @@
               <a:solidFill>
                 <a:srgbClr val="030712"/>
               </a:solidFill>
-              <a:latin typeface="ui-sans-serif"/>
             </a:endParaRPr>
           </a:p>
           <a:p>
@@ -7835,7 +7740,6 @@
                   <a:srgbClr val="030712"/>
                 </a:solidFill>
                 <a:effectLst/>
-                <a:latin typeface="ui-sans-serif"/>
               </a:rPr>
               <a:t>9 variant </a:t>
             </a:r>
@@ -7845,7 +7749,6 @@
                   <a:srgbClr val="030712"/>
                 </a:solidFill>
                 <a:effectLst/>
-                <a:latin typeface="ui-sans-serif"/>
               </a:rPr>
               <a:t>výměny</a:t>
             </a:r>
@@ -7855,7 +7758,6 @@
                   <a:srgbClr val="030712"/>
                 </a:solidFill>
                 <a:effectLst/>
-                <a:latin typeface="ui-sans-serif"/>
               </a:rPr>
               <a:t> </a:t>
             </a:r>
@@ -7865,7 +7767,6 @@
                   <a:srgbClr val="030712"/>
                 </a:solidFill>
                 <a:effectLst/>
-                <a:latin typeface="ui-sans-serif"/>
               </a:rPr>
               <a:t>klíčů</a:t>
             </a:r>
@@ -7875,7 +7776,6 @@
                   <a:srgbClr val="030712"/>
                 </a:solidFill>
                 <a:effectLst/>
-                <a:latin typeface="ui-sans-serif"/>
               </a:rPr>
               <a:t> × 2 </a:t>
             </a:r>
@@ -7885,7 +7785,6 @@
                   <a:srgbClr val="030712"/>
                 </a:solidFill>
                 <a:effectLst/>
-                <a:latin typeface="ui-sans-serif"/>
               </a:rPr>
               <a:t>symetrické</a:t>
             </a:r>
@@ -7895,7 +7794,6 @@
                   <a:srgbClr val="030712"/>
                 </a:solidFill>
                 <a:effectLst/>
-                <a:latin typeface="ui-sans-serif"/>
               </a:rPr>
               <a:t> </a:t>
             </a:r>
@@ -7905,7 +7803,6 @@
                   <a:srgbClr val="030712"/>
                 </a:solidFill>
                 <a:effectLst/>
-                <a:latin typeface="ui-sans-serif"/>
               </a:rPr>
               <a:t>algoritmy</a:t>
             </a:r>
@@ -7915,7 +7812,6 @@
                   <a:srgbClr val="030712"/>
                 </a:solidFill>
                 <a:effectLst/>
-                <a:latin typeface="ui-sans-serif"/>
               </a:rPr>
               <a:t> × 6 </a:t>
             </a:r>
@@ -7925,7 +7821,6 @@
                   <a:srgbClr val="030712"/>
                 </a:solidFill>
                 <a:effectLst/>
-                <a:latin typeface="ui-sans-serif"/>
               </a:rPr>
               <a:t>algoritmů</a:t>
             </a:r>
@@ -7935,7 +7830,6 @@
                   <a:srgbClr val="030712"/>
                 </a:solidFill>
                 <a:effectLst/>
-                <a:latin typeface="ui-sans-serif"/>
               </a:rPr>
               <a:t> </a:t>
             </a:r>
@@ -7945,7 +7839,6 @@
                   <a:srgbClr val="030712"/>
                 </a:solidFill>
                 <a:effectLst/>
-                <a:latin typeface="ui-sans-serif"/>
               </a:rPr>
               <a:t>podpisu</a:t>
             </a:r>
@@ -7953,7 +7846,6 @@
               <a:solidFill>
                 <a:srgbClr val="030712"/>
               </a:solidFill>
-              <a:latin typeface="ui-sans-serif"/>
             </a:endParaRPr>
           </a:p>
           <a:p>
@@ -7970,7 +7862,6 @@
                   <a:srgbClr val="030712"/>
                 </a:solidFill>
                 <a:effectLst/>
-                <a:latin typeface="ui-sans-serif"/>
               </a:rPr>
               <a:t>Pro </a:t>
             </a:r>
@@ -7980,7 +7871,6 @@
                   <a:srgbClr val="030712"/>
                 </a:solidFill>
                 <a:effectLst/>
-                <a:latin typeface="ui-sans-serif"/>
               </a:rPr>
               <a:t>každou</a:t>
             </a:r>
@@ -7990,7 +7880,6 @@
                   <a:srgbClr val="030712"/>
                 </a:solidFill>
                 <a:effectLst/>
-                <a:latin typeface="ui-sans-serif"/>
               </a:rPr>
               <a:t> </a:t>
             </a:r>
@@ -8000,7 +7889,6 @@
                   <a:srgbClr val="030712"/>
                 </a:solidFill>
                 <a:effectLst/>
-                <a:latin typeface="ui-sans-serif"/>
               </a:rPr>
               <a:t>kombinaci</a:t>
             </a:r>
@@ -8010,7 +7898,6 @@
                   <a:srgbClr val="030712"/>
                 </a:solidFill>
                 <a:effectLst/>
-                <a:latin typeface="ui-sans-serif"/>
               </a:rPr>
               <a:t> </a:t>
             </a:r>
@@ -8020,7 +7907,6 @@
                   <a:srgbClr val="030712"/>
                 </a:solidFill>
                 <a:effectLst/>
-                <a:latin typeface="ui-sans-serif"/>
               </a:rPr>
               <a:t>testuje</a:t>
             </a:r>
@@ -8030,7 +7916,6 @@
                   <a:srgbClr val="030712"/>
                 </a:solidFill>
                 <a:effectLst/>
-                <a:latin typeface="ui-sans-serif"/>
               </a:rPr>
               <a:t>:</a:t>
             </a:r>
@@ -8047,7 +7932,6 @@
                   <a:srgbClr val="030712"/>
                 </a:solidFill>
                 <a:effectLst/>
-                <a:latin typeface="ui-sans-serif"/>
               </a:rPr>
               <a:t>Navázání</a:t>
             </a:r>
@@ -8057,7 +7941,6 @@
                   <a:srgbClr val="030712"/>
                 </a:solidFill>
                 <a:effectLst/>
-                <a:latin typeface="ui-sans-serif"/>
               </a:rPr>
               <a:t> </a:t>
             </a:r>
@@ -8067,7 +7950,6 @@
                   <a:srgbClr val="030712"/>
                 </a:solidFill>
                 <a:effectLst/>
-                <a:latin typeface="ui-sans-serif"/>
               </a:rPr>
               <a:t>spojení</a:t>
             </a:r>
@@ -8077,7 +7959,6 @@
                   <a:srgbClr val="030712"/>
                 </a:solidFill>
                 <a:effectLst/>
-                <a:latin typeface="ui-sans-serif"/>
               </a:rPr>
               <a:t> </a:t>
             </a:r>
@@ -8087,7 +7968,6 @@
                   <a:srgbClr val="030712"/>
                 </a:solidFill>
                 <a:effectLst/>
-                <a:latin typeface="ui-sans-serif"/>
               </a:rPr>
               <a:t>mezi</a:t>
             </a:r>
@@ -8097,7 +7977,6 @@
                   <a:srgbClr val="030712"/>
                 </a:solidFill>
                 <a:effectLst/>
-                <a:latin typeface="ui-sans-serif"/>
               </a:rPr>
               <a:t> </a:t>
             </a:r>
@@ -8107,7 +7986,6 @@
                   <a:srgbClr val="030712"/>
                 </a:solidFill>
                 <a:effectLst/>
-                <a:latin typeface="ui-sans-serif"/>
               </a:rPr>
               <a:t>uzly</a:t>
             </a:r>
@@ -8116,7 +7994,6 @@
                 <a:srgbClr val="030712"/>
               </a:solidFill>
               <a:effectLst/>
-              <a:latin typeface="ui-sans-serif"/>
             </a:endParaRPr>
           </a:p>
           <a:p>
@@ -8131,7 +8008,6 @@
                   <a:srgbClr val="030712"/>
                 </a:solidFill>
                 <a:effectLst/>
-                <a:latin typeface="ui-sans-serif"/>
               </a:rPr>
               <a:t>Výměnu</a:t>
             </a:r>
@@ -8141,7 +8017,6 @@
                   <a:srgbClr val="030712"/>
                 </a:solidFill>
                 <a:effectLst/>
-                <a:latin typeface="ui-sans-serif"/>
               </a:rPr>
               <a:t> </a:t>
             </a:r>
@@ -8151,7 +8026,6 @@
                   <a:srgbClr val="030712"/>
                 </a:solidFill>
                 <a:effectLst/>
-                <a:latin typeface="ui-sans-serif"/>
               </a:rPr>
               <a:t>klíčů</a:t>
             </a:r>
@@ -8161,7 +8035,6 @@
                   <a:srgbClr val="030712"/>
                 </a:solidFill>
                 <a:effectLst/>
-                <a:latin typeface="ui-sans-serif"/>
               </a:rPr>
               <a:t> a </a:t>
             </a:r>
@@ -8171,7 +8044,6 @@
                   <a:srgbClr val="030712"/>
                 </a:solidFill>
                 <a:effectLst/>
-                <a:latin typeface="ui-sans-serif"/>
               </a:rPr>
               <a:t>její</a:t>
             </a:r>
@@ -8181,7 +8053,6 @@
                   <a:srgbClr val="030712"/>
                 </a:solidFill>
                 <a:effectLst/>
-                <a:latin typeface="ui-sans-serif"/>
               </a:rPr>
               <a:t> </a:t>
             </a:r>
@@ -8191,7 +8062,6 @@
                   <a:srgbClr val="030712"/>
                 </a:solidFill>
                 <a:effectLst/>
-                <a:latin typeface="ui-sans-serif"/>
               </a:rPr>
               <a:t>rychlost</a:t>
             </a:r>
@@ -8200,7 +8070,6 @@
                 <a:srgbClr val="030712"/>
               </a:solidFill>
               <a:effectLst/>
-              <a:latin typeface="ui-sans-serif"/>
             </a:endParaRPr>
           </a:p>
           <a:p>
@@ -8215,7 +8084,6 @@
                   <a:srgbClr val="030712"/>
                 </a:solidFill>
                 <a:effectLst/>
-                <a:latin typeface="ui-sans-serif"/>
               </a:rPr>
               <a:t>Základní</a:t>
             </a:r>
@@ -8225,7 +8093,6 @@
                   <a:srgbClr val="030712"/>
                 </a:solidFill>
                 <a:effectLst/>
-                <a:latin typeface="ui-sans-serif"/>
               </a:rPr>
               <a:t> </a:t>
             </a:r>
@@ -8235,7 +8102,6 @@
                   <a:srgbClr val="030712"/>
                 </a:solidFill>
                 <a:effectLst/>
-                <a:latin typeface="ui-sans-serif"/>
               </a:rPr>
               <a:t>zasílání</a:t>
             </a:r>
@@ -8245,7 +8111,6 @@
                   <a:srgbClr val="030712"/>
                 </a:solidFill>
                 <a:effectLst/>
-                <a:latin typeface="ui-sans-serif"/>
               </a:rPr>
               <a:t> </a:t>
             </a:r>
@@ -8255,7 +8120,6 @@
                   <a:srgbClr val="030712"/>
                 </a:solidFill>
                 <a:effectLst/>
-                <a:latin typeface="ui-sans-serif"/>
               </a:rPr>
               <a:t>zpráv</a:t>
             </a:r>
@@ -8264,7 +8128,6 @@
                 <a:srgbClr val="030712"/>
               </a:solidFill>
               <a:effectLst/>
-              <a:latin typeface="ui-sans-serif"/>
             </a:endParaRPr>
           </a:p>
           <a:p>
@@ -8279,7 +8142,6 @@
                   <a:srgbClr val="030712"/>
                 </a:solidFill>
                 <a:effectLst/>
-                <a:latin typeface="ui-sans-serif"/>
               </a:rPr>
               <a:t>Přenos</a:t>
             </a:r>
@@ -8289,7 +8151,6 @@
                   <a:srgbClr val="030712"/>
                 </a:solidFill>
                 <a:effectLst/>
-                <a:latin typeface="ui-sans-serif"/>
               </a:rPr>
               <a:t> </a:t>
             </a:r>
@@ -8299,7 +8160,6 @@
                   <a:srgbClr val="030712"/>
                 </a:solidFill>
                 <a:effectLst/>
-                <a:latin typeface="ui-sans-serif"/>
               </a:rPr>
               <a:t>souborů</a:t>
             </a:r>
@@ -8309,7 +8169,6 @@
                   <a:srgbClr val="030712"/>
                 </a:solidFill>
                 <a:effectLst/>
-                <a:latin typeface="ui-sans-serif"/>
               </a:rPr>
               <a:t> </a:t>
             </a:r>
@@ -8319,7 +8178,6 @@
                   <a:srgbClr val="030712"/>
                 </a:solidFill>
                 <a:effectLst/>
-                <a:latin typeface="ui-sans-serif"/>
               </a:rPr>
               <a:t>různých</a:t>
             </a:r>
@@ -8329,7 +8187,6 @@
                   <a:srgbClr val="030712"/>
                 </a:solidFill>
                 <a:effectLst/>
-                <a:latin typeface="ui-sans-serif"/>
               </a:rPr>
               <a:t> </a:t>
             </a:r>
@@ -8339,7 +8196,6 @@
                   <a:srgbClr val="030712"/>
                 </a:solidFill>
                 <a:effectLst/>
-                <a:latin typeface="ui-sans-serif"/>
               </a:rPr>
               <a:t>velikostí</a:t>
             </a:r>
@@ -8349,7 +8205,6 @@
                   <a:srgbClr val="030712"/>
                 </a:solidFill>
                 <a:effectLst/>
-                <a:latin typeface="ui-sans-serif"/>
               </a:rPr>
               <a:t> (10 KB, 100 KB, 1 MB)</a:t>
             </a:r>
@@ -8358,7 +8213,6 @@
                 <a:srgbClr val="030712"/>
               </a:solidFill>
               <a:effectLst/>
-              <a:latin typeface="ui-sans-serif"/>
             </a:endParaRPr>
           </a:p>
           <a:p>
@@ -8375,7 +8229,6 @@
                   <a:srgbClr val="030712"/>
                 </a:solidFill>
                 <a:effectLst/>
-                <a:latin typeface="ui-sans-serif"/>
               </a:rPr>
               <a:t>Měření</a:t>
             </a:r>
@@ -8385,7 +8238,6 @@
                   <a:srgbClr val="030712"/>
                 </a:solidFill>
                 <a:effectLst/>
-                <a:latin typeface="ui-sans-serif"/>
               </a:rPr>
               <a:t> </a:t>
             </a:r>
@@ -8395,7 +8247,6 @@
                   <a:srgbClr val="030712"/>
                 </a:solidFill>
                 <a:effectLst/>
-                <a:latin typeface="ui-sans-serif"/>
               </a:rPr>
               <a:t>výkonnostních</a:t>
             </a:r>
@@ -8405,7 +8256,6 @@
                   <a:srgbClr val="030712"/>
                 </a:solidFill>
                 <a:effectLst/>
-                <a:latin typeface="ui-sans-serif"/>
               </a:rPr>
               <a:t> </a:t>
             </a:r>
@@ -8415,7 +8265,6 @@
                   <a:srgbClr val="030712"/>
                 </a:solidFill>
                 <a:effectLst/>
-                <a:latin typeface="ui-sans-serif"/>
               </a:rPr>
               <a:t>metrik</a:t>
             </a:r>
@@ -8425,7 +8274,6 @@
                   <a:srgbClr val="030712"/>
                 </a:solidFill>
                 <a:effectLst/>
-                <a:latin typeface="ui-sans-serif"/>
               </a:rPr>
               <a:t>:</a:t>
             </a:r>
@@ -8442,7 +8290,6 @@
                   <a:srgbClr val="030712"/>
                 </a:solidFill>
                 <a:effectLst/>
-                <a:latin typeface="ui-sans-serif"/>
               </a:rPr>
               <a:t>Doba </a:t>
             </a:r>
@@ -8452,7 +8299,6 @@
                   <a:srgbClr val="030712"/>
                 </a:solidFill>
                 <a:effectLst/>
-                <a:latin typeface="ui-sans-serif"/>
               </a:rPr>
               <a:t>výměny</a:t>
             </a:r>
@@ -8462,7 +8308,6 @@
                   <a:srgbClr val="030712"/>
                 </a:solidFill>
                 <a:effectLst/>
-                <a:latin typeface="ui-sans-serif"/>
               </a:rPr>
               <a:t> </a:t>
             </a:r>
@@ -8472,7 +8317,6 @@
                   <a:srgbClr val="030712"/>
                 </a:solidFill>
                 <a:effectLst/>
-                <a:latin typeface="ui-sans-serif"/>
               </a:rPr>
               <a:t>klíčů</a:t>
             </a:r>
@@ -8481,7 +8325,6 @@
                 <a:srgbClr val="030712"/>
               </a:solidFill>
               <a:effectLst/>
-              <a:latin typeface="ui-sans-serif"/>
             </a:endParaRPr>
           </a:p>
           <a:p>
@@ -8496,7 +8339,6 @@
                   <a:srgbClr val="030712"/>
                 </a:solidFill>
                 <a:effectLst/>
-                <a:latin typeface="ui-sans-serif"/>
               </a:rPr>
               <a:t>Rychlost</a:t>
             </a:r>
@@ -8506,7 +8348,6 @@
                   <a:srgbClr val="030712"/>
                 </a:solidFill>
                 <a:effectLst/>
-                <a:latin typeface="ui-sans-serif"/>
               </a:rPr>
               <a:t> </a:t>
             </a:r>
@@ -8516,7 +8357,6 @@
                   <a:srgbClr val="030712"/>
                 </a:solidFill>
                 <a:effectLst/>
-                <a:latin typeface="ui-sans-serif"/>
               </a:rPr>
               <a:t>přenosu</a:t>
             </a:r>
@@ -8526,7 +8366,6 @@
                   <a:srgbClr val="030712"/>
                 </a:solidFill>
                 <a:effectLst/>
-                <a:latin typeface="ui-sans-serif"/>
               </a:rPr>
               <a:t> </a:t>
             </a:r>
@@ -8536,7 +8375,6 @@
                   <a:srgbClr val="030712"/>
                 </a:solidFill>
                 <a:effectLst/>
-                <a:latin typeface="ui-sans-serif"/>
               </a:rPr>
               <a:t>souborů</a:t>
             </a:r>
@@ -8546,30 +8384,91 @@
                   <a:srgbClr val="030712"/>
                 </a:solidFill>
                 <a:effectLst/>
-                <a:latin typeface="ui-sans-serif"/>
               </a:rPr>
               <a:t> (KB/s)</a:t>
             </a:r>
           </a:p>
           <a:p>
-            <a:pPr marL="457200" lvl="1" indent="0" algn="l">
-              <a:spcBef>
-                <a:spcPts val="900"/>
-              </a:spcBef>
+            <a:pPr marL="0" indent="0">
               <a:buNone/>
             </a:pPr>
-            <a:endParaRPr lang="en-GB" b="0" i="0" dirty="0">
-              <a:solidFill>
-                <a:srgbClr val="030712"/>
-              </a:solidFill>
-              <a:effectLst/>
-              <a:latin typeface="ui-sans-serif"/>
-            </a:endParaRPr>
-          </a:p>
-          <a:p>
-            <a:pPr>
+            <a:r>
+              <a:rPr lang="cs-CZ" sz="2600" dirty="0"/>
+              <a:t>5.       </a:t>
+            </a:r>
+            <a:r>
+              <a:rPr lang="en-GB" sz="2900" dirty="0" err="1">
+                <a:solidFill>
+                  <a:srgbClr val="030712"/>
+                </a:solidFill>
+              </a:rPr>
+              <a:t>Generování</a:t>
+            </a:r>
+            <a:r>
+              <a:rPr lang="en-GB" sz="2900" dirty="0">
+                <a:solidFill>
+                  <a:srgbClr val="030712"/>
+                </a:solidFill>
+              </a:rPr>
+              <a:t> </a:t>
+            </a:r>
+            <a:r>
+              <a:rPr lang="en-GB" sz="2900" dirty="0" err="1">
+                <a:solidFill>
+                  <a:srgbClr val="030712"/>
+                </a:solidFill>
+              </a:rPr>
+              <a:t>podrobného</a:t>
+            </a:r>
+            <a:r>
+              <a:rPr lang="en-GB" sz="2900" dirty="0">
+                <a:solidFill>
+                  <a:srgbClr val="030712"/>
+                </a:solidFill>
+              </a:rPr>
+              <a:t> </a:t>
+            </a:r>
+            <a:r>
+              <a:rPr lang="en-GB" sz="2900" dirty="0" err="1">
+                <a:solidFill>
+                  <a:srgbClr val="030712"/>
+                </a:solidFill>
+              </a:rPr>
+              <a:t>reportu</a:t>
+            </a:r>
+            <a:r>
+              <a:rPr lang="en-GB" sz="2900" dirty="0">
+                <a:solidFill>
+                  <a:srgbClr val="030712"/>
+                </a:solidFill>
+              </a:rPr>
+              <a:t> s </a:t>
+            </a:r>
+            <a:r>
+              <a:rPr lang="en-GB" sz="2900" dirty="0" err="1">
+                <a:solidFill>
+                  <a:srgbClr val="030712"/>
+                </a:solidFill>
+              </a:rPr>
+              <a:t>výsledky</a:t>
+            </a:r>
+            <a:r>
+              <a:rPr lang="cs-CZ" sz="2900" dirty="0">
+                <a:solidFill>
+                  <a:srgbClr val="030712"/>
+                </a:solidFill>
+              </a:rPr>
+              <a:t> do souboru (viz dokumentace)</a:t>
+            </a:r>
+          </a:p>
+          <a:p>
+            <a:pPr marL="0" indent="0">
               <a:buNone/>
             </a:pPr>
+            <a:r>
+              <a:rPr lang="cs-CZ" dirty="0"/>
+              <a:t>	</a:t>
+            </a:r>
             <a:br>
               <a:rPr lang="en-GB" dirty="0"/>
             </a:br>
@@ -10713,7 +10612,13 @@
   <p:cSld>
     <p:spTree>
       <p:nvGrpSpPr>
-        <p:cNvPr id="1" name=""/>
+        <p:cNvPr id="1" name="">
+          <a:extLst>
+            <a:ext uri="{FF2B5EF4-FFF2-40B4-BE49-F238E27FC236}">
+              <a16:creationId xmlns:a16="http://schemas.microsoft.com/office/drawing/2014/main" id="{C70EB770-69D7-3DDA-80E2-3972556E773D}"/>
+            </a:ext>
+          </a:extLst>
+        </p:cNvPr>
         <p:cNvGrpSpPr/>
         <p:nvPr/>
       </p:nvGrpSpPr>
@@ -10727,10 +10632,39 @@
       </p:grpSpPr>
       <p:sp>
         <p:nvSpPr>
+          <p:cNvPr id="5" name="Zástupný symbol pro číslo snímku 4">
+            <a:extLst>
+              <a:ext uri="{FF2B5EF4-FFF2-40B4-BE49-F238E27FC236}">
+                <a16:creationId xmlns:a16="http://schemas.microsoft.com/office/drawing/2014/main" id="{036DE37F-4A04-6B26-F32A-742CAAE6BFD6}"/>
+              </a:ext>
+            </a:extLst>
+          </p:cNvPr>
+          <p:cNvSpPr>
+            <a:spLocks noGrp="1"/>
+          </p:cNvSpPr>
+          <p:nvPr>
+            <p:ph type="sldNum" sz="quarter" idx="12"/>
+          </p:nvPr>
+        </p:nvSpPr>
+        <p:spPr/>
+        <p:txBody>
+          <a:bodyPr/>
+          <a:lstStyle/>
+          <a:p>
+            <a:fld id="{2396986B-09E1-422F-9D6D-F3432B0D2D09}" type="slidenum">
+              <a:rPr lang="en-GB" smtClean="0"/>
+              <a:t>21</a:t>
+            </a:fld>
+            <a:endParaRPr lang="en-GB"/>
+          </a:p>
+        </p:txBody>
+      </p:sp>
+      <p:sp>
+        <p:nvSpPr>
           <p:cNvPr id="6" name="Obdélník 5">
             <a:extLst>
               <a:ext uri="{FF2B5EF4-FFF2-40B4-BE49-F238E27FC236}">
-                <a16:creationId xmlns:a16="http://schemas.microsoft.com/office/drawing/2014/main" id="{9AB1E2E0-E445-7609-3BC3-2408D765191C}"/>
+                <a16:creationId xmlns:a16="http://schemas.microsoft.com/office/drawing/2014/main" id="{B3C17B4D-FA4E-2C44-823B-53BA2A4A340E}"/>
               </a:ext>
             </a:extLst>
           </p:cNvPr>
@@ -10773,16 +10707,16 @@
           <a:lstStyle/>
           <a:p>
             <a:pPr algn="ctr"/>
-            <a:endParaRPr lang="en-GB"/>
-          </a:p>
-        </p:txBody>
-      </p:sp>
-      <p:sp>
-        <p:nvSpPr>
-          <p:cNvPr id="2" name="Nadpis 1">
-            <a:extLst>
-              <a:ext uri="{FF2B5EF4-FFF2-40B4-BE49-F238E27FC236}">
-                <a16:creationId xmlns:a16="http://schemas.microsoft.com/office/drawing/2014/main" id="{E85E28AF-D31F-9986-04D8-696B845F2560}"/>
+            <a:endParaRPr lang="en-GB" dirty="0"/>
+          </a:p>
+        </p:txBody>
+      </p:sp>
+      <p:sp>
+        <p:nvSpPr>
+          <p:cNvPr id="7" name="Nadpis 1">
+            <a:extLst>
+              <a:ext uri="{FF2B5EF4-FFF2-40B4-BE49-F238E27FC236}">
+                <a16:creationId xmlns:a16="http://schemas.microsoft.com/office/drawing/2014/main" id="{13BE714C-A469-0EE0-19E9-9CB6F75CFE7F}"/>
               </a:ext>
             </a:extLst>
           </p:cNvPr>
@@ -10795,7 +10729,7 @@
         </p:nvSpPr>
         <p:spPr>
           <a:xfrm>
-            <a:off x="0" y="-11363"/>
+            <a:off x="0" y="0"/>
             <a:ext cx="10515600" cy="1325563"/>
           </a:xfrm>
         </p:spPr>
@@ -10804,20 +10738,12 @@
           <a:lstStyle/>
           <a:p>
             <a:r>
-              <a:rPr lang="cs-CZ" dirty="0" err="1">
+              <a:rPr lang="cs-CZ" dirty="0">
                 <a:solidFill>
                   <a:srgbClr val="FF0000"/>
                 </a:solidFill>
               </a:rPr>
-              <a:t>Ukazka</a:t>
-            </a:r>
-            <a:r>
-              <a:rPr lang="cs-CZ" dirty="0">
-                <a:solidFill>
-                  <a:srgbClr val="FF0000"/>
-                </a:solidFill>
-              </a:rPr>
-              <a:t> Aplikace</a:t>
+              <a:t>Závěr testování</a:t>
             </a:r>
             <a:endParaRPr lang="en-GB" dirty="0">
               <a:solidFill>
@@ -10827,74 +10753,12 @@
           </a:p>
         </p:txBody>
       </p:sp>
-      <p:sp>
-        <p:nvSpPr>
-          <p:cNvPr id="3" name="Zástupný obsah 2">
-            <a:extLst>
-              <a:ext uri="{FF2B5EF4-FFF2-40B4-BE49-F238E27FC236}">
-                <a16:creationId xmlns:a16="http://schemas.microsoft.com/office/drawing/2014/main" id="{D0CB7290-F736-14F9-C8FD-B9CDA15801A9}"/>
-              </a:ext>
-            </a:extLst>
-          </p:cNvPr>
-          <p:cNvSpPr>
-            <a:spLocks noGrp="1"/>
-          </p:cNvSpPr>
-          <p:nvPr>
-            <p:ph sz="half" idx="1"/>
-          </p:nvPr>
-        </p:nvSpPr>
-        <p:spPr>
-          <a:xfrm>
-            <a:off x="372324" y="1690688"/>
-            <a:ext cx="11447352" cy="4351338"/>
-          </a:xfrm>
-        </p:spPr>
-        <p:txBody>
-          <a:bodyPr/>
-          <a:lstStyle/>
-          <a:p>
-            <a:pPr marL="0" indent="0">
-              <a:buNone/>
-            </a:pPr>
-            <a:endParaRPr lang="cs-CZ" dirty="0"/>
-          </a:p>
-        </p:txBody>
-      </p:sp>
-      <p:sp>
-        <p:nvSpPr>
-          <p:cNvPr id="5" name="Zástupný symbol pro číslo snímku 4">
-            <a:extLst>
-              <a:ext uri="{FF2B5EF4-FFF2-40B4-BE49-F238E27FC236}">
-                <a16:creationId xmlns:a16="http://schemas.microsoft.com/office/drawing/2014/main" id="{A4AF7EF7-19BA-3A65-E16C-250A6BF0B8F4}"/>
-              </a:ext>
-            </a:extLst>
-          </p:cNvPr>
-          <p:cNvSpPr>
-            <a:spLocks noGrp="1"/>
-          </p:cNvSpPr>
-          <p:nvPr>
-            <p:ph type="sldNum" sz="quarter" idx="12"/>
-          </p:nvPr>
-        </p:nvSpPr>
-        <p:spPr/>
-        <p:txBody>
-          <a:bodyPr/>
-          <a:lstStyle/>
-          <a:p>
-            <a:fld id="{2396986B-09E1-422F-9D6D-F3432B0D2D09}" type="slidenum">
-              <a:rPr lang="en-GB" smtClean="0"/>
-              <a:t>21</a:t>
-            </a:fld>
-            <a:endParaRPr lang="en-GB"/>
-          </a:p>
-        </p:txBody>
-      </p:sp>
       <p:pic>
         <p:nvPicPr>
-          <p:cNvPr id="7" name="Obrázek 6">
-            <a:extLst>
-              <a:ext uri="{FF2B5EF4-FFF2-40B4-BE49-F238E27FC236}">
-                <a16:creationId xmlns:a16="http://schemas.microsoft.com/office/drawing/2014/main" id="{42C9C5F8-45A3-7588-5E5A-96B6E799EEAA}"/>
+          <p:cNvPr id="8" name="Obrázek 7">
+            <a:extLst>
+              <a:ext uri="{FF2B5EF4-FFF2-40B4-BE49-F238E27FC236}">
+                <a16:creationId xmlns:a16="http://schemas.microsoft.com/office/drawing/2014/main" id="{3A3AB1A1-A34B-23A1-CDFE-8F52F7859B20}"/>
               </a:ext>
             </a:extLst>
           </p:cNvPr>
@@ -10921,10 +10785,10 @@
       </p:pic>
       <p:sp>
         <p:nvSpPr>
-          <p:cNvPr id="8" name="Obdélník 7">
-            <a:extLst>
-              <a:ext uri="{FF2B5EF4-FFF2-40B4-BE49-F238E27FC236}">
-                <a16:creationId xmlns:a16="http://schemas.microsoft.com/office/drawing/2014/main" id="{D2798C63-D0C7-8503-BE22-A0C93FE44363}"/>
+          <p:cNvPr id="9" name="Obdélník 8">
+            <a:extLst>
+              <a:ext uri="{FF2B5EF4-FFF2-40B4-BE49-F238E27FC236}">
+                <a16:creationId xmlns:a16="http://schemas.microsoft.com/office/drawing/2014/main" id="{CA3C4F2C-CD0F-3FD6-E7EE-5FFF2D2864F0}"/>
               </a:ext>
             </a:extLst>
           </p:cNvPr>
@@ -10971,6 +10835,531 @@
           </a:p>
         </p:txBody>
       </p:sp>
+      <p:sp>
+        <p:nvSpPr>
+          <p:cNvPr id="2" name="TextovéPole 1">
+            <a:extLst>
+              <a:ext uri="{FF2B5EF4-FFF2-40B4-BE49-F238E27FC236}">
+                <a16:creationId xmlns:a16="http://schemas.microsoft.com/office/drawing/2014/main" id="{B1F01C82-8E61-60B1-E94C-36AFDE88D582}"/>
+              </a:ext>
+            </a:extLst>
+          </p:cNvPr>
+          <p:cNvSpPr txBox="1"/>
+          <p:nvPr/>
+        </p:nvSpPr>
+        <p:spPr>
+          <a:xfrm>
+            <a:off x="641023" y="1687398"/>
+            <a:ext cx="10180948" cy="2677656"/>
+          </a:xfrm>
+          <a:prstGeom prst="rect">
+            <a:avLst/>
+          </a:prstGeom>
+          <a:noFill/>
+        </p:spPr>
+        <p:txBody>
+          <a:bodyPr wrap="square" rtlCol="0">
+            <a:spAutoFit/>
+          </a:bodyPr>
+          <a:lstStyle/>
+          <a:p>
+            <a:pPr marL="285750" indent="-285750">
+              <a:buFont typeface="Arial" panose="020B0604020202020204" pitchFamily="34" charset="0"/>
+              <a:buChar char="•"/>
+            </a:pPr>
+            <a:r>
+              <a:rPr lang="cs-CZ" sz="2400" dirty="0"/>
+              <a:t>Ú</a:t>
+            </a:r>
+            <a:r>
+              <a:rPr lang="en-GB" sz="2400" dirty="0" err="1"/>
+              <a:t>spěšně</a:t>
+            </a:r>
+            <a:r>
+              <a:rPr lang="en-GB" sz="2400" dirty="0"/>
+              <a:t> </a:t>
+            </a:r>
+            <a:r>
+              <a:rPr lang="en-GB" sz="2400" dirty="0" err="1"/>
+              <a:t>otestov</a:t>
+            </a:r>
+            <a:r>
+              <a:rPr lang="cs-CZ" sz="2400" dirty="0" err="1"/>
+              <a:t>áno</a:t>
+            </a:r>
+            <a:r>
+              <a:rPr lang="en-GB" sz="2400" dirty="0"/>
+              <a:t> </a:t>
+            </a:r>
+            <a:r>
+              <a:rPr lang="en-GB" sz="2400" dirty="0" err="1"/>
+              <a:t>všech</a:t>
+            </a:r>
+            <a:r>
+              <a:rPr lang="en-GB" sz="2400" dirty="0"/>
+              <a:t> 108 </a:t>
+            </a:r>
+            <a:r>
+              <a:rPr lang="en-GB" sz="2400" dirty="0" err="1"/>
+              <a:t>kombinací</a:t>
+            </a:r>
+            <a:r>
+              <a:rPr lang="en-GB" sz="2400" dirty="0"/>
+              <a:t> </a:t>
+            </a:r>
+            <a:r>
+              <a:rPr lang="en-GB" sz="2400" dirty="0" err="1"/>
+              <a:t>kryptografických</a:t>
+            </a:r>
+            <a:r>
+              <a:rPr lang="en-GB" sz="2400" dirty="0"/>
+              <a:t> </a:t>
+            </a:r>
+            <a:r>
+              <a:rPr lang="en-GB" sz="2400" dirty="0" err="1"/>
+              <a:t>algoritmů</a:t>
+            </a:r>
+            <a:endParaRPr lang="cs-CZ" sz="2400" dirty="0"/>
+          </a:p>
+          <a:p>
+            <a:pPr marL="285750" indent="-285750">
+              <a:buFont typeface="Arial" panose="020B0604020202020204" pitchFamily="34" charset="0"/>
+              <a:buChar char="•"/>
+            </a:pPr>
+            <a:endParaRPr lang="cs-CZ" sz="2400" dirty="0"/>
+          </a:p>
+          <a:p>
+            <a:pPr marL="285750" indent="-285750">
+              <a:buFont typeface="Arial" panose="020B0604020202020204" pitchFamily="34" charset="0"/>
+              <a:buChar char="•"/>
+            </a:pPr>
+            <a:r>
+              <a:rPr lang="cs-CZ" sz="2400" dirty="0"/>
+              <a:t>P</a:t>
+            </a:r>
+            <a:r>
+              <a:rPr lang="en-GB" sz="2400" dirty="0" err="1"/>
+              <a:t>otvr</a:t>
+            </a:r>
+            <a:r>
+              <a:rPr lang="cs-CZ" sz="2400" dirty="0" err="1"/>
+              <a:t>zena</a:t>
+            </a:r>
+            <a:r>
+              <a:rPr lang="en-GB" sz="2400" dirty="0"/>
+              <a:t> </a:t>
+            </a:r>
+            <a:r>
+              <a:rPr lang="en-GB" sz="2400" dirty="0" err="1"/>
+              <a:t>vzájemn</a:t>
+            </a:r>
+            <a:r>
+              <a:rPr lang="cs-CZ" sz="2400" dirty="0"/>
+              <a:t>á</a:t>
+            </a:r>
+            <a:r>
+              <a:rPr lang="en-GB" sz="2400" dirty="0"/>
+              <a:t> </a:t>
+            </a:r>
+            <a:r>
+              <a:rPr lang="en-GB" sz="2400" dirty="0" err="1"/>
+              <a:t>kompatibilit</a:t>
+            </a:r>
+            <a:r>
+              <a:rPr lang="cs-CZ" sz="2400" dirty="0"/>
+              <a:t>a algoritmů</a:t>
+            </a:r>
+          </a:p>
+          <a:p>
+            <a:pPr marL="285750" indent="-285750">
+              <a:buFont typeface="Arial" panose="020B0604020202020204" pitchFamily="34" charset="0"/>
+              <a:buChar char="•"/>
+            </a:pPr>
+            <a:endParaRPr lang="cs-CZ" sz="2400" dirty="0"/>
+          </a:p>
+          <a:p>
+            <a:pPr marL="285750" indent="-285750">
+              <a:buFont typeface="Arial" panose="020B0604020202020204" pitchFamily="34" charset="0"/>
+              <a:buChar char="•"/>
+            </a:pPr>
+            <a:r>
+              <a:rPr lang="en-GB" sz="2400" dirty="0" err="1"/>
+              <a:t>Vytvoř</a:t>
+            </a:r>
+            <a:r>
+              <a:rPr lang="cs-CZ" sz="2400" dirty="0" err="1"/>
+              <a:t>eny</a:t>
+            </a:r>
+            <a:r>
+              <a:rPr lang="en-GB" sz="2400" dirty="0"/>
+              <a:t> </a:t>
+            </a:r>
+            <a:r>
+              <a:rPr lang="en-GB" sz="2400" dirty="0" err="1"/>
+              <a:t>podrobné</a:t>
+            </a:r>
+            <a:r>
+              <a:rPr lang="en-GB" sz="2400" dirty="0"/>
+              <a:t> </a:t>
+            </a:r>
+            <a:r>
+              <a:rPr lang="en-GB" sz="2400" dirty="0" err="1"/>
+              <a:t>výkonnostní</a:t>
+            </a:r>
+            <a:r>
+              <a:rPr lang="en-GB" sz="2400" dirty="0"/>
+              <a:t> </a:t>
+            </a:r>
+            <a:r>
+              <a:rPr lang="en-GB" sz="2400" dirty="0" err="1"/>
+              <a:t>profily</a:t>
+            </a:r>
+            <a:endParaRPr lang="cs-CZ" sz="2400" dirty="0"/>
+          </a:p>
+          <a:p>
+            <a:pPr marL="285750" indent="-285750">
+              <a:buFont typeface="Arial" panose="020B0604020202020204" pitchFamily="34" charset="0"/>
+              <a:buChar char="•"/>
+            </a:pPr>
+            <a:endParaRPr lang="cs-CZ" sz="2400" dirty="0"/>
+          </a:p>
+          <a:p>
+            <a:pPr marL="285750" indent="-285750">
+              <a:buFont typeface="Arial" panose="020B0604020202020204" pitchFamily="34" charset="0"/>
+              <a:buChar char="•"/>
+            </a:pPr>
+            <a:r>
+              <a:rPr lang="cs-CZ" sz="2400" dirty="0"/>
+              <a:t>I</a:t>
+            </a:r>
+            <a:r>
+              <a:rPr lang="en-GB" sz="2400" dirty="0" err="1"/>
+              <a:t>dentifikova</a:t>
+            </a:r>
+            <a:r>
+              <a:rPr lang="cs-CZ" sz="2400" dirty="0" err="1"/>
+              <a:t>ny</a:t>
+            </a:r>
+            <a:r>
+              <a:rPr lang="cs-CZ" sz="2400" dirty="0"/>
+              <a:t> </a:t>
+            </a:r>
+            <a:r>
+              <a:rPr lang="en-GB" sz="2400" dirty="0" err="1"/>
+              <a:t>optimální</a:t>
+            </a:r>
+            <a:r>
+              <a:rPr lang="en-GB" sz="2400" dirty="0"/>
+              <a:t> </a:t>
+            </a:r>
+            <a:r>
+              <a:rPr lang="en-GB" sz="2400" dirty="0" err="1"/>
+              <a:t>kombinace</a:t>
+            </a:r>
+            <a:r>
+              <a:rPr lang="en-GB" sz="2400" dirty="0"/>
+              <a:t> </a:t>
+            </a:r>
+            <a:r>
+              <a:rPr lang="en-GB" sz="2400" dirty="0" err="1"/>
+              <a:t>algoritmů</a:t>
+            </a:r>
+            <a:r>
+              <a:rPr lang="en-GB" sz="2400" dirty="0"/>
+              <a:t> pro </a:t>
+            </a:r>
+            <a:r>
+              <a:rPr lang="en-GB" sz="2400" dirty="0" err="1"/>
+              <a:t>různé</a:t>
+            </a:r>
+            <a:r>
+              <a:rPr lang="en-GB" sz="2400" dirty="0"/>
+              <a:t> </a:t>
+            </a:r>
+            <a:r>
+              <a:rPr lang="en-GB" sz="2400" dirty="0" err="1"/>
+              <a:t>případy</a:t>
+            </a:r>
+            <a:r>
+              <a:rPr lang="en-GB" sz="2400" dirty="0"/>
+              <a:t> </a:t>
+            </a:r>
+            <a:r>
+              <a:rPr lang="en-GB" sz="2400" dirty="0" err="1"/>
+              <a:t>použití</a:t>
+            </a:r>
+            <a:endParaRPr lang="en-GB" sz="2400" dirty="0"/>
+          </a:p>
+        </p:txBody>
+      </p:sp>
+    </p:spTree>
+    <p:extLst>
+      <p:ext uri="{BB962C8B-B14F-4D97-AF65-F5344CB8AC3E}">
+        <p14:creationId xmlns:p14="http://schemas.microsoft.com/office/powerpoint/2010/main" val="402179914"/>
+      </p:ext>
+    </p:extLst>
+  </p:cSld>
+  <p:clrMapOvr>
+    <a:masterClrMapping/>
+  </p:clrMapOvr>
+</p:sld>
+</file>
+
+<file path=ppt/slides/slide22.xml><?xml version="1.0" encoding="utf-8"?>
+<p:sld xmlns:a="http://schemas.openxmlformats.org/drawingml/2006/main" xmlns:r="http://schemas.openxmlformats.org/officeDocument/2006/relationships" xmlns:p="http://schemas.openxmlformats.org/presentationml/2006/main">
+  <p:cSld>
+    <p:spTree>
+      <p:nvGrpSpPr>
+        <p:cNvPr id="1" name=""/>
+        <p:cNvGrpSpPr/>
+        <p:nvPr/>
+      </p:nvGrpSpPr>
+      <p:grpSpPr>
+        <a:xfrm>
+          <a:off x="0" y="0"/>
+          <a:ext cx="0" cy="0"/>
+          <a:chOff x="0" y="0"/>
+          <a:chExt cx="0" cy="0"/>
+        </a:xfrm>
+      </p:grpSpPr>
+      <p:sp>
+        <p:nvSpPr>
+          <p:cNvPr id="6" name="Obdélník 5">
+            <a:extLst>
+              <a:ext uri="{FF2B5EF4-FFF2-40B4-BE49-F238E27FC236}">
+                <a16:creationId xmlns:a16="http://schemas.microsoft.com/office/drawing/2014/main" id="{9AB1E2E0-E445-7609-3BC3-2408D765191C}"/>
+              </a:ext>
+            </a:extLst>
+          </p:cNvPr>
+          <p:cNvSpPr/>
+          <p:nvPr/>
+        </p:nvSpPr>
+        <p:spPr>
+          <a:xfrm>
+            <a:off x="0" y="-1"/>
+            <a:ext cx="12192000" cy="1116703"/>
+          </a:xfrm>
+          <a:prstGeom prst="rect">
+            <a:avLst/>
+          </a:prstGeom>
+          <a:solidFill>
+            <a:schemeClr val="bg2"/>
+          </a:solidFill>
+          <a:ln>
+            <a:noFill/>
+          </a:ln>
+        </p:spPr>
+        <p:style>
+          <a:lnRef idx="2">
+            <a:schemeClr val="accent1">
+              <a:shade val="15000"/>
+            </a:schemeClr>
+          </a:lnRef>
+          <a:fillRef idx="1">
+            <a:schemeClr val="accent1"/>
+          </a:fillRef>
+          <a:effectRef idx="0">
+            <a:schemeClr val="accent1"/>
+          </a:effectRef>
+          <a:fontRef idx="minor">
+            <a:schemeClr val="lt1"/>
+          </a:fontRef>
+        </p:style>
+        <p:txBody>
+          <a:bodyPr rtlCol="0" anchor="ctr"/>
+          <a:lstStyle/>
+          <a:p>
+            <a:pPr algn="ctr"/>
+            <a:endParaRPr lang="en-GB"/>
+          </a:p>
+        </p:txBody>
+      </p:sp>
+      <p:sp>
+        <p:nvSpPr>
+          <p:cNvPr id="2" name="Nadpis 1">
+            <a:extLst>
+              <a:ext uri="{FF2B5EF4-FFF2-40B4-BE49-F238E27FC236}">
+                <a16:creationId xmlns:a16="http://schemas.microsoft.com/office/drawing/2014/main" id="{E85E28AF-D31F-9986-04D8-696B845F2560}"/>
+              </a:ext>
+            </a:extLst>
+          </p:cNvPr>
+          <p:cNvSpPr>
+            <a:spLocks noGrp="1"/>
+          </p:cNvSpPr>
+          <p:nvPr>
+            <p:ph type="title"/>
+          </p:nvPr>
+        </p:nvSpPr>
+        <p:spPr>
+          <a:xfrm>
+            <a:off x="0" y="-11363"/>
+            <a:ext cx="10515600" cy="1325563"/>
+          </a:xfrm>
+        </p:spPr>
+        <p:txBody>
+          <a:bodyPr/>
+          <a:lstStyle/>
+          <a:p>
+            <a:r>
+              <a:rPr lang="cs-CZ" dirty="0">
+                <a:solidFill>
+                  <a:srgbClr val="FF0000"/>
+                </a:solidFill>
+              </a:rPr>
+              <a:t>Ukázka Aplikace</a:t>
+            </a:r>
+            <a:endParaRPr lang="en-GB" dirty="0">
+              <a:solidFill>
+                <a:srgbClr val="FF0000"/>
+              </a:solidFill>
+            </a:endParaRPr>
+          </a:p>
+        </p:txBody>
+      </p:sp>
+      <p:sp>
+        <p:nvSpPr>
+          <p:cNvPr id="3" name="Zástupný obsah 2">
+            <a:extLst>
+              <a:ext uri="{FF2B5EF4-FFF2-40B4-BE49-F238E27FC236}">
+                <a16:creationId xmlns:a16="http://schemas.microsoft.com/office/drawing/2014/main" id="{D0CB7290-F736-14F9-C8FD-B9CDA15801A9}"/>
+              </a:ext>
+            </a:extLst>
+          </p:cNvPr>
+          <p:cNvSpPr>
+            <a:spLocks noGrp="1"/>
+          </p:cNvSpPr>
+          <p:nvPr>
+            <p:ph sz="half" idx="1"/>
+          </p:nvPr>
+        </p:nvSpPr>
+        <p:spPr>
+          <a:xfrm>
+            <a:off x="372324" y="1690688"/>
+            <a:ext cx="11447352" cy="4351338"/>
+          </a:xfrm>
+        </p:spPr>
+        <p:txBody>
+          <a:bodyPr/>
+          <a:lstStyle/>
+          <a:p>
+            <a:pPr marL="0" indent="0">
+              <a:buNone/>
+            </a:pPr>
+            <a:endParaRPr lang="cs-CZ" dirty="0"/>
+          </a:p>
+        </p:txBody>
+      </p:sp>
+      <p:sp>
+        <p:nvSpPr>
+          <p:cNvPr id="5" name="Zástupný symbol pro číslo snímku 4">
+            <a:extLst>
+              <a:ext uri="{FF2B5EF4-FFF2-40B4-BE49-F238E27FC236}">
+                <a16:creationId xmlns:a16="http://schemas.microsoft.com/office/drawing/2014/main" id="{A4AF7EF7-19BA-3A65-E16C-250A6BF0B8F4}"/>
+              </a:ext>
+            </a:extLst>
+          </p:cNvPr>
+          <p:cNvSpPr>
+            <a:spLocks noGrp="1"/>
+          </p:cNvSpPr>
+          <p:nvPr>
+            <p:ph type="sldNum" sz="quarter" idx="12"/>
+          </p:nvPr>
+        </p:nvSpPr>
+        <p:spPr/>
+        <p:txBody>
+          <a:bodyPr/>
+          <a:lstStyle/>
+          <a:p>
+            <a:fld id="{2396986B-09E1-422F-9D6D-F3432B0D2D09}" type="slidenum">
+              <a:rPr lang="en-GB" smtClean="0"/>
+              <a:t>22</a:t>
+            </a:fld>
+            <a:endParaRPr lang="en-GB"/>
+          </a:p>
+        </p:txBody>
+      </p:sp>
+      <p:pic>
+        <p:nvPicPr>
+          <p:cNvPr id="7" name="Obrázek 6">
+            <a:extLst>
+              <a:ext uri="{FF2B5EF4-FFF2-40B4-BE49-F238E27FC236}">
+                <a16:creationId xmlns:a16="http://schemas.microsoft.com/office/drawing/2014/main" id="{42C9C5F8-45A3-7588-5E5A-96B6E799EEAA}"/>
+              </a:ext>
+            </a:extLst>
+          </p:cNvPr>
+          <p:cNvPicPr>
+            <a:picLocks noChangeAspect="1"/>
+          </p:cNvPicPr>
+          <p:nvPr/>
+        </p:nvPicPr>
+        <p:blipFill>
+          <a:blip r:embed="rId2"/>
+          <a:stretch>
+            <a:fillRect/>
+          </a:stretch>
+        </p:blipFill>
+        <p:spPr>
+          <a:xfrm>
+            <a:off x="10113527" y="299406"/>
+            <a:ext cx="1556365" cy="493482"/>
+          </a:xfrm>
+          <a:prstGeom prst="rect">
+            <a:avLst/>
+          </a:prstGeom>
+        </p:spPr>
+      </p:pic>
+      <p:sp>
+        <p:nvSpPr>
+          <p:cNvPr id="8" name="Obdélník 7">
+            <a:extLst>
+              <a:ext uri="{FF2B5EF4-FFF2-40B4-BE49-F238E27FC236}">
+                <a16:creationId xmlns:a16="http://schemas.microsoft.com/office/drawing/2014/main" id="{D2798C63-D0C7-8503-BE22-A0C93FE44363}"/>
+              </a:ext>
+            </a:extLst>
+          </p:cNvPr>
+          <p:cNvSpPr/>
+          <p:nvPr/>
+        </p:nvSpPr>
+        <p:spPr>
+          <a:xfrm>
+            <a:off x="-1349" y="1070983"/>
+            <a:ext cx="860453" cy="45719"/>
+          </a:xfrm>
+          <a:prstGeom prst="rect">
+            <a:avLst/>
+          </a:prstGeom>
+          <a:solidFill>
+            <a:srgbClr val="FF0000"/>
+          </a:solidFill>
+          <a:ln>
+            <a:noFill/>
+          </a:ln>
+        </p:spPr>
+        <p:style>
+          <a:lnRef idx="2">
+            <a:schemeClr val="accent1">
+              <a:shade val="15000"/>
+            </a:schemeClr>
+          </a:lnRef>
+          <a:fillRef idx="1">
+            <a:schemeClr val="accent1"/>
+          </a:fillRef>
+          <a:effectRef idx="0">
+            <a:schemeClr val="accent1"/>
+          </a:effectRef>
+          <a:fontRef idx="minor">
+            <a:schemeClr val="lt1"/>
+          </a:fontRef>
+        </p:style>
+        <p:txBody>
+          <a:bodyPr rtlCol="0" anchor="ctr"/>
+          <a:lstStyle/>
+          <a:p>
+            <a:pPr algn="ctr"/>
+            <a:endParaRPr lang="en-GB"/>
+          </a:p>
+        </p:txBody>
+      </p:sp>
     </p:spTree>
     <p:extLst>
       <p:ext uri="{BB962C8B-B14F-4D97-AF65-F5344CB8AC3E}">
@@ -10984,7 +11373,7 @@
 </p:sld>
 </file>
 
-<file path=ppt/slides/slide22.xml><?xml version="1.0" encoding="utf-8"?>
+<file path=ppt/slides/slide23.xml><?xml version="1.0" encoding="utf-8"?>
 <p:sld xmlns:a="http://schemas.openxmlformats.org/drawingml/2006/main" xmlns:r="http://schemas.openxmlformats.org/officeDocument/2006/relationships" xmlns:p="http://schemas.openxmlformats.org/presentationml/2006/main">
   <p:cSld>
     <p:spTree>
@@ -11114,7 +11503,7 @@
           <a:p>
             <a:fld id="{2396986B-09E1-422F-9D6D-F3432B0D2D09}" type="slidenum">
               <a:rPr lang="en-GB" smtClean="0"/>
-              <a:t>22</a:t>
+              <a:t>23</a:t>
             </a:fld>
             <a:endParaRPr lang="en-GB"/>
           </a:p>

--- a/docs/p2ppost_prezentace.pptx
+++ b/docs/p2ppost_prezentace.pptx
@@ -5,7 +5,7 @@
     <p:sldMasterId id="2147483672" r:id="rId1"/>
   </p:sldMasterIdLst>
   <p:notesMasterIdLst>
-    <p:notesMasterId r:id="rId25"/>
+    <p:notesMasterId r:id="rId26"/>
   </p:notesMasterIdLst>
   <p:sldIdLst>
     <p:sldId id="256" r:id="rId2"/>
@@ -13,24 +13,25 @@
     <p:sldId id="258" r:id="rId4"/>
     <p:sldId id="259" r:id="rId5"/>
     <p:sldId id="264" r:id="rId6"/>
-    <p:sldId id="265" r:id="rId7"/>
-    <p:sldId id="267" r:id="rId8"/>
-    <p:sldId id="268" r:id="rId9"/>
-    <p:sldId id="266" r:id="rId10"/>
+    <p:sldId id="290" r:id="rId7"/>
+    <p:sldId id="291" r:id="rId8"/>
+    <p:sldId id="292" r:id="rId9"/>
+    <p:sldId id="293" r:id="rId10"/>
     <p:sldId id="270" r:id="rId11"/>
-    <p:sldId id="271" r:id="rId12"/>
-    <p:sldId id="272" r:id="rId13"/>
-    <p:sldId id="276" r:id="rId14"/>
-    <p:sldId id="278" r:id="rId15"/>
-    <p:sldId id="283" r:id="rId16"/>
-    <p:sldId id="284" r:id="rId17"/>
-    <p:sldId id="285" r:id="rId18"/>
-    <p:sldId id="286" r:id="rId19"/>
-    <p:sldId id="288" r:id="rId20"/>
-    <p:sldId id="287" r:id="rId21"/>
-    <p:sldId id="289" r:id="rId22"/>
-    <p:sldId id="280" r:id="rId23"/>
-    <p:sldId id="282" r:id="rId24"/>
+    <p:sldId id="294" r:id="rId12"/>
+    <p:sldId id="296" r:id="rId13"/>
+    <p:sldId id="272" r:id="rId14"/>
+    <p:sldId id="276" r:id="rId15"/>
+    <p:sldId id="278" r:id="rId16"/>
+    <p:sldId id="283" r:id="rId17"/>
+    <p:sldId id="284" r:id="rId18"/>
+    <p:sldId id="285" r:id="rId19"/>
+    <p:sldId id="286" r:id="rId20"/>
+    <p:sldId id="288" r:id="rId21"/>
+    <p:sldId id="287" r:id="rId22"/>
+    <p:sldId id="289" r:id="rId23"/>
+    <p:sldId id="280" r:id="rId24"/>
+    <p:sldId id="282" r:id="rId25"/>
   </p:sldIdLst>
   <p:sldSz cx="12192000" cy="6858000"/>
   <p:notesSz cx="6858000" cy="9144000"/>
@@ -4009,6 +4010,36 @@
           <a:chExt cx="0" cy="0"/>
         </a:xfrm>
       </p:grpSpPr>
+      <p:pic>
+        <p:nvPicPr>
+          <p:cNvPr id="20" name="Obrázek 19">
+            <a:extLst>
+              <a:ext uri="{FF2B5EF4-FFF2-40B4-BE49-F238E27FC236}">
+                <a16:creationId xmlns:a16="http://schemas.microsoft.com/office/drawing/2014/main" id="{AB1B8AF6-02B1-BB9E-C1CF-1F89325E5B8F}"/>
+              </a:ext>
+            </a:extLst>
+          </p:cNvPr>
+          <p:cNvPicPr>
+            <a:picLocks noChangeAspect="1"/>
+          </p:cNvPicPr>
+          <p:nvPr/>
+        </p:nvPicPr>
+        <p:blipFill>
+          <a:blip r:embed="rId2"/>
+          <a:stretch>
+            <a:fillRect/>
+          </a:stretch>
+        </p:blipFill>
+        <p:spPr>
+          <a:xfrm>
+            <a:off x="7213638" y="1306187"/>
+            <a:ext cx="4978362" cy="5032156"/>
+          </a:xfrm>
+          <a:prstGeom prst="rect">
+            <a:avLst/>
+          </a:prstGeom>
+        </p:spPr>
+      </p:pic>
       <p:sp>
         <p:nvSpPr>
           <p:cNvPr id="9" name="Obdélník 8">
@@ -4088,44 +4119,12 @@
           <a:lstStyle/>
           <a:p>
             <a:r>
-              <a:rPr lang="en-GB" dirty="0" err="1">
+              <a:rPr lang="cs-CZ" dirty="0">
                 <a:solidFill>
                   <a:srgbClr val="FF0000"/>
                 </a:solidFill>
               </a:rPr>
-              <a:t>Datové</a:t>
-            </a:r>
-            <a:r>
-              <a:rPr lang="en-GB" dirty="0">
-                <a:solidFill>
-                  <a:srgbClr val="FF0000"/>
-                </a:solidFill>
-              </a:rPr>
-              <a:t> </a:t>
-            </a:r>
-            <a:r>
-              <a:rPr lang="en-GB" dirty="0" err="1">
-                <a:solidFill>
-                  <a:srgbClr val="FF0000"/>
-                </a:solidFill>
-              </a:rPr>
-              <a:t>toky</a:t>
-            </a:r>
-            <a:r>
-              <a:rPr lang="en-GB" dirty="0">
-                <a:solidFill>
-                  <a:srgbClr val="FF0000"/>
-                </a:solidFill>
-              </a:rPr>
-              <a:t> a </a:t>
-            </a:r>
-            <a:r>
-              <a:rPr lang="en-GB" dirty="0" err="1">
-                <a:solidFill>
-                  <a:srgbClr val="FF0000"/>
-                </a:solidFill>
-              </a:rPr>
-              <a:t>komunikace</a:t>
+              <a:t>P2P komunikace a objevování peerů</a:t>
             </a:r>
             <a:endParaRPr lang="en-GB" dirty="0">
               <a:solidFill>
@@ -4135,35 +4134,6 @@
           </a:p>
         </p:txBody>
       </p:sp>
-      <p:pic>
-        <p:nvPicPr>
-          <p:cNvPr id="6" name="Zástupný obsah 5">
-            <a:extLst>
-              <a:ext uri="{FF2B5EF4-FFF2-40B4-BE49-F238E27FC236}">
-                <a16:creationId xmlns:a16="http://schemas.microsoft.com/office/drawing/2014/main" id="{0A9193B9-6771-ECEE-955B-0522E4B9BBEB}"/>
-              </a:ext>
-            </a:extLst>
-          </p:cNvPr>
-          <p:cNvPicPr>
-            <a:picLocks noGrp="1" noChangeAspect="1"/>
-          </p:cNvPicPr>
-          <p:nvPr>
-            <p:ph idx="1"/>
-          </p:nvPr>
-        </p:nvPicPr>
-        <p:blipFill>
-          <a:blip r:embed="rId2"/>
-          <a:stretch>
-            <a:fillRect/>
-          </a:stretch>
-        </p:blipFill>
-        <p:spPr>
-          <a:xfrm>
-            <a:off x="5973023" y="1798636"/>
-            <a:ext cx="5114925" cy="3895725"/>
-          </a:xfrm>
-        </p:spPr>
-      </p:pic>
       <p:sp>
         <p:nvSpPr>
           <p:cNvPr id="4" name="Zástupný symbol pro číslo snímku 3">
@@ -4190,164 +4160,6 @@
               <a:t>10</a:t>
             </a:fld>
             <a:endParaRPr lang="en-GB"/>
-          </a:p>
-        </p:txBody>
-      </p:sp>
-      <p:sp>
-        <p:nvSpPr>
-          <p:cNvPr id="14" name="TextovéPole 13">
-            <a:extLst>
-              <a:ext uri="{FF2B5EF4-FFF2-40B4-BE49-F238E27FC236}">
-                <a16:creationId xmlns:a16="http://schemas.microsoft.com/office/drawing/2014/main" id="{4CBFCAD1-CBFB-776D-8B62-44422BEFC1B1}"/>
-              </a:ext>
-            </a:extLst>
-          </p:cNvPr>
-          <p:cNvSpPr txBox="1"/>
-          <p:nvPr/>
-        </p:nvSpPr>
-        <p:spPr>
-          <a:xfrm>
-            <a:off x="312343" y="1472080"/>
-            <a:ext cx="6550183" cy="1815882"/>
-          </a:xfrm>
-          <a:prstGeom prst="rect">
-            <a:avLst/>
-          </a:prstGeom>
-          <a:noFill/>
-        </p:spPr>
-        <p:txBody>
-          <a:bodyPr wrap="square">
-            <a:spAutoFit/>
-          </a:bodyPr>
-          <a:lstStyle/>
-          <a:p>
-            <a:pPr>
-              <a:buNone/>
-            </a:pPr>
-            <a:r>
-              <a:rPr lang="en-GB" sz="2800" b="1" dirty="0" err="1"/>
-              <a:t>Proces</a:t>
-            </a:r>
-            <a:r>
-              <a:rPr lang="en-GB" sz="2800" b="1" dirty="0"/>
-              <a:t> </a:t>
-            </a:r>
-            <a:r>
-              <a:rPr lang="en-GB" sz="2800" b="1" dirty="0" err="1"/>
-              <a:t>objevování</a:t>
-            </a:r>
-            <a:r>
-              <a:rPr lang="en-GB" sz="2800" b="1" dirty="0"/>
-              <a:t> </a:t>
-            </a:r>
-            <a:r>
-              <a:rPr lang="en-GB" sz="2800" b="1" dirty="0" err="1"/>
-              <a:t>peerů</a:t>
-            </a:r>
-            <a:r>
-              <a:rPr lang="en-GB" sz="2800" b="1" dirty="0"/>
-              <a:t>:</a:t>
-            </a:r>
-          </a:p>
-          <a:p>
-            <a:pPr>
-              <a:buFont typeface="Arial" panose="020B0604020202020204" pitchFamily="34" charset="0"/>
-              <a:buChar char="•"/>
-            </a:pPr>
-            <a:r>
-              <a:rPr lang="en-GB" sz="2800" dirty="0" err="1"/>
-              <a:t>Broadcastové</a:t>
-            </a:r>
-            <a:r>
-              <a:rPr lang="en-GB" sz="2800" dirty="0"/>
-              <a:t> </a:t>
-            </a:r>
-            <a:r>
-              <a:rPr lang="en-GB" sz="2800" dirty="0" err="1"/>
-              <a:t>oznámení</a:t>
-            </a:r>
-            <a:r>
-              <a:rPr lang="en-GB" sz="2800" dirty="0"/>
-              <a:t> </a:t>
-            </a:r>
-            <a:r>
-              <a:rPr lang="en-GB" sz="2800" dirty="0" err="1"/>
-              <a:t>přes</a:t>
-            </a:r>
-            <a:r>
-              <a:rPr lang="en-GB" sz="2800" dirty="0"/>
-              <a:t> UDP</a:t>
-            </a:r>
-          </a:p>
-          <a:p>
-            <a:pPr>
-              <a:buFont typeface="Arial" panose="020B0604020202020204" pitchFamily="34" charset="0"/>
-              <a:buChar char="•"/>
-            </a:pPr>
-            <a:r>
-              <a:rPr lang="en-GB" sz="2800" dirty="0" err="1"/>
-              <a:t>Přímé</a:t>
-            </a:r>
-            <a:r>
-              <a:rPr lang="en-GB" sz="2800" dirty="0"/>
-              <a:t> </a:t>
-            </a:r>
-            <a:r>
-              <a:rPr lang="en-GB" sz="2800" dirty="0" err="1"/>
-              <a:t>ověření</a:t>
-            </a:r>
-            <a:r>
-              <a:rPr lang="en-GB" sz="2800" dirty="0"/>
-              <a:t> </a:t>
-            </a:r>
-            <a:r>
-              <a:rPr lang="en-GB" sz="2800" dirty="0" err="1"/>
-              <a:t>dostupnosti</a:t>
-            </a:r>
-            <a:r>
-              <a:rPr lang="en-GB" sz="2800" dirty="0"/>
-              <a:t> </a:t>
-            </a:r>
-            <a:r>
-              <a:rPr lang="en-GB" sz="2800" dirty="0" err="1"/>
-              <a:t>uzlů</a:t>
-            </a:r>
-            <a:endParaRPr lang="en-GB" sz="2800" dirty="0"/>
-          </a:p>
-          <a:p>
-            <a:pPr>
-              <a:buFont typeface="Arial" panose="020B0604020202020204" pitchFamily="34" charset="0"/>
-              <a:buChar char="•"/>
-            </a:pPr>
-            <a:r>
-              <a:rPr lang="en-GB" sz="2800" dirty="0" err="1"/>
-              <a:t>Automatické</a:t>
-            </a:r>
-            <a:r>
-              <a:rPr lang="en-GB" sz="2800" dirty="0"/>
-              <a:t> </a:t>
-            </a:r>
-            <a:r>
-              <a:rPr lang="en-GB" sz="2800" dirty="0" err="1"/>
-              <a:t>přidání</a:t>
-            </a:r>
-            <a:r>
-              <a:rPr lang="en-GB" sz="2800" dirty="0"/>
-              <a:t> do </a:t>
-            </a:r>
-            <a:r>
-              <a:rPr lang="en-GB" sz="2800" dirty="0" err="1"/>
-              <a:t>seznamu</a:t>
-            </a:r>
-            <a:r>
-              <a:rPr lang="en-GB" sz="2800" dirty="0"/>
-              <a:t> </a:t>
-            </a:r>
-            <a:r>
-              <a:rPr lang="en-GB" sz="2800" dirty="0" err="1"/>
-              <a:t>peerů</a:t>
-            </a:r>
-            <a:endParaRPr lang="en-GB" sz="2800" dirty="0"/>
           </a:p>
         </p:txBody>
       </p:sp>
@@ -4433,6 +4245,230 @@
           </a:p>
         </p:txBody>
       </p:sp>
+      <p:sp>
+        <p:nvSpPr>
+          <p:cNvPr id="12" name="Zástupný obsah 11">
+            <a:extLst>
+              <a:ext uri="{FF2B5EF4-FFF2-40B4-BE49-F238E27FC236}">
+                <a16:creationId xmlns:a16="http://schemas.microsoft.com/office/drawing/2014/main" id="{14FEA498-F0B4-2B4A-A66F-356FB754B696}"/>
+              </a:ext>
+            </a:extLst>
+          </p:cNvPr>
+          <p:cNvSpPr>
+            <a:spLocks noGrp="1"/>
+          </p:cNvSpPr>
+          <p:nvPr>
+            <p:ph idx="1"/>
+          </p:nvPr>
+        </p:nvSpPr>
+        <p:spPr>
+          <a:xfrm>
+            <a:off x="438150" y="1325562"/>
+            <a:ext cx="7493000" cy="5233031"/>
+          </a:xfrm>
+        </p:spPr>
+        <p:txBody>
+          <a:bodyPr>
+            <a:normAutofit fontScale="70000" lnSpcReduction="20000"/>
+          </a:bodyPr>
+          <a:lstStyle/>
+          <a:p>
+            <a:pPr>
+              <a:buNone/>
+            </a:pPr>
+            <a:r>
+              <a:rPr lang="cs-CZ" b="1" dirty="0"/>
+              <a:t>Architektura P2P sítě</a:t>
+            </a:r>
+          </a:p>
+          <a:p>
+            <a:pPr>
+              <a:buFont typeface="Arial" panose="020B0604020202020204" pitchFamily="34" charset="0"/>
+              <a:buChar char="•"/>
+            </a:pPr>
+            <a:r>
+              <a:rPr lang="cs-CZ" b="1" dirty="0"/>
+              <a:t>Plně decentralizovaná</a:t>
+            </a:r>
+            <a:r>
+              <a:rPr lang="cs-CZ" dirty="0"/>
+              <a:t> - každý uzel je rovnocenný</a:t>
+            </a:r>
+          </a:p>
+          <a:p>
+            <a:pPr>
+              <a:buFont typeface="Arial" panose="020B0604020202020204" pitchFamily="34" charset="0"/>
+              <a:buChar char="•"/>
+            </a:pPr>
+            <a:r>
+              <a:rPr lang="cs-CZ" b="1" dirty="0"/>
+              <a:t>Přímá komunikace</a:t>
+            </a:r>
+            <a:r>
+              <a:rPr lang="cs-CZ" dirty="0"/>
+              <a:t> - bez centrálního serveru</a:t>
+            </a:r>
+          </a:p>
+          <a:p>
+            <a:pPr>
+              <a:buFont typeface="Arial" panose="020B0604020202020204" pitchFamily="34" charset="0"/>
+              <a:buChar char="•"/>
+            </a:pPr>
+            <a:r>
+              <a:rPr lang="cs-CZ" b="1" dirty="0" err="1"/>
+              <a:t>Chunked</a:t>
+            </a:r>
+            <a:r>
+              <a:rPr lang="cs-CZ" b="1" dirty="0"/>
+              <a:t> </a:t>
+            </a:r>
+            <a:r>
+              <a:rPr lang="cs-CZ" b="1" dirty="0" err="1"/>
+              <a:t>Messaging</a:t>
+            </a:r>
+            <a:r>
+              <a:rPr lang="cs-CZ" dirty="0"/>
+              <a:t> - podpora pro velké zprávy a soubory</a:t>
+            </a:r>
+          </a:p>
+          <a:p>
+            <a:pPr>
+              <a:buFont typeface="Arial" panose="020B0604020202020204" pitchFamily="34" charset="0"/>
+              <a:buChar char="•"/>
+            </a:pPr>
+            <a:r>
+              <a:rPr lang="cs-CZ" b="1" dirty="0"/>
+              <a:t>Asynchronní komunikace</a:t>
+            </a:r>
+            <a:r>
+              <a:rPr lang="cs-CZ" dirty="0"/>
+              <a:t> - využití </a:t>
+            </a:r>
+            <a:r>
+              <a:rPr lang="cs-CZ" dirty="0" err="1"/>
+              <a:t>asyncio</a:t>
+            </a:r>
+            <a:r>
+              <a:rPr lang="cs-CZ" dirty="0"/>
+              <a:t> pro neblokující I/O</a:t>
+            </a:r>
+          </a:p>
+          <a:p>
+            <a:pPr marL="0" indent="0">
+              <a:buNone/>
+            </a:pPr>
+            <a:r>
+              <a:rPr lang="cs-CZ" b="1" dirty="0"/>
+              <a:t>Protokol objevování peerů</a:t>
+            </a:r>
+          </a:p>
+          <a:p>
+            <a:r>
+              <a:rPr lang="cs-CZ" b="1" dirty="0"/>
+              <a:t>UDP </a:t>
+            </a:r>
+            <a:r>
+              <a:rPr lang="cs-CZ" b="1" dirty="0" err="1"/>
+              <a:t>broadcast</a:t>
+            </a:r>
+            <a:r>
+              <a:rPr lang="cs-CZ" b="1" dirty="0"/>
+              <a:t>: </a:t>
+            </a:r>
+            <a:r>
+              <a:rPr lang="cs-CZ" dirty="0"/>
+              <a:t>objevování peerů v lokální síti (port 8001)</a:t>
+            </a:r>
+          </a:p>
+          <a:p>
+            <a:r>
+              <a:rPr lang="cs-CZ" b="1" dirty="0"/>
+              <a:t>Periodické oznámení: </a:t>
+            </a:r>
+            <a:r>
+              <a:rPr lang="cs-CZ" dirty="0"/>
+              <a:t>uzly pravidelně oznamují svou přítomnost</a:t>
+            </a:r>
+          </a:p>
+          <a:p>
+            <a:r>
+              <a:rPr lang="cs-CZ" b="1" dirty="0"/>
+              <a:t>Automatická expirace: </a:t>
+            </a:r>
+            <a:r>
+              <a:rPr lang="cs-CZ" dirty="0"/>
+              <a:t>neaktivní peery jsou po 5 minutách odstraněny</a:t>
+            </a:r>
+          </a:p>
+          <a:p>
+            <a:r>
+              <a:rPr lang="cs-CZ" b="1" dirty="0"/>
+              <a:t>Manuální připojení: </a:t>
+            </a:r>
+            <a:r>
+              <a:rPr lang="cs-CZ" dirty="0"/>
+              <a:t>možnost přímého připojení k známému hostu</a:t>
+            </a:r>
+          </a:p>
+          <a:p>
+            <a:pPr>
+              <a:buNone/>
+            </a:pPr>
+            <a:r>
+              <a:rPr lang="cs-CZ" b="1" dirty="0"/>
+              <a:t>Stavy připojení</a:t>
+            </a:r>
+          </a:p>
+          <a:p>
+            <a:pPr>
+              <a:buFont typeface="+mj-lt"/>
+              <a:buAutoNum type="arabicPeriod"/>
+            </a:pPr>
+            <a:r>
+              <a:rPr lang="cs-CZ" b="1" dirty="0"/>
+              <a:t>Objeveno</a:t>
+            </a:r>
+            <a:r>
+              <a:rPr lang="cs-CZ" dirty="0"/>
+              <a:t> - peer nalezen, ale bez aktivního připojení</a:t>
+            </a:r>
+          </a:p>
+          <a:p>
+            <a:pPr>
+              <a:buFont typeface="+mj-lt"/>
+              <a:buAutoNum type="arabicPeriod"/>
+            </a:pPr>
+            <a:r>
+              <a:rPr lang="cs-CZ" b="1" dirty="0"/>
+              <a:t>Připojeno</a:t>
+            </a:r>
+            <a:r>
+              <a:rPr lang="cs-CZ" dirty="0"/>
+              <a:t> - TCP spojení ustaveno</a:t>
+            </a:r>
+          </a:p>
+          <a:p>
+            <a:pPr>
+              <a:buFont typeface="+mj-lt"/>
+              <a:buAutoNum type="arabicPeriod"/>
+            </a:pPr>
+            <a:r>
+              <a:rPr lang="cs-CZ" b="1" dirty="0"/>
+              <a:t>Bezpečný kanál</a:t>
+            </a:r>
+            <a:r>
+              <a:rPr lang="cs-CZ" dirty="0"/>
+              <a:t> - po úspěšné výměně klíčů</a:t>
+            </a:r>
+          </a:p>
+          <a:p>
+            <a:pPr marL="0" indent="0">
+              <a:buNone/>
+            </a:pPr>
+            <a:endParaRPr lang="cs-CZ" dirty="0"/>
+          </a:p>
+        </p:txBody>
+      </p:sp>
     </p:spTree>
     <p:extLst>
       <p:ext uri="{BB962C8B-B14F-4D97-AF65-F5344CB8AC3E}">
@@ -4451,6 +4487,1035 @@
   <p:cSld>
     <p:spTree>
       <p:nvGrpSpPr>
+        <p:cNvPr id="1" name="">
+          <a:extLst>
+            <a:ext uri="{FF2B5EF4-FFF2-40B4-BE49-F238E27FC236}">
+              <a16:creationId xmlns:a16="http://schemas.microsoft.com/office/drawing/2014/main" id="{127F43F0-AEF7-E604-D9C1-1566316E412A}"/>
+            </a:ext>
+          </a:extLst>
+        </p:cNvPr>
+        <p:cNvGrpSpPr/>
+        <p:nvPr/>
+      </p:nvGrpSpPr>
+      <p:grpSpPr>
+        <a:xfrm>
+          <a:off x="0" y="0"/>
+          <a:ext cx="0" cy="0"/>
+          <a:chOff x="0" y="0"/>
+          <a:chExt cx="0" cy="0"/>
+        </a:xfrm>
+      </p:grpSpPr>
+      <p:pic>
+        <p:nvPicPr>
+          <p:cNvPr id="5" name="Obrázek 4">
+            <a:extLst>
+              <a:ext uri="{FF2B5EF4-FFF2-40B4-BE49-F238E27FC236}">
+                <a16:creationId xmlns:a16="http://schemas.microsoft.com/office/drawing/2014/main" id="{E3E3B12F-B0BC-E71F-10B6-C566B72550CA}"/>
+              </a:ext>
+            </a:extLst>
+          </p:cNvPr>
+          <p:cNvPicPr>
+            <a:picLocks noChangeAspect="1"/>
+          </p:cNvPicPr>
+          <p:nvPr/>
+        </p:nvPicPr>
+        <p:blipFill>
+          <a:blip r:embed="rId2"/>
+          <a:stretch>
+            <a:fillRect/>
+          </a:stretch>
+        </p:blipFill>
+        <p:spPr>
+          <a:xfrm>
+            <a:off x="7493000" y="1122703"/>
+            <a:ext cx="4464051" cy="5344432"/>
+          </a:xfrm>
+          <a:prstGeom prst="rect">
+            <a:avLst/>
+          </a:prstGeom>
+        </p:spPr>
+      </p:pic>
+      <p:sp>
+        <p:nvSpPr>
+          <p:cNvPr id="9" name="Obdélník 8">
+            <a:extLst>
+              <a:ext uri="{FF2B5EF4-FFF2-40B4-BE49-F238E27FC236}">
+                <a16:creationId xmlns:a16="http://schemas.microsoft.com/office/drawing/2014/main" id="{5F76B7CE-A471-E59E-EFB9-849618B143A3}"/>
+              </a:ext>
+            </a:extLst>
+          </p:cNvPr>
+          <p:cNvSpPr/>
+          <p:nvPr/>
+        </p:nvSpPr>
+        <p:spPr>
+          <a:xfrm>
+            <a:off x="0" y="0"/>
+            <a:ext cx="12192000" cy="1116702"/>
+          </a:xfrm>
+          <a:prstGeom prst="rect">
+            <a:avLst/>
+          </a:prstGeom>
+          <a:solidFill>
+            <a:schemeClr val="bg2"/>
+          </a:solidFill>
+          <a:ln>
+            <a:noFill/>
+          </a:ln>
+        </p:spPr>
+        <p:style>
+          <a:lnRef idx="2">
+            <a:schemeClr val="accent1">
+              <a:shade val="15000"/>
+            </a:schemeClr>
+          </a:lnRef>
+          <a:fillRef idx="1">
+            <a:schemeClr val="accent1"/>
+          </a:fillRef>
+          <a:effectRef idx="0">
+            <a:schemeClr val="accent1"/>
+          </a:effectRef>
+          <a:fontRef idx="minor">
+            <a:schemeClr val="lt1"/>
+          </a:fontRef>
+        </p:style>
+        <p:txBody>
+          <a:bodyPr rtlCol="0" anchor="ctr"/>
+          <a:lstStyle/>
+          <a:p>
+            <a:pPr algn="ctr"/>
+            <a:endParaRPr lang="en-GB"/>
+          </a:p>
+        </p:txBody>
+      </p:sp>
+      <p:sp>
+        <p:nvSpPr>
+          <p:cNvPr id="2" name="Nadpis 1">
+            <a:extLst>
+              <a:ext uri="{FF2B5EF4-FFF2-40B4-BE49-F238E27FC236}">
+                <a16:creationId xmlns:a16="http://schemas.microsoft.com/office/drawing/2014/main" id="{11352507-9E71-FE79-BE9E-5074F13E8A4B}"/>
+              </a:ext>
+            </a:extLst>
+          </p:cNvPr>
+          <p:cNvSpPr>
+            <a:spLocks noGrp="1"/>
+          </p:cNvSpPr>
+          <p:nvPr>
+            <p:ph type="title"/>
+          </p:nvPr>
+        </p:nvSpPr>
+        <p:spPr>
+          <a:xfrm>
+            <a:off x="0" y="0"/>
+            <a:ext cx="10515600" cy="1325563"/>
+          </a:xfrm>
+        </p:spPr>
+        <p:txBody>
+          <a:bodyPr/>
+          <a:lstStyle/>
+          <a:p>
+            <a:r>
+              <a:rPr lang="cs-CZ" dirty="0">
+                <a:solidFill>
+                  <a:srgbClr val="FF0000"/>
+                </a:solidFill>
+              </a:rPr>
+              <a:t>Zabezpečený přenos dat</a:t>
+            </a:r>
+            <a:endParaRPr lang="en-GB" dirty="0">
+              <a:solidFill>
+                <a:srgbClr val="FF0000"/>
+              </a:solidFill>
+            </a:endParaRPr>
+          </a:p>
+        </p:txBody>
+      </p:sp>
+      <p:sp>
+        <p:nvSpPr>
+          <p:cNvPr id="4" name="Zástupný symbol pro číslo snímku 3">
+            <a:extLst>
+              <a:ext uri="{FF2B5EF4-FFF2-40B4-BE49-F238E27FC236}">
+                <a16:creationId xmlns:a16="http://schemas.microsoft.com/office/drawing/2014/main" id="{1BF6A34A-6BD3-A7D1-4A19-22539A96E6CF}"/>
+              </a:ext>
+            </a:extLst>
+          </p:cNvPr>
+          <p:cNvSpPr>
+            <a:spLocks noGrp="1"/>
+          </p:cNvSpPr>
+          <p:nvPr>
+            <p:ph type="sldNum" sz="quarter" idx="12"/>
+          </p:nvPr>
+        </p:nvSpPr>
+        <p:spPr/>
+        <p:txBody>
+          <a:bodyPr/>
+          <a:lstStyle/>
+          <a:p>
+            <a:fld id="{2396986B-09E1-422F-9D6D-F3432B0D2D09}" type="slidenum">
+              <a:rPr lang="en-GB" smtClean="0"/>
+              <a:t>11</a:t>
+            </a:fld>
+            <a:endParaRPr lang="en-GB"/>
+          </a:p>
+        </p:txBody>
+      </p:sp>
+      <p:pic>
+        <p:nvPicPr>
+          <p:cNvPr id="18" name="Obrázek 17">
+            <a:extLst>
+              <a:ext uri="{FF2B5EF4-FFF2-40B4-BE49-F238E27FC236}">
+                <a16:creationId xmlns:a16="http://schemas.microsoft.com/office/drawing/2014/main" id="{6911D909-9125-A016-824B-9764B81637DF}"/>
+              </a:ext>
+            </a:extLst>
+          </p:cNvPr>
+          <p:cNvPicPr>
+            <a:picLocks noChangeAspect="1"/>
+          </p:cNvPicPr>
+          <p:nvPr/>
+        </p:nvPicPr>
+        <p:blipFill>
+          <a:blip r:embed="rId3"/>
+          <a:stretch>
+            <a:fillRect/>
+          </a:stretch>
+        </p:blipFill>
+        <p:spPr>
+          <a:xfrm>
+            <a:off x="10113527" y="299406"/>
+            <a:ext cx="1556365" cy="493482"/>
+          </a:xfrm>
+          <a:prstGeom prst="rect">
+            <a:avLst/>
+          </a:prstGeom>
+        </p:spPr>
+      </p:pic>
+      <p:sp>
+        <p:nvSpPr>
+          <p:cNvPr id="21" name="Obdélník 20">
+            <a:extLst>
+              <a:ext uri="{FF2B5EF4-FFF2-40B4-BE49-F238E27FC236}">
+                <a16:creationId xmlns:a16="http://schemas.microsoft.com/office/drawing/2014/main" id="{1BB01370-36E6-8015-FFDA-9C554A971089}"/>
+              </a:ext>
+            </a:extLst>
+          </p:cNvPr>
+          <p:cNvSpPr/>
+          <p:nvPr/>
+        </p:nvSpPr>
+        <p:spPr>
+          <a:xfrm>
+            <a:off x="-1349" y="1070983"/>
+            <a:ext cx="860453" cy="45719"/>
+          </a:xfrm>
+          <a:prstGeom prst="rect">
+            <a:avLst/>
+          </a:prstGeom>
+          <a:solidFill>
+            <a:srgbClr val="FF0000"/>
+          </a:solidFill>
+          <a:ln>
+            <a:noFill/>
+          </a:ln>
+        </p:spPr>
+        <p:style>
+          <a:lnRef idx="2">
+            <a:schemeClr val="accent1">
+              <a:shade val="15000"/>
+            </a:schemeClr>
+          </a:lnRef>
+          <a:fillRef idx="1">
+            <a:schemeClr val="accent1"/>
+          </a:fillRef>
+          <a:effectRef idx="0">
+            <a:schemeClr val="accent1"/>
+          </a:effectRef>
+          <a:fontRef idx="minor">
+            <a:schemeClr val="lt1"/>
+          </a:fontRef>
+        </p:style>
+        <p:txBody>
+          <a:bodyPr rtlCol="0" anchor="ctr"/>
+          <a:lstStyle/>
+          <a:p>
+            <a:pPr algn="ctr"/>
+            <a:endParaRPr lang="en-GB"/>
+          </a:p>
+        </p:txBody>
+      </p:sp>
+      <p:sp>
+        <p:nvSpPr>
+          <p:cNvPr id="12" name="Zástupný obsah 11">
+            <a:extLst>
+              <a:ext uri="{FF2B5EF4-FFF2-40B4-BE49-F238E27FC236}">
+                <a16:creationId xmlns:a16="http://schemas.microsoft.com/office/drawing/2014/main" id="{0E3D5682-ADCA-4C6F-A8F0-09051DCFC9B9}"/>
+              </a:ext>
+            </a:extLst>
+          </p:cNvPr>
+          <p:cNvSpPr>
+            <a:spLocks noGrp="1"/>
+          </p:cNvSpPr>
+          <p:nvPr>
+            <p:ph idx="1"/>
+          </p:nvPr>
+        </p:nvSpPr>
+        <p:spPr>
+          <a:xfrm>
+            <a:off x="438150" y="1325562"/>
+            <a:ext cx="7493000" cy="5233031"/>
+          </a:xfrm>
+        </p:spPr>
+        <p:txBody>
+          <a:bodyPr>
+            <a:normAutofit fontScale="92500" lnSpcReduction="10000"/>
+          </a:bodyPr>
+          <a:lstStyle/>
+          <a:p>
+            <a:pPr>
+              <a:buNone/>
+            </a:pPr>
+            <a:r>
+              <a:rPr lang="cs-CZ" b="1" dirty="0"/>
+              <a:t>Proces bezpečného přenosu zpráv</a:t>
+            </a:r>
+          </a:p>
+          <a:p>
+            <a:pPr>
+              <a:buFont typeface="+mj-lt"/>
+              <a:buAutoNum type="arabicPeriod"/>
+            </a:pPr>
+            <a:r>
+              <a:rPr lang="cs-CZ" b="1" dirty="0"/>
+              <a:t>Vytvoření zprávy</a:t>
+            </a:r>
+            <a:r>
+              <a:rPr lang="cs-CZ" dirty="0"/>
+              <a:t>: Objekt </a:t>
+            </a:r>
+            <a:r>
+              <a:rPr lang="cs-CZ" dirty="0" err="1"/>
+              <a:t>Message</a:t>
+            </a:r>
+            <a:r>
+              <a:rPr lang="cs-CZ" dirty="0"/>
+              <a:t> s obsahem a metadaty</a:t>
+            </a:r>
+          </a:p>
+          <a:p>
+            <a:pPr>
+              <a:buFont typeface="+mj-lt"/>
+              <a:buAutoNum type="arabicPeriod"/>
+            </a:pPr>
+            <a:r>
+              <a:rPr lang="cs-CZ" b="1" dirty="0"/>
+              <a:t>Digitální podpis</a:t>
+            </a:r>
+            <a:r>
+              <a:rPr lang="cs-CZ" dirty="0"/>
+              <a:t>: Podepsání zprávy privátním klíčem odesílatele</a:t>
+            </a:r>
+          </a:p>
+          <a:p>
+            <a:pPr>
+              <a:buFont typeface="+mj-lt"/>
+              <a:buAutoNum type="arabicPeriod"/>
+            </a:pPr>
+            <a:r>
+              <a:rPr lang="cs-CZ" b="1" dirty="0"/>
+              <a:t>Příprava datového balíčku</a:t>
+            </a:r>
+            <a:r>
+              <a:rPr lang="cs-CZ" dirty="0"/>
+              <a:t>: Zpráva + podpis + veřejný klíč</a:t>
+            </a:r>
+          </a:p>
+          <a:p>
+            <a:pPr>
+              <a:buFont typeface="+mj-lt"/>
+              <a:buAutoNum type="arabicPeriod"/>
+            </a:pPr>
+            <a:r>
+              <a:rPr lang="cs-CZ" b="1" dirty="0"/>
+              <a:t>AEAD</a:t>
+            </a:r>
+            <a:r>
+              <a:rPr lang="cs-CZ" dirty="0"/>
+              <a:t>: Oddělení kritických metadat (ID zprávy, odesílatel, příjemce, časové razítko)</a:t>
+            </a:r>
+          </a:p>
+          <a:p>
+            <a:pPr>
+              <a:buFont typeface="+mj-lt"/>
+              <a:buAutoNum type="arabicPeriod"/>
+            </a:pPr>
+            <a:r>
+              <a:rPr lang="cs-CZ" b="1" dirty="0"/>
+              <a:t>Šifrování</a:t>
+            </a:r>
+            <a:r>
+              <a:rPr lang="cs-CZ" dirty="0"/>
+              <a:t>: Symetrické šifrování podepsaného balíčku sdíleným klíčem</a:t>
+            </a:r>
+          </a:p>
+          <a:p>
+            <a:pPr>
+              <a:buFont typeface="+mj-lt"/>
+              <a:buAutoNum type="arabicPeriod"/>
+            </a:pPr>
+            <a:r>
+              <a:rPr lang="cs-CZ" b="1" dirty="0"/>
+              <a:t>Přenos</a:t>
+            </a:r>
+            <a:r>
+              <a:rPr lang="cs-CZ" dirty="0"/>
+              <a:t>: Odeslání šifrovaného obsahu + autentizovaných metadat</a:t>
+            </a:r>
+          </a:p>
+        </p:txBody>
+      </p:sp>
+    </p:spTree>
+    <p:extLst>
+      <p:ext uri="{BB962C8B-B14F-4D97-AF65-F5344CB8AC3E}">
+        <p14:creationId xmlns:p14="http://schemas.microsoft.com/office/powerpoint/2010/main" val="3501391142"/>
+      </p:ext>
+    </p:extLst>
+  </p:cSld>
+  <p:clrMapOvr>
+    <a:masterClrMapping/>
+  </p:clrMapOvr>
+</p:sld>
+</file>
+
+<file path=ppt/slides/slide12.xml><?xml version="1.0" encoding="utf-8"?>
+<p:sld xmlns:a="http://schemas.openxmlformats.org/drawingml/2006/main" xmlns:r="http://schemas.openxmlformats.org/officeDocument/2006/relationships" xmlns:p="http://schemas.openxmlformats.org/presentationml/2006/main">
+  <p:cSld>
+    <p:spTree>
+      <p:nvGrpSpPr>
+        <p:cNvPr id="1" name="">
+          <a:extLst>
+            <a:ext uri="{FF2B5EF4-FFF2-40B4-BE49-F238E27FC236}">
+              <a16:creationId xmlns:a16="http://schemas.microsoft.com/office/drawing/2014/main" id="{FC86B381-F286-DD31-8288-0DE365CB9287}"/>
+            </a:ext>
+          </a:extLst>
+        </p:cNvPr>
+        <p:cNvGrpSpPr/>
+        <p:nvPr/>
+      </p:nvGrpSpPr>
+      <p:grpSpPr>
+        <a:xfrm>
+          <a:off x="0" y="0"/>
+          <a:ext cx="0" cy="0"/>
+          <a:chOff x="0" y="0"/>
+          <a:chExt cx="0" cy="0"/>
+        </a:xfrm>
+      </p:grpSpPr>
+      <p:sp>
+        <p:nvSpPr>
+          <p:cNvPr id="3" name="Zástupný obsah 2">
+            <a:extLst>
+              <a:ext uri="{FF2B5EF4-FFF2-40B4-BE49-F238E27FC236}">
+                <a16:creationId xmlns:a16="http://schemas.microsoft.com/office/drawing/2014/main" id="{644D7364-799E-4172-6991-619E4FCD74EC}"/>
+              </a:ext>
+            </a:extLst>
+          </p:cNvPr>
+          <p:cNvSpPr>
+            <a:spLocks noGrp="1"/>
+          </p:cNvSpPr>
+          <p:nvPr>
+            <p:ph sz="half" idx="1"/>
+          </p:nvPr>
+        </p:nvSpPr>
+        <p:spPr>
+          <a:xfrm>
+            <a:off x="431800" y="1343818"/>
+            <a:ext cx="5588000" cy="4833145"/>
+          </a:xfrm>
+        </p:spPr>
+        <p:txBody>
+          <a:bodyPr>
+            <a:normAutofit fontScale="70000" lnSpcReduction="20000"/>
+          </a:bodyPr>
+          <a:lstStyle/>
+          <a:p>
+            <a:pPr>
+              <a:buNone/>
+            </a:pPr>
+            <a:r>
+              <a:rPr lang="cs-CZ" b="1" dirty="0" err="1"/>
+              <a:t>KeyStorage</a:t>
+            </a:r>
+            <a:endParaRPr lang="cs-CZ" b="1" dirty="0"/>
+          </a:p>
+          <a:p>
+            <a:pPr>
+              <a:buFont typeface="Arial" panose="020B0604020202020204" pitchFamily="34" charset="0"/>
+              <a:buChar char="•"/>
+            </a:pPr>
+            <a:r>
+              <a:rPr lang="cs-CZ" b="1" dirty="0"/>
+              <a:t>Plně šifrované úložiště klíčů</a:t>
+            </a:r>
+            <a:r>
+              <a:rPr lang="cs-CZ" dirty="0"/>
+              <a:t> </a:t>
+            </a:r>
+          </a:p>
+          <a:p>
+            <a:pPr marL="742950" lvl="1" indent="-285750">
+              <a:buFont typeface="Arial" panose="020B0604020202020204" pitchFamily="34" charset="0"/>
+              <a:buChar char="•"/>
+            </a:pPr>
+            <a:r>
+              <a:rPr lang="cs-CZ" dirty="0"/>
+              <a:t>Veškerá data i metadata jsou šifrována</a:t>
+            </a:r>
+          </a:p>
+          <a:p>
+            <a:pPr marL="742950" lvl="1" indent="-285750">
+              <a:buFont typeface="Arial" panose="020B0604020202020204" pitchFamily="34" charset="0"/>
+              <a:buChar char="•"/>
+            </a:pPr>
+            <a:r>
+              <a:rPr lang="cs-CZ" dirty="0"/>
+              <a:t>Pouze paměťové mapování ID klíčů na skutečné hodnoty</a:t>
+            </a:r>
+          </a:p>
+          <a:p>
+            <a:pPr>
+              <a:buFont typeface="Arial" panose="020B0604020202020204" pitchFamily="34" charset="0"/>
+              <a:buChar char="•"/>
+            </a:pPr>
+            <a:r>
+              <a:rPr lang="cs-CZ" b="1" dirty="0"/>
+              <a:t>Silná ochrana heslem</a:t>
+            </a:r>
+            <a:r>
+              <a:rPr lang="cs-CZ" dirty="0"/>
+              <a:t> </a:t>
+            </a:r>
+          </a:p>
+          <a:p>
+            <a:pPr marL="742950" lvl="1" indent="-285750">
+              <a:buFont typeface="Arial" panose="020B0604020202020204" pitchFamily="34" charset="0"/>
+              <a:buChar char="•"/>
+            </a:pPr>
+            <a:r>
+              <a:rPr lang="cs-CZ" dirty="0"/>
+              <a:t>Argon2id (OWASP doporučené parametry)</a:t>
+            </a:r>
+          </a:p>
+          <a:p>
+            <a:pPr marL="742950" lvl="1" indent="-285750">
+              <a:buFont typeface="Arial" panose="020B0604020202020204" pitchFamily="34" charset="0"/>
+              <a:buChar char="•"/>
+            </a:pPr>
+            <a:r>
+              <a:rPr lang="cs-CZ" dirty="0"/>
+              <a:t>Odvozování klíčů s </a:t>
+            </a:r>
+            <a:r>
+              <a:rPr lang="cs-CZ" dirty="0" err="1"/>
+              <a:t>cryptographic</a:t>
+            </a:r>
+            <a:r>
+              <a:rPr lang="cs-CZ" dirty="0"/>
+              <a:t> </a:t>
+            </a:r>
+            <a:r>
+              <a:rPr lang="cs-CZ" dirty="0" err="1"/>
+              <a:t>domain</a:t>
+            </a:r>
+            <a:r>
+              <a:rPr lang="cs-CZ" dirty="0"/>
+              <a:t> </a:t>
+            </a:r>
+            <a:r>
+              <a:rPr lang="cs-CZ" dirty="0" err="1"/>
+              <a:t>separation</a:t>
+            </a:r>
+            <a:endParaRPr lang="cs-CZ" dirty="0"/>
+          </a:p>
+          <a:p>
+            <a:pPr>
+              <a:buFont typeface="Arial" panose="020B0604020202020204" pitchFamily="34" charset="0"/>
+              <a:buChar char="•"/>
+            </a:pPr>
+            <a:r>
+              <a:rPr lang="cs-CZ" b="1" dirty="0"/>
+              <a:t>Atomické operace</a:t>
+            </a:r>
+            <a:r>
+              <a:rPr lang="cs-CZ" dirty="0"/>
+              <a:t> </a:t>
+            </a:r>
+          </a:p>
+          <a:p>
+            <a:pPr marL="742950" lvl="1" indent="-285750">
+              <a:buFont typeface="Arial" panose="020B0604020202020204" pitchFamily="34" charset="0"/>
+              <a:buChar char="•"/>
+            </a:pPr>
+            <a:r>
+              <a:rPr lang="cs-CZ" dirty="0"/>
+              <a:t>Transakční zápis s obnovou při selhání</a:t>
+            </a:r>
+          </a:p>
+          <a:p>
+            <a:pPr marL="742950" lvl="1" indent="-285750">
+              <a:buFont typeface="Arial" panose="020B0604020202020204" pitchFamily="34" charset="0"/>
+              <a:buChar char="•"/>
+            </a:pPr>
+            <a:r>
+              <a:rPr lang="cs-CZ" dirty="0"/>
+              <a:t>Detekce korupce dat</a:t>
+            </a:r>
+          </a:p>
+        </p:txBody>
+      </p:sp>
+      <p:sp>
+        <p:nvSpPr>
+          <p:cNvPr id="6" name="Zástupný obsah 5">
+            <a:extLst>
+              <a:ext uri="{FF2B5EF4-FFF2-40B4-BE49-F238E27FC236}">
+                <a16:creationId xmlns:a16="http://schemas.microsoft.com/office/drawing/2014/main" id="{843759B7-DE42-AC33-27FA-461C9F0ED4A7}"/>
+              </a:ext>
+            </a:extLst>
+          </p:cNvPr>
+          <p:cNvSpPr>
+            <a:spLocks noGrp="1"/>
+          </p:cNvSpPr>
+          <p:nvPr>
+            <p:ph sz="half" idx="2"/>
+          </p:nvPr>
+        </p:nvSpPr>
+        <p:spPr>
+          <a:xfrm>
+            <a:off x="6096000" y="1343818"/>
+            <a:ext cx="5257800" cy="4833145"/>
+          </a:xfrm>
+        </p:spPr>
+        <p:txBody>
+          <a:bodyPr>
+            <a:normAutofit fontScale="70000" lnSpcReduction="20000"/>
+          </a:bodyPr>
+          <a:lstStyle/>
+          <a:p>
+            <a:pPr>
+              <a:buNone/>
+            </a:pPr>
+            <a:r>
+              <a:rPr lang="cs-CZ" b="1" dirty="0" err="1"/>
+              <a:t>SecureLogger</a:t>
+            </a:r>
+            <a:endParaRPr lang="cs-CZ" b="1" dirty="0"/>
+          </a:p>
+          <a:p>
+            <a:pPr>
+              <a:buFont typeface="Arial" panose="020B0604020202020204" pitchFamily="34" charset="0"/>
+              <a:buChar char="•"/>
+            </a:pPr>
+            <a:r>
+              <a:rPr lang="cs-CZ" b="1" dirty="0"/>
+              <a:t>Šifrované záznamy událostí</a:t>
+            </a:r>
+            <a:r>
+              <a:rPr lang="cs-CZ" dirty="0"/>
+              <a:t> </a:t>
+            </a:r>
+          </a:p>
+          <a:p>
+            <a:pPr marL="742950" lvl="1" indent="-285750">
+              <a:buFont typeface="Arial" panose="020B0604020202020204" pitchFamily="34" charset="0"/>
+              <a:buChar char="•"/>
+            </a:pPr>
+            <a:r>
+              <a:rPr lang="cs-CZ" dirty="0"/>
+              <a:t>AES-GCM šifrování každého záznamu</a:t>
+            </a:r>
+          </a:p>
+          <a:p>
+            <a:pPr marL="742950" lvl="1" indent="-285750">
+              <a:buFont typeface="Arial" panose="020B0604020202020204" pitchFamily="34" charset="0"/>
+              <a:buChar char="•"/>
+            </a:pPr>
+            <a:r>
+              <a:rPr lang="cs-CZ" dirty="0"/>
+              <a:t>Perzistentní klíč nezávislý na hesle uživatele</a:t>
+            </a:r>
+          </a:p>
+          <a:p>
+            <a:pPr>
+              <a:buFont typeface="Arial" panose="020B0604020202020204" pitchFamily="34" charset="0"/>
+              <a:buChar char="•"/>
+            </a:pPr>
+            <a:r>
+              <a:rPr lang="cs-CZ" b="1" dirty="0"/>
+              <a:t>Bezpečnostní metriky</a:t>
+            </a:r>
+            <a:r>
+              <a:rPr lang="cs-CZ" dirty="0"/>
+              <a:t> </a:t>
+            </a:r>
+          </a:p>
+          <a:p>
+            <a:pPr marL="742950" lvl="1" indent="-285750">
+              <a:buFont typeface="Arial" panose="020B0604020202020204" pitchFamily="34" charset="0"/>
+              <a:buChar char="•"/>
+            </a:pPr>
+            <a:r>
+              <a:rPr lang="cs-CZ" dirty="0"/>
+              <a:t>Sledování použitých algoritmů</a:t>
+            </a:r>
+          </a:p>
+          <a:p>
+            <a:pPr marL="742950" lvl="1" indent="-285750">
+              <a:buFont typeface="Arial" panose="020B0604020202020204" pitchFamily="34" charset="0"/>
+              <a:buChar char="•"/>
+            </a:pPr>
+            <a:r>
+              <a:rPr lang="cs-CZ" dirty="0"/>
+              <a:t>Historie výměn klíčů</a:t>
+            </a:r>
+          </a:p>
+          <a:p>
+            <a:pPr marL="742950" lvl="1" indent="-285750">
+              <a:buFont typeface="Arial" panose="020B0604020202020204" pitchFamily="34" charset="0"/>
+              <a:buChar char="•"/>
+            </a:pPr>
+            <a:r>
+              <a:rPr lang="cs-CZ" dirty="0"/>
+              <a:t>Statistiky přenesených dat</a:t>
+            </a:r>
+          </a:p>
+          <a:p>
+            <a:pPr>
+              <a:buNone/>
+            </a:pPr>
+            <a:r>
+              <a:rPr lang="cs-CZ" b="1" dirty="0"/>
+              <a:t>Ochrana proti korupci dat</a:t>
+            </a:r>
+          </a:p>
+          <a:p>
+            <a:pPr>
+              <a:buFont typeface="Arial" panose="020B0604020202020204" pitchFamily="34" charset="0"/>
+              <a:buChar char="•"/>
+            </a:pPr>
+            <a:r>
+              <a:rPr lang="cs-CZ" b="1" dirty="0" err="1"/>
+              <a:t>SecureFile</a:t>
+            </a:r>
+            <a:r>
+              <a:rPr lang="cs-CZ" dirty="0"/>
+              <a:t> komponenta </a:t>
+            </a:r>
+          </a:p>
+          <a:p>
+            <a:pPr marL="742950" lvl="1" indent="-285750">
+              <a:buFont typeface="Arial" panose="020B0604020202020204" pitchFamily="34" charset="0"/>
+              <a:buChar char="•"/>
+            </a:pPr>
+            <a:r>
+              <a:rPr lang="cs-CZ" dirty="0"/>
+              <a:t>Atomické zápisy přes dočasné soubory</a:t>
+            </a:r>
+          </a:p>
+          <a:p>
+            <a:pPr marL="742950" lvl="1" indent="-285750">
+              <a:buFont typeface="Arial" panose="020B0604020202020204" pitchFamily="34" charset="0"/>
+              <a:buChar char="•"/>
+            </a:pPr>
+            <a:r>
+              <a:rPr lang="cs-CZ" dirty="0"/>
+              <a:t>Zálohování dat před modifikací</a:t>
+            </a:r>
+          </a:p>
+          <a:p>
+            <a:pPr marL="742950" lvl="1" indent="-285750">
+              <a:buFont typeface="Arial" panose="020B0604020202020204" pitchFamily="34" charset="0"/>
+              <a:buChar char="•"/>
+            </a:pPr>
+            <a:r>
+              <a:rPr lang="cs-CZ" dirty="0"/>
+              <a:t>Detekce stavu souboru při čtení</a:t>
+            </a:r>
+          </a:p>
+          <a:p>
+            <a:pPr>
+              <a:buFont typeface="Arial" panose="020B0604020202020204" pitchFamily="34" charset="0"/>
+              <a:buChar char="•"/>
+            </a:pPr>
+            <a:r>
+              <a:rPr lang="cs-CZ" b="1" dirty="0"/>
+              <a:t>Obnovení dat</a:t>
+            </a:r>
+            <a:r>
+              <a:rPr lang="cs-CZ" dirty="0"/>
+              <a:t> </a:t>
+            </a:r>
+          </a:p>
+          <a:p>
+            <a:pPr marL="742950" lvl="1" indent="-285750">
+              <a:buFont typeface="Arial" panose="020B0604020202020204" pitchFamily="34" charset="0"/>
+              <a:buChar char="•"/>
+            </a:pPr>
+            <a:r>
+              <a:rPr lang="cs-CZ" dirty="0"/>
+              <a:t>Automatická detekce a obnova z poškozených souborů</a:t>
+            </a:r>
+          </a:p>
+          <a:p>
+            <a:pPr marL="742950" lvl="1" indent="-285750">
+              <a:buFont typeface="Arial" panose="020B0604020202020204" pitchFamily="34" charset="0"/>
+              <a:buChar char="•"/>
+            </a:pPr>
+            <a:r>
+              <a:rPr lang="cs-CZ" dirty="0"/>
+              <a:t>Zamykání souborů pro zabránění souběžného přístupu</a:t>
+            </a:r>
+          </a:p>
+        </p:txBody>
+      </p:sp>
+      <p:sp>
+        <p:nvSpPr>
+          <p:cNvPr id="4" name="Zástupný symbol pro číslo snímku 3">
+            <a:extLst>
+              <a:ext uri="{FF2B5EF4-FFF2-40B4-BE49-F238E27FC236}">
+                <a16:creationId xmlns:a16="http://schemas.microsoft.com/office/drawing/2014/main" id="{B5C6D34F-1539-DD6C-224E-7A6744BD7961}"/>
+              </a:ext>
+            </a:extLst>
+          </p:cNvPr>
+          <p:cNvSpPr>
+            <a:spLocks noGrp="1"/>
+          </p:cNvSpPr>
+          <p:nvPr>
+            <p:ph type="sldNum" sz="quarter" idx="12"/>
+          </p:nvPr>
+        </p:nvSpPr>
+        <p:spPr/>
+        <p:txBody>
+          <a:bodyPr/>
+          <a:lstStyle/>
+          <a:p>
+            <a:fld id="{2396986B-09E1-422F-9D6D-F3432B0D2D09}" type="slidenum">
+              <a:rPr lang="en-GB" smtClean="0"/>
+              <a:t>12</a:t>
+            </a:fld>
+            <a:endParaRPr lang="en-GB"/>
+          </a:p>
+        </p:txBody>
+      </p:sp>
+      <p:sp>
+        <p:nvSpPr>
+          <p:cNvPr id="5" name="Obdélník 4">
+            <a:extLst>
+              <a:ext uri="{FF2B5EF4-FFF2-40B4-BE49-F238E27FC236}">
+                <a16:creationId xmlns:a16="http://schemas.microsoft.com/office/drawing/2014/main" id="{D6FBB1BD-7DA8-41DC-29FD-732A2D9C1CD5}"/>
+              </a:ext>
+            </a:extLst>
+          </p:cNvPr>
+          <p:cNvSpPr/>
+          <p:nvPr/>
+        </p:nvSpPr>
+        <p:spPr>
+          <a:xfrm>
+            <a:off x="-1349" y="0"/>
+            <a:ext cx="12192000" cy="1116702"/>
+          </a:xfrm>
+          <a:prstGeom prst="rect">
+            <a:avLst/>
+          </a:prstGeom>
+          <a:solidFill>
+            <a:schemeClr val="bg2"/>
+          </a:solidFill>
+          <a:ln>
+            <a:noFill/>
+          </a:ln>
+        </p:spPr>
+        <p:style>
+          <a:lnRef idx="2">
+            <a:schemeClr val="accent1">
+              <a:shade val="15000"/>
+            </a:schemeClr>
+          </a:lnRef>
+          <a:fillRef idx="1">
+            <a:schemeClr val="accent1"/>
+          </a:fillRef>
+          <a:effectRef idx="0">
+            <a:schemeClr val="accent1"/>
+          </a:effectRef>
+          <a:fontRef idx="minor">
+            <a:schemeClr val="lt1"/>
+          </a:fontRef>
+        </p:style>
+        <p:txBody>
+          <a:bodyPr rtlCol="0" anchor="ctr"/>
+          <a:lstStyle/>
+          <a:p>
+            <a:pPr algn="ctr"/>
+            <a:endParaRPr lang="en-GB"/>
+          </a:p>
+        </p:txBody>
+      </p:sp>
+      <p:sp>
+        <p:nvSpPr>
+          <p:cNvPr id="7" name="Nadpis 1">
+            <a:extLst>
+              <a:ext uri="{FF2B5EF4-FFF2-40B4-BE49-F238E27FC236}">
+                <a16:creationId xmlns:a16="http://schemas.microsoft.com/office/drawing/2014/main" id="{274EA3BB-6AC7-91D0-127E-25249AA0046B}"/>
+              </a:ext>
+            </a:extLst>
+          </p:cNvPr>
+          <p:cNvSpPr txBox="1">
+            <a:spLocks/>
+          </p:cNvSpPr>
+          <p:nvPr/>
+        </p:nvSpPr>
+        <p:spPr>
+          <a:xfrm>
+            <a:off x="-1349" y="18255"/>
+            <a:ext cx="10515600" cy="1325563"/>
+          </a:xfrm>
+          <a:prstGeom prst="rect">
+            <a:avLst/>
+          </a:prstGeom>
+        </p:spPr>
+        <p:txBody>
+          <a:bodyPr vert="horz" lIns="91440" tIns="45720" rIns="91440" bIns="45720" rtlCol="0" anchor="ctr">
+            <a:normAutofit/>
+          </a:bodyPr>
+          <a:lstStyle>
+            <a:lvl1pPr algn="l" defTabSz="914400" rtl="0" eaLnBrk="1" latinLnBrk="0" hangingPunct="1">
+              <a:lnSpc>
+                <a:spcPct val="90000"/>
+              </a:lnSpc>
+              <a:spcBef>
+                <a:spcPct val="0"/>
+              </a:spcBef>
+              <a:buNone/>
+              <a:defRPr sz="4400" kern="1200">
+                <a:solidFill>
+                  <a:schemeClr val="tx1"/>
+                </a:solidFill>
+                <a:latin typeface="+mj-lt"/>
+                <a:ea typeface="+mj-ea"/>
+                <a:cs typeface="+mj-cs"/>
+              </a:defRPr>
+            </a:lvl1pPr>
+          </a:lstStyle>
+          <a:p>
+            <a:r>
+              <a:rPr lang="cs-CZ" dirty="0">
+                <a:solidFill>
+                  <a:srgbClr val="FF0000"/>
+                </a:solidFill>
+              </a:rPr>
+              <a:t>Bezpečné ukládání dat</a:t>
+            </a:r>
+            <a:endParaRPr lang="en-GB" dirty="0">
+              <a:solidFill>
+                <a:srgbClr val="FF0000"/>
+              </a:solidFill>
+            </a:endParaRPr>
+          </a:p>
+        </p:txBody>
+      </p:sp>
+      <p:pic>
+        <p:nvPicPr>
+          <p:cNvPr id="8" name="Obrázek 7">
+            <a:extLst>
+              <a:ext uri="{FF2B5EF4-FFF2-40B4-BE49-F238E27FC236}">
+                <a16:creationId xmlns:a16="http://schemas.microsoft.com/office/drawing/2014/main" id="{B128269B-49A1-0444-ACDE-7767D04F4D52}"/>
+              </a:ext>
+            </a:extLst>
+          </p:cNvPr>
+          <p:cNvPicPr>
+            <a:picLocks noChangeAspect="1"/>
+          </p:cNvPicPr>
+          <p:nvPr/>
+        </p:nvPicPr>
+        <p:blipFill>
+          <a:blip r:embed="rId2"/>
+          <a:stretch>
+            <a:fillRect/>
+          </a:stretch>
+        </p:blipFill>
+        <p:spPr>
+          <a:xfrm>
+            <a:off x="10113527" y="299406"/>
+            <a:ext cx="1556365" cy="493482"/>
+          </a:xfrm>
+          <a:prstGeom prst="rect">
+            <a:avLst/>
+          </a:prstGeom>
+        </p:spPr>
+      </p:pic>
+      <p:sp>
+        <p:nvSpPr>
+          <p:cNvPr id="15" name="Obdélník 14">
+            <a:extLst>
+              <a:ext uri="{FF2B5EF4-FFF2-40B4-BE49-F238E27FC236}">
+                <a16:creationId xmlns:a16="http://schemas.microsoft.com/office/drawing/2014/main" id="{3A7E1A71-27E5-A453-9FF1-698A3F46AE8D}"/>
+              </a:ext>
+            </a:extLst>
+          </p:cNvPr>
+          <p:cNvSpPr/>
+          <p:nvPr/>
+        </p:nvSpPr>
+        <p:spPr>
+          <a:xfrm>
+            <a:off x="-1349" y="1070983"/>
+            <a:ext cx="860453" cy="45719"/>
+          </a:xfrm>
+          <a:prstGeom prst="rect">
+            <a:avLst/>
+          </a:prstGeom>
+          <a:solidFill>
+            <a:srgbClr val="FF0000"/>
+          </a:solidFill>
+          <a:ln>
+            <a:noFill/>
+          </a:ln>
+        </p:spPr>
+        <p:style>
+          <a:lnRef idx="2">
+            <a:schemeClr val="accent1">
+              <a:shade val="15000"/>
+            </a:schemeClr>
+          </a:lnRef>
+          <a:fillRef idx="1">
+            <a:schemeClr val="accent1"/>
+          </a:fillRef>
+          <a:effectRef idx="0">
+            <a:schemeClr val="accent1"/>
+          </a:effectRef>
+          <a:fontRef idx="minor">
+            <a:schemeClr val="lt1"/>
+          </a:fontRef>
+        </p:style>
+        <p:txBody>
+          <a:bodyPr rtlCol="0" anchor="ctr"/>
+          <a:lstStyle/>
+          <a:p>
+            <a:pPr algn="ctr"/>
+            <a:endParaRPr lang="en-GB"/>
+          </a:p>
+        </p:txBody>
+      </p:sp>
+    </p:spTree>
+    <p:extLst>
+      <p:ext uri="{BB962C8B-B14F-4D97-AF65-F5344CB8AC3E}">
+        <p14:creationId xmlns:p14="http://schemas.microsoft.com/office/powerpoint/2010/main" val="2851595035"/>
+      </p:ext>
+    </p:extLst>
+  </p:cSld>
+  <p:clrMapOvr>
+    <a:masterClrMapping/>
+  </p:clrMapOvr>
+</p:sld>
+</file>
+
+<file path=ppt/slides/slide13.xml><?xml version="1.0" encoding="utf-8"?>
+<p:sld xmlns:a="http://schemas.openxmlformats.org/drawingml/2006/main" xmlns:r="http://schemas.openxmlformats.org/officeDocument/2006/relationships" xmlns:p="http://schemas.openxmlformats.org/presentationml/2006/main">
+  <p:cSld>
+    <p:spTree>
+      <p:nvGrpSpPr>
         <p:cNvPr id="1" name=""/>
         <p:cNvGrpSpPr/>
         <p:nvPr/>
@@ -4465,10 +5530,10 @@
       </p:grpSpPr>
       <p:sp>
         <p:nvSpPr>
-          <p:cNvPr id="6" name="Obdélník 5">
-            <a:extLst>
-              <a:ext uri="{FF2B5EF4-FFF2-40B4-BE49-F238E27FC236}">
-                <a16:creationId xmlns:a16="http://schemas.microsoft.com/office/drawing/2014/main" id="{1C4AE693-88EC-5187-B610-9FB23C66A094}"/>
+          <p:cNvPr id="9" name="Obdélník 8">
+            <a:extLst>
+              <a:ext uri="{FF2B5EF4-FFF2-40B4-BE49-F238E27FC236}">
+                <a16:creationId xmlns:a16="http://schemas.microsoft.com/office/drawing/2014/main" id="{7140CA9F-5FA0-9D20-0E2F-DF9910FD63DE}"/>
               </a:ext>
             </a:extLst>
           </p:cNvPr>
@@ -4520,7 +5585,7 @@
           <p:cNvPr id="2" name="Nadpis 1">
             <a:extLst>
               <a:ext uri="{FF2B5EF4-FFF2-40B4-BE49-F238E27FC236}">
-                <a16:creationId xmlns:a16="http://schemas.microsoft.com/office/drawing/2014/main" id="{A0383C67-68D6-8965-1AC6-988D82BA304D}"/>
+                <a16:creationId xmlns:a16="http://schemas.microsoft.com/office/drawing/2014/main" id="{7B3B2CBD-3BC2-EF08-1E23-C51EE3936B74}"/>
               </a:ext>
             </a:extLst>
           </p:cNvPr>
@@ -4542,44 +5607,12 @@
           <a:lstStyle/>
           <a:p>
             <a:r>
-              <a:rPr lang="en-GB" dirty="0" err="1">
+              <a:rPr lang="cs-CZ" dirty="0">
                 <a:solidFill>
                   <a:srgbClr val="FF0000"/>
                 </a:solidFill>
               </a:rPr>
-              <a:t>Datové</a:t>
-            </a:r>
-            <a:r>
-              <a:rPr lang="en-GB" dirty="0">
-                <a:solidFill>
-                  <a:srgbClr val="FF0000"/>
-                </a:solidFill>
-              </a:rPr>
-              <a:t> </a:t>
-            </a:r>
-            <a:r>
-              <a:rPr lang="en-GB" dirty="0" err="1">
-                <a:solidFill>
-                  <a:srgbClr val="FF0000"/>
-                </a:solidFill>
-              </a:rPr>
-              <a:t>toky</a:t>
-            </a:r>
-            <a:r>
-              <a:rPr lang="en-GB" dirty="0">
-                <a:solidFill>
-                  <a:srgbClr val="FF0000"/>
-                </a:solidFill>
-              </a:rPr>
-              <a:t> a </a:t>
-            </a:r>
-            <a:r>
-              <a:rPr lang="en-GB" dirty="0" err="1">
-                <a:solidFill>
-                  <a:srgbClr val="FF0000"/>
-                </a:solidFill>
-              </a:rPr>
-              <a:t>komunikace</a:t>
+              <a:t>Hlavní okno aplikace</a:t>
             </a:r>
             <a:endParaRPr lang="en-GB" dirty="0">
               <a:solidFill>
@@ -4591,10 +5624,156 @@
       </p:sp>
       <p:sp>
         <p:nvSpPr>
+          <p:cNvPr id="3" name="Zástupný obsah 2">
+            <a:extLst>
+              <a:ext uri="{FF2B5EF4-FFF2-40B4-BE49-F238E27FC236}">
+                <a16:creationId xmlns:a16="http://schemas.microsoft.com/office/drawing/2014/main" id="{59CADB97-68F6-D640-E423-50CD9C7D377E}"/>
+              </a:ext>
+            </a:extLst>
+          </p:cNvPr>
+          <p:cNvSpPr>
+            <a:spLocks noGrp="1"/>
+          </p:cNvSpPr>
+          <p:nvPr>
+            <p:ph sz="half" idx="1"/>
+          </p:nvPr>
+        </p:nvSpPr>
+        <p:spPr>
+          <a:xfrm>
+            <a:off x="409575" y="1543475"/>
+            <a:ext cx="5181600" cy="4351338"/>
+          </a:xfrm>
+        </p:spPr>
+        <p:txBody>
+          <a:bodyPr/>
+          <a:lstStyle/>
+          <a:p>
+            <a:pPr>
+              <a:buFont typeface="Arial" panose="020B0604020202020204" pitchFamily="34" charset="0"/>
+              <a:buChar char="•"/>
+            </a:pPr>
+            <a:r>
+              <a:rPr lang="cs-CZ" dirty="0"/>
+              <a:t>Heslo</a:t>
+            </a:r>
+          </a:p>
+          <a:p>
+            <a:pPr>
+              <a:buFont typeface="Arial" panose="020B0604020202020204" pitchFamily="34" charset="0"/>
+              <a:buChar char="•"/>
+            </a:pPr>
+            <a:r>
+              <a:rPr lang="en-GB" dirty="0" err="1"/>
+              <a:t>Seznam</a:t>
+            </a:r>
+            <a:r>
+              <a:rPr lang="en-GB" dirty="0"/>
+              <a:t> </a:t>
+            </a:r>
+            <a:r>
+              <a:rPr lang="en-GB" dirty="0" err="1"/>
+              <a:t>dostupných</a:t>
+            </a:r>
+            <a:r>
+              <a:rPr lang="en-GB" dirty="0"/>
+              <a:t> </a:t>
+            </a:r>
+            <a:r>
+              <a:rPr lang="en-GB" dirty="0" err="1"/>
+              <a:t>peerů</a:t>
+            </a:r>
+            <a:r>
+              <a:rPr lang="en-GB" dirty="0"/>
+              <a:t> </a:t>
+            </a:r>
+            <a:endParaRPr lang="cs-CZ" dirty="0"/>
+          </a:p>
+          <a:p>
+            <a:pPr>
+              <a:buFont typeface="Arial" panose="020B0604020202020204" pitchFamily="34" charset="0"/>
+              <a:buChar char="•"/>
+            </a:pPr>
+            <a:r>
+              <a:rPr lang="en-GB" dirty="0" err="1"/>
+              <a:t>Okno</a:t>
+            </a:r>
+            <a:r>
+              <a:rPr lang="en-GB" dirty="0"/>
+              <a:t> pro </a:t>
+            </a:r>
+            <a:r>
+              <a:rPr lang="en-GB" dirty="0" err="1"/>
+              <a:t>zprávy</a:t>
+            </a:r>
+            <a:r>
+              <a:rPr lang="en-GB" dirty="0"/>
+              <a:t> </a:t>
+            </a:r>
+            <a:endParaRPr lang="cs-CZ" dirty="0"/>
+          </a:p>
+          <a:p>
+            <a:pPr>
+              <a:buFont typeface="Arial" panose="020B0604020202020204" pitchFamily="34" charset="0"/>
+              <a:buChar char="•"/>
+            </a:pPr>
+            <a:r>
+              <a:rPr lang="en-GB" dirty="0" err="1"/>
+              <a:t>Informace</a:t>
+            </a:r>
+            <a:r>
+              <a:rPr lang="en-GB" dirty="0"/>
+              <a:t> o </a:t>
+            </a:r>
+            <a:r>
+              <a:rPr lang="en-GB" dirty="0" err="1"/>
+              <a:t>kryptografických</a:t>
+            </a:r>
+            <a:r>
+              <a:rPr lang="en-GB" dirty="0"/>
+              <a:t> </a:t>
+            </a:r>
+            <a:r>
+              <a:rPr lang="en-GB" dirty="0" err="1"/>
+              <a:t>nastaveních</a:t>
+            </a:r>
+            <a:endParaRPr lang="en-GB" dirty="0"/>
+          </a:p>
+          <a:p>
+            <a:endParaRPr lang="en-GB" dirty="0"/>
+          </a:p>
+        </p:txBody>
+      </p:sp>
+      <p:sp>
+        <p:nvSpPr>
+          <p:cNvPr id="8" name="Zástupný obsah 7">
+            <a:extLst>
+              <a:ext uri="{FF2B5EF4-FFF2-40B4-BE49-F238E27FC236}">
+                <a16:creationId xmlns:a16="http://schemas.microsoft.com/office/drawing/2014/main" id="{1F0743E0-846D-5E8D-C583-2E438D16DC79}"/>
+              </a:ext>
+            </a:extLst>
+          </p:cNvPr>
+          <p:cNvSpPr>
+            <a:spLocks noGrp="1"/>
+          </p:cNvSpPr>
+          <p:nvPr>
+            <p:ph sz="half" idx="2"/>
+          </p:nvPr>
+        </p:nvSpPr>
+        <p:spPr/>
+        <p:txBody>
+          <a:bodyPr/>
+          <a:lstStyle/>
+          <a:p>
+            <a:endParaRPr lang="en-GB"/>
+          </a:p>
+        </p:txBody>
+      </p:sp>
+      <p:sp>
+        <p:nvSpPr>
           <p:cNvPr id="4" name="Zástupný symbol pro číslo snímku 3">
             <a:extLst>
               <a:ext uri="{FF2B5EF4-FFF2-40B4-BE49-F238E27FC236}">
-                <a16:creationId xmlns:a16="http://schemas.microsoft.com/office/drawing/2014/main" id="{716A9484-98C7-C661-40FD-1FD8AD7B3674}"/>
+                <a16:creationId xmlns:a16="http://schemas.microsoft.com/office/drawing/2014/main" id="{231A25AC-33A8-6197-2175-750EF6B601B0}"/>
               </a:ext>
             </a:extLst>
           </p:cNvPr>
@@ -4612,592 +5791,7 @@
           <a:p>
             <a:fld id="{2396986B-09E1-422F-9D6D-F3432B0D2D09}" type="slidenum">
               <a:rPr lang="en-GB" smtClean="0"/>
-              <a:t>11</a:t>
-            </a:fld>
-            <a:endParaRPr lang="en-GB"/>
-          </a:p>
-        </p:txBody>
-      </p:sp>
-      <p:pic>
-        <p:nvPicPr>
-          <p:cNvPr id="5" name="Zástupný obsah 4">
-            <a:extLst>
-              <a:ext uri="{FF2B5EF4-FFF2-40B4-BE49-F238E27FC236}">
-                <a16:creationId xmlns:a16="http://schemas.microsoft.com/office/drawing/2014/main" id="{E09C8E5C-A305-6100-55FB-933016D5A91C}"/>
-              </a:ext>
-            </a:extLst>
-          </p:cNvPr>
-          <p:cNvPicPr>
-            <a:picLocks noGrp="1" noChangeAspect="1"/>
-          </p:cNvPicPr>
-          <p:nvPr>
-            <p:ph idx="1"/>
-          </p:nvPr>
-        </p:nvPicPr>
-        <p:blipFill>
-          <a:blip r:embed="rId2"/>
-          <a:stretch>
-            <a:fillRect/>
-          </a:stretch>
-        </p:blipFill>
-        <p:spPr>
-          <a:xfrm>
-            <a:off x="6236933" y="1370808"/>
-            <a:ext cx="4259675" cy="5168104"/>
-          </a:xfrm>
-          <a:prstGeom prst="rect">
-            <a:avLst/>
-          </a:prstGeom>
-        </p:spPr>
-      </p:pic>
-      <p:sp>
-        <p:nvSpPr>
-          <p:cNvPr id="8" name="TextovéPole 7">
-            <a:extLst>
-              <a:ext uri="{FF2B5EF4-FFF2-40B4-BE49-F238E27FC236}">
-                <a16:creationId xmlns:a16="http://schemas.microsoft.com/office/drawing/2014/main" id="{4B2314A2-B07C-58B2-9933-3ED3D89C2519}"/>
-              </a:ext>
-            </a:extLst>
-          </p:cNvPr>
-          <p:cNvSpPr txBox="1"/>
-          <p:nvPr/>
-        </p:nvSpPr>
-        <p:spPr>
-          <a:xfrm>
-            <a:off x="309638" y="1449979"/>
-            <a:ext cx="6115616" cy="2185214"/>
-          </a:xfrm>
-          <a:prstGeom prst="rect">
-            <a:avLst/>
-          </a:prstGeom>
-          <a:noFill/>
-        </p:spPr>
-        <p:txBody>
-          <a:bodyPr wrap="square">
-            <a:spAutoFit/>
-          </a:bodyPr>
-          <a:lstStyle/>
-          <a:p>
-            <a:r>
-              <a:rPr lang="en-GB" sz="2400" b="1" dirty="0" err="1"/>
-              <a:t>Bezpečná</a:t>
-            </a:r>
-            <a:r>
-              <a:rPr lang="en-GB" sz="2400" b="1" dirty="0"/>
-              <a:t> </a:t>
-            </a:r>
-            <a:r>
-              <a:rPr lang="en-GB" sz="2400" b="1" dirty="0" err="1"/>
-              <a:t>výměna</a:t>
-            </a:r>
-            <a:r>
-              <a:rPr lang="en-GB" sz="2400" b="1" dirty="0"/>
-              <a:t> </a:t>
-            </a:r>
-            <a:r>
-              <a:rPr lang="en-GB" sz="2400" b="1" dirty="0" err="1"/>
-              <a:t>zpráv</a:t>
-            </a:r>
-            <a:endParaRPr lang="cs-CZ" sz="2400" dirty="0"/>
-          </a:p>
-          <a:p>
-            <a:pPr marL="457200" indent="-457200">
-              <a:buFont typeface="Arial" panose="020B0604020202020204" pitchFamily="34" charset="0"/>
-              <a:buChar char="•"/>
-            </a:pPr>
-            <a:r>
-              <a:rPr lang="en-GB" sz="2800" dirty="0"/>
-              <a:t>Post-</a:t>
-            </a:r>
-            <a:r>
-              <a:rPr lang="en-GB" sz="2800" dirty="0" err="1"/>
-              <a:t>kvantová</a:t>
-            </a:r>
-            <a:r>
-              <a:rPr lang="en-GB" sz="2800" dirty="0"/>
-              <a:t> </a:t>
-            </a:r>
-            <a:r>
-              <a:rPr lang="en-GB" sz="2800" dirty="0" err="1"/>
-              <a:t>výměna</a:t>
-            </a:r>
-            <a:r>
-              <a:rPr lang="en-GB" sz="2800" dirty="0"/>
-              <a:t> </a:t>
-            </a:r>
-            <a:r>
-              <a:rPr lang="en-GB" sz="2800" dirty="0" err="1"/>
-              <a:t>klíčů</a:t>
-            </a:r>
-            <a:endParaRPr lang="en-GB" sz="2800" dirty="0"/>
-          </a:p>
-          <a:p>
-            <a:pPr marL="457200" indent="-457200">
-              <a:buFont typeface="Arial" panose="020B0604020202020204" pitchFamily="34" charset="0"/>
-              <a:buChar char="•"/>
-            </a:pPr>
-            <a:r>
-              <a:rPr lang="en-GB" sz="2800" dirty="0" err="1"/>
-              <a:t>Symetrické</a:t>
-            </a:r>
-            <a:r>
-              <a:rPr lang="en-GB" sz="2800" dirty="0"/>
-              <a:t> </a:t>
-            </a:r>
-            <a:r>
-              <a:rPr lang="en-GB" sz="2800" dirty="0" err="1"/>
-              <a:t>šifrování</a:t>
-            </a:r>
-            <a:r>
-              <a:rPr lang="en-GB" sz="2800" dirty="0"/>
-              <a:t> </a:t>
-            </a:r>
-            <a:r>
-              <a:rPr lang="en-GB" sz="2800" dirty="0" err="1"/>
-              <a:t>obsahu</a:t>
-            </a:r>
-            <a:r>
-              <a:rPr lang="en-GB" sz="2800" dirty="0"/>
-              <a:t> </a:t>
-            </a:r>
-            <a:r>
-              <a:rPr lang="en-GB" sz="2800" dirty="0" err="1"/>
-              <a:t>zpráv</a:t>
-            </a:r>
-            <a:endParaRPr lang="en-GB" sz="2800" dirty="0"/>
-          </a:p>
-          <a:p>
-            <a:pPr marL="457200" indent="-457200">
-              <a:buFont typeface="Arial" panose="020B0604020202020204" pitchFamily="34" charset="0"/>
-              <a:buChar char="•"/>
-            </a:pPr>
-            <a:r>
-              <a:rPr lang="en-GB" sz="2800" dirty="0" err="1"/>
-              <a:t>Podpis</a:t>
-            </a:r>
-            <a:r>
-              <a:rPr lang="en-GB" sz="2800" dirty="0"/>
-              <a:t> </a:t>
-            </a:r>
-            <a:r>
-              <a:rPr lang="en-GB" sz="2800" dirty="0" err="1"/>
-              <a:t>zpráv</a:t>
-            </a:r>
-            <a:r>
-              <a:rPr lang="en-GB" sz="2800" dirty="0"/>
-              <a:t> pro </a:t>
-            </a:r>
-            <a:r>
-              <a:rPr lang="en-GB" sz="2800" dirty="0" err="1"/>
-              <a:t>autentizaci</a:t>
-            </a:r>
-            <a:endParaRPr lang="en-GB" sz="2800" dirty="0"/>
-          </a:p>
-          <a:p>
-            <a:pPr marL="457200" indent="-457200">
-              <a:buFont typeface="Arial" panose="020B0604020202020204" pitchFamily="34" charset="0"/>
-              <a:buChar char="•"/>
-            </a:pPr>
-            <a:r>
-              <a:rPr lang="en-GB" sz="2800" dirty="0" err="1"/>
-              <a:t>Přenos</a:t>
-            </a:r>
-            <a:r>
-              <a:rPr lang="en-GB" sz="2800" dirty="0"/>
-              <a:t> s </a:t>
-            </a:r>
-            <a:r>
-              <a:rPr lang="en-GB" sz="2800" dirty="0" err="1"/>
-              <a:t>autentizovanými</a:t>
-            </a:r>
-            <a:r>
-              <a:rPr lang="en-GB" sz="2800" dirty="0"/>
-              <a:t> </a:t>
-            </a:r>
-            <a:r>
-              <a:rPr lang="en-GB" sz="2800" dirty="0" err="1"/>
-              <a:t>metadaty</a:t>
-            </a:r>
-            <a:endParaRPr lang="en-GB" sz="2800" dirty="0"/>
-          </a:p>
-        </p:txBody>
-      </p:sp>
-      <p:pic>
-        <p:nvPicPr>
-          <p:cNvPr id="9" name="Obrázek 8">
-            <a:extLst>
-              <a:ext uri="{FF2B5EF4-FFF2-40B4-BE49-F238E27FC236}">
-                <a16:creationId xmlns:a16="http://schemas.microsoft.com/office/drawing/2014/main" id="{C2076D92-81A5-AD5E-D879-9981B866082B}"/>
-              </a:ext>
-            </a:extLst>
-          </p:cNvPr>
-          <p:cNvPicPr>
-            <a:picLocks noChangeAspect="1"/>
-          </p:cNvPicPr>
-          <p:nvPr/>
-        </p:nvPicPr>
-        <p:blipFill>
-          <a:blip r:embed="rId3"/>
-          <a:stretch>
-            <a:fillRect/>
-          </a:stretch>
-        </p:blipFill>
-        <p:spPr>
-          <a:xfrm>
-            <a:off x="10113527" y="299406"/>
-            <a:ext cx="1556365" cy="493482"/>
-          </a:xfrm>
-          <a:prstGeom prst="rect">
-            <a:avLst/>
-          </a:prstGeom>
-        </p:spPr>
-      </p:pic>
-      <p:sp>
-        <p:nvSpPr>
-          <p:cNvPr id="10" name="Obdélník 9">
-            <a:extLst>
-              <a:ext uri="{FF2B5EF4-FFF2-40B4-BE49-F238E27FC236}">
-                <a16:creationId xmlns:a16="http://schemas.microsoft.com/office/drawing/2014/main" id="{E8926E95-38EC-BA9A-0B5C-ED7D89B48278}"/>
-              </a:ext>
-            </a:extLst>
-          </p:cNvPr>
-          <p:cNvSpPr/>
-          <p:nvPr/>
-        </p:nvSpPr>
-        <p:spPr>
-          <a:xfrm>
-            <a:off x="-1349" y="1070983"/>
-            <a:ext cx="860453" cy="45719"/>
-          </a:xfrm>
-          <a:prstGeom prst="rect">
-            <a:avLst/>
-          </a:prstGeom>
-          <a:solidFill>
-            <a:srgbClr val="FF0000"/>
-          </a:solidFill>
-          <a:ln>
-            <a:noFill/>
-          </a:ln>
-        </p:spPr>
-        <p:style>
-          <a:lnRef idx="2">
-            <a:schemeClr val="accent1">
-              <a:shade val="15000"/>
-            </a:schemeClr>
-          </a:lnRef>
-          <a:fillRef idx="1">
-            <a:schemeClr val="accent1"/>
-          </a:fillRef>
-          <a:effectRef idx="0">
-            <a:schemeClr val="accent1"/>
-          </a:effectRef>
-          <a:fontRef idx="minor">
-            <a:schemeClr val="lt1"/>
-          </a:fontRef>
-        </p:style>
-        <p:txBody>
-          <a:bodyPr rtlCol="0" anchor="ctr"/>
-          <a:lstStyle/>
-          <a:p>
-            <a:pPr algn="ctr"/>
-            <a:endParaRPr lang="en-GB"/>
-          </a:p>
-        </p:txBody>
-      </p:sp>
-    </p:spTree>
-    <p:extLst>
-      <p:ext uri="{BB962C8B-B14F-4D97-AF65-F5344CB8AC3E}">
-        <p14:creationId xmlns:p14="http://schemas.microsoft.com/office/powerpoint/2010/main" val="2602938028"/>
-      </p:ext>
-    </p:extLst>
-  </p:cSld>
-  <p:clrMapOvr>
-    <a:masterClrMapping/>
-  </p:clrMapOvr>
-</p:sld>
-</file>
-
-<file path=ppt/slides/slide12.xml><?xml version="1.0" encoding="utf-8"?>
-<p:sld xmlns:a="http://schemas.openxmlformats.org/drawingml/2006/main" xmlns:r="http://schemas.openxmlformats.org/officeDocument/2006/relationships" xmlns:p="http://schemas.openxmlformats.org/presentationml/2006/main">
-  <p:cSld>
-    <p:spTree>
-      <p:nvGrpSpPr>
-        <p:cNvPr id="1" name=""/>
-        <p:cNvGrpSpPr/>
-        <p:nvPr/>
-      </p:nvGrpSpPr>
-      <p:grpSpPr>
-        <a:xfrm>
-          <a:off x="0" y="0"/>
-          <a:ext cx="0" cy="0"/>
-          <a:chOff x="0" y="0"/>
-          <a:chExt cx="0" cy="0"/>
-        </a:xfrm>
-      </p:grpSpPr>
-      <p:sp>
-        <p:nvSpPr>
-          <p:cNvPr id="9" name="Obdélník 8">
-            <a:extLst>
-              <a:ext uri="{FF2B5EF4-FFF2-40B4-BE49-F238E27FC236}">
-                <a16:creationId xmlns:a16="http://schemas.microsoft.com/office/drawing/2014/main" id="{7140CA9F-5FA0-9D20-0E2F-DF9910FD63DE}"/>
-              </a:ext>
-            </a:extLst>
-          </p:cNvPr>
-          <p:cNvSpPr/>
-          <p:nvPr/>
-        </p:nvSpPr>
-        <p:spPr>
-          <a:xfrm>
-            <a:off x="0" y="-1"/>
-            <a:ext cx="12192000" cy="1116703"/>
-          </a:xfrm>
-          <a:prstGeom prst="rect">
-            <a:avLst/>
-          </a:prstGeom>
-          <a:solidFill>
-            <a:schemeClr val="bg2"/>
-          </a:solidFill>
-          <a:ln>
-            <a:noFill/>
-          </a:ln>
-        </p:spPr>
-        <p:style>
-          <a:lnRef idx="2">
-            <a:schemeClr val="accent1">
-              <a:shade val="15000"/>
-            </a:schemeClr>
-          </a:lnRef>
-          <a:fillRef idx="1">
-            <a:schemeClr val="accent1"/>
-          </a:fillRef>
-          <a:effectRef idx="0">
-            <a:schemeClr val="accent1"/>
-          </a:effectRef>
-          <a:fontRef idx="minor">
-            <a:schemeClr val="lt1"/>
-          </a:fontRef>
-        </p:style>
-        <p:txBody>
-          <a:bodyPr rtlCol="0" anchor="ctr"/>
-          <a:lstStyle/>
-          <a:p>
-            <a:pPr algn="ctr"/>
-            <a:endParaRPr lang="en-GB"/>
-          </a:p>
-        </p:txBody>
-      </p:sp>
-      <p:sp>
-        <p:nvSpPr>
-          <p:cNvPr id="2" name="Nadpis 1">
-            <a:extLst>
-              <a:ext uri="{FF2B5EF4-FFF2-40B4-BE49-F238E27FC236}">
-                <a16:creationId xmlns:a16="http://schemas.microsoft.com/office/drawing/2014/main" id="{7B3B2CBD-3BC2-EF08-1E23-C51EE3936B74}"/>
-              </a:ext>
-            </a:extLst>
-          </p:cNvPr>
-          <p:cNvSpPr>
-            <a:spLocks noGrp="1"/>
-          </p:cNvSpPr>
-          <p:nvPr>
-            <p:ph type="title"/>
-          </p:nvPr>
-        </p:nvSpPr>
-        <p:spPr>
-          <a:xfrm>
-            <a:off x="0" y="0"/>
-            <a:ext cx="10515600" cy="1325563"/>
-          </a:xfrm>
-        </p:spPr>
-        <p:txBody>
-          <a:bodyPr/>
-          <a:lstStyle/>
-          <a:p>
-            <a:r>
-              <a:rPr lang="cs-CZ" dirty="0">
-                <a:solidFill>
-                  <a:srgbClr val="FF0000"/>
-                </a:solidFill>
-              </a:rPr>
-              <a:t>Hlavní okno aplikace</a:t>
-            </a:r>
-            <a:endParaRPr lang="en-GB" dirty="0">
-              <a:solidFill>
-                <a:srgbClr val="FF0000"/>
-              </a:solidFill>
-            </a:endParaRPr>
-          </a:p>
-        </p:txBody>
-      </p:sp>
-      <p:sp>
-        <p:nvSpPr>
-          <p:cNvPr id="3" name="Zástupný obsah 2">
-            <a:extLst>
-              <a:ext uri="{FF2B5EF4-FFF2-40B4-BE49-F238E27FC236}">
-                <a16:creationId xmlns:a16="http://schemas.microsoft.com/office/drawing/2014/main" id="{59CADB97-68F6-D640-E423-50CD9C7D377E}"/>
-              </a:ext>
-            </a:extLst>
-          </p:cNvPr>
-          <p:cNvSpPr>
-            <a:spLocks noGrp="1"/>
-          </p:cNvSpPr>
-          <p:nvPr>
-            <p:ph sz="half" idx="1"/>
-          </p:nvPr>
-        </p:nvSpPr>
-        <p:spPr>
-          <a:xfrm>
-            <a:off x="409575" y="1543475"/>
-            <a:ext cx="5181600" cy="4351338"/>
-          </a:xfrm>
-        </p:spPr>
-        <p:txBody>
-          <a:bodyPr/>
-          <a:lstStyle/>
-          <a:p>
-            <a:pPr>
-              <a:buFont typeface="Arial" panose="020B0604020202020204" pitchFamily="34" charset="0"/>
-              <a:buChar char="•"/>
-            </a:pPr>
-            <a:r>
-              <a:rPr lang="cs-CZ" dirty="0"/>
-              <a:t>Heslo</a:t>
-            </a:r>
-          </a:p>
-          <a:p>
-            <a:pPr>
-              <a:buFont typeface="Arial" panose="020B0604020202020204" pitchFamily="34" charset="0"/>
-              <a:buChar char="•"/>
-            </a:pPr>
-            <a:r>
-              <a:rPr lang="en-GB" dirty="0" err="1"/>
-              <a:t>Seznam</a:t>
-            </a:r>
-            <a:r>
-              <a:rPr lang="en-GB" dirty="0"/>
-              <a:t> </a:t>
-            </a:r>
-            <a:r>
-              <a:rPr lang="en-GB" dirty="0" err="1"/>
-              <a:t>dostupných</a:t>
-            </a:r>
-            <a:r>
-              <a:rPr lang="en-GB" dirty="0"/>
-              <a:t> </a:t>
-            </a:r>
-            <a:r>
-              <a:rPr lang="en-GB" dirty="0" err="1"/>
-              <a:t>peerů</a:t>
-            </a:r>
-            <a:r>
-              <a:rPr lang="en-GB" dirty="0"/>
-              <a:t> </a:t>
-            </a:r>
-            <a:endParaRPr lang="cs-CZ" dirty="0"/>
-          </a:p>
-          <a:p>
-            <a:pPr>
-              <a:buFont typeface="Arial" panose="020B0604020202020204" pitchFamily="34" charset="0"/>
-              <a:buChar char="•"/>
-            </a:pPr>
-            <a:r>
-              <a:rPr lang="en-GB" dirty="0" err="1"/>
-              <a:t>Okno</a:t>
-            </a:r>
-            <a:r>
-              <a:rPr lang="en-GB" dirty="0"/>
-              <a:t> pro </a:t>
-            </a:r>
-            <a:r>
-              <a:rPr lang="en-GB" dirty="0" err="1"/>
-              <a:t>zprávy</a:t>
-            </a:r>
-            <a:r>
-              <a:rPr lang="en-GB" dirty="0"/>
-              <a:t> </a:t>
-            </a:r>
-            <a:endParaRPr lang="cs-CZ" dirty="0"/>
-          </a:p>
-          <a:p>
-            <a:pPr>
-              <a:buFont typeface="Arial" panose="020B0604020202020204" pitchFamily="34" charset="0"/>
-              <a:buChar char="•"/>
-            </a:pPr>
-            <a:r>
-              <a:rPr lang="en-GB" dirty="0" err="1"/>
-              <a:t>Informace</a:t>
-            </a:r>
-            <a:r>
-              <a:rPr lang="en-GB" dirty="0"/>
-              <a:t> o </a:t>
-            </a:r>
-            <a:r>
-              <a:rPr lang="en-GB" dirty="0" err="1"/>
-              <a:t>kryptografických</a:t>
-            </a:r>
-            <a:r>
-              <a:rPr lang="en-GB" dirty="0"/>
-              <a:t> </a:t>
-            </a:r>
-            <a:r>
-              <a:rPr lang="en-GB" dirty="0" err="1"/>
-              <a:t>nastaveních</a:t>
-            </a:r>
-            <a:endParaRPr lang="en-GB" dirty="0"/>
-          </a:p>
-          <a:p>
-            <a:endParaRPr lang="en-GB" dirty="0"/>
-          </a:p>
-        </p:txBody>
-      </p:sp>
-      <p:sp>
-        <p:nvSpPr>
-          <p:cNvPr id="8" name="Zástupný obsah 7">
-            <a:extLst>
-              <a:ext uri="{FF2B5EF4-FFF2-40B4-BE49-F238E27FC236}">
-                <a16:creationId xmlns:a16="http://schemas.microsoft.com/office/drawing/2014/main" id="{1F0743E0-846D-5E8D-C583-2E438D16DC79}"/>
-              </a:ext>
-            </a:extLst>
-          </p:cNvPr>
-          <p:cNvSpPr>
-            <a:spLocks noGrp="1"/>
-          </p:cNvSpPr>
-          <p:nvPr>
-            <p:ph sz="half" idx="2"/>
-          </p:nvPr>
-        </p:nvSpPr>
-        <p:spPr/>
-        <p:txBody>
-          <a:bodyPr/>
-          <a:lstStyle/>
-          <a:p>
-            <a:endParaRPr lang="en-GB"/>
-          </a:p>
-        </p:txBody>
-      </p:sp>
-      <p:sp>
-        <p:nvSpPr>
-          <p:cNvPr id="4" name="Zástupný symbol pro číslo snímku 3">
-            <a:extLst>
-              <a:ext uri="{FF2B5EF4-FFF2-40B4-BE49-F238E27FC236}">
-                <a16:creationId xmlns:a16="http://schemas.microsoft.com/office/drawing/2014/main" id="{231A25AC-33A8-6197-2175-750EF6B601B0}"/>
-              </a:ext>
-            </a:extLst>
-          </p:cNvPr>
-          <p:cNvSpPr>
-            <a:spLocks noGrp="1"/>
-          </p:cNvSpPr>
-          <p:nvPr>
-            <p:ph type="sldNum" sz="quarter" idx="12"/>
-          </p:nvPr>
-        </p:nvSpPr>
-        <p:spPr/>
-        <p:txBody>
-          <a:bodyPr/>
-          <a:lstStyle/>
-          <a:p>
-            <a:fld id="{2396986B-09E1-422F-9D6D-F3432B0D2D09}" type="slidenum">
-              <a:rPr lang="en-GB" smtClean="0"/>
-              <a:t>12</a:t>
+              <a:t>13</a:t>
             </a:fld>
             <a:endParaRPr lang="en-GB"/>
           </a:p>
@@ -5358,7 +5952,7 @@
 </p:sld>
 </file>
 
-<file path=ppt/slides/slide13.xml><?xml version="1.0" encoding="utf-8"?>
+<file path=ppt/slides/slide14.xml><?xml version="1.0" encoding="utf-8"?>
 <p:sld xmlns:a="http://schemas.openxmlformats.org/drawingml/2006/main" xmlns:r="http://schemas.openxmlformats.org/officeDocument/2006/relationships" xmlns:p="http://schemas.openxmlformats.org/presentationml/2006/main">
   <p:cSld>
     <p:spTree>
@@ -5612,7 +6206,7 @@
           <a:p>
             <a:fld id="{2396986B-09E1-422F-9D6D-F3432B0D2D09}" type="slidenum">
               <a:rPr lang="en-GB" smtClean="0"/>
-              <a:t>13</a:t>
+              <a:t>14</a:t>
             </a:fld>
             <a:endParaRPr lang="en-GB"/>
           </a:p>
@@ -5833,7 +6427,7 @@
 </p:sld>
 </file>
 
-<file path=ppt/slides/slide14.xml><?xml version="1.0" encoding="utf-8"?>
+<file path=ppt/slides/slide15.xml><?xml version="1.0" encoding="utf-8"?>
 <p:sld xmlns:a="http://schemas.openxmlformats.org/drawingml/2006/main" xmlns:r="http://schemas.openxmlformats.org/officeDocument/2006/relationships" xmlns:p="http://schemas.openxmlformats.org/presentationml/2006/main">
   <p:cSld>
     <p:spTree>
@@ -6146,7 +6740,7 @@
           <a:p>
             <a:fld id="{2396986B-09E1-422F-9D6D-F3432B0D2D09}" type="slidenum">
               <a:rPr lang="en-GB" smtClean="0"/>
-              <a:t>14</a:t>
+              <a:t>15</a:t>
             </a:fld>
             <a:endParaRPr lang="en-GB"/>
           </a:p>
@@ -6247,7 +6841,7 @@
 </p:sld>
 </file>
 
-<file path=ppt/slides/slide15.xml><?xml version="1.0" encoding="utf-8"?>
+<file path=ppt/slides/slide16.xml><?xml version="1.0" encoding="utf-8"?>
 <p:sld xmlns:a="http://schemas.openxmlformats.org/drawingml/2006/main" xmlns:r="http://schemas.openxmlformats.org/officeDocument/2006/relationships" xmlns:p="http://schemas.openxmlformats.org/presentationml/2006/main">
   <p:cSld>
     <p:spTree>
@@ -6287,7 +6881,7 @@
           <a:p>
             <a:fld id="{2396986B-09E1-422F-9D6D-F3432B0D2D09}" type="slidenum">
               <a:rPr lang="en-GB" smtClean="0"/>
-              <a:t>15</a:t>
+              <a:t>16</a:t>
             </a:fld>
             <a:endParaRPr lang="en-GB"/>
           </a:p>
@@ -7469,7 +8063,7 @@
 </p:sld>
 </file>
 
-<file path=ppt/slides/slide16.xml><?xml version="1.0" encoding="utf-8"?>
+<file path=ppt/slides/slide17.xml><?xml version="1.0" encoding="utf-8"?>
 <p:sld xmlns:a="http://schemas.openxmlformats.org/drawingml/2006/main" xmlns:r="http://schemas.openxmlformats.org/officeDocument/2006/relationships" xmlns:p="http://schemas.openxmlformats.org/presentationml/2006/main">
   <p:cSld>
     <p:spTree>
@@ -8499,7 +9093,7 @@
           <a:p>
             <a:fld id="{2396986B-09E1-422F-9D6D-F3432B0D2D09}" type="slidenum">
               <a:rPr lang="en-GB" smtClean="0"/>
-              <a:t>16</a:t>
+              <a:t>17</a:t>
             </a:fld>
             <a:endParaRPr lang="en-GB"/>
           </a:p>
@@ -8694,7 +9288,7 @@
 </p:sld>
 </file>
 
-<file path=ppt/slides/slide17.xml><?xml version="1.0" encoding="utf-8"?>
+<file path=ppt/slides/slide18.xml><?xml version="1.0" encoding="utf-8"?>
 <p:sld xmlns:a="http://schemas.openxmlformats.org/drawingml/2006/main" xmlns:r="http://schemas.openxmlformats.org/officeDocument/2006/relationships" xmlns:p="http://schemas.openxmlformats.org/presentationml/2006/main">
   <p:cSld>
     <p:spTree>
@@ -8734,7 +9328,7 @@
           <a:p>
             <a:fld id="{2396986B-09E1-422F-9D6D-F3432B0D2D09}" type="slidenum">
               <a:rPr lang="en-GB" smtClean="0"/>
-              <a:t>17</a:t>
+              <a:t>18</a:t>
             </a:fld>
             <a:endParaRPr lang="en-GB"/>
           </a:p>
@@ -9071,7 +9665,7 @@
 </p:sld>
 </file>
 
-<file path=ppt/slides/slide18.xml><?xml version="1.0" encoding="utf-8"?>
+<file path=ppt/slides/slide19.xml><?xml version="1.0" encoding="utf-8"?>
 <p:sld xmlns:a="http://schemas.openxmlformats.org/drawingml/2006/main" xmlns:r="http://schemas.openxmlformats.org/officeDocument/2006/relationships" xmlns:p="http://schemas.openxmlformats.org/presentationml/2006/main">
   <p:cSld>
     <p:spTree>
@@ -9117,7 +9711,7 @@
           <a:p>
             <a:fld id="{2396986B-09E1-422F-9D6D-F3432B0D2D09}" type="slidenum">
               <a:rPr lang="en-GB" smtClean="0"/>
-              <a:t>18</a:t>
+              <a:t>19</a:t>
             </a:fld>
             <a:endParaRPr lang="en-GB"/>
           </a:p>
@@ -9616,18 +10210,12 @@
 </p:sld>
 </file>
 
-<file path=ppt/slides/slide19.xml><?xml version="1.0" encoding="utf-8"?>
+<file path=ppt/slides/slide2.xml><?xml version="1.0" encoding="utf-8"?>
 <p:sld xmlns:a="http://schemas.openxmlformats.org/drawingml/2006/main" xmlns:r="http://schemas.openxmlformats.org/officeDocument/2006/relationships" xmlns:p="http://schemas.openxmlformats.org/presentationml/2006/main">
   <p:cSld>
     <p:spTree>
       <p:nvGrpSpPr>
-        <p:cNvPr id="1" name="">
-          <a:extLst>
-            <a:ext uri="{FF2B5EF4-FFF2-40B4-BE49-F238E27FC236}">
-              <a16:creationId xmlns:a16="http://schemas.microsoft.com/office/drawing/2014/main" id="{0B4BE4D2-D3D4-BAF6-144A-DA123BA121CB}"/>
-            </a:ext>
-          </a:extLst>
-        </p:cNvPr>
+        <p:cNvPr id="1" name=""/>
         <p:cNvGrpSpPr/>
         <p:nvPr/>
       </p:nvGrpSpPr>
@@ -9641,39 +10229,10 @@
       </p:grpSpPr>
       <p:sp>
         <p:nvSpPr>
-          <p:cNvPr id="5" name="Zástupný symbol pro číslo snímku 4">
-            <a:extLst>
-              <a:ext uri="{FF2B5EF4-FFF2-40B4-BE49-F238E27FC236}">
-                <a16:creationId xmlns:a16="http://schemas.microsoft.com/office/drawing/2014/main" id="{0A9818D7-F494-2CD9-C2F9-70CAD28D1430}"/>
-              </a:ext>
-            </a:extLst>
-          </p:cNvPr>
-          <p:cNvSpPr>
-            <a:spLocks noGrp="1"/>
-          </p:cNvSpPr>
-          <p:nvPr>
-            <p:ph type="sldNum" sz="quarter" idx="12"/>
-          </p:nvPr>
-        </p:nvSpPr>
-        <p:spPr/>
-        <p:txBody>
-          <a:bodyPr/>
-          <a:lstStyle/>
-          <a:p>
-            <a:fld id="{2396986B-09E1-422F-9D6D-F3432B0D2D09}" type="slidenum">
-              <a:rPr lang="en-GB" smtClean="0"/>
-              <a:t>19</a:t>
-            </a:fld>
-            <a:endParaRPr lang="en-GB"/>
-          </a:p>
-        </p:txBody>
-      </p:sp>
-      <p:sp>
-        <p:nvSpPr>
-          <p:cNvPr id="6" name="Obdélník 5">
-            <a:extLst>
-              <a:ext uri="{FF2B5EF4-FFF2-40B4-BE49-F238E27FC236}">
-                <a16:creationId xmlns:a16="http://schemas.microsoft.com/office/drawing/2014/main" id="{DE80FE70-CAEB-F9F4-2EEA-E1E9F114844D}"/>
+          <p:cNvPr id="5" name="Obdélník 4">
+            <a:extLst>
+              <a:ext uri="{FF2B5EF4-FFF2-40B4-BE49-F238E27FC236}">
+                <a16:creationId xmlns:a16="http://schemas.microsoft.com/office/drawing/2014/main" id="{C7CB94EB-D1D3-2704-6E65-6FC4D559AE01}"/>
               </a:ext>
             </a:extLst>
           </p:cNvPr>
@@ -9716,16 +10275,16 @@
           <a:lstStyle/>
           <a:p>
             <a:pPr algn="ctr"/>
-            <a:endParaRPr lang="en-GB" dirty="0"/>
-          </a:p>
-        </p:txBody>
-      </p:sp>
-      <p:sp>
-        <p:nvSpPr>
-          <p:cNvPr id="7" name="Nadpis 1">
-            <a:extLst>
-              <a:ext uri="{FF2B5EF4-FFF2-40B4-BE49-F238E27FC236}">
-                <a16:creationId xmlns:a16="http://schemas.microsoft.com/office/drawing/2014/main" id="{4000DBA2-AFB6-D09B-B477-AF0C312BCA16}"/>
+            <a:endParaRPr lang="en-GB"/>
+          </a:p>
+        </p:txBody>
+      </p:sp>
+      <p:sp>
+        <p:nvSpPr>
+          <p:cNvPr id="2" name="Nadpis 1">
+            <a:extLst>
+              <a:ext uri="{FF2B5EF4-FFF2-40B4-BE49-F238E27FC236}">
+                <a16:creationId xmlns:a16="http://schemas.microsoft.com/office/drawing/2014/main" id="{D9AF3CC2-4CFB-28A4-DDA3-04D10EBB8BC5}"/>
               </a:ext>
             </a:extLst>
           </p:cNvPr>
@@ -9738,7 +10297,7 @@
         </p:nvSpPr>
         <p:spPr>
           <a:xfrm>
-            <a:off x="0" y="0"/>
+            <a:off x="0" y="-2"/>
             <a:ext cx="10515600" cy="1325563"/>
           </a:xfrm>
         </p:spPr>
@@ -9752,7 +10311,7 @@
                   <a:srgbClr val="FF0000"/>
                 </a:solidFill>
               </a:rPr>
-              <a:t>Výsledky testování</a:t>
+              <a:t>OBSAH</a:t>
             </a:r>
             <a:endParaRPr lang="en-GB" dirty="0">
               <a:solidFill>
@@ -9762,12 +10321,133 @@
           </a:p>
         </p:txBody>
       </p:sp>
+      <p:sp>
+        <p:nvSpPr>
+          <p:cNvPr id="3" name="Zástupný obsah 2">
+            <a:extLst>
+              <a:ext uri="{FF2B5EF4-FFF2-40B4-BE49-F238E27FC236}">
+                <a16:creationId xmlns:a16="http://schemas.microsoft.com/office/drawing/2014/main" id="{D4501A3E-9FD8-3D2D-03F5-FF97516784B2}"/>
+              </a:ext>
+            </a:extLst>
+          </p:cNvPr>
+          <p:cNvSpPr>
+            <a:spLocks noGrp="1"/>
+          </p:cNvSpPr>
+          <p:nvPr>
+            <p:ph idx="1"/>
+          </p:nvPr>
+        </p:nvSpPr>
+        <p:spPr>
+          <a:xfrm>
+            <a:off x="376109" y="1665286"/>
+            <a:ext cx="10515600" cy="4351338"/>
+          </a:xfrm>
+        </p:spPr>
+        <p:txBody>
+          <a:bodyPr>
+            <a:normAutofit fontScale="92500" lnSpcReduction="20000"/>
+          </a:bodyPr>
+          <a:lstStyle/>
+          <a:p>
+            <a:r>
+              <a:rPr lang="cs-CZ" dirty="0"/>
+              <a:t>Popis projektu</a:t>
+            </a:r>
+          </a:p>
+          <a:p>
+            <a:r>
+              <a:rPr lang="cs-CZ" dirty="0"/>
+              <a:t>Cíle projektu</a:t>
+            </a:r>
+          </a:p>
+          <a:p>
+            <a:r>
+              <a:rPr lang="cs-CZ" dirty="0"/>
+              <a:t>Klíčové funkce</a:t>
+            </a:r>
+          </a:p>
+          <a:p>
+            <a:r>
+              <a:rPr lang="cs-CZ" dirty="0"/>
+              <a:t>Architektura</a:t>
+            </a:r>
+          </a:p>
+          <a:p>
+            <a:r>
+              <a:rPr lang="cs-CZ" dirty="0"/>
+              <a:t>Bezpečnostní model</a:t>
+            </a:r>
+          </a:p>
+          <a:p>
+            <a:r>
+              <a:rPr lang="cs-CZ" dirty="0"/>
+              <a:t>Implementace</a:t>
+            </a:r>
+          </a:p>
+          <a:p>
+            <a:r>
+              <a:rPr lang="cs-CZ" dirty="0"/>
+              <a:t>Datové toky a komunikace</a:t>
+            </a:r>
+          </a:p>
+          <a:p>
+            <a:r>
+              <a:rPr lang="cs-CZ" dirty="0"/>
+              <a:t>Rozhraní aplikace</a:t>
+            </a:r>
+          </a:p>
+          <a:p>
+            <a:r>
+              <a:rPr lang="cs-CZ" dirty="0"/>
+              <a:t>Testování</a:t>
+            </a:r>
+          </a:p>
+          <a:p>
+            <a:r>
+              <a:rPr lang="cs-CZ" dirty="0"/>
+              <a:t>Popis a ukázka samotné aplikace</a:t>
+            </a:r>
+          </a:p>
+          <a:p>
+            <a:endParaRPr lang="en-GB" dirty="0"/>
+          </a:p>
+        </p:txBody>
+      </p:sp>
+      <p:sp>
+        <p:nvSpPr>
+          <p:cNvPr id="4" name="Zástupný symbol pro číslo snímku 3">
+            <a:extLst>
+              <a:ext uri="{FF2B5EF4-FFF2-40B4-BE49-F238E27FC236}">
+                <a16:creationId xmlns:a16="http://schemas.microsoft.com/office/drawing/2014/main" id="{3A8AB913-2710-BF92-C629-B5E9CA8A442B}"/>
+              </a:ext>
+            </a:extLst>
+          </p:cNvPr>
+          <p:cNvSpPr>
+            <a:spLocks noGrp="1"/>
+          </p:cNvSpPr>
+          <p:nvPr>
+            <p:ph type="sldNum" sz="quarter" idx="12"/>
+          </p:nvPr>
+        </p:nvSpPr>
+        <p:spPr/>
+        <p:txBody>
+          <a:bodyPr/>
+          <a:lstStyle/>
+          <a:p>
+            <a:fld id="{2396986B-09E1-422F-9D6D-F3432B0D2D09}" type="slidenum">
+              <a:rPr lang="en-GB" smtClean="0"/>
+              <a:t>2</a:t>
+            </a:fld>
+            <a:endParaRPr lang="en-GB"/>
+          </a:p>
+        </p:txBody>
+      </p:sp>
       <p:pic>
         <p:nvPicPr>
-          <p:cNvPr id="4" name="Obrázek 3">
-            <a:extLst>
-              <a:ext uri="{FF2B5EF4-FFF2-40B4-BE49-F238E27FC236}">
-                <a16:creationId xmlns:a16="http://schemas.microsoft.com/office/drawing/2014/main" id="{545F3921-CA5B-C80A-BE18-2817F382829C}"/>
+          <p:cNvPr id="6" name="Obrázek 5">
+            <a:extLst>
+              <a:ext uri="{FF2B5EF4-FFF2-40B4-BE49-F238E27FC236}">
+                <a16:creationId xmlns:a16="http://schemas.microsoft.com/office/drawing/2014/main" id="{C7C244FB-33ED-3125-D602-1497A397DE7B}"/>
               </a:ext>
             </a:extLst>
           </p:cNvPr>
@@ -9794,10 +10474,10 @@
       </p:pic>
       <p:sp>
         <p:nvSpPr>
-          <p:cNvPr id="8" name="Obdélník 7">
-            <a:extLst>
-              <a:ext uri="{FF2B5EF4-FFF2-40B4-BE49-F238E27FC236}">
-                <a16:creationId xmlns:a16="http://schemas.microsoft.com/office/drawing/2014/main" id="{B50F18CF-E31D-FF68-A870-E31A200F2F9E}"/>
+          <p:cNvPr id="7" name="Obdélník 6">
+            <a:extLst>
+              <a:ext uri="{FF2B5EF4-FFF2-40B4-BE49-F238E27FC236}">
+                <a16:creationId xmlns:a16="http://schemas.microsoft.com/office/drawing/2014/main" id="{957EB5CA-2910-AFC9-FB4A-E53911462726}"/>
               </a:ext>
             </a:extLst>
           </p:cNvPr>
@@ -9844,162 +10524,10 @@
           </a:p>
         </p:txBody>
       </p:sp>
-      <p:pic>
-        <p:nvPicPr>
-          <p:cNvPr id="9" name="Obrázek 8">
-            <a:extLst>
-              <a:ext uri="{FF2B5EF4-FFF2-40B4-BE49-F238E27FC236}">
-                <a16:creationId xmlns:a16="http://schemas.microsoft.com/office/drawing/2014/main" id="{4C54FCB8-304C-DC5C-9158-D04673F9CAAB}"/>
-              </a:ext>
-            </a:extLst>
-          </p:cNvPr>
-          <p:cNvPicPr>
-            <a:picLocks noChangeAspect="1"/>
-          </p:cNvPicPr>
-          <p:nvPr/>
-        </p:nvPicPr>
-        <p:blipFill>
-          <a:blip r:embed="rId3"/>
-          <a:stretch>
-            <a:fillRect/>
-          </a:stretch>
-        </p:blipFill>
-        <p:spPr>
-          <a:xfrm>
-            <a:off x="1850159" y="2175600"/>
-            <a:ext cx="8343900" cy="3648075"/>
-          </a:xfrm>
-          <a:prstGeom prst="rect">
-            <a:avLst/>
-          </a:prstGeom>
-        </p:spPr>
-      </p:pic>
-      <p:sp>
-        <p:nvSpPr>
-          <p:cNvPr id="10" name="TextovéPole 9">
-            <a:extLst>
-              <a:ext uri="{FF2B5EF4-FFF2-40B4-BE49-F238E27FC236}">
-                <a16:creationId xmlns:a16="http://schemas.microsoft.com/office/drawing/2014/main" id="{C9E22EA4-C22F-287F-CAD5-0CBFDE927B15}"/>
-              </a:ext>
-            </a:extLst>
-          </p:cNvPr>
-          <p:cNvSpPr txBox="1"/>
-          <p:nvPr/>
-        </p:nvSpPr>
-        <p:spPr>
-          <a:xfrm>
-            <a:off x="659786" y="1612077"/>
-            <a:ext cx="6950978" cy="523220"/>
-          </a:xfrm>
-          <a:prstGeom prst="rect">
-            <a:avLst/>
-          </a:prstGeom>
-          <a:noFill/>
-        </p:spPr>
-        <p:txBody>
-          <a:bodyPr wrap="square" rtlCol="0">
-            <a:spAutoFit/>
-          </a:bodyPr>
-          <a:lstStyle/>
-          <a:p>
-            <a:r>
-              <a:rPr lang="en-GB" sz="2800" b="1" i="0" dirty="0" err="1">
-                <a:solidFill>
-                  <a:srgbClr val="030712"/>
-                </a:solidFill>
-                <a:effectLst/>
-                <a:latin typeface="ui-sans-serif"/>
-              </a:rPr>
-              <a:t>Rychlost</a:t>
-            </a:r>
-            <a:r>
-              <a:rPr lang="en-GB" sz="2800" b="1" i="0" dirty="0">
-                <a:solidFill>
-                  <a:srgbClr val="030712"/>
-                </a:solidFill>
-                <a:effectLst/>
-                <a:latin typeface="ui-sans-serif"/>
-              </a:rPr>
-              <a:t> </a:t>
-            </a:r>
-            <a:r>
-              <a:rPr lang="en-GB" sz="2800" b="1" i="0" dirty="0" err="1">
-                <a:solidFill>
-                  <a:srgbClr val="030712"/>
-                </a:solidFill>
-                <a:effectLst/>
-                <a:latin typeface="ui-sans-serif"/>
-              </a:rPr>
-              <a:t>přenosu</a:t>
-            </a:r>
-            <a:r>
-              <a:rPr lang="en-GB" sz="2800" b="1" i="0" dirty="0">
-                <a:solidFill>
-                  <a:srgbClr val="030712"/>
-                </a:solidFill>
-                <a:effectLst/>
-                <a:latin typeface="ui-sans-serif"/>
-              </a:rPr>
-              <a:t> </a:t>
-            </a:r>
-            <a:r>
-              <a:rPr lang="en-GB" sz="2800" b="1" i="0" dirty="0" err="1">
-                <a:solidFill>
-                  <a:srgbClr val="030712"/>
-                </a:solidFill>
-                <a:effectLst/>
-                <a:latin typeface="ui-sans-serif"/>
-              </a:rPr>
-              <a:t>podle</a:t>
-            </a:r>
-            <a:r>
-              <a:rPr lang="en-GB" sz="2800" b="1" i="0" dirty="0">
-                <a:solidFill>
-                  <a:srgbClr val="030712"/>
-                </a:solidFill>
-                <a:effectLst/>
-                <a:latin typeface="ui-sans-serif"/>
-              </a:rPr>
-              <a:t> </a:t>
-            </a:r>
-            <a:r>
-              <a:rPr lang="en-GB" sz="2800" b="1" i="0" dirty="0" err="1">
-                <a:solidFill>
-                  <a:srgbClr val="030712"/>
-                </a:solidFill>
-                <a:effectLst/>
-                <a:latin typeface="ui-sans-serif"/>
-              </a:rPr>
-              <a:t>velikosti</a:t>
-            </a:r>
-            <a:r>
-              <a:rPr lang="en-GB" sz="2800" b="1" i="0" dirty="0">
-                <a:solidFill>
-                  <a:srgbClr val="030712"/>
-                </a:solidFill>
-                <a:effectLst/>
-                <a:latin typeface="ui-sans-serif"/>
-              </a:rPr>
-              <a:t> </a:t>
-            </a:r>
-            <a:r>
-              <a:rPr lang="en-GB" sz="2800" b="1" i="0" dirty="0" err="1">
-                <a:solidFill>
-                  <a:srgbClr val="030712"/>
-                </a:solidFill>
-                <a:effectLst/>
-                <a:latin typeface="ui-sans-serif"/>
-              </a:rPr>
-              <a:t>souboru</a:t>
-            </a:r>
-            <a:endParaRPr lang="en-GB" sz="2800" b="1" dirty="0"/>
-          </a:p>
-        </p:txBody>
-      </p:sp>
     </p:spTree>
     <p:extLst>
       <p:ext uri="{BB962C8B-B14F-4D97-AF65-F5344CB8AC3E}">
-        <p14:creationId xmlns:p14="http://schemas.microsoft.com/office/powerpoint/2010/main" val="4041539144"/>
+        <p14:creationId xmlns:p14="http://schemas.microsoft.com/office/powerpoint/2010/main" val="660583943"/>
       </p:ext>
     </p:extLst>
   </p:cSld>
@@ -10009,12 +10537,18 @@
 </p:sld>
 </file>
 
-<file path=ppt/slides/slide2.xml><?xml version="1.0" encoding="utf-8"?>
+<file path=ppt/slides/slide20.xml><?xml version="1.0" encoding="utf-8"?>
 <p:sld xmlns:a="http://schemas.openxmlformats.org/drawingml/2006/main" xmlns:r="http://schemas.openxmlformats.org/officeDocument/2006/relationships" xmlns:p="http://schemas.openxmlformats.org/presentationml/2006/main">
   <p:cSld>
     <p:spTree>
       <p:nvGrpSpPr>
-        <p:cNvPr id="1" name=""/>
+        <p:cNvPr id="1" name="">
+          <a:extLst>
+            <a:ext uri="{FF2B5EF4-FFF2-40B4-BE49-F238E27FC236}">
+              <a16:creationId xmlns:a16="http://schemas.microsoft.com/office/drawing/2014/main" id="{0B4BE4D2-D3D4-BAF6-144A-DA123BA121CB}"/>
+            </a:ext>
+          </a:extLst>
+        </p:cNvPr>
         <p:cNvGrpSpPr/>
         <p:nvPr/>
       </p:nvGrpSpPr>
@@ -10028,10 +10562,39 @@
       </p:grpSpPr>
       <p:sp>
         <p:nvSpPr>
-          <p:cNvPr id="5" name="Obdélník 4">
-            <a:extLst>
-              <a:ext uri="{FF2B5EF4-FFF2-40B4-BE49-F238E27FC236}">
-                <a16:creationId xmlns:a16="http://schemas.microsoft.com/office/drawing/2014/main" id="{C7CB94EB-D1D3-2704-6E65-6FC4D559AE01}"/>
+          <p:cNvPr id="5" name="Zástupný symbol pro číslo snímku 4">
+            <a:extLst>
+              <a:ext uri="{FF2B5EF4-FFF2-40B4-BE49-F238E27FC236}">
+                <a16:creationId xmlns:a16="http://schemas.microsoft.com/office/drawing/2014/main" id="{0A9818D7-F494-2CD9-C2F9-70CAD28D1430}"/>
+              </a:ext>
+            </a:extLst>
+          </p:cNvPr>
+          <p:cNvSpPr>
+            <a:spLocks noGrp="1"/>
+          </p:cNvSpPr>
+          <p:nvPr>
+            <p:ph type="sldNum" sz="quarter" idx="12"/>
+          </p:nvPr>
+        </p:nvSpPr>
+        <p:spPr/>
+        <p:txBody>
+          <a:bodyPr/>
+          <a:lstStyle/>
+          <a:p>
+            <a:fld id="{2396986B-09E1-422F-9D6D-F3432B0D2D09}" type="slidenum">
+              <a:rPr lang="en-GB" smtClean="0"/>
+              <a:t>20</a:t>
+            </a:fld>
+            <a:endParaRPr lang="en-GB"/>
+          </a:p>
+        </p:txBody>
+      </p:sp>
+      <p:sp>
+        <p:nvSpPr>
+          <p:cNvPr id="6" name="Obdélník 5">
+            <a:extLst>
+              <a:ext uri="{FF2B5EF4-FFF2-40B4-BE49-F238E27FC236}">
+                <a16:creationId xmlns:a16="http://schemas.microsoft.com/office/drawing/2014/main" id="{DE80FE70-CAEB-F9F4-2EEA-E1E9F114844D}"/>
               </a:ext>
             </a:extLst>
           </p:cNvPr>
@@ -10074,16 +10637,16 @@
           <a:lstStyle/>
           <a:p>
             <a:pPr algn="ctr"/>
-            <a:endParaRPr lang="en-GB"/>
-          </a:p>
-        </p:txBody>
-      </p:sp>
-      <p:sp>
-        <p:nvSpPr>
-          <p:cNvPr id="2" name="Nadpis 1">
-            <a:extLst>
-              <a:ext uri="{FF2B5EF4-FFF2-40B4-BE49-F238E27FC236}">
-                <a16:creationId xmlns:a16="http://schemas.microsoft.com/office/drawing/2014/main" id="{D9AF3CC2-4CFB-28A4-DDA3-04D10EBB8BC5}"/>
+            <a:endParaRPr lang="en-GB" dirty="0"/>
+          </a:p>
+        </p:txBody>
+      </p:sp>
+      <p:sp>
+        <p:nvSpPr>
+          <p:cNvPr id="7" name="Nadpis 1">
+            <a:extLst>
+              <a:ext uri="{FF2B5EF4-FFF2-40B4-BE49-F238E27FC236}">
+                <a16:creationId xmlns:a16="http://schemas.microsoft.com/office/drawing/2014/main" id="{4000DBA2-AFB6-D09B-B477-AF0C312BCA16}"/>
               </a:ext>
             </a:extLst>
           </p:cNvPr>
@@ -10096,7 +10659,7 @@
         </p:nvSpPr>
         <p:spPr>
           <a:xfrm>
-            <a:off x="0" y="-2"/>
+            <a:off x="0" y="0"/>
             <a:ext cx="10515600" cy="1325563"/>
           </a:xfrm>
         </p:spPr>
@@ -10110,7 +10673,7 @@
                   <a:srgbClr val="FF0000"/>
                 </a:solidFill>
               </a:rPr>
-              <a:t>OBSAH</a:t>
+              <a:t>Výsledky testování</a:t>
             </a:r>
             <a:endParaRPr lang="en-GB" dirty="0">
               <a:solidFill>
@@ -10120,133 +10683,12 @@
           </a:p>
         </p:txBody>
       </p:sp>
-      <p:sp>
-        <p:nvSpPr>
-          <p:cNvPr id="3" name="Zástupný obsah 2">
-            <a:extLst>
-              <a:ext uri="{FF2B5EF4-FFF2-40B4-BE49-F238E27FC236}">
-                <a16:creationId xmlns:a16="http://schemas.microsoft.com/office/drawing/2014/main" id="{D4501A3E-9FD8-3D2D-03F5-FF97516784B2}"/>
-              </a:ext>
-            </a:extLst>
-          </p:cNvPr>
-          <p:cNvSpPr>
-            <a:spLocks noGrp="1"/>
-          </p:cNvSpPr>
-          <p:nvPr>
-            <p:ph idx="1"/>
-          </p:nvPr>
-        </p:nvSpPr>
-        <p:spPr>
-          <a:xfrm>
-            <a:off x="376109" y="1665286"/>
-            <a:ext cx="10515600" cy="4351338"/>
-          </a:xfrm>
-        </p:spPr>
-        <p:txBody>
-          <a:bodyPr>
-            <a:normAutofit fontScale="92500" lnSpcReduction="20000"/>
-          </a:bodyPr>
-          <a:lstStyle/>
-          <a:p>
-            <a:r>
-              <a:rPr lang="cs-CZ" dirty="0"/>
-              <a:t>Popis projektu</a:t>
-            </a:r>
-          </a:p>
-          <a:p>
-            <a:r>
-              <a:rPr lang="cs-CZ" dirty="0"/>
-              <a:t>Cíle projektu</a:t>
-            </a:r>
-          </a:p>
-          <a:p>
-            <a:r>
-              <a:rPr lang="cs-CZ" dirty="0"/>
-              <a:t>Klíčové funkce</a:t>
-            </a:r>
-          </a:p>
-          <a:p>
-            <a:r>
-              <a:rPr lang="cs-CZ" dirty="0"/>
-              <a:t>Architektura</a:t>
-            </a:r>
-          </a:p>
-          <a:p>
-            <a:r>
-              <a:rPr lang="cs-CZ" dirty="0"/>
-              <a:t>Bezpečnostní model</a:t>
-            </a:r>
-          </a:p>
-          <a:p>
-            <a:r>
-              <a:rPr lang="cs-CZ" dirty="0"/>
-              <a:t>Implementace</a:t>
-            </a:r>
-          </a:p>
-          <a:p>
-            <a:r>
-              <a:rPr lang="cs-CZ" dirty="0"/>
-              <a:t>Datové toky a komunikace</a:t>
-            </a:r>
-          </a:p>
-          <a:p>
-            <a:r>
-              <a:rPr lang="cs-CZ" dirty="0"/>
-              <a:t>Rozhraní aplikace</a:t>
-            </a:r>
-          </a:p>
-          <a:p>
-            <a:r>
-              <a:rPr lang="cs-CZ" dirty="0"/>
-              <a:t>Testování</a:t>
-            </a:r>
-          </a:p>
-          <a:p>
-            <a:r>
-              <a:rPr lang="cs-CZ" dirty="0"/>
-              <a:t>Popis a ukázka samotné aplikace</a:t>
-            </a:r>
-          </a:p>
-          <a:p>
-            <a:endParaRPr lang="en-GB" dirty="0"/>
-          </a:p>
-        </p:txBody>
-      </p:sp>
-      <p:sp>
-        <p:nvSpPr>
-          <p:cNvPr id="4" name="Zástupný symbol pro číslo snímku 3">
-            <a:extLst>
-              <a:ext uri="{FF2B5EF4-FFF2-40B4-BE49-F238E27FC236}">
-                <a16:creationId xmlns:a16="http://schemas.microsoft.com/office/drawing/2014/main" id="{3A8AB913-2710-BF92-C629-B5E9CA8A442B}"/>
-              </a:ext>
-            </a:extLst>
-          </p:cNvPr>
-          <p:cNvSpPr>
-            <a:spLocks noGrp="1"/>
-          </p:cNvSpPr>
-          <p:nvPr>
-            <p:ph type="sldNum" sz="quarter" idx="12"/>
-          </p:nvPr>
-        </p:nvSpPr>
-        <p:spPr/>
-        <p:txBody>
-          <a:bodyPr/>
-          <a:lstStyle/>
-          <a:p>
-            <a:fld id="{2396986B-09E1-422F-9D6D-F3432B0D2D09}" type="slidenum">
-              <a:rPr lang="en-GB" smtClean="0"/>
-              <a:t>2</a:t>
-            </a:fld>
-            <a:endParaRPr lang="en-GB"/>
-          </a:p>
-        </p:txBody>
-      </p:sp>
       <p:pic>
         <p:nvPicPr>
-          <p:cNvPr id="6" name="Obrázek 5">
-            <a:extLst>
-              <a:ext uri="{FF2B5EF4-FFF2-40B4-BE49-F238E27FC236}">
-                <a16:creationId xmlns:a16="http://schemas.microsoft.com/office/drawing/2014/main" id="{C7C244FB-33ED-3125-D602-1497A397DE7B}"/>
+          <p:cNvPr id="4" name="Obrázek 3">
+            <a:extLst>
+              <a:ext uri="{FF2B5EF4-FFF2-40B4-BE49-F238E27FC236}">
+                <a16:creationId xmlns:a16="http://schemas.microsoft.com/office/drawing/2014/main" id="{545F3921-CA5B-C80A-BE18-2817F382829C}"/>
               </a:ext>
             </a:extLst>
           </p:cNvPr>
@@ -10273,10 +10715,10 @@
       </p:pic>
       <p:sp>
         <p:nvSpPr>
-          <p:cNvPr id="7" name="Obdélník 6">
-            <a:extLst>
-              <a:ext uri="{FF2B5EF4-FFF2-40B4-BE49-F238E27FC236}">
-                <a16:creationId xmlns:a16="http://schemas.microsoft.com/office/drawing/2014/main" id="{957EB5CA-2910-AFC9-FB4A-E53911462726}"/>
+          <p:cNvPr id="8" name="Obdélník 7">
+            <a:extLst>
+              <a:ext uri="{FF2B5EF4-FFF2-40B4-BE49-F238E27FC236}">
+                <a16:creationId xmlns:a16="http://schemas.microsoft.com/office/drawing/2014/main" id="{B50F18CF-E31D-FF68-A870-E31A200F2F9E}"/>
               </a:ext>
             </a:extLst>
           </p:cNvPr>
@@ -10323,10 +10765,162 @@
           </a:p>
         </p:txBody>
       </p:sp>
+      <p:pic>
+        <p:nvPicPr>
+          <p:cNvPr id="9" name="Obrázek 8">
+            <a:extLst>
+              <a:ext uri="{FF2B5EF4-FFF2-40B4-BE49-F238E27FC236}">
+                <a16:creationId xmlns:a16="http://schemas.microsoft.com/office/drawing/2014/main" id="{4C54FCB8-304C-DC5C-9158-D04673F9CAAB}"/>
+              </a:ext>
+            </a:extLst>
+          </p:cNvPr>
+          <p:cNvPicPr>
+            <a:picLocks noChangeAspect="1"/>
+          </p:cNvPicPr>
+          <p:nvPr/>
+        </p:nvPicPr>
+        <p:blipFill>
+          <a:blip r:embed="rId3"/>
+          <a:stretch>
+            <a:fillRect/>
+          </a:stretch>
+        </p:blipFill>
+        <p:spPr>
+          <a:xfrm>
+            <a:off x="1850159" y="2175600"/>
+            <a:ext cx="8343900" cy="3648075"/>
+          </a:xfrm>
+          <a:prstGeom prst="rect">
+            <a:avLst/>
+          </a:prstGeom>
+        </p:spPr>
+      </p:pic>
+      <p:sp>
+        <p:nvSpPr>
+          <p:cNvPr id="10" name="TextovéPole 9">
+            <a:extLst>
+              <a:ext uri="{FF2B5EF4-FFF2-40B4-BE49-F238E27FC236}">
+                <a16:creationId xmlns:a16="http://schemas.microsoft.com/office/drawing/2014/main" id="{C9E22EA4-C22F-287F-CAD5-0CBFDE927B15}"/>
+              </a:ext>
+            </a:extLst>
+          </p:cNvPr>
+          <p:cNvSpPr txBox="1"/>
+          <p:nvPr/>
+        </p:nvSpPr>
+        <p:spPr>
+          <a:xfrm>
+            <a:off x="659786" y="1612077"/>
+            <a:ext cx="6950978" cy="523220"/>
+          </a:xfrm>
+          <a:prstGeom prst="rect">
+            <a:avLst/>
+          </a:prstGeom>
+          <a:noFill/>
+        </p:spPr>
+        <p:txBody>
+          <a:bodyPr wrap="square" rtlCol="0">
+            <a:spAutoFit/>
+          </a:bodyPr>
+          <a:lstStyle/>
+          <a:p>
+            <a:r>
+              <a:rPr lang="en-GB" sz="2800" b="1" i="0" dirty="0" err="1">
+                <a:solidFill>
+                  <a:srgbClr val="030712"/>
+                </a:solidFill>
+                <a:effectLst/>
+                <a:latin typeface="ui-sans-serif"/>
+              </a:rPr>
+              <a:t>Rychlost</a:t>
+            </a:r>
+            <a:r>
+              <a:rPr lang="en-GB" sz="2800" b="1" i="0" dirty="0">
+                <a:solidFill>
+                  <a:srgbClr val="030712"/>
+                </a:solidFill>
+                <a:effectLst/>
+                <a:latin typeface="ui-sans-serif"/>
+              </a:rPr>
+              <a:t> </a:t>
+            </a:r>
+            <a:r>
+              <a:rPr lang="en-GB" sz="2800" b="1" i="0" dirty="0" err="1">
+                <a:solidFill>
+                  <a:srgbClr val="030712"/>
+                </a:solidFill>
+                <a:effectLst/>
+                <a:latin typeface="ui-sans-serif"/>
+              </a:rPr>
+              <a:t>přenosu</a:t>
+            </a:r>
+            <a:r>
+              <a:rPr lang="en-GB" sz="2800" b="1" i="0" dirty="0">
+                <a:solidFill>
+                  <a:srgbClr val="030712"/>
+                </a:solidFill>
+                <a:effectLst/>
+                <a:latin typeface="ui-sans-serif"/>
+              </a:rPr>
+              <a:t> </a:t>
+            </a:r>
+            <a:r>
+              <a:rPr lang="en-GB" sz="2800" b="1" i="0" dirty="0" err="1">
+                <a:solidFill>
+                  <a:srgbClr val="030712"/>
+                </a:solidFill>
+                <a:effectLst/>
+                <a:latin typeface="ui-sans-serif"/>
+              </a:rPr>
+              <a:t>podle</a:t>
+            </a:r>
+            <a:r>
+              <a:rPr lang="en-GB" sz="2800" b="1" i="0" dirty="0">
+                <a:solidFill>
+                  <a:srgbClr val="030712"/>
+                </a:solidFill>
+                <a:effectLst/>
+                <a:latin typeface="ui-sans-serif"/>
+              </a:rPr>
+              <a:t> </a:t>
+            </a:r>
+            <a:r>
+              <a:rPr lang="en-GB" sz="2800" b="1" i="0" dirty="0" err="1">
+                <a:solidFill>
+                  <a:srgbClr val="030712"/>
+                </a:solidFill>
+                <a:effectLst/>
+                <a:latin typeface="ui-sans-serif"/>
+              </a:rPr>
+              <a:t>velikosti</a:t>
+            </a:r>
+            <a:r>
+              <a:rPr lang="en-GB" sz="2800" b="1" i="0" dirty="0">
+                <a:solidFill>
+                  <a:srgbClr val="030712"/>
+                </a:solidFill>
+                <a:effectLst/>
+                <a:latin typeface="ui-sans-serif"/>
+              </a:rPr>
+              <a:t> </a:t>
+            </a:r>
+            <a:r>
+              <a:rPr lang="en-GB" sz="2800" b="1" i="0" dirty="0" err="1">
+                <a:solidFill>
+                  <a:srgbClr val="030712"/>
+                </a:solidFill>
+                <a:effectLst/>
+                <a:latin typeface="ui-sans-serif"/>
+              </a:rPr>
+              <a:t>souboru</a:t>
+            </a:r>
+            <a:endParaRPr lang="en-GB" sz="2800" b="1" dirty="0"/>
+          </a:p>
+        </p:txBody>
+      </p:sp>
     </p:spTree>
     <p:extLst>
       <p:ext uri="{BB962C8B-B14F-4D97-AF65-F5344CB8AC3E}">
-        <p14:creationId xmlns:p14="http://schemas.microsoft.com/office/powerpoint/2010/main" val="660583943"/>
+        <p14:creationId xmlns:p14="http://schemas.microsoft.com/office/powerpoint/2010/main" val="4041539144"/>
       </p:ext>
     </p:extLst>
   </p:cSld>
@@ -10336,7 +10930,7 @@
 </p:sld>
 </file>
 
-<file path=ppt/slides/slide20.xml><?xml version="1.0" encoding="utf-8"?>
+<file path=ppt/slides/slide21.xml><?xml version="1.0" encoding="utf-8"?>
 <p:sld xmlns:a="http://schemas.openxmlformats.org/drawingml/2006/main" xmlns:r="http://schemas.openxmlformats.org/officeDocument/2006/relationships" xmlns:p="http://schemas.openxmlformats.org/presentationml/2006/main">
   <p:cSld>
     <p:spTree>
@@ -10382,7 +10976,7 @@
           <a:p>
             <a:fld id="{2396986B-09E1-422F-9D6D-F3432B0D2D09}" type="slidenum">
               <a:rPr lang="en-GB" smtClean="0"/>
-              <a:t>20</a:t>
+              <a:t>21</a:t>
             </a:fld>
             <a:endParaRPr lang="en-GB"/>
           </a:p>
@@ -10607,7 +11201,7 @@
 </p:sld>
 </file>
 
-<file path=ppt/slides/slide21.xml><?xml version="1.0" encoding="utf-8"?>
+<file path=ppt/slides/slide22.xml><?xml version="1.0" encoding="utf-8"?>
 <p:sld xmlns:a="http://schemas.openxmlformats.org/drawingml/2006/main" xmlns:r="http://schemas.openxmlformats.org/officeDocument/2006/relationships" xmlns:p="http://schemas.openxmlformats.org/presentationml/2006/main">
   <p:cSld>
     <p:spTree>
@@ -10653,7 +11247,7 @@
           <a:p>
             <a:fld id="{2396986B-09E1-422F-9D6D-F3432B0D2D09}" type="slidenum">
               <a:rPr lang="en-GB" smtClean="0"/>
-              <a:t>21</a:t>
+              <a:t>22</a:t>
             </a:fld>
             <a:endParaRPr lang="en-GB"/>
           </a:p>
@@ -11105,7 +11699,7 @@
 </p:sld>
 </file>
 
-<file path=ppt/slides/slide22.xml><?xml version="1.0" encoding="utf-8"?>
+<file path=ppt/slides/slide23.xml><?xml version="1.0" encoding="utf-8"?>
 <p:sld xmlns:a="http://schemas.openxmlformats.org/drawingml/2006/main" xmlns:r="http://schemas.openxmlformats.org/officeDocument/2006/relationships" xmlns:p="http://schemas.openxmlformats.org/presentationml/2006/main">
   <p:cSld>
     <p:spTree>
@@ -11272,7 +11866,7 @@
           <a:p>
             <a:fld id="{2396986B-09E1-422F-9D6D-F3432B0D2D09}" type="slidenum">
               <a:rPr lang="en-GB" smtClean="0"/>
-              <a:t>22</a:t>
+              <a:t>23</a:t>
             </a:fld>
             <a:endParaRPr lang="en-GB"/>
           </a:p>
@@ -11373,7 +11967,7 @@
 </p:sld>
 </file>
 
-<file path=ppt/slides/slide23.xml><?xml version="1.0" encoding="utf-8"?>
+<file path=ppt/slides/slide24.xml><?xml version="1.0" encoding="utf-8"?>
 <p:sld xmlns:a="http://schemas.openxmlformats.org/drawingml/2006/main" xmlns:r="http://schemas.openxmlformats.org/officeDocument/2006/relationships" xmlns:p="http://schemas.openxmlformats.org/presentationml/2006/main">
   <p:cSld>
     <p:spTree>
@@ -11503,7 +12097,7 @@
           <a:p>
             <a:fld id="{2396986B-09E1-422F-9D6D-F3432B0D2D09}" type="slidenum">
               <a:rPr lang="en-GB" smtClean="0"/>
-              <a:t>23</a:t>
+              <a:t>24</a:t>
             </a:fld>
             <a:endParaRPr lang="en-GB"/>
           </a:p>
@@ -13604,7 +14198,13 @@
   <p:cSld>
     <p:spTree>
       <p:nvGrpSpPr>
-        <p:cNvPr id="1" name=""/>
+        <p:cNvPr id="1" name="">
+          <a:extLst>
+            <a:ext uri="{FF2B5EF4-FFF2-40B4-BE49-F238E27FC236}">
+              <a16:creationId xmlns:a16="http://schemas.microsoft.com/office/drawing/2014/main" id="{A5C00BF8-C311-29CC-1712-CC7CE2CF3233}"/>
+            </a:ext>
+          </a:extLst>
+        </p:cNvPr>
         <p:cNvGrpSpPr/>
         <p:nvPr/>
       </p:nvGrpSpPr>
@@ -13621,7 +14221,7 @@
           <p:cNvPr id="3" name="Zástupný obsah 2">
             <a:extLst>
               <a:ext uri="{FF2B5EF4-FFF2-40B4-BE49-F238E27FC236}">
-                <a16:creationId xmlns:a16="http://schemas.microsoft.com/office/drawing/2014/main" id="{9243470F-5823-3DDB-59E8-C437A314A6B5}"/>
+                <a16:creationId xmlns:a16="http://schemas.microsoft.com/office/drawing/2014/main" id="{B97BB47B-582E-C33E-EDF9-531CCD14DB3F}"/>
               </a:ext>
             </a:extLst>
           </p:cNvPr>
@@ -13629,18 +14229,18 @@
             <a:spLocks noGrp="1"/>
           </p:cNvSpPr>
           <p:nvPr>
-            <p:ph idx="1"/>
+            <p:ph sz="half" idx="1"/>
           </p:nvPr>
         </p:nvSpPr>
         <p:spPr>
           <a:xfrm>
-            <a:off x="530382" y="1343818"/>
-            <a:ext cx="10515600" cy="4351338"/>
+            <a:off x="431800" y="1343818"/>
+            <a:ext cx="5588000" cy="4833145"/>
           </a:xfrm>
         </p:spPr>
         <p:txBody>
           <a:bodyPr>
-            <a:normAutofit fontScale="92500" lnSpcReduction="20000"/>
+            <a:normAutofit fontScale="70000" lnSpcReduction="20000"/>
           </a:bodyPr>
           <a:lstStyle/>
           <a:p>
@@ -13648,191 +14248,8 @@
               <a:buNone/>
             </a:pPr>
             <a:r>
-              <a:rPr lang="en-GB" b="1" dirty="0" err="1"/>
-              <a:t>Vrstvená</a:t>
-            </a:r>
-            <a:r>
-              <a:rPr lang="en-GB" b="1" dirty="0"/>
-              <a:t> </a:t>
-            </a:r>
-            <a:r>
-              <a:rPr lang="en-GB" b="1" dirty="0" err="1"/>
-              <a:t>struktura</a:t>
-            </a:r>
-            <a:r>
-              <a:rPr lang="en-GB" b="1" dirty="0"/>
-              <a:t>:</a:t>
-            </a:r>
-          </a:p>
-          <a:p>
-            <a:pPr>
-              <a:buFont typeface="+mj-lt"/>
-              <a:buAutoNum type="arabicPeriod"/>
-            </a:pPr>
-            <a:r>
-              <a:rPr lang="en-GB" b="1" dirty="0" err="1"/>
-              <a:t>Síťová</a:t>
-            </a:r>
-            <a:r>
-              <a:rPr lang="en-GB" b="1" dirty="0"/>
-              <a:t> </a:t>
-            </a:r>
-            <a:r>
-              <a:rPr lang="en-GB" b="1" dirty="0" err="1"/>
-              <a:t>vrstva</a:t>
-            </a:r>
-            <a:r>
-              <a:rPr lang="en-GB" dirty="0"/>
-              <a:t> - P2P </a:t>
-            </a:r>
-            <a:r>
-              <a:rPr lang="en-GB" dirty="0" err="1"/>
-              <a:t>spojení</a:t>
-            </a:r>
-            <a:r>
-              <a:rPr lang="en-GB" dirty="0"/>
-              <a:t> a </a:t>
-            </a:r>
-            <a:r>
-              <a:rPr lang="en-GB" dirty="0" err="1"/>
-              <a:t>objevování</a:t>
-            </a:r>
-            <a:r>
-              <a:rPr lang="en-GB" dirty="0"/>
-              <a:t> </a:t>
-            </a:r>
-            <a:r>
-              <a:rPr lang="en-GB" dirty="0" err="1"/>
-              <a:t>uzlů</a:t>
-            </a:r>
-            <a:endParaRPr lang="en-GB" dirty="0"/>
-          </a:p>
-          <a:p>
-            <a:pPr>
-              <a:buFont typeface="+mj-lt"/>
-              <a:buAutoNum type="arabicPeriod"/>
-            </a:pPr>
-            <a:r>
-              <a:rPr lang="en-GB" b="1" dirty="0" err="1"/>
-              <a:t>Kryptografická</a:t>
-            </a:r>
-            <a:r>
-              <a:rPr lang="en-GB" b="1" dirty="0"/>
-              <a:t> </a:t>
-            </a:r>
-            <a:r>
-              <a:rPr lang="en-GB" b="1" dirty="0" err="1"/>
-              <a:t>vrstva</a:t>
-            </a:r>
-            <a:r>
-              <a:rPr lang="en-GB" dirty="0"/>
-              <a:t> - Post-</a:t>
-            </a:r>
-            <a:r>
-              <a:rPr lang="en-GB" dirty="0" err="1"/>
-              <a:t>kvantové</a:t>
-            </a:r>
-            <a:r>
-              <a:rPr lang="en-GB" dirty="0"/>
-              <a:t> a </a:t>
-            </a:r>
-            <a:r>
-              <a:rPr lang="en-GB" dirty="0" err="1"/>
-              <a:t>symetrické</a:t>
-            </a:r>
-            <a:r>
-              <a:rPr lang="en-GB" dirty="0"/>
-              <a:t> </a:t>
-            </a:r>
-            <a:r>
-              <a:rPr lang="en-GB" dirty="0" err="1"/>
-              <a:t>algoritmy</a:t>
-            </a:r>
-            <a:endParaRPr lang="en-GB" dirty="0"/>
-          </a:p>
-          <a:p>
-            <a:pPr>
-              <a:buFont typeface="+mj-lt"/>
-              <a:buAutoNum type="arabicPeriod"/>
-            </a:pPr>
-            <a:r>
-              <a:rPr lang="en-GB" b="1" dirty="0" err="1"/>
-              <a:t>Aplikační</a:t>
-            </a:r>
-            <a:r>
-              <a:rPr lang="en-GB" b="1" dirty="0"/>
-              <a:t> </a:t>
-            </a:r>
-            <a:r>
-              <a:rPr lang="en-GB" b="1" dirty="0" err="1"/>
-              <a:t>vrstva</a:t>
-            </a:r>
-            <a:r>
-              <a:rPr lang="en-GB" dirty="0"/>
-              <a:t> - Messaging a </a:t>
-            </a:r>
-            <a:r>
-              <a:rPr lang="en-GB" dirty="0" err="1"/>
-              <a:t>bezpečnostní</a:t>
-            </a:r>
-            <a:r>
-              <a:rPr lang="en-GB" dirty="0"/>
-              <a:t> </a:t>
-            </a:r>
-            <a:r>
-              <a:rPr lang="en-GB" dirty="0" err="1"/>
-              <a:t>logika</a:t>
-            </a:r>
-            <a:endParaRPr lang="en-GB" dirty="0"/>
-          </a:p>
-          <a:p>
-            <a:pPr>
-              <a:buFont typeface="+mj-lt"/>
-              <a:buAutoNum type="arabicPeriod"/>
-            </a:pPr>
-            <a:r>
-              <a:rPr lang="en-GB" b="1" dirty="0" err="1"/>
-              <a:t>Uživatelské</a:t>
-            </a:r>
-            <a:r>
-              <a:rPr lang="en-GB" b="1" dirty="0"/>
-              <a:t> </a:t>
-            </a:r>
-            <a:r>
-              <a:rPr lang="en-GB" b="1" dirty="0" err="1"/>
-              <a:t>rozhraní</a:t>
-            </a:r>
-            <a:r>
-              <a:rPr lang="en-GB" dirty="0"/>
-              <a:t> - </a:t>
-            </a:r>
-            <a:r>
-              <a:rPr lang="en-GB" dirty="0" err="1"/>
-              <a:t>Interaktivní</a:t>
-            </a:r>
-            <a:r>
-              <a:rPr lang="en-GB" dirty="0"/>
-              <a:t> GUI</a:t>
-            </a:r>
-            <a:endParaRPr lang="cs-CZ" dirty="0"/>
-          </a:p>
-          <a:p>
-            <a:pPr marL="0" indent="0">
-              <a:buNone/>
-            </a:pPr>
-            <a:endParaRPr lang="en-GB" dirty="0"/>
-          </a:p>
-          <a:p>
-            <a:pPr>
-              <a:buNone/>
-            </a:pPr>
-            <a:r>
-              <a:rPr lang="en-GB" b="1" dirty="0" err="1"/>
-              <a:t>Komponenty</a:t>
-            </a:r>
-            <a:r>
-              <a:rPr lang="en-GB" b="1" dirty="0"/>
-              <a:t>:</a:t>
+              <a:rPr lang="cs-CZ" b="1" dirty="0"/>
+              <a:t>Programovací jazyk a technologie</a:t>
             </a:r>
           </a:p>
           <a:p>
@@ -13841,34 +14258,13 @@
               <a:buChar char="•"/>
             </a:pPr>
             <a:r>
-              <a:rPr lang="en-GB" b="1" dirty="0"/>
-              <a:t>P2PNode</a:t>
-            </a:r>
-            <a:r>
-              <a:rPr lang="en-GB" dirty="0"/>
-              <a:t> - </a:t>
-            </a:r>
-            <a:r>
-              <a:rPr lang="en-GB" dirty="0" err="1"/>
-              <a:t>Zajišťuje</a:t>
-            </a:r>
-            <a:r>
-              <a:rPr lang="en-GB" dirty="0"/>
-              <a:t> </a:t>
-            </a:r>
-            <a:r>
-              <a:rPr lang="en-GB" dirty="0" err="1"/>
-              <a:t>přímá</a:t>
-            </a:r>
-            <a:r>
-              <a:rPr lang="en-GB" dirty="0"/>
-              <a:t> P2P </a:t>
-            </a:r>
-            <a:r>
-              <a:rPr lang="en-GB" dirty="0" err="1"/>
-              <a:t>spojení</a:t>
-            </a:r>
-            <a:endParaRPr lang="en-GB" dirty="0"/>
+              <a:rPr lang="cs-CZ" b="1" dirty="0"/>
+              <a:t>Python 3.8+</a:t>
+            </a:r>
+            <a:r>
+              <a:rPr lang="cs-CZ" dirty="0"/>
+              <a:t>: Hlavní implementační jazyk</a:t>
+            </a:r>
           </a:p>
           <a:p>
             <a:pPr>
@@ -13876,34 +14272,22 @@
               <a:buChar char="•"/>
             </a:pPr>
             <a:r>
-              <a:rPr lang="en-GB" b="1" dirty="0" err="1"/>
-              <a:t>KeyStorage</a:t>
-            </a:r>
-            <a:r>
-              <a:rPr lang="en-GB" dirty="0"/>
-              <a:t> - </a:t>
-            </a:r>
-            <a:r>
-              <a:rPr lang="en-GB" dirty="0" err="1"/>
-              <a:t>Bezpečné</a:t>
-            </a:r>
-            <a:r>
-              <a:rPr lang="en-GB" dirty="0"/>
-              <a:t> </a:t>
-            </a:r>
-            <a:r>
-              <a:rPr lang="en-GB" dirty="0" err="1"/>
-              <a:t>ukládání</a:t>
-            </a:r>
-            <a:r>
-              <a:rPr lang="en-GB" dirty="0"/>
-              <a:t> </a:t>
-            </a:r>
-            <a:r>
-              <a:rPr lang="en-GB" dirty="0" err="1"/>
-              <a:t>klíčů</a:t>
-            </a:r>
-            <a:endParaRPr lang="en-GB" dirty="0"/>
+              <a:rPr lang="cs-CZ" b="1" dirty="0"/>
+              <a:t>Multiplatformní podpora</a:t>
+            </a:r>
+            <a:r>
+              <a:rPr lang="cs-CZ" dirty="0"/>
+              <a:t>: Windows, macOS, Linux</a:t>
+            </a:r>
+          </a:p>
+          <a:p>
+            <a:pPr>
+              <a:buNone/>
+            </a:pPr>
+            <a:r>
+              <a:rPr lang="cs-CZ" b="1" dirty="0"/>
+              <a:t>Hlavní knihovny a jejich využití</a:t>
+            </a:r>
           </a:p>
           <a:p>
             <a:pPr>
@@ -13911,40 +14295,299 @@
               <a:buChar char="•"/>
             </a:pPr>
             <a:r>
-              <a:rPr lang="en-GB" b="1" dirty="0" err="1"/>
-              <a:t>SecureMessaging</a:t>
-            </a:r>
-            <a:r>
-              <a:rPr lang="en-GB" dirty="0"/>
-              <a:t> - </a:t>
-            </a:r>
-            <a:r>
-              <a:rPr lang="en-GB" dirty="0" err="1"/>
-              <a:t>Koordinuje</a:t>
-            </a:r>
-            <a:r>
-              <a:rPr lang="en-GB" dirty="0"/>
-              <a:t> </a:t>
-            </a:r>
-            <a:r>
-              <a:rPr lang="en-GB" dirty="0" err="1"/>
-              <a:t>šifrovanou</a:t>
-            </a:r>
-            <a:r>
-              <a:rPr lang="en-GB" dirty="0"/>
-              <a:t> </a:t>
-            </a:r>
-            <a:r>
-              <a:rPr lang="en-GB" dirty="0" err="1"/>
-              <a:t>komunikaci</a:t>
-            </a:r>
-            <a:endParaRPr lang="en-GB" dirty="0"/>
-          </a:p>
+              <a:rPr lang="cs-CZ" b="1" dirty="0"/>
+              <a:t>PyQt5</a:t>
+            </a:r>
+            <a:r>
+              <a:rPr lang="cs-CZ" dirty="0"/>
+              <a:t>: Grafické uživatelské rozhraní</a:t>
+            </a:r>
+          </a:p>
+          <a:p>
+            <a:pPr>
+              <a:buFont typeface="Arial" panose="020B0604020202020204" pitchFamily="34" charset="0"/>
+              <a:buChar char="•"/>
+            </a:pPr>
+            <a:r>
+              <a:rPr lang="cs-CZ" b="1" dirty="0" err="1"/>
+              <a:t>asyncio</a:t>
+            </a:r>
+            <a:r>
+              <a:rPr lang="cs-CZ" b="1" dirty="0"/>
+              <a:t> + </a:t>
+            </a:r>
+            <a:r>
+              <a:rPr lang="cs-CZ" b="1" dirty="0" err="1"/>
+              <a:t>qasync</a:t>
+            </a:r>
+            <a:r>
+              <a:rPr lang="cs-CZ" dirty="0"/>
+              <a:t>: Asynchronní operace a propojení s </a:t>
+            </a:r>
+            <a:r>
+              <a:rPr lang="cs-CZ" dirty="0" err="1"/>
+              <a:t>Qt</a:t>
+            </a:r>
+            <a:endParaRPr lang="cs-CZ" dirty="0"/>
+          </a:p>
+          <a:p>
+            <a:pPr>
+              <a:buFont typeface="Arial" panose="020B0604020202020204" pitchFamily="34" charset="0"/>
+              <a:buChar char="•"/>
+            </a:pPr>
+            <a:r>
+              <a:rPr lang="cs-CZ" b="1" dirty="0" err="1"/>
+              <a:t>liboqs</a:t>
+            </a:r>
+            <a:r>
+              <a:rPr lang="cs-CZ" b="1" dirty="0"/>
+              <a:t> (Open </a:t>
+            </a:r>
+            <a:r>
+              <a:rPr lang="cs-CZ" b="1" dirty="0" err="1"/>
+              <a:t>Quantum</a:t>
+            </a:r>
+            <a:r>
+              <a:rPr lang="cs-CZ" b="1" dirty="0"/>
+              <a:t> </a:t>
+            </a:r>
+            <a:r>
+              <a:rPr lang="cs-CZ" b="1" dirty="0" err="1"/>
+              <a:t>Safe</a:t>
+            </a:r>
+            <a:r>
+              <a:rPr lang="cs-CZ" b="1" dirty="0"/>
+              <a:t>)</a:t>
+            </a:r>
+            <a:r>
+              <a:rPr lang="cs-CZ" dirty="0"/>
+              <a:t>: Implementace post-kvantových algoritmů </a:t>
+            </a:r>
+          </a:p>
+          <a:p>
+            <a:pPr marL="742950" lvl="1" indent="-285750">
+              <a:buFont typeface="Arial" panose="020B0604020202020204" pitchFamily="34" charset="0"/>
+              <a:buChar char="•"/>
+            </a:pPr>
+            <a:r>
+              <a:rPr lang="cs-CZ" dirty="0" err="1"/>
+              <a:t>Vendorovaná</a:t>
+            </a:r>
+            <a:r>
+              <a:rPr lang="cs-CZ" dirty="0"/>
+              <a:t> knihovna - samostatně distribuovaná s aplikací</a:t>
+            </a:r>
+          </a:p>
+          <a:p>
+            <a:pPr marL="742950" lvl="1" indent="-285750">
+              <a:buFont typeface="Arial" panose="020B0604020202020204" pitchFamily="34" charset="0"/>
+              <a:buChar char="•"/>
+            </a:pPr>
+            <a:r>
+              <a:rPr lang="cs-CZ" dirty="0"/>
+              <a:t>Binární verze pro Windows, macOS a Linux</a:t>
+            </a:r>
+          </a:p>
+          <a:p>
+            <a:pPr>
+              <a:buFont typeface="Arial" panose="020B0604020202020204" pitchFamily="34" charset="0"/>
+              <a:buChar char="•"/>
+            </a:pPr>
+            <a:r>
+              <a:rPr lang="cs-CZ" b="1" dirty="0" err="1"/>
+              <a:t>cryptography</a:t>
+            </a:r>
+            <a:r>
+              <a:rPr lang="cs-CZ" dirty="0"/>
+              <a:t>: Standardní kryptografie (AES-GCM, ChaCha20-Poly1305)</a:t>
+            </a:r>
+          </a:p>
+          <a:p>
+            <a:pPr>
+              <a:buFont typeface="Arial" panose="020B0604020202020204" pitchFamily="34" charset="0"/>
+              <a:buChar char="•"/>
+            </a:pPr>
+            <a:r>
+              <a:rPr lang="cs-CZ" b="1" dirty="0" err="1"/>
+              <a:t>pynacl</a:t>
+            </a:r>
+            <a:r>
+              <a:rPr lang="cs-CZ" dirty="0"/>
+              <a:t>: Dodatečné kryptografické operace</a:t>
+            </a:r>
+          </a:p>
+        </p:txBody>
+      </p:sp>
+      <p:sp>
+        <p:nvSpPr>
+          <p:cNvPr id="6" name="Zástupný obsah 5">
+            <a:extLst>
+              <a:ext uri="{FF2B5EF4-FFF2-40B4-BE49-F238E27FC236}">
+                <a16:creationId xmlns:a16="http://schemas.microsoft.com/office/drawing/2014/main" id="{2BE2B87F-35C3-F265-8E08-98AAA30F67C6}"/>
+              </a:ext>
+            </a:extLst>
+          </p:cNvPr>
+          <p:cNvSpPr>
+            <a:spLocks noGrp="1"/>
+          </p:cNvSpPr>
+          <p:nvPr>
+            <p:ph sz="half" idx="2"/>
+          </p:nvPr>
+        </p:nvSpPr>
+        <p:spPr>
+          <a:xfrm>
+            <a:off x="6096000" y="1343818"/>
+            <a:ext cx="5257800" cy="4833145"/>
+          </a:xfrm>
+        </p:spPr>
+        <p:txBody>
+          <a:bodyPr>
+            <a:normAutofit fontScale="70000" lnSpcReduction="20000"/>
+          </a:bodyPr>
+          <a:lstStyle/>
           <a:p>
             <a:pPr>
               <a:buNone/>
             </a:pPr>
-            <a:endParaRPr lang="cs-CZ" b="1" dirty="0"/>
+            <a:r>
+              <a:rPr lang="cs-CZ" b="1" dirty="0"/>
+              <a:t>Síťové komponenty</a:t>
+            </a:r>
+          </a:p>
+          <a:p>
+            <a:pPr>
+              <a:buFont typeface="Arial" panose="020B0604020202020204" pitchFamily="34" charset="0"/>
+              <a:buChar char="•"/>
+            </a:pPr>
+            <a:r>
+              <a:rPr lang="cs-CZ" b="1" dirty="0" err="1"/>
+              <a:t>asyncio</a:t>
+            </a:r>
+            <a:r>
+              <a:rPr lang="cs-CZ" dirty="0"/>
+              <a:t>: Asynchronní TCP/IP komunikace</a:t>
+            </a:r>
+          </a:p>
+          <a:p>
+            <a:pPr>
+              <a:buFont typeface="Arial" panose="020B0604020202020204" pitchFamily="34" charset="0"/>
+              <a:buChar char="•"/>
+            </a:pPr>
+            <a:r>
+              <a:rPr lang="cs-CZ" b="1" dirty="0"/>
+              <a:t>Vlastní P2P protokol</a:t>
+            </a:r>
+            <a:r>
+              <a:rPr lang="cs-CZ" dirty="0"/>
+              <a:t>: </a:t>
+            </a:r>
+            <a:r>
+              <a:rPr lang="cs-CZ" dirty="0" err="1"/>
+              <a:t>Chunked</a:t>
+            </a:r>
+            <a:r>
+              <a:rPr lang="cs-CZ" dirty="0"/>
+              <a:t> </a:t>
+            </a:r>
+            <a:r>
+              <a:rPr lang="cs-CZ" dirty="0" err="1"/>
+              <a:t>messaging</a:t>
+            </a:r>
+            <a:r>
+              <a:rPr lang="cs-CZ" dirty="0"/>
+              <a:t> pro přenos velkých souborů</a:t>
+            </a:r>
+          </a:p>
+          <a:p>
+            <a:pPr>
+              <a:buFont typeface="Arial" panose="020B0604020202020204" pitchFamily="34" charset="0"/>
+              <a:buChar char="•"/>
+            </a:pPr>
+            <a:r>
+              <a:rPr lang="cs-CZ" b="1" dirty="0"/>
+              <a:t>UDP </a:t>
+            </a:r>
+            <a:r>
+              <a:rPr lang="cs-CZ" b="1" dirty="0" err="1"/>
+              <a:t>broadcast</a:t>
+            </a:r>
+            <a:r>
+              <a:rPr lang="cs-CZ" dirty="0"/>
+              <a:t>: Automatické objevování peerů v lokální síti</a:t>
+            </a:r>
+          </a:p>
+          <a:p>
+            <a:pPr>
+              <a:buNone/>
+            </a:pPr>
+            <a:r>
+              <a:rPr lang="cs-CZ" b="1" dirty="0"/>
+              <a:t>Ukládání a persistence</a:t>
+            </a:r>
+          </a:p>
+          <a:p>
+            <a:pPr>
+              <a:buFont typeface="Arial" panose="020B0604020202020204" pitchFamily="34" charset="0"/>
+              <a:buChar char="•"/>
+            </a:pPr>
+            <a:r>
+              <a:rPr lang="cs-CZ" b="1" dirty="0"/>
+              <a:t>Zabezpečené JSON</a:t>
+            </a:r>
+            <a:r>
+              <a:rPr lang="cs-CZ" dirty="0"/>
+              <a:t>: Šifrované ukládání konfigurace a klíčů</a:t>
+            </a:r>
+          </a:p>
+          <a:p>
+            <a:pPr>
+              <a:buFont typeface="Arial" panose="020B0604020202020204" pitchFamily="34" charset="0"/>
+              <a:buChar char="•"/>
+            </a:pPr>
+            <a:r>
+              <a:rPr lang="cs-CZ" b="1" dirty="0" err="1"/>
+              <a:t>SecureFile</a:t>
+            </a:r>
+            <a:r>
+              <a:rPr lang="cs-CZ" dirty="0"/>
+              <a:t>: Vlastní mechanismus atomického zápisu</a:t>
+            </a:r>
+          </a:p>
+          <a:p>
+            <a:pPr>
+              <a:buFont typeface="Arial" panose="020B0604020202020204" pitchFamily="34" charset="0"/>
+              <a:buChar char="•"/>
+            </a:pPr>
+            <a:r>
+              <a:rPr lang="cs-CZ" b="1" dirty="0"/>
+              <a:t>Argon2id</a:t>
+            </a:r>
+            <a:r>
+              <a:rPr lang="cs-CZ" dirty="0"/>
+              <a:t>: Moderní </a:t>
+            </a:r>
+            <a:r>
+              <a:rPr lang="cs-CZ" dirty="0" err="1"/>
+              <a:t>key</a:t>
+            </a:r>
+            <a:r>
+              <a:rPr lang="cs-CZ" dirty="0"/>
+              <a:t> </a:t>
+            </a:r>
+            <a:r>
+              <a:rPr lang="cs-CZ" dirty="0" err="1"/>
+              <a:t>derivation</a:t>
+            </a:r>
+            <a:r>
+              <a:rPr lang="cs-CZ" dirty="0"/>
+              <a:t> funkce pro ochranu hesla</a:t>
+            </a:r>
+          </a:p>
+          <a:p>
+            <a:pPr marL="0" indent="0">
+              <a:buNone/>
+            </a:pPr>
+            <a:endParaRPr lang="cs-CZ" dirty="0"/>
           </a:p>
         </p:txBody>
       </p:sp>
@@ -13953,7 +14596,7 @@
           <p:cNvPr id="4" name="Zástupný symbol pro číslo snímku 3">
             <a:extLst>
               <a:ext uri="{FF2B5EF4-FFF2-40B4-BE49-F238E27FC236}">
-                <a16:creationId xmlns:a16="http://schemas.microsoft.com/office/drawing/2014/main" id="{42C851AB-A52C-19F4-623B-BC24AE57458E}"/>
+                <a16:creationId xmlns:a16="http://schemas.microsoft.com/office/drawing/2014/main" id="{CC7FFF2C-694E-10AF-5B48-E9F8B981A798}"/>
               </a:ext>
             </a:extLst>
           </p:cNvPr>
@@ -13982,7 +14625,7 @@
           <p:cNvPr id="5" name="Obdélník 4">
             <a:extLst>
               <a:ext uri="{FF2B5EF4-FFF2-40B4-BE49-F238E27FC236}">
-                <a16:creationId xmlns:a16="http://schemas.microsoft.com/office/drawing/2014/main" id="{9411A146-CD5A-1287-5E55-6C0413680178}"/>
+                <a16:creationId xmlns:a16="http://schemas.microsoft.com/office/drawing/2014/main" id="{5627181F-83FF-F95B-7692-4F9045512043}"/>
               </a:ext>
             </a:extLst>
           </p:cNvPr>
@@ -14034,7 +14677,7 @@
           <p:cNvPr id="7" name="Nadpis 1">
             <a:extLst>
               <a:ext uri="{FF2B5EF4-FFF2-40B4-BE49-F238E27FC236}">
-                <a16:creationId xmlns:a16="http://schemas.microsoft.com/office/drawing/2014/main" id="{6ECC45F6-310E-2272-7D6A-22C0E1E8FFF6}"/>
+                <a16:creationId xmlns:a16="http://schemas.microsoft.com/office/drawing/2014/main" id="{CF22353B-9F3B-0225-4D09-46A6A73D70B2}"/>
               </a:ext>
             </a:extLst>
           </p:cNvPr>
@@ -14077,28 +14720,12 @@
           </a:lstStyle>
           <a:p>
             <a:r>
-              <a:rPr lang="en-GB" dirty="0" err="1">
+              <a:rPr lang="cs-CZ" dirty="0">
                 <a:solidFill>
                   <a:srgbClr val="FF0000"/>
                 </a:solidFill>
               </a:rPr>
-              <a:t>Přehled</a:t>
-            </a:r>
-            <a:r>
-              <a:rPr lang="en-GB" dirty="0">
-                <a:solidFill>
-                  <a:srgbClr val="FF0000"/>
-                </a:solidFill>
-              </a:rPr>
-              <a:t> </a:t>
-            </a:r>
-            <a:r>
-              <a:rPr lang="en-GB" dirty="0" err="1">
-                <a:solidFill>
-                  <a:srgbClr val="FF0000"/>
-                </a:solidFill>
-              </a:rPr>
-              <a:t>architektury</a:t>
+              <a:t>Implementační detaily</a:t>
             </a:r>
             <a:endParaRPr lang="en-GB" dirty="0">
               <a:solidFill>
@@ -14113,7 +14740,7 @@
           <p:cNvPr id="8" name="Obrázek 7">
             <a:extLst>
               <a:ext uri="{FF2B5EF4-FFF2-40B4-BE49-F238E27FC236}">
-                <a16:creationId xmlns:a16="http://schemas.microsoft.com/office/drawing/2014/main" id="{2C436619-7814-334D-1480-E8C923CA5EE6}"/>
+                <a16:creationId xmlns:a16="http://schemas.microsoft.com/office/drawing/2014/main" id="{62AA2937-7593-6925-7A50-2469A802C525}"/>
               </a:ext>
             </a:extLst>
           </p:cNvPr>
@@ -14143,7 +14770,7 @@
           <p:cNvPr id="15" name="Obdélník 14">
             <a:extLst>
               <a:ext uri="{FF2B5EF4-FFF2-40B4-BE49-F238E27FC236}">
-                <a16:creationId xmlns:a16="http://schemas.microsoft.com/office/drawing/2014/main" id="{94CEA0D4-CDE5-7BE9-C117-2A244F520570}"/>
+                <a16:creationId xmlns:a16="http://schemas.microsoft.com/office/drawing/2014/main" id="{68166BCC-7CE8-40DF-E6A9-19600FA04FCD}"/>
               </a:ext>
             </a:extLst>
           </p:cNvPr>
@@ -14193,7 +14820,7 @@
     </p:spTree>
     <p:extLst>
       <p:ext uri="{BB962C8B-B14F-4D97-AF65-F5344CB8AC3E}">
-        <p14:creationId xmlns:p14="http://schemas.microsoft.com/office/powerpoint/2010/main" val="1707866057"/>
+        <p14:creationId xmlns:p14="http://schemas.microsoft.com/office/powerpoint/2010/main" val="3827474368"/>
       </p:ext>
     </p:extLst>
   </p:cSld>
@@ -14208,7 +14835,13 @@
   <p:cSld>
     <p:spTree>
       <p:nvGrpSpPr>
-        <p:cNvPr id="1" name=""/>
+        <p:cNvPr id="1" name="">
+          <a:extLst>
+            <a:ext uri="{FF2B5EF4-FFF2-40B4-BE49-F238E27FC236}">
+              <a16:creationId xmlns:a16="http://schemas.microsoft.com/office/drawing/2014/main" id="{80DB4506-3C04-8686-6341-9131AD330D55}"/>
+            </a:ext>
+          </a:extLst>
+        </p:cNvPr>
         <p:cNvGrpSpPr/>
         <p:nvPr/>
       </p:nvGrpSpPr>
@@ -14220,265 +14853,12 @@
           <a:chExt cx="0" cy="0"/>
         </a:xfrm>
       </p:grpSpPr>
-      <p:sp>
-        <p:nvSpPr>
-          <p:cNvPr id="3" name="Zástupný obsah 2">
-            <a:extLst>
-              <a:ext uri="{FF2B5EF4-FFF2-40B4-BE49-F238E27FC236}">
-                <a16:creationId xmlns:a16="http://schemas.microsoft.com/office/drawing/2014/main" id="{FFBC70F4-5849-9E14-6C17-5D48CC4E3F4D}"/>
-              </a:ext>
-            </a:extLst>
-          </p:cNvPr>
-          <p:cNvSpPr>
-            <a:spLocks noGrp="1"/>
-          </p:cNvSpPr>
-          <p:nvPr>
-            <p:ph idx="1"/>
-          </p:nvPr>
-        </p:nvSpPr>
-        <p:spPr/>
-        <p:txBody>
-          <a:bodyPr>
-            <a:normAutofit/>
-          </a:bodyPr>
-          <a:lstStyle/>
-          <a:p>
-            <a:pPr>
-              <a:buNone/>
-            </a:pPr>
-            <a:r>
-              <a:rPr lang="en-GB" sz="2000" b="1" dirty="0" err="1"/>
-              <a:t>Vrstvená</a:t>
-            </a:r>
-            <a:r>
-              <a:rPr lang="en-GB" sz="2000" b="1" dirty="0"/>
-              <a:t> </a:t>
-            </a:r>
-            <a:r>
-              <a:rPr lang="en-GB" sz="2000" b="1" dirty="0" err="1"/>
-              <a:t>struktura</a:t>
-            </a:r>
-            <a:r>
-              <a:rPr lang="en-GB" sz="2000" b="1" dirty="0"/>
-              <a:t>:</a:t>
-            </a:r>
-          </a:p>
-          <a:p>
-            <a:pPr>
-              <a:buFont typeface="+mj-lt"/>
-              <a:buAutoNum type="arabicPeriod"/>
-            </a:pPr>
-            <a:r>
-              <a:rPr lang="en-GB" sz="2000" b="1" dirty="0" err="1"/>
-              <a:t>Síťová</a:t>
-            </a:r>
-            <a:r>
-              <a:rPr lang="en-GB" sz="2000" b="1" dirty="0"/>
-              <a:t> </a:t>
-            </a:r>
-            <a:r>
-              <a:rPr lang="en-GB" sz="2000" b="1" dirty="0" err="1"/>
-              <a:t>vrstva</a:t>
-            </a:r>
-            <a:endParaRPr lang="en-GB" sz="2000" dirty="0"/>
-          </a:p>
-          <a:p>
-            <a:pPr>
-              <a:buFont typeface="+mj-lt"/>
-              <a:buAutoNum type="arabicPeriod"/>
-            </a:pPr>
-            <a:r>
-              <a:rPr lang="en-GB" sz="2000" b="1" dirty="0" err="1"/>
-              <a:t>Kryptografická</a:t>
-            </a:r>
-            <a:r>
-              <a:rPr lang="en-GB" sz="2000" b="1" dirty="0"/>
-              <a:t> </a:t>
-            </a:r>
-            <a:r>
-              <a:rPr lang="en-GB" sz="2000" b="1" dirty="0" err="1"/>
-              <a:t>vrstva</a:t>
-            </a:r>
-            <a:r>
-              <a:rPr lang="en-GB" sz="2000" dirty="0"/>
-              <a:t> </a:t>
-            </a:r>
-            <a:endParaRPr lang="cs-CZ" sz="2000" dirty="0"/>
-          </a:p>
-          <a:p>
-            <a:pPr>
-              <a:buFont typeface="+mj-lt"/>
-              <a:buAutoNum type="arabicPeriod"/>
-            </a:pPr>
-            <a:r>
-              <a:rPr lang="en-GB" sz="2000" b="1" dirty="0" err="1"/>
-              <a:t>Aplikační</a:t>
-            </a:r>
-            <a:r>
-              <a:rPr lang="en-GB" sz="2000" b="1" dirty="0"/>
-              <a:t> </a:t>
-            </a:r>
-            <a:r>
-              <a:rPr lang="en-GB" sz="2000" b="1" dirty="0" err="1"/>
-              <a:t>vrstva</a:t>
-            </a:r>
-            <a:r>
-              <a:rPr lang="en-GB" sz="2000" dirty="0"/>
-              <a:t> </a:t>
-            </a:r>
-            <a:endParaRPr lang="cs-CZ" sz="2000" dirty="0"/>
-          </a:p>
-          <a:p>
-            <a:pPr>
-              <a:buFont typeface="+mj-lt"/>
-              <a:buAutoNum type="arabicPeriod"/>
-            </a:pPr>
-            <a:r>
-              <a:rPr lang="en-GB" sz="2000" b="1" dirty="0" err="1"/>
-              <a:t>Uživatelské</a:t>
-            </a:r>
-            <a:r>
-              <a:rPr lang="en-GB" sz="2000" b="1" dirty="0"/>
-              <a:t> </a:t>
-            </a:r>
-            <a:r>
-              <a:rPr lang="en-GB" sz="2000" b="1" dirty="0" err="1"/>
-              <a:t>rozhraní</a:t>
-            </a:r>
-            <a:endParaRPr lang="cs-CZ" sz="2000" b="1" dirty="0"/>
-          </a:p>
-          <a:p>
-            <a:pPr>
-              <a:buNone/>
-            </a:pPr>
-            <a:r>
-              <a:rPr lang="en-GB" sz="2000" b="1" dirty="0" err="1"/>
-              <a:t>Komponenty</a:t>
-            </a:r>
-            <a:r>
-              <a:rPr lang="en-GB" sz="2000" b="1" dirty="0"/>
-              <a:t>:</a:t>
-            </a:r>
-          </a:p>
-          <a:p>
-            <a:pPr>
-              <a:buFont typeface="Arial" panose="020B0604020202020204" pitchFamily="34" charset="0"/>
-              <a:buChar char="•"/>
-            </a:pPr>
-            <a:r>
-              <a:rPr lang="en-GB" sz="2000" b="1" dirty="0"/>
-              <a:t>P2PNode</a:t>
-            </a:r>
-            <a:r>
-              <a:rPr lang="en-GB" sz="2000" dirty="0"/>
-              <a:t> - P2P </a:t>
-            </a:r>
-            <a:r>
-              <a:rPr lang="en-GB" sz="2000" dirty="0" err="1"/>
-              <a:t>spojení</a:t>
-            </a:r>
-            <a:endParaRPr lang="en-GB" sz="2000" dirty="0"/>
-          </a:p>
-          <a:p>
-            <a:pPr>
-              <a:buFont typeface="Arial" panose="020B0604020202020204" pitchFamily="34" charset="0"/>
-              <a:buChar char="•"/>
-            </a:pPr>
-            <a:r>
-              <a:rPr lang="en-GB" sz="2000" b="1" dirty="0" err="1"/>
-              <a:t>KeyStorage</a:t>
-            </a:r>
-            <a:r>
-              <a:rPr lang="en-GB" sz="2000" dirty="0"/>
-              <a:t> - </a:t>
-            </a:r>
-            <a:r>
-              <a:rPr lang="en-GB" sz="2000" dirty="0" err="1"/>
-              <a:t>Bezpečné</a:t>
-            </a:r>
-            <a:r>
-              <a:rPr lang="en-GB" sz="2000" dirty="0"/>
-              <a:t> </a:t>
-            </a:r>
-            <a:r>
-              <a:rPr lang="en-GB" sz="2000" dirty="0" err="1"/>
-              <a:t>ukládání</a:t>
-            </a:r>
-            <a:r>
-              <a:rPr lang="en-GB" sz="2000" dirty="0"/>
-              <a:t> </a:t>
-            </a:r>
-            <a:r>
-              <a:rPr lang="en-GB" sz="2000" dirty="0" err="1"/>
-              <a:t>klíčů</a:t>
-            </a:r>
-            <a:endParaRPr lang="en-GB" sz="2000" dirty="0"/>
-          </a:p>
-          <a:p>
-            <a:pPr>
-              <a:buFont typeface="Arial" panose="020B0604020202020204" pitchFamily="34" charset="0"/>
-              <a:buChar char="•"/>
-            </a:pPr>
-            <a:r>
-              <a:rPr lang="en-GB" sz="2000" b="1" dirty="0" err="1"/>
-              <a:t>SecureMessaging</a:t>
-            </a:r>
-            <a:r>
-              <a:rPr lang="en-GB" sz="2000" dirty="0"/>
-              <a:t> – </a:t>
-            </a:r>
-            <a:r>
-              <a:rPr lang="cs-CZ" sz="2000" dirty="0"/>
-              <a:t>Koordinace komunikace</a:t>
-            </a:r>
-            <a:endParaRPr lang="en-GB" sz="2000" dirty="0"/>
-          </a:p>
-          <a:p>
-            <a:pPr marL="0" indent="0">
-              <a:buNone/>
-            </a:pPr>
-            <a:r>
-              <a:rPr lang="en-GB" sz="2000" dirty="0"/>
-              <a:t> </a:t>
-            </a:r>
-          </a:p>
-        </p:txBody>
-      </p:sp>
-      <p:sp>
-        <p:nvSpPr>
-          <p:cNvPr id="4" name="Zástupný symbol pro číslo snímku 3">
-            <a:extLst>
-              <a:ext uri="{FF2B5EF4-FFF2-40B4-BE49-F238E27FC236}">
-                <a16:creationId xmlns:a16="http://schemas.microsoft.com/office/drawing/2014/main" id="{651465D2-4788-913E-5D87-F7CAEA1ADB8A}"/>
-              </a:ext>
-            </a:extLst>
-          </p:cNvPr>
-          <p:cNvSpPr>
-            <a:spLocks noGrp="1"/>
-          </p:cNvSpPr>
-          <p:nvPr>
-            <p:ph type="sldNum" sz="quarter" idx="12"/>
-          </p:nvPr>
-        </p:nvSpPr>
-        <p:spPr/>
-        <p:txBody>
-          <a:bodyPr/>
-          <a:lstStyle/>
-          <a:p>
-            <a:fld id="{2396986B-09E1-422F-9D6D-F3432B0D2D09}" type="slidenum">
-              <a:rPr lang="en-GB" smtClean="0"/>
-              <a:t>7</a:t>
-            </a:fld>
-            <a:endParaRPr lang="en-GB"/>
-          </a:p>
-        </p:txBody>
-      </p:sp>
       <p:pic>
         <p:nvPicPr>
-          <p:cNvPr id="14" name="Obrázek 13">
-            <a:extLst>
-              <a:ext uri="{FF2B5EF4-FFF2-40B4-BE49-F238E27FC236}">
-                <a16:creationId xmlns:a16="http://schemas.microsoft.com/office/drawing/2014/main" id="{19697166-5AC9-DB46-AF83-F71168CD55BF}"/>
+          <p:cNvPr id="25" name="Obrázek 24">
+            <a:extLst>
+              <a:ext uri="{FF2B5EF4-FFF2-40B4-BE49-F238E27FC236}">
+                <a16:creationId xmlns:a16="http://schemas.microsoft.com/office/drawing/2014/main" id="{C2E22856-092F-AB62-70B2-AB1ECAF6F51E}"/>
               </a:ext>
             </a:extLst>
           </p:cNvPr>
@@ -14495,8 +14875,8 @@
         </p:blipFill>
         <p:spPr>
           <a:xfrm>
-            <a:off x="6094651" y="1756407"/>
-            <a:ext cx="5965390" cy="4523036"/>
+            <a:off x="6952447" y="1756690"/>
+            <a:ext cx="5239553" cy="3972697"/>
           </a:xfrm>
           <a:prstGeom prst="rect">
             <a:avLst/>
@@ -14505,10 +14885,245 @@
       </p:pic>
       <p:sp>
         <p:nvSpPr>
+          <p:cNvPr id="20" name="Zástupný obsah 19">
+            <a:extLst>
+              <a:ext uri="{FF2B5EF4-FFF2-40B4-BE49-F238E27FC236}">
+                <a16:creationId xmlns:a16="http://schemas.microsoft.com/office/drawing/2014/main" id="{F49693CB-00C9-AD4F-8B54-2A0BCCD3ACE5}"/>
+              </a:ext>
+            </a:extLst>
+          </p:cNvPr>
+          <p:cNvSpPr>
+            <a:spLocks noGrp="1"/>
+          </p:cNvSpPr>
+          <p:nvPr>
+            <p:ph idx="1"/>
+          </p:nvPr>
+        </p:nvSpPr>
+        <p:spPr>
+          <a:xfrm>
+            <a:off x="428426" y="1343818"/>
+            <a:ext cx="6957112" cy="5440646"/>
+          </a:xfrm>
+        </p:spPr>
+        <p:txBody>
+          <a:bodyPr>
+            <a:normAutofit fontScale="70000" lnSpcReduction="20000"/>
+          </a:bodyPr>
+          <a:lstStyle/>
+          <a:p>
+            <a:pPr>
+              <a:buNone/>
+            </a:pPr>
+            <a:r>
+              <a:rPr lang="cs-CZ" b="1" dirty="0"/>
+              <a:t>Vrstvená architektura</a:t>
+            </a:r>
+          </a:p>
+          <a:p>
+            <a:pPr>
+              <a:buFont typeface="Arial" panose="020B0604020202020204" pitchFamily="34" charset="0"/>
+              <a:buChar char="•"/>
+            </a:pPr>
+            <a:r>
+              <a:rPr lang="cs-CZ" b="1" dirty="0"/>
+              <a:t>UI vrstva</a:t>
+            </a:r>
+            <a:r>
+              <a:rPr lang="cs-CZ" dirty="0"/>
+              <a:t>: Uživatelské rozhraní postavené na PyQt5</a:t>
+            </a:r>
+          </a:p>
+          <a:p>
+            <a:pPr>
+              <a:buFont typeface="Arial" panose="020B0604020202020204" pitchFamily="34" charset="0"/>
+              <a:buChar char="•"/>
+            </a:pPr>
+            <a:r>
+              <a:rPr lang="cs-CZ" b="1" dirty="0"/>
+              <a:t>Aplikační vrstva</a:t>
+            </a:r>
+            <a:r>
+              <a:rPr lang="cs-CZ" dirty="0"/>
+              <a:t>: Bezpečné zasílání zpráv, správa klíčů</a:t>
+            </a:r>
+          </a:p>
+          <a:p>
+            <a:pPr>
+              <a:buFont typeface="Arial" panose="020B0604020202020204" pitchFamily="34" charset="0"/>
+              <a:buChar char="•"/>
+            </a:pPr>
+            <a:r>
+              <a:rPr lang="cs-CZ" b="1" dirty="0"/>
+              <a:t>Kryptografická vrstva</a:t>
+            </a:r>
+            <a:r>
+              <a:rPr lang="cs-CZ" dirty="0"/>
+              <a:t>: Post-kvantové algoritmy (ML-KEM, HQC, </a:t>
+            </a:r>
+            <a:r>
+              <a:rPr lang="cs-CZ" dirty="0" err="1"/>
+              <a:t>FrodoKEM</a:t>
+            </a:r>
+            <a:r>
+              <a:rPr lang="cs-CZ" dirty="0"/>
+              <a:t>, ML-DSA, SPHINCS+)</a:t>
+            </a:r>
+          </a:p>
+          <a:p>
+            <a:pPr>
+              <a:buFont typeface="Arial" panose="020B0604020202020204" pitchFamily="34" charset="0"/>
+              <a:buChar char="•"/>
+            </a:pPr>
+            <a:r>
+              <a:rPr lang="cs-CZ" b="1" dirty="0"/>
+              <a:t>Síťová vrstva</a:t>
+            </a:r>
+            <a:r>
+              <a:rPr lang="cs-CZ" dirty="0"/>
+              <a:t>: P2P protokol, objevování peerů, </a:t>
+            </a:r>
+            <a:r>
+              <a:rPr lang="cs-CZ" dirty="0" err="1"/>
+              <a:t>chunked</a:t>
+            </a:r>
+            <a:r>
+              <a:rPr lang="cs-CZ" dirty="0"/>
+              <a:t> </a:t>
+            </a:r>
+            <a:r>
+              <a:rPr lang="cs-CZ" dirty="0" err="1"/>
+              <a:t>messaging</a:t>
+            </a:r>
+            <a:endParaRPr lang="cs-CZ" dirty="0"/>
+          </a:p>
+          <a:p>
+            <a:pPr>
+              <a:buFont typeface="Arial" panose="020B0604020202020204" pitchFamily="34" charset="0"/>
+              <a:buChar char="•"/>
+            </a:pPr>
+            <a:r>
+              <a:rPr lang="cs-CZ" b="1" dirty="0"/>
+              <a:t>Utility</a:t>
+            </a:r>
+            <a:r>
+              <a:rPr lang="cs-CZ" dirty="0"/>
+              <a:t>: Zabezpečené operace se soubory, ochrana proti korupci dat</a:t>
+            </a:r>
+          </a:p>
+          <a:p>
+            <a:pPr marL="0" indent="0">
+              <a:buNone/>
+            </a:pPr>
+            <a:r>
+              <a:rPr lang="cs-CZ" b="1" dirty="0"/>
+              <a:t>Hlavní komponenty</a:t>
+            </a:r>
+          </a:p>
+          <a:p>
+            <a:r>
+              <a:rPr lang="cs-CZ" b="1" dirty="0" err="1"/>
+              <a:t>SecureMessaging</a:t>
+            </a:r>
+            <a:r>
+              <a:rPr lang="cs-CZ" b="1" dirty="0"/>
+              <a:t>: </a:t>
+            </a:r>
+            <a:r>
+              <a:rPr lang="cs-CZ" dirty="0"/>
+              <a:t>Jádro aplikace zprostředkovávající šifrovanou komunikaci</a:t>
+            </a:r>
+          </a:p>
+          <a:p>
+            <a:r>
+              <a:rPr lang="cs-CZ" b="1" dirty="0"/>
+              <a:t>P2PNode: </a:t>
+            </a:r>
+            <a:r>
+              <a:rPr lang="cs-CZ" dirty="0"/>
+              <a:t>Implementuje P2P síťovou komunikaci</a:t>
+            </a:r>
+          </a:p>
+          <a:p>
+            <a:r>
+              <a:rPr lang="cs-CZ" b="1" dirty="0" err="1"/>
+              <a:t>NodeDiscovery</a:t>
+            </a:r>
+            <a:r>
+              <a:rPr lang="cs-CZ" b="1" dirty="0"/>
+              <a:t>: </a:t>
+            </a:r>
+            <a:r>
+              <a:rPr lang="cs-CZ" dirty="0"/>
+              <a:t>Zajišťuje nalezení ostatních peerů v síti</a:t>
+            </a:r>
+            <a:endParaRPr lang="cs-CZ" b="1" dirty="0"/>
+          </a:p>
+          <a:p>
+            <a:r>
+              <a:rPr lang="cs-CZ" b="1" dirty="0" err="1"/>
+              <a:t>KeyStorage</a:t>
+            </a:r>
+            <a:r>
+              <a:rPr lang="cs-CZ" b="1" dirty="0"/>
+              <a:t>: </a:t>
+            </a:r>
+            <a:r>
+              <a:rPr lang="cs-CZ" dirty="0"/>
+              <a:t>Bezpečné ukládání kryptografických klíčů</a:t>
+            </a:r>
+          </a:p>
+          <a:p>
+            <a:r>
+              <a:rPr lang="cs-CZ" b="1" dirty="0" err="1"/>
+              <a:t>SecureLogger</a:t>
+            </a:r>
+            <a:r>
+              <a:rPr lang="cs-CZ" b="1" dirty="0"/>
+              <a:t>: </a:t>
+            </a:r>
+            <a:r>
+              <a:rPr lang="cs-CZ" dirty="0"/>
+              <a:t>Šifrované logování bezpečnostních událostí</a:t>
+            </a:r>
+            <a:endParaRPr lang="cs-CZ" b="1" dirty="0"/>
+          </a:p>
+        </p:txBody>
+      </p:sp>
+      <p:sp>
+        <p:nvSpPr>
+          <p:cNvPr id="4" name="Zástupný symbol pro číslo snímku 3">
+            <a:extLst>
+              <a:ext uri="{FF2B5EF4-FFF2-40B4-BE49-F238E27FC236}">
+                <a16:creationId xmlns:a16="http://schemas.microsoft.com/office/drawing/2014/main" id="{A94BBE39-F716-E734-5EC6-5197E5739012}"/>
+              </a:ext>
+            </a:extLst>
+          </p:cNvPr>
+          <p:cNvSpPr>
+            <a:spLocks noGrp="1"/>
+          </p:cNvSpPr>
+          <p:nvPr>
+            <p:ph type="sldNum" sz="quarter" idx="12"/>
+          </p:nvPr>
+        </p:nvSpPr>
+        <p:spPr/>
+        <p:txBody>
+          <a:bodyPr/>
+          <a:lstStyle/>
+          <a:p>
+            <a:fld id="{2396986B-09E1-422F-9D6D-F3432B0D2D09}" type="slidenum">
+              <a:rPr lang="en-GB" smtClean="0"/>
+              <a:t>7</a:t>
+            </a:fld>
+            <a:endParaRPr lang="en-GB"/>
+          </a:p>
+        </p:txBody>
+      </p:sp>
+      <p:sp>
+        <p:nvSpPr>
           <p:cNvPr id="5" name="Obdélník 4">
             <a:extLst>
               <a:ext uri="{FF2B5EF4-FFF2-40B4-BE49-F238E27FC236}">
-                <a16:creationId xmlns:a16="http://schemas.microsoft.com/office/drawing/2014/main" id="{F328C72F-92C6-F319-698C-3C4CEB79A39E}"/>
+                <a16:creationId xmlns:a16="http://schemas.microsoft.com/office/drawing/2014/main" id="{D86FE15F-FFD6-5AA2-8164-C7F69861D6EE}"/>
               </a:ext>
             </a:extLst>
           </p:cNvPr>
@@ -14555,12 +15170,75 @@
           </a:p>
         </p:txBody>
       </p:sp>
+      <p:sp>
+        <p:nvSpPr>
+          <p:cNvPr id="7" name="Nadpis 1">
+            <a:extLst>
+              <a:ext uri="{FF2B5EF4-FFF2-40B4-BE49-F238E27FC236}">
+                <a16:creationId xmlns:a16="http://schemas.microsoft.com/office/drawing/2014/main" id="{7333521F-C2EB-351C-E0E6-F64514166CDC}"/>
+              </a:ext>
+            </a:extLst>
+          </p:cNvPr>
+          <p:cNvSpPr txBox="1">
+            <a:spLocks/>
+          </p:cNvSpPr>
+          <p:nvPr/>
+        </p:nvSpPr>
+        <p:spPr>
+          <a:xfrm>
+            <a:off x="-1349" y="18255"/>
+            <a:ext cx="10515600" cy="1325563"/>
+          </a:xfrm>
+          <a:prstGeom prst="rect">
+            <a:avLst/>
+          </a:prstGeom>
+        </p:spPr>
+        <p:txBody>
+          <a:bodyPr vert="horz" lIns="91440" tIns="45720" rIns="91440" bIns="45720" rtlCol="0" anchor="ctr">
+            <a:normAutofit/>
+          </a:bodyPr>
+          <a:lstStyle>
+            <a:lvl1pPr algn="l" defTabSz="914400" rtl="0" eaLnBrk="1" latinLnBrk="0" hangingPunct="1">
+              <a:lnSpc>
+                <a:spcPct val="90000"/>
+              </a:lnSpc>
+              <a:spcBef>
+                <a:spcPct val="0"/>
+              </a:spcBef>
+              <a:buNone/>
+              <a:defRPr sz="4400" kern="1200">
+                <a:solidFill>
+                  <a:schemeClr val="tx1"/>
+                </a:solidFill>
+                <a:latin typeface="+mj-lt"/>
+                <a:ea typeface="+mj-ea"/>
+                <a:cs typeface="+mj-cs"/>
+              </a:defRPr>
+            </a:lvl1pPr>
+          </a:lstStyle>
+          <a:p>
+            <a:r>
+              <a:rPr lang="cs-CZ" dirty="0">
+                <a:solidFill>
+                  <a:srgbClr val="FF0000"/>
+                </a:solidFill>
+              </a:rPr>
+              <a:t>Celková architektura aplikace</a:t>
+            </a:r>
+            <a:endParaRPr lang="en-GB" dirty="0">
+              <a:solidFill>
+                <a:srgbClr val="FF0000"/>
+              </a:solidFill>
+            </a:endParaRPr>
+          </a:p>
+        </p:txBody>
+      </p:sp>
       <p:pic>
         <p:nvPicPr>
-          <p:cNvPr id="6" name="Obrázek 5">
-            <a:extLst>
-              <a:ext uri="{FF2B5EF4-FFF2-40B4-BE49-F238E27FC236}">
-                <a16:creationId xmlns:a16="http://schemas.microsoft.com/office/drawing/2014/main" id="{CE489E43-7CA2-1B65-3056-2B536ED41D44}"/>
+          <p:cNvPr id="8" name="Obrázek 7">
+            <a:extLst>
+              <a:ext uri="{FF2B5EF4-FFF2-40B4-BE49-F238E27FC236}">
+                <a16:creationId xmlns:a16="http://schemas.microsoft.com/office/drawing/2014/main" id="{1F2A50DF-0722-A964-4DBC-17B213474B35}"/>
               </a:ext>
             </a:extLst>
           </p:cNvPr>
@@ -14587,89 +15265,10 @@
       </p:pic>
       <p:sp>
         <p:nvSpPr>
-          <p:cNvPr id="7" name="Nadpis 1">
-            <a:extLst>
-              <a:ext uri="{FF2B5EF4-FFF2-40B4-BE49-F238E27FC236}">
-                <a16:creationId xmlns:a16="http://schemas.microsoft.com/office/drawing/2014/main" id="{C13F2D34-A957-A443-28C9-F45C2FBC3DA9}"/>
-              </a:ext>
-            </a:extLst>
-          </p:cNvPr>
-          <p:cNvSpPr txBox="1">
-            <a:spLocks/>
-          </p:cNvSpPr>
-          <p:nvPr/>
-        </p:nvSpPr>
-        <p:spPr>
-          <a:xfrm>
-            <a:off x="-1349" y="18255"/>
-            <a:ext cx="10515600" cy="1325563"/>
-          </a:xfrm>
-          <a:prstGeom prst="rect">
-            <a:avLst/>
-          </a:prstGeom>
-        </p:spPr>
-        <p:txBody>
-          <a:bodyPr vert="horz" lIns="91440" tIns="45720" rIns="91440" bIns="45720" rtlCol="0" anchor="ctr">
-            <a:normAutofit/>
-          </a:bodyPr>
-          <a:lstStyle>
-            <a:lvl1pPr algn="l" defTabSz="914400" rtl="0" eaLnBrk="1" latinLnBrk="0" hangingPunct="1">
-              <a:lnSpc>
-                <a:spcPct val="90000"/>
-              </a:lnSpc>
-              <a:spcBef>
-                <a:spcPct val="0"/>
-              </a:spcBef>
-              <a:buNone/>
-              <a:defRPr sz="4400" kern="1200">
-                <a:solidFill>
-                  <a:schemeClr val="tx1"/>
-                </a:solidFill>
-                <a:latin typeface="+mj-lt"/>
-                <a:ea typeface="+mj-ea"/>
-                <a:cs typeface="+mj-cs"/>
-              </a:defRPr>
-            </a:lvl1pPr>
-          </a:lstStyle>
-          <a:p>
-            <a:r>
-              <a:rPr lang="en-GB" dirty="0" err="1">
-                <a:solidFill>
-                  <a:srgbClr val="FF0000"/>
-                </a:solidFill>
-              </a:rPr>
-              <a:t>Přehled</a:t>
-            </a:r>
-            <a:r>
-              <a:rPr lang="en-GB" dirty="0">
-                <a:solidFill>
-                  <a:srgbClr val="FF0000"/>
-                </a:solidFill>
-              </a:rPr>
-              <a:t> </a:t>
-            </a:r>
-            <a:r>
-              <a:rPr lang="en-GB" dirty="0" err="1">
-                <a:solidFill>
-                  <a:srgbClr val="FF0000"/>
-                </a:solidFill>
-              </a:rPr>
-              <a:t>architektury</a:t>
-            </a:r>
-            <a:endParaRPr lang="en-GB" dirty="0">
-              <a:solidFill>
-                <a:srgbClr val="FF0000"/>
-              </a:solidFill>
-            </a:endParaRPr>
-          </a:p>
-        </p:txBody>
-      </p:sp>
-      <p:sp>
-        <p:nvSpPr>
-          <p:cNvPr id="8" name="Obdélník 7">
-            <a:extLst>
-              <a:ext uri="{FF2B5EF4-FFF2-40B4-BE49-F238E27FC236}">
-                <a16:creationId xmlns:a16="http://schemas.microsoft.com/office/drawing/2014/main" id="{550AE516-5DF8-7360-94FB-4B90A5AEEC87}"/>
+          <p:cNvPr id="15" name="Obdélník 14">
+            <a:extLst>
+              <a:ext uri="{FF2B5EF4-FFF2-40B4-BE49-F238E27FC236}">
+                <a16:creationId xmlns:a16="http://schemas.microsoft.com/office/drawing/2014/main" id="{BC8726F3-569C-BE0A-0BEB-3F752216C1F5}"/>
               </a:ext>
             </a:extLst>
           </p:cNvPr>
@@ -14719,7 +15318,7 @@
     </p:spTree>
     <p:extLst>
       <p:ext uri="{BB962C8B-B14F-4D97-AF65-F5344CB8AC3E}">
-        <p14:creationId xmlns:p14="http://schemas.microsoft.com/office/powerpoint/2010/main" val="724023841"/>
+        <p14:creationId xmlns:p14="http://schemas.microsoft.com/office/powerpoint/2010/main" val="3799802245"/>
       </p:ext>
     </p:extLst>
   </p:cSld>
@@ -14734,7 +15333,13 @@
   <p:cSld>
     <p:spTree>
       <p:nvGrpSpPr>
-        <p:cNvPr id="1" name=""/>
+        <p:cNvPr id="1" name="">
+          <a:extLst>
+            <a:ext uri="{FF2B5EF4-FFF2-40B4-BE49-F238E27FC236}">
+              <a16:creationId xmlns:a16="http://schemas.microsoft.com/office/drawing/2014/main" id="{BD60184D-1768-D6A9-7954-80470EA80909}"/>
+            </a:ext>
+          </a:extLst>
+        </p:cNvPr>
         <p:cNvGrpSpPr/>
         <p:nvPr/>
       </p:nvGrpSpPr>
@@ -14748,10 +15353,10 @@
       </p:grpSpPr>
       <p:sp>
         <p:nvSpPr>
-          <p:cNvPr id="3" name="Zástupný obsah 2">
-            <a:extLst>
-              <a:ext uri="{FF2B5EF4-FFF2-40B4-BE49-F238E27FC236}">
-                <a16:creationId xmlns:a16="http://schemas.microsoft.com/office/drawing/2014/main" id="{705872D0-A748-EE74-171D-08C1A75E046A}"/>
+          <p:cNvPr id="20" name="Zástupný obsah 19">
+            <a:extLst>
+              <a:ext uri="{FF2B5EF4-FFF2-40B4-BE49-F238E27FC236}">
+                <a16:creationId xmlns:a16="http://schemas.microsoft.com/office/drawing/2014/main" id="{BA39D5D5-9A14-51FE-BB29-7BC74F4E153D}"/>
               </a:ext>
             </a:extLst>
           </p:cNvPr>
@@ -14759,181 +15364,456 @@
             <a:spLocks noGrp="1"/>
           </p:cNvSpPr>
           <p:nvPr>
-            <p:ph idx="1"/>
+            <p:ph sz="half" idx="1"/>
           </p:nvPr>
         </p:nvSpPr>
-        <p:spPr/>
-        <p:txBody>
-          <a:bodyPr/>
+        <p:spPr>
+          <a:xfrm>
+            <a:off x="431800" y="1343818"/>
+            <a:ext cx="5588000" cy="4833145"/>
+          </a:xfrm>
+        </p:spPr>
+        <p:txBody>
+          <a:bodyPr>
+            <a:normAutofit fontScale="55000" lnSpcReduction="20000"/>
+          </a:bodyPr>
           <a:lstStyle/>
           <a:p>
             <a:pPr>
               <a:buNone/>
             </a:pPr>
             <a:r>
-              <a:rPr lang="en-GB" b="1" dirty="0" err="1"/>
-              <a:t>Několikavrstvá</a:t>
-            </a:r>
-            <a:r>
-              <a:rPr lang="en-GB" b="1" dirty="0"/>
-              <a:t> </a:t>
-            </a:r>
-            <a:r>
-              <a:rPr lang="en-GB" b="1" dirty="0" err="1"/>
-              <a:t>bezpečnost</a:t>
-            </a:r>
-            <a:r>
-              <a:rPr lang="en-GB" b="1" dirty="0"/>
-              <a:t>:</a:t>
+              <a:rPr lang="cs-CZ" b="1" dirty="0"/>
+              <a:t>Typy klíčů v aplikaci</a:t>
             </a:r>
           </a:p>
           <a:p>
             <a:pPr>
-              <a:buFont typeface="+mj-lt"/>
-              <a:buAutoNum type="arabicPeriod"/>
+              <a:buFont typeface="Arial" panose="020B0604020202020204" pitchFamily="34" charset="0"/>
+              <a:buChar char="•"/>
             </a:pPr>
             <a:r>
-              <a:rPr lang="en-GB" dirty="0" err="1"/>
-              <a:t>Autentizace</a:t>
-            </a:r>
-            <a:r>
-              <a:rPr lang="en-GB" dirty="0"/>
-              <a:t> </a:t>
-            </a:r>
-            <a:r>
-              <a:rPr lang="en-GB" dirty="0" err="1"/>
-              <a:t>zpráv</a:t>
-            </a:r>
-            <a:endParaRPr lang="en-GB" dirty="0"/>
+              <a:rPr lang="cs-CZ" b="1" dirty="0"/>
+              <a:t>Dlouhodobé klíče</a:t>
+            </a:r>
+            <a:r>
+              <a:rPr lang="cs-CZ" dirty="0"/>
+              <a:t> </a:t>
+            </a:r>
+          </a:p>
+          <a:p>
+            <a:pPr marL="742950" lvl="1" indent="-285750">
+              <a:buFont typeface="Arial" panose="020B0604020202020204" pitchFamily="34" charset="0"/>
+              <a:buChar char="•"/>
+            </a:pPr>
+            <a:r>
+              <a:rPr lang="cs-CZ" b="1" dirty="0"/>
+              <a:t>Podpisové klíče</a:t>
+            </a:r>
+            <a:r>
+              <a:rPr lang="cs-CZ" dirty="0"/>
+              <a:t>: Uložené v </a:t>
+            </a:r>
+            <a:r>
+              <a:rPr lang="cs-CZ" dirty="0" err="1"/>
+              <a:t>KeyStorage</a:t>
+            </a:r>
+            <a:r>
+              <a:rPr lang="cs-CZ" dirty="0"/>
+              <a:t>, perzistentní mezi relacemi</a:t>
+            </a:r>
+          </a:p>
+          <a:p>
+            <a:pPr marL="742950" lvl="1" indent="-285750">
+              <a:buFont typeface="Arial" panose="020B0604020202020204" pitchFamily="34" charset="0"/>
+              <a:buChar char="•"/>
+            </a:pPr>
+            <a:r>
+              <a:rPr lang="cs-CZ" b="1" dirty="0"/>
+              <a:t>Master </a:t>
+            </a:r>
+            <a:r>
+              <a:rPr lang="cs-CZ" b="1" dirty="0" err="1"/>
+              <a:t>key</a:t>
+            </a:r>
+            <a:r>
+              <a:rPr lang="cs-CZ" dirty="0"/>
+              <a:t>: Odvozený z hesla uživatele pomocí Argon2id</a:t>
+            </a:r>
+          </a:p>
+          <a:p>
+            <a:pPr marL="742950" lvl="1" indent="-285750">
+              <a:buFont typeface="Arial" panose="020B0604020202020204" pitchFamily="34" charset="0"/>
+              <a:buChar char="•"/>
+            </a:pPr>
+            <a:r>
+              <a:rPr lang="cs-CZ" b="1" dirty="0"/>
+              <a:t>Persistentní účelové klíče</a:t>
+            </a:r>
+            <a:r>
+              <a:rPr lang="cs-CZ" dirty="0"/>
+              <a:t>: Pro logování a systémové funkce</a:t>
+            </a:r>
           </a:p>
           <a:p>
             <a:pPr>
-              <a:buFont typeface="+mj-lt"/>
-              <a:buAutoNum type="arabicPeriod"/>
+              <a:buFont typeface="Arial" panose="020B0604020202020204" pitchFamily="34" charset="0"/>
+              <a:buChar char="•"/>
             </a:pPr>
             <a:r>
-              <a:rPr lang="en-GB" dirty="0"/>
-              <a:t>End-to-end </a:t>
-            </a:r>
-            <a:r>
-              <a:rPr lang="en-GB" dirty="0" err="1"/>
-              <a:t>šifrování</a:t>
-            </a:r>
-            <a:r>
-              <a:rPr lang="en-GB" dirty="0"/>
-              <a:t> </a:t>
-            </a:r>
+              <a:rPr lang="cs-CZ" b="1" dirty="0" err="1"/>
+              <a:t>Ephemeral</a:t>
+            </a:r>
+            <a:r>
+              <a:rPr lang="cs-CZ" b="1" dirty="0"/>
+              <a:t> klíče (dočasné)</a:t>
+            </a:r>
+            <a:r>
+              <a:rPr lang="cs-CZ" dirty="0"/>
+              <a:t> </a:t>
+            </a:r>
+          </a:p>
+          <a:p>
+            <a:pPr marL="742950" lvl="1" indent="-285750">
+              <a:buFont typeface="Arial" panose="020B0604020202020204" pitchFamily="34" charset="0"/>
+              <a:buChar char="•"/>
+            </a:pPr>
+            <a:r>
+              <a:rPr lang="cs-CZ" b="1" dirty="0"/>
+              <a:t>Klíče pro výměnu</a:t>
+            </a:r>
+            <a:r>
+              <a:rPr lang="cs-CZ" dirty="0"/>
+              <a:t>: Generované pouze pro jednu výměnu, neukládají se</a:t>
+            </a:r>
+          </a:p>
+          <a:p>
+            <a:pPr marL="742950" lvl="1" indent="-285750">
+              <a:buFont typeface="Arial" panose="020B0604020202020204" pitchFamily="34" charset="0"/>
+              <a:buChar char="•"/>
+            </a:pPr>
+            <a:r>
+              <a:rPr lang="cs-CZ" b="1" dirty="0"/>
+              <a:t>Sdílené tajemství</a:t>
+            </a:r>
+            <a:r>
+              <a:rPr lang="cs-CZ" dirty="0"/>
+              <a:t>: Výstup z KEM algoritmu, dále zpracován</a:t>
+            </a:r>
+          </a:p>
+          <a:p>
+            <a:pPr marL="742950" lvl="1" indent="-285750">
+              <a:buFont typeface="Arial" panose="020B0604020202020204" pitchFamily="34" charset="0"/>
+              <a:buChar char="•"/>
+            </a:pPr>
+            <a:r>
+              <a:rPr lang="cs-CZ" b="1" dirty="0"/>
+              <a:t>Symetrické klíče</a:t>
+            </a:r>
+            <a:r>
+              <a:rPr lang="cs-CZ" dirty="0"/>
+              <a:t>: Odvozené ze sdíleného tajemství pomocí HKDF</a:t>
+            </a:r>
+          </a:p>
+          <a:p>
+            <a:pPr>
+              <a:buNone/>
+            </a:pPr>
+            <a:r>
+              <a:rPr lang="cs-CZ" b="1" dirty="0"/>
+              <a:t>Implementované algoritmy</a:t>
+            </a:r>
+          </a:p>
+          <a:p>
+            <a:pPr>
+              <a:buFont typeface="Arial" panose="020B0604020202020204" pitchFamily="34" charset="0"/>
+              <a:buChar char="•"/>
+            </a:pPr>
+            <a:r>
+              <a:rPr lang="cs-CZ" b="1" dirty="0"/>
+              <a:t>Post-kvantové KEM algoritmy</a:t>
+            </a:r>
+            <a:r>
+              <a:rPr lang="cs-CZ" dirty="0"/>
+              <a:t>: </a:t>
+            </a:r>
+          </a:p>
+          <a:p>
+            <a:pPr marL="742950" lvl="1" indent="-285750">
+              <a:buFont typeface="Arial" panose="020B0604020202020204" pitchFamily="34" charset="0"/>
+              <a:buChar char="•"/>
+            </a:pPr>
+            <a:r>
+              <a:rPr lang="cs-CZ" b="1" dirty="0"/>
+              <a:t>ML-KEM</a:t>
+            </a:r>
+            <a:r>
+              <a:rPr lang="cs-CZ" dirty="0"/>
+              <a:t> (dříve </a:t>
+            </a:r>
+            <a:r>
+              <a:rPr lang="cs-CZ" dirty="0" err="1"/>
+              <a:t>Kyber</a:t>
+            </a:r>
+            <a:r>
+              <a:rPr lang="cs-CZ" dirty="0"/>
+              <a:t>): </a:t>
+            </a:r>
+            <a:r>
+              <a:rPr lang="cs-CZ" dirty="0" err="1"/>
+              <a:t>Lattice-based</a:t>
+            </a:r>
+            <a:r>
+              <a:rPr lang="cs-CZ" dirty="0"/>
+              <a:t>, NIST standard</a:t>
+            </a:r>
+          </a:p>
+          <a:p>
+            <a:pPr marL="742950" lvl="1" indent="-285750">
+              <a:buFont typeface="Arial" panose="020B0604020202020204" pitchFamily="34" charset="0"/>
+              <a:buChar char="•"/>
+            </a:pPr>
+            <a:r>
+              <a:rPr lang="cs-CZ" b="1" dirty="0"/>
+              <a:t>HQC</a:t>
+            </a:r>
+            <a:r>
+              <a:rPr lang="cs-CZ" dirty="0"/>
+              <a:t>: </a:t>
+            </a:r>
+            <a:r>
+              <a:rPr lang="cs-CZ" dirty="0" err="1"/>
+              <a:t>Code-based</a:t>
+            </a:r>
+            <a:r>
+              <a:rPr lang="cs-CZ" dirty="0"/>
+              <a:t>, alternativní princip</a:t>
+            </a:r>
+          </a:p>
+          <a:p>
+            <a:pPr marL="742950" lvl="1" indent="-285750">
+              <a:buFont typeface="Arial" panose="020B0604020202020204" pitchFamily="34" charset="0"/>
+              <a:buChar char="•"/>
+            </a:pPr>
+            <a:r>
+              <a:rPr lang="cs-CZ" b="1" dirty="0" err="1"/>
+              <a:t>FrodoKEM</a:t>
+            </a:r>
+            <a:r>
+              <a:rPr lang="cs-CZ" dirty="0"/>
+              <a:t>: Konzervativní </a:t>
+            </a:r>
+            <a:r>
+              <a:rPr lang="cs-CZ" dirty="0" err="1"/>
+              <a:t>lattice-based</a:t>
+            </a:r>
+            <a:r>
+              <a:rPr lang="cs-CZ" dirty="0"/>
+              <a:t> bez dodatečné struktury</a:t>
+            </a:r>
+          </a:p>
+          <a:p>
+            <a:pPr>
+              <a:buFont typeface="Arial" panose="020B0604020202020204" pitchFamily="34" charset="0"/>
+              <a:buChar char="•"/>
+            </a:pPr>
+            <a:r>
+              <a:rPr lang="cs-CZ" b="1" dirty="0"/>
+              <a:t>Post-kvantové podpisové algoritmy</a:t>
+            </a:r>
+            <a:r>
+              <a:rPr lang="cs-CZ" dirty="0"/>
+              <a:t>: </a:t>
+            </a:r>
+          </a:p>
+          <a:p>
+            <a:pPr marL="742950" lvl="1" indent="-285750">
+              <a:buFont typeface="Arial" panose="020B0604020202020204" pitchFamily="34" charset="0"/>
+              <a:buChar char="•"/>
+            </a:pPr>
+            <a:r>
+              <a:rPr lang="cs-CZ" b="1" dirty="0"/>
+              <a:t>ML-DSA</a:t>
+            </a:r>
+            <a:r>
+              <a:rPr lang="cs-CZ" dirty="0"/>
+              <a:t> (dříve </a:t>
+            </a:r>
+            <a:r>
+              <a:rPr lang="cs-CZ" dirty="0" err="1"/>
+              <a:t>Dilithium</a:t>
+            </a:r>
+            <a:r>
+              <a:rPr lang="cs-CZ" dirty="0"/>
+              <a:t>): </a:t>
+            </a:r>
+            <a:r>
+              <a:rPr lang="cs-CZ" dirty="0" err="1"/>
+              <a:t>Lattice-based</a:t>
+            </a:r>
+            <a:r>
+              <a:rPr lang="cs-CZ" dirty="0"/>
+              <a:t>, NIST standard</a:t>
+            </a:r>
+          </a:p>
+          <a:p>
+            <a:pPr marL="742950" lvl="1" indent="-285750">
+              <a:buFont typeface="Arial" panose="020B0604020202020204" pitchFamily="34" charset="0"/>
+              <a:buChar char="•"/>
+            </a:pPr>
+            <a:r>
+              <a:rPr lang="cs-CZ" b="1" dirty="0"/>
+              <a:t>SPHINCS+</a:t>
+            </a:r>
+            <a:r>
+              <a:rPr lang="cs-CZ" dirty="0"/>
+              <a:t>: </a:t>
+            </a:r>
+            <a:r>
+              <a:rPr lang="cs-CZ" dirty="0" err="1"/>
+              <a:t>Hash-based</a:t>
+            </a:r>
+            <a:r>
+              <a:rPr lang="cs-CZ" dirty="0"/>
+              <a:t>, založené pouze na vlastnostech </a:t>
+            </a:r>
+            <a:r>
+              <a:rPr lang="cs-CZ" dirty="0" err="1"/>
+              <a:t>hash</a:t>
+            </a:r>
+            <a:r>
+              <a:rPr lang="cs-CZ" dirty="0"/>
+              <a:t> funkcí</a:t>
+            </a:r>
+          </a:p>
+        </p:txBody>
+      </p:sp>
+      <p:sp>
+        <p:nvSpPr>
+          <p:cNvPr id="3" name="Zástupný obsah 2">
+            <a:extLst>
+              <a:ext uri="{FF2B5EF4-FFF2-40B4-BE49-F238E27FC236}">
+                <a16:creationId xmlns:a16="http://schemas.microsoft.com/office/drawing/2014/main" id="{2821D956-09E4-A811-C436-7FF7C22ADDCD}"/>
+              </a:ext>
+            </a:extLst>
+          </p:cNvPr>
+          <p:cNvSpPr>
+            <a:spLocks noGrp="1"/>
+          </p:cNvSpPr>
+          <p:nvPr>
+            <p:ph sz="half" idx="2"/>
+          </p:nvPr>
+        </p:nvSpPr>
+        <p:spPr>
+          <a:xfrm>
+            <a:off x="6096000" y="2914649"/>
+            <a:ext cx="5257800" cy="3262313"/>
+          </a:xfrm>
+        </p:spPr>
+        <p:txBody>
+          <a:bodyPr>
+            <a:normAutofit fontScale="55000" lnSpcReduction="20000"/>
+          </a:bodyPr>
+          <a:lstStyle/>
+          <a:p>
+            <a:pPr>
+              <a:buNone/>
+            </a:pPr>
+            <a:r>
+              <a:rPr lang="cs-CZ" b="1" dirty="0"/>
+              <a:t>Bezpečnostní principy při správě klíčů</a:t>
+            </a:r>
+          </a:p>
+          <a:p>
+            <a:pPr>
+              <a:buFont typeface="Arial" panose="020B0604020202020204" pitchFamily="34" charset="0"/>
+              <a:buChar char="•"/>
+            </a:pPr>
+            <a:r>
+              <a:rPr lang="cs-CZ" b="1" dirty="0" err="1"/>
+              <a:t>Perfect</a:t>
+            </a:r>
+            <a:r>
+              <a:rPr lang="cs-CZ" b="1" dirty="0"/>
+              <a:t> Forward </a:t>
+            </a:r>
+            <a:r>
+              <a:rPr lang="cs-CZ" b="1" dirty="0" err="1"/>
+              <a:t>Secrecy</a:t>
+            </a:r>
+            <a:r>
+              <a:rPr lang="cs-CZ" dirty="0"/>
+              <a:t>: Použití </a:t>
+            </a:r>
+            <a:r>
+              <a:rPr lang="cs-CZ" dirty="0" err="1"/>
+              <a:t>ephemeral</a:t>
+            </a:r>
+            <a:r>
+              <a:rPr lang="cs-CZ" dirty="0"/>
+              <a:t> klíčů</a:t>
+            </a:r>
+          </a:p>
+          <a:p>
+            <a:pPr>
+              <a:buFont typeface="Arial" panose="020B0604020202020204" pitchFamily="34" charset="0"/>
+              <a:buChar char="•"/>
+            </a:pPr>
+            <a:r>
+              <a:rPr lang="cs-CZ" b="1" dirty="0" err="1"/>
+              <a:t>Domain</a:t>
+            </a:r>
+            <a:r>
+              <a:rPr lang="cs-CZ" b="1" dirty="0"/>
+              <a:t> </a:t>
+            </a:r>
+            <a:r>
+              <a:rPr lang="cs-CZ" b="1" dirty="0" err="1"/>
+              <a:t>separation</a:t>
+            </a:r>
+            <a:r>
+              <a:rPr lang="cs-CZ" dirty="0"/>
+              <a:t>: Oddělení klíčů pro různé účely</a:t>
+            </a:r>
+          </a:p>
+          <a:p>
+            <a:pPr>
+              <a:buFont typeface="Arial" panose="020B0604020202020204" pitchFamily="34" charset="0"/>
+              <a:buChar char="•"/>
+            </a:pPr>
+            <a:r>
+              <a:rPr lang="cs-CZ" b="1" dirty="0"/>
+              <a:t>Minimalizace rizika</a:t>
+            </a:r>
+            <a:r>
+              <a:rPr lang="cs-CZ" dirty="0"/>
+              <a:t>: Privátní klíče nikdy neopouštějí zařízení</a:t>
+            </a:r>
+          </a:p>
+          <a:p>
+            <a:pPr>
+              <a:buFont typeface="Arial" panose="020B0604020202020204" pitchFamily="34" charset="0"/>
+              <a:buChar char="•"/>
+            </a:pPr>
+            <a:r>
+              <a:rPr lang="cs-CZ" b="1" dirty="0"/>
+              <a:t>Defense-in-</a:t>
+            </a:r>
+            <a:r>
+              <a:rPr lang="cs-CZ" b="1" dirty="0" err="1"/>
+              <a:t>depth</a:t>
+            </a:r>
+            <a:r>
+              <a:rPr lang="cs-CZ" dirty="0"/>
+              <a:t>: Vícenásobná ochrana citlivých dat</a:t>
+            </a:r>
+          </a:p>
+          <a:p>
+            <a:pPr marL="0" indent="0">
+              <a:buNone/>
+            </a:pPr>
             <a:endParaRPr lang="cs-CZ" dirty="0"/>
           </a:p>
-          <a:p>
-            <a:pPr>
-              <a:buFont typeface="+mj-lt"/>
-              <a:buAutoNum type="arabicPeriod"/>
-            </a:pPr>
-            <a:r>
-              <a:rPr lang="en-GB" dirty="0"/>
-              <a:t>AEAD pro </a:t>
-            </a:r>
-            <a:r>
-              <a:rPr lang="en-GB" dirty="0" err="1"/>
-              <a:t>ochranu</a:t>
-            </a:r>
-            <a:r>
-              <a:rPr lang="en-GB" dirty="0"/>
-              <a:t> </a:t>
-            </a:r>
-            <a:r>
-              <a:rPr lang="en-GB" dirty="0" err="1"/>
-              <a:t>metadat</a:t>
-            </a:r>
-            <a:endParaRPr lang="en-GB" dirty="0"/>
-          </a:p>
-          <a:p>
-            <a:pPr>
-              <a:buFont typeface="+mj-lt"/>
-              <a:buAutoNum type="arabicPeriod"/>
-            </a:pPr>
-            <a:r>
-              <a:rPr lang="en-GB" dirty="0" err="1"/>
-              <a:t>Šifrované</a:t>
-            </a:r>
-            <a:r>
-              <a:rPr lang="en-GB" dirty="0"/>
-              <a:t> </a:t>
-            </a:r>
-            <a:r>
-              <a:rPr lang="en-GB" dirty="0" err="1"/>
-              <a:t>ukládání</a:t>
-            </a:r>
-            <a:r>
-              <a:rPr lang="en-GB" dirty="0"/>
-              <a:t> </a:t>
-            </a:r>
-            <a:r>
-              <a:rPr lang="en-GB" dirty="0" err="1"/>
-              <a:t>klíčů</a:t>
-            </a:r>
-            <a:r>
-              <a:rPr lang="en-GB" dirty="0"/>
-              <a:t> (Argon2id)</a:t>
-            </a:r>
-          </a:p>
-          <a:p>
-            <a:pPr>
-              <a:buFont typeface="+mj-lt"/>
-              <a:buAutoNum type="arabicPeriod"/>
-            </a:pPr>
-            <a:r>
-              <a:rPr lang="en-GB" dirty="0"/>
-              <a:t>Forward Secrecy </a:t>
-            </a:r>
-            <a:r>
-              <a:rPr lang="en-GB" dirty="0" err="1"/>
-              <a:t>díky</a:t>
-            </a:r>
-            <a:r>
-              <a:rPr lang="en-GB" dirty="0"/>
-              <a:t> </a:t>
-            </a:r>
-            <a:r>
-              <a:rPr lang="en-GB" dirty="0" err="1"/>
-              <a:t>rotaci</a:t>
-            </a:r>
-            <a:r>
-              <a:rPr lang="en-GB" dirty="0"/>
-              <a:t> </a:t>
-            </a:r>
-            <a:r>
-              <a:rPr lang="en-GB" dirty="0" err="1"/>
-              <a:t>klíčů</a:t>
-            </a:r>
-            <a:endParaRPr lang="en-GB" dirty="0"/>
-          </a:p>
-          <a:p>
-            <a:pPr>
-              <a:buFont typeface="+mj-lt"/>
-              <a:buAutoNum type="arabicPeriod"/>
-            </a:pPr>
-            <a:r>
-              <a:rPr lang="en-GB" dirty="0" err="1"/>
-              <a:t>Šifrované</a:t>
-            </a:r>
-            <a:r>
-              <a:rPr lang="en-GB" dirty="0"/>
-              <a:t> </a:t>
-            </a:r>
-            <a:r>
-              <a:rPr lang="en-GB" dirty="0" err="1"/>
-              <a:t>auditní</a:t>
-            </a:r>
-            <a:r>
-              <a:rPr lang="en-GB" dirty="0"/>
-              <a:t> logy</a:t>
-            </a:r>
-          </a:p>
-          <a:p>
-            <a:endParaRPr lang="en-GB" dirty="0"/>
-          </a:p>
         </p:txBody>
       </p:sp>
       <p:sp>
@@ -14941,7 +15821,7 @@
           <p:cNvPr id="4" name="Zástupný symbol pro číslo snímku 3">
             <a:extLst>
               <a:ext uri="{FF2B5EF4-FFF2-40B4-BE49-F238E27FC236}">
-                <a16:creationId xmlns:a16="http://schemas.microsoft.com/office/drawing/2014/main" id="{489EEE85-8646-032C-E894-4131BA673A39}"/>
+                <a16:creationId xmlns:a16="http://schemas.microsoft.com/office/drawing/2014/main" id="{5EB74A61-1440-B64C-FDF1-EEAF64DA3C2F}"/>
               </a:ext>
             </a:extLst>
           </p:cNvPr>
@@ -14970,7 +15850,7 @@
           <p:cNvPr id="5" name="Obdélník 4">
             <a:extLst>
               <a:ext uri="{FF2B5EF4-FFF2-40B4-BE49-F238E27FC236}">
-                <a16:creationId xmlns:a16="http://schemas.microsoft.com/office/drawing/2014/main" id="{11A2C2D1-F422-77F8-1FAB-353DAD1B3F3A}"/>
+                <a16:creationId xmlns:a16="http://schemas.microsoft.com/office/drawing/2014/main" id="{9DA891B5-D2CA-8696-78CE-0C3372D7F5CF}"/>
               </a:ext>
             </a:extLst>
           </p:cNvPr>
@@ -15019,10 +15899,10 @@
       </p:sp>
       <p:sp>
         <p:nvSpPr>
-          <p:cNvPr id="6" name="Nadpis 1">
-            <a:extLst>
-              <a:ext uri="{FF2B5EF4-FFF2-40B4-BE49-F238E27FC236}">
-                <a16:creationId xmlns:a16="http://schemas.microsoft.com/office/drawing/2014/main" id="{B76B64C3-5D14-F87B-A451-C5AFD745B1D1}"/>
+          <p:cNvPr id="7" name="Nadpis 1">
+            <a:extLst>
+              <a:ext uri="{FF2B5EF4-FFF2-40B4-BE49-F238E27FC236}">
+                <a16:creationId xmlns:a16="http://schemas.microsoft.com/office/drawing/2014/main" id="{50DF2079-8DCE-A794-9919-8C8C83047AD1}"/>
               </a:ext>
             </a:extLst>
           </p:cNvPr>
@@ -15065,21 +15945,18 @@
           </a:lstStyle>
           <a:p>
             <a:r>
-              <a:rPr lang="en-GB" dirty="0" err="1">
+              <a:rPr lang="cs-CZ" dirty="0">
                 <a:solidFill>
                   <a:srgbClr val="FF0000"/>
                 </a:solidFill>
               </a:rPr>
-              <a:t>Bezpečnostní</a:t>
-            </a:r>
-            <a:r>
-              <a:rPr lang="en-GB" dirty="0">
-                <a:solidFill>
-                  <a:srgbClr val="FF0000"/>
-                </a:solidFill>
-              </a:rPr>
-              <a:t> model</a:t>
-            </a:r>
+              <a:t>Správa kryptografických klíčů</a:t>
+            </a:r>
+            <a:endParaRPr lang="en-GB" dirty="0">
+              <a:solidFill>
+                <a:srgbClr val="FF0000"/>
+              </a:solidFill>
+            </a:endParaRPr>
           </a:p>
         </p:txBody>
       </p:sp>
@@ -15088,7 +15965,7 @@
           <p:cNvPr id="8" name="Obrázek 7">
             <a:extLst>
               <a:ext uri="{FF2B5EF4-FFF2-40B4-BE49-F238E27FC236}">
-                <a16:creationId xmlns:a16="http://schemas.microsoft.com/office/drawing/2014/main" id="{B92D0F37-B5EF-E56A-A679-40FC68AD0FD9}"/>
+                <a16:creationId xmlns:a16="http://schemas.microsoft.com/office/drawing/2014/main" id="{2BD27F06-66C8-B474-48E5-D01D35F97D52}"/>
               </a:ext>
             </a:extLst>
           </p:cNvPr>
@@ -15099,36 +15976,6 @@
         </p:nvPicPr>
         <p:blipFill>
           <a:blip r:embed="rId2"/>
-          <a:stretch>
-            <a:fillRect/>
-          </a:stretch>
-        </p:blipFill>
-        <p:spPr>
-          <a:xfrm>
-            <a:off x="6601816" y="2052741"/>
-            <a:ext cx="4361601" cy="3710053"/>
-          </a:xfrm>
-          <a:prstGeom prst="rect">
-            <a:avLst/>
-          </a:prstGeom>
-        </p:spPr>
-      </p:pic>
-      <p:pic>
-        <p:nvPicPr>
-          <p:cNvPr id="9" name="Obrázek 8">
-            <a:extLst>
-              <a:ext uri="{FF2B5EF4-FFF2-40B4-BE49-F238E27FC236}">
-                <a16:creationId xmlns:a16="http://schemas.microsoft.com/office/drawing/2014/main" id="{4BCB377F-5935-3D3A-4156-B7BA4BC1C886}"/>
-              </a:ext>
-            </a:extLst>
-          </p:cNvPr>
-          <p:cNvPicPr>
-            <a:picLocks noChangeAspect="1"/>
-          </p:cNvPicPr>
-          <p:nvPr/>
-        </p:nvPicPr>
-        <p:blipFill>
-          <a:blip r:embed="rId3"/>
           <a:stretch>
             <a:fillRect/>
           </a:stretch>
@@ -15145,10 +15992,10 @@
       </p:pic>
       <p:sp>
         <p:nvSpPr>
-          <p:cNvPr id="10" name="Obdélník 9">
-            <a:extLst>
-              <a:ext uri="{FF2B5EF4-FFF2-40B4-BE49-F238E27FC236}">
-                <a16:creationId xmlns:a16="http://schemas.microsoft.com/office/drawing/2014/main" id="{CEF0CB39-5366-6B93-5099-9CF48F2B12F6}"/>
+          <p:cNvPr id="15" name="Obdélník 14">
+            <a:extLst>
+              <a:ext uri="{FF2B5EF4-FFF2-40B4-BE49-F238E27FC236}">
+                <a16:creationId xmlns:a16="http://schemas.microsoft.com/office/drawing/2014/main" id="{AF4FEA53-0A1A-CC22-E716-CBD82BBDCD34}"/>
               </a:ext>
             </a:extLst>
           </p:cNvPr>
@@ -15198,7 +16045,7 @@
     </p:spTree>
     <p:extLst>
       <p:ext uri="{BB962C8B-B14F-4D97-AF65-F5344CB8AC3E}">
-        <p14:creationId xmlns:p14="http://schemas.microsoft.com/office/powerpoint/2010/main" val="2834251513"/>
+        <p14:creationId xmlns:p14="http://schemas.microsoft.com/office/powerpoint/2010/main" val="2001569046"/>
       </p:ext>
     </p:extLst>
   </p:cSld>
@@ -15213,7 +16060,13 @@
   <p:cSld>
     <p:spTree>
       <p:nvGrpSpPr>
-        <p:cNvPr id="1" name=""/>
+        <p:cNvPr id="1" name="">
+          <a:extLst>
+            <a:ext uri="{FF2B5EF4-FFF2-40B4-BE49-F238E27FC236}">
+              <a16:creationId xmlns:a16="http://schemas.microsoft.com/office/drawing/2014/main" id="{A329696B-2A64-CD7F-BC46-D386B653D4F3}"/>
+            </a:ext>
+          </a:extLst>
+        </p:cNvPr>
         <p:cNvGrpSpPr/>
         <p:nvPr/>
       </p:nvGrpSpPr>
@@ -15227,10 +16080,10 @@
       </p:grpSpPr>
       <p:sp>
         <p:nvSpPr>
-          <p:cNvPr id="3" name="Zástupný obsah 2">
-            <a:extLst>
-              <a:ext uri="{FF2B5EF4-FFF2-40B4-BE49-F238E27FC236}">
-                <a16:creationId xmlns:a16="http://schemas.microsoft.com/office/drawing/2014/main" id="{A7BFAC97-0C54-B712-3CEF-0DA54D2BB9C2}"/>
+          <p:cNvPr id="20" name="Zástupný obsah 19">
+            <a:extLst>
+              <a:ext uri="{FF2B5EF4-FFF2-40B4-BE49-F238E27FC236}">
+                <a16:creationId xmlns:a16="http://schemas.microsoft.com/office/drawing/2014/main" id="{8B179843-8879-EC6B-6348-BE330C27959F}"/>
               </a:ext>
             </a:extLst>
           </p:cNvPr>
@@ -15238,195 +16091,259 @@
             <a:spLocks noGrp="1"/>
           </p:cNvSpPr>
           <p:nvPr>
-            <p:ph idx="1"/>
+            <p:ph sz="half" idx="1"/>
           </p:nvPr>
         </p:nvSpPr>
-        <p:spPr/>
+        <p:spPr>
+          <a:xfrm>
+            <a:off x="428877" y="1341436"/>
+            <a:ext cx="7854951" cy="5279232"/>
+          </a:xfrm>
+        </p:spPr>
         <p:txBody>
           <a:bodyPr>
-            <a:normAutofit/>
+            <a:normAutofit fontScale="55000" lnSpcReduction="20000"/>
           </a:bodyPr>
           <a:lstStyle/>
+          <a:p>
+            <a:pPr>
+              <a:buNone/>
+            </a:pPr>
+            <a:r>
+              <a:rPr lang="cs-CZ" b="1" dirty="0"/>
+              <a:t>Autentizovaný proces výměny klíčů</a:t>
+            </a:r>
+          </a:p>
+          <a:p>
+            <a:pPr>
+              <a:buFont typeface="Arial" panose="020B0604020202020204" pitchFamily="34" charset="0"/>
+              <a:buChar char="•"/>
+            </a:pPr>
+            <a:r>
+              <a:rPr lang="cs-CZ" b="1" dirty="0"/>
+              <a:t>Tři fáze výměny</a:t>
+            </a:r>
+            <a:r>
+              <a:rPr lang="cs-CZ" dirty="0"/>
+              <a:t>: Iniciace → Response → Potvrzení</a:t>
+            </a:r>
+          </a:p>
+          <a:p>
+            <a:pPr>
+              <a:buFont typeface="Arial" panose="020B0604020202020204" pitchFamily="34" charset="0"/>
+              <a:buChar char="•"/>
+            </a:pPr>
+            <a:r>
+              <a:rPr lang="cs-CZ" b="1" dirty="0"/>
+              <a:t>Stavy výměny klíčů</a:t>
+            </a:r>
+            <a:r>
+              <a:rPr lang="cs-CZ" dirty="0"/>
+              <a:t>: INITIATED → RESPONDED → CONFIRMED → ESTABLISHED</a:t>
+            </a:r>
+          </a:p>
+          <a:p>
+            <a:pPr>
+              <a:buFont typeface="Arial" panose="020B0604020202020204" pitchFamily="34" charset="0"/>
+              <a:buChar char="•"/>
+            </a:pPr>
+            <a:r>
+              <a:rPr lang="cs-CZ" b="1" dirty="0"/>
+              <a:t>Digitální podpisy</a:t>
+            </a:r>
+            <a:r>
+              <a:rPr lang="cs-CZ" dirty="0"/>
+              <a:t>: Všechny zprávy autentizovány dlouhodobými podpisovými klíči</a:t>
+            </a:r>
+          </a:p>
+          <a:p>
+            <a:pPr>
+              <a:buFont typeface="Arial" panose="020B0604020202020204" pitchFamily="34" charset="0"/>
+              <a:buChar char="•"/>
+            </a:pPr>
+            <a:r>
+              <a:rPr lang="cs-CZ" b="1" dirty="0"/>
+              <a:t>Detekce neshod</a:t>
+            </a:r>
+            <a:r>
+              <a:rPr lang="cs-CZ" dirty="0"/>
+              <a:t>: Automatická detekce nekompatibilních algoritmů mezi peery</a:t>
+            </a:r>
+          </a:p>
+          <a:p>
+            <a:pPr>
+              <a:buNone/>
+            </a:pPr>
+            <a:r>
+              <a:rPr lang="cs-CZ" b="1" dirty="0"/>
+              <a:t>Derivace klíčů a jejich použití</a:t>
+            </a:r>
+          </a:p>
+          <a:p>
+            <a:pPr>
+              <a:buFont typeface="Arial" panose="020B0604020202020204" pitchFamily="34" charset="0"/>
+              <a:buChar char="•"/>
+            </a:pPr>
+            <a:r>
+              <a:rPr lang="cs-CZ" b="1" dirty="0"/>
+              <a:t>Derivace z hesla</a:t>
+            </a:r>
+            <a:r>
+              <a:rPr lang="cs-CZ" dirty="0"/>
+              <a:t>: Master </a:t>
+            </a:r>
+            <a:r>
+              <a:rPr lang="cs-CZ" dirty="0" err="1"/>
+              <a:t>key</a:t>
+            </a:r>
+            <a:r>
+              <a:rPr lang="cs-CZ" dirty="0"/>
+              <a:t> pro </a:t>
+            </a:r>
+            <a:r>
+              <a:rPr lang="cs-CZ" dirty="0" err="1"/>
+              <a:t>KeyStorage</a:t>
+            </a:r>
+            <a:r>
+              <a:rPr lang="cs-CZ" dirty="0"/>
+              <a:t> (Argon2id)</a:t>
+            </a:r>
+          </a:p>
+          <a:p>
+            <a:pPr>
+              <a:buFont typeface="Arial" panose="020B0604020202020204" pitchFamily="34" charset="0"/>
+              <a:buChar char="•"/>
+            </a:pPr>
+            <a:r>
+              <a:rPr lang="cs-CZ" b="1" dirty="0"/>
+              <a:t>Derivace ze sdíleného tajemství</a:t>
+            </a:r>
+            <a:r>
+              <a:rPr lang="cs-CZ" dirty="0"/>
+              <a:t>: Symetrické klíče pro komunikaci (HKDF)</a:t>
+            </a:r>
+          </a:p>
+          <a:p>
+            <a:pPr>
+              <a:buFont typeface="Arial" panose="020B0604020202020204" pitchFamily="34" charset="0"/>
+              <a:buChar char="•"/>
+            </a:pPr>
+            <a:r>
+              <a:rPr lang="cs-CZ" b="1" dirty="0"/>
+              <a:t>Faktory derivace</a:t>
+            </a:r>
+            <a:r>
+              <a:rPr lang="cs-CZ" dirty="0"/>
+              <a:t>: </a:t>
+            </a:r>
+          </a:p>
+          <a:p>
+            <a:pPr marL="742950" lvl="1" indent="-285750">
+              <a:buFont typeface="Arial" panose="020B0604020202020204" pitchFamily="34" charset="0"/>
+              <a:buChar char="•"/>
+            </a:pPr>
+            <a:r>
+              <a:rPr lang="cs-CZ" dirty="0"/>
+              <a:t>Identifikátory obou peerů (seřazené)</a:t>
+            </a:r>
+          </a:p>
+          <a:p>
+            <a:pPr marL="742950" lvl="1" indent="-285750">
+              <a:buFont typeface="Arial" panose="020B0604020202020204" pitchFamily="34" charset="0"/>
+              <a:buChar char="•"/>
+            </a:pPr>
+            <a:r>
+              <a:rPr lang="cs-CZ" dirty="0"/>
+              <a:t>Název použitého symetrického algoritmu</a:t>
+            </a:r>
+          </a:p>
+          <a:p>
+            <a:pPr marL="742950" lvl="1" indent="-285750">
+              <a:buFont typeface="Arial" panose="020B0604020202020204" pitchFamily="34" charset="0"/>
+              <a:buChar char="•"/>
+            </a:pPr>
+            <a:r>
+              <a:rPr lang="cs-CZ" dirty="0"/>
+              <a:t>Verze protokolu</a:t>
+            </a:r>
+          </a:p>
+          <a:p>
+            <a:pPr>
+              <a:buNone/>
+            </a:pPr>
+            <a:r>
+              <a:rPr lang="cs-CZ" b="1" dirty="0"/>
+              <a:t>Bezpečnostní záruky procesu</a:t>
+            </a:r>
+          </a:p>
+          <a:p>
+            <a:pPr>
+              <a:buFont typeface="Arial" panose="020B0604020202020204" pitchFamily="34" charset="0"/>
+              <a:buChar char="•"/>
+            </a:pPr>
+            <a:r>
+              <a:rPr lang="cs-CZ" b="1" dirty="0" err="1"/>
+              <a:t>Key</a:t>
+            </a:r>
+            <a:r>
+              <a:rPr lang="cs-CZ" b="1" dirty="0"/>
+              <a:t> </a:t>
+            </a:r>
+            <a:r>
+              <a:rPr lang="cs-CZ" b="1" dirty="0" err="1"/>
+              <a:t>Confirmation</a:t>
+            </a:r>
+            <a:r>
+              <a:rPr lang="cs-CZ" dirty="0"/>
+              <a:t>: Ověření, že obě strany mají stejný klíč</a:t>
+            </a:r>
+          </a:p>
+          <a:p>
+            <a:pPr>
+              <a:buFont typeface="Arial" panose="020B0604020202020204" pitchFamily="34" charset="0"/>
+              <a:buChar char="•"/>
+            </a:pPr>
+            <a:r>
+              <a:rPr lang="cs-CZ" b="1" dirty="0" err="1"/>
+              <a:t>Postkvantová</a:t>
+            </a:r>
+            <a:r>
+              <a:rPr lang="cs-CZ" b="1" dirty="0"/>
+              <a:t> odolnost</a:t>
+            </a:r>
+            <a:r>
+              <a:rPr lang="cs-CZ" dirty="0"/>
+              <a:t>: Odolnost proti útokům kvantovým počítačem</a:t>
+            </a:r>
+          </a:p>
+          <a:p>
+            <a:pPr>
+              <a:buFont typeface="Arial" panose="020B0604020202020204" pitchFamily="34" charset="0"/>
+              <a:buChar char="•"/>
+            </a:pPr>
+            <a:r>
+              <a:rPr lang="cs-CZ" b="1" dirty="0"/>
+              <a:t>Ochrana před </a:t>
+            </a:r>
+            <a:r>
+              <a:rPr lang="cs-CZ" b="1" dirty="0" err="1"/>
+              <a:t>downgrade</a:t>
+            </a:r>
+            <a:r>
+              <a:rPr lang="cs-CZ" b="1" dirty="0"/>
+              <a:t> útoky</a:t>
+            </a:r>
+            <a:r>
+              <a:rPr lang="cs-CZ" dirty="0"/>
+              <a:t>: Explicitní vyjednávání algoritmů</a:t>
+            </a:r>
+          </a:p>
           <a:p>
             <a:pPr marL="0" indent="0">
               <a:buNone/>
             </a:pPr>
-            <a:r>
-              <a:rPr lang="en-GB" dirty="0" err="1"/>
-              <a:t>Programovací</a:t>
-            </a:r>
-            <a:r>
-              <a:rPr lang="en-GB" dirty="0"/>
-              <a:t> </a:t>
-            </a:r>
-            <a:r>
-              <a:rPr lang="en-GB" dirty="0" err="1"/>
-              <a:t>jazyk</a:t>
-            </a:r>
-            <a:r>
-              <a:rPr lang="en-GB" dirty="0"/>
-              <a:t>: Python 3.8+</a:t>
-            </a:r>
             <a:endParaRPr lang="cs-CZ" dirty="0"/>
           </a:p>
-          <a:p>
-            <a:pPr marL="0" indent="0">
-              <a:buNone/>
-            </a:pPr>
-            <a:r>
-              <a:rPr lang="cs-CZ" dirty="0"/>
-              <a:t>Ukládaní dat</a:t>
-            </a:r>
-          </a:p>
-          <a:p>
-            <a:pPr lvl="1"/>
-            <a:r>
-              <a:rPr lang="en-GB" dirty="0" err="1"/>
-              <a:t>Šifrované</a:t>
-            </a:r>
-            <a:r>
-              <a:rPr lang="en-GB" dirty="0"/>
-              <a:t> </a:t>
-            </a:r>
-            <a:r>
-              <a:rPr lang="en-GB" dirty="0" err="1"/>
-              <a:t>klíče</a:t>
-            </a:r>
-            <a:r>
-              <a:rPr lang="en-GB" dirty="0"/>
-              <a:t> </a:t>
-            </a:r>
-            <a:r>
-              <a:rPr lang="en-GB" dirty="0" err="1"/>
-              <a:t>pomocí</a:t>
-            </a:r>
-            <a:r>
-              <a:rPr lang="en-GB" dirty="0"/>
-              <a:t> Argon2id KDF</a:t>
-            </a:r>
-            <a:endParaRPr lang="cs-CZ" dirty="0"/>
-          </a:p>
-          <a:p>
-            <a:pPr lvl="1"/>
-            <a:r>
-              <a:rPr lang="en-GB" dirty="0" err="1"/>
-              <a:t>Autentizované</a:t>
-            </a:r>
-            <a:r>
-              <a:rPr lang="en-GB" dirty="0"/>
-              <a:t> </a:t>
-            </a:r>
-            <a:r>
-              <a:rPr lang="en-GB" dirty="0" err="1"/>
-              <a:t>šifrování</a:t>
-            </a:r>
-            <a:r>
-              <a:rPr lang="en-GB" dirty="0"/>
-              <a:t> </a:t>
-            </a:r>
-            <a:r>
-              <a:rPr lang="en-GB" dirty="0" err="1"/>
-              <a:t>všech</a:t>
-            </a:r>
-            <a:r>
-              <a:rPr lang="en-GB" dirty="0"/>
-              <a:t> </a:t>
-            </a:r>
-            <a:r>
-              <a:rPr lang="en-GB" dirty="0" err="1"/>
-              <a:t>souborů</a:t>
-            </a:r>
-            <a:endParaRPr lang="cs-CZ" dirty="0"/>
-          </a:p>
-          <a:p>
-            <a:pPr marL="0" indent="0">
-              <a:buNone/>
-            </a:pPr>
-            <a:r>
-              <a:rPr lang="cs-CZ" dirty="0"/>
-              <a:t>Knihovny</a:t>
-            </a:r>
-          </a:p>
-          <a:p>
-            <a:pPr lvl="1"/>
-            <a:r>
-              <a:rPr lang="pt-BR" dirty="0"/>
-              <a:t>Open Quantum Safe (OQS) - implementace post-kvantových algoritmů</a:t>
-            </a:r>
-            <a:endParaRPr lang="cs-CZ" dirty="0"/>
-          </a:p>
-          <a:p>
-            <a:pPr lvl="1"/>
-            <a:r>
-              <a:rPr lang="en-GB" dirty="0"/>
-              <a:t>PyQt5 - </a:t>
-            </a:r>
-            <a:r>
-              <a:rPr lang="en-GB" dirty="0" err="1"/>
-              <a:t>uživatelské</a:t>
-            </a:r>
-            <a:r>
-              <a:rPr lang="en-GB" dirty="0"/>
-              <a:t> </a:t>
-            </a:r>
-            <a:r>
-              <a:rPr lang="en-GB" dirty="0" err="1"/>
-              <a:t>rozhraní</a:t>
-            </a:r>
-            <a:endParaRPr lang="cs-CZ" dirty="0"/>
-          </a:p>
-          <a:p>
-            <a:pPr lvl="1"/>
-            <a:r>
-              <a:rPr lang="en-GB" dirty="0"/>
-              <a:t>Cryptography - </a:t>
-            </a:r>
-            <a:r>
-              <a:rPr lang="en-GB" dirty="0" err="1"/>
-              <a:t>klasické</a:t>
-            </a:r>
-            <a:r>
-              <a:rPr lang="en-GB" dirty="0"/>
-              <a:t> </a:t>
-            </a:r>
-            <a:r>
-              <a:rPr lang="en-GB" dirty="0" err="1"/>
-              <a:t>šifrovací</a:t>
-            </a:r>
-            <a:r>
-              <a:rPr lang="en-GB" dirty="0"/>
-              <a:t> </a:t>
-            </a:r>
-            <a:r>
-              <a:rPr lang="en-GB" dirty="0" err="1"/>
-              <a:t>operace</a:t>
-            </a:r>
-            <a:endParaRPr lang="cs-CZ" dirty="0"/>
-          </a:p>
-          <a:p>
-            <a:pPr lvl="1"/>
-            <a:r>
-              <a:rPr lang="en-GB" dirty="0" err="1"/>
-              <a:t>AsyncIO</a:t>
-            </a:r>
-            <a:r>
-              <a:rPr lang="en-GB" dirty="0"/>
-              <a:t> – </a:t>
-            </a:r>
-            <a:r>
-              <a:rPr lang="en-GB" dirty="0" err="1"/>
-              <a:t>asynchronní</a:t>
-            </a:r>
-            <a:r>
-              <a:rPr lang="en-GB" dirty="0"/>
-              <a:t> </a:t>
-            </a:r>
-            <a:r>
-              <a:rPr lang="en-GB" dirty="0" err="1"/>
-              <a:t>komunikace</a:t>
-            </a:r>
-            <a:endParaRPr lang="cs-CZ" dirty="0"/>
-          </a:p>
         </p:txBody>
       </p:sp>
       <p:sp>
@@ -15434,7 +16351,7 @@
           <p:cNvPr id="4" name="Zástupný symbol pro číslo snímku 3">
             <a:extLst>
               <a:ext uri="{FF2B5EF4-FFF2-40B4-BE49-F238E27FC236}">
-                <a16:creationId xmlns:a16="http://schemas.microsoft.com/office/drawing/2014/main" id="{691EFA2C-30CB-9515-D391-FCF07B87BF1D}"/>
+                <a16:creationId xmlns:a16="http://schemas.microsoft.com/office/drawing/2014/main" id="{DF4FB15E-FF95-3A0D-8AB2-D4B30C19BA55}"/>
               </a:ext>
             </a:extLst>
           </p:cNvPr>
@@ -15463,7 +16380,7 @@
           <p:cNvPr id="5" name="Obdélník 4">
             <a:extLst>
               <a:ext uri="{FF2B5EF4-FFF2-40B4-BE49-F238E27FC236}">
-                <a16:creationId xmlns:a16="http://schemas.microsoft.com/office/drawing/2014/main" id="{C9302385-694A-11B4-92CA-8BCAD46E1979}"/>
+                <a16:creationId xmlns:a16="http://schemas.microsoft.com/office/drawing/2014/main" id="{0BE334A5-2602-6F81-2C0A-9CF54B9E2E1F}"/>
               </a:ext>
             </a:extLst>
           </p:cNvPr>
@@ -15472,7 +16389,7 @@
         </p:nvSpPr>
         <p:spPr>
           <a:xfrm>
-            <a:off x="0" y="0"/>
+            <a:off x="-1349" y="0"/>
             <a:ext cx="12192000" cy="1116702"/>
           </a:xfrm>
           <a:prstGeom prst="rect">
@@ -15512,10 +16429,10 @@
       </p:sp>
       <p:sp>
         <p:nvSpPr>
-          <p:cNvPr id="6" name="Nadpis 1">
-            <a:extLst>
-              <a:ext uri="{FF2B5EF4-FFF2-40B4-BE49-F238E27FC236}">
-                <a16:creationId xmlns:a16="http://schemas.microsoft.com/office/drawing/2014/main" id="{D3AEF80A-E16A-1184-396F-49636FBEA336}"/>
+          <p:cNvPr id="7" name="Nadpis 1">
+            <a:extLst>
+              <a:ext uri="{FF2B5EF4-FFF2-40B4-BE49-F238E27FC236}">
+                <a16:creationId xmlns:a16="http://schemas.microsoft.com/office/drawing/2014/main" id="{1B8A7D66-3E5C-BC5F-05AD-561541E6C587}"/>
               </a:ext>
             </a:extLst>
           </p:cNvPr>
@@ -15558,28 +16475,12 @@
           </a:lstStyle>
           <a:p>
             <a:r>
-              <a:rPr lang="en-GB" dirty="0" err="1">
+              <a:rPr lang="cs-CZ" dirty="0">
                 <a:solidFill>
                   <a:srgbClr val="FF0000"/>
                 </a:solidFill>
               </a:rPr>
-              <a:t>Implementační</a:t>
-            </a:r>
-            <a:r>
-              <a:rPr lang="en-GB" dirty="0">
-                <a:solidFill>
-                  <a:srgbClr val="FF0000"/>
-                </a:solidFill>
-              </a:rPr>
-              <a:t> </a:t>
-            </a:r>
-            <a:r>
-              <a:rPr lang="en-GB" dirty="0" err="1">
-                <a:solidFill>
-                  <a:srgbClr val="FF0000"/>
-                </a:solidFill>
-              </a:rPr>
-              <a:t>detaily</a:t>
+              <a:t>Proces výměny tajného klíče</a:t>
             </a:r>
             <a:endParaRPr lang="en-GB" dirty="0">
               <a:solidFill>
@@ -15594,7 +16495,7 @@
           <p:cNvPr id="8" name="Obrázek 7">
             <a:extLst>
               <a:ext uri="{FF2B5EF4-FFF2-40B4-BE49-F238E27FC236}">
-                <a16:creationId xmlns:a16="http://schemas.microsoft.com/office/drawing/2014/main" id="{70187F46-770C-1912-1EB1-8E0543E141BA}"/>
+                <a16:creationId xmlns:a16="http://schemas.microsoft.com/office/drawing/2014/main" id="{3A53179F-93EE-832C-2017-15E6A6462A78}"/>
               </a:ext>
             </a:extLst>
           </p:cNvPr>
@@ -15621,10 +16522,10 @@
       </p:pic>
       <p:sp>
         <p:nvSpPr>
-          <p:cNvPr id="9" name="Obdélník 8">
-            <a:extLst>
-              <a:ext uri="{FF2B5EF4-FFF2-40B4-BE49-F238E27FC236}">
-                <a16:creationId xmlns:a16="http://schemas.microsoft.com/office/drawing/2014/main" id="{2D729FC5-8AE8-2037-879B-AD7BA5D9181C}"/>
+          <p:cNvPr id="15" name="Obdélník 14">
+            <a:extLst>
+              <a:ext uri="{FF2B5EF4-FFF2-40B4-BE49-F238E27FC236}">
+                <a16:creationId xmlns:a16="http://schemas.microsoft.com/office/drawing/2014/main" id="{DBF92F34-6235-9660-BF7D-559D53C544FE}"/>
               </a:ext>
             </a:extLst>
           </p:cNvPr>
@@ -15671,10 +16572,40 @@
           </a:p>
         </p:txBody>
       </p:sp>
+      <p:pic>
+        <p:nvPicPr>
+          <p:cNvPr id="11" name="Obrázek 10">
+            <a:extLst>
+              <a:ext uri="{FF2B5EF4-FFF2-40B4-BE49-F238E27FC236}">
+                <a16:creationId xmlns:a16="http://schemas.microsoft.com/office/drawing/2014/main" id="{0D0DD5F2-C5F7-1DAA-EBFA-1E0151169A63}"/>
+              </a:ext>
+            </a:extLst>
+          </p:cNvPr>
+          <p:cNvPicPr>
+            <a:picLocks noChangeAspect="1"/>
+          </p:cNvPicPr>
+          <p:nvPr/>
+        </p:nvPicPr>
+        <p:blipFill>
+          <a:blip r:embed="rId3"/>
+          <a:stretch>
+            <a:fillRect/>
+          </a:stretch>
+        </p:blipFill>
+        <p:spPr>
+          <a:xfrm>
+            <a:off x="8064886" y="1226439"/>
+            <a:ext cx="3698237" cy="5247290"/>
+          </a:xfrm>
+          <a:prstGeom prst="rect">
+            <a:avLst/>
+          </a:prstGeom>
+        </p:spPr>
+      </p:pic>
     </p:spTree>
     <p:extLst>
       <p:ext uri="{BB962C8B-B14F-4D97-AF65-F5344CB8AC3E}">
-        <p14:creationId xmlns:p14="http://schemas.microsoft.com/office/powerpoint/2010/main" val="757146943"/>
+        <p14:creationId xmlns:p14="http://schemas.microsoft.com/office/powerpoint/2010/main" val="53784553"/>
       </p:ext>
     </p:extLst>
   </p:cSld>

--- a/docs/p2ppost_prezentace.pptx
+++ b/docs/p2ppost_prezentace.pptx
@@ -6089,7 +6089,7 @@
             </a:pPr>
             <a:r>
               <a:rPr lang="cs-CZ" dirty="0"/>
-              <a:t>Zde se</a:t>
+              <a:t>Zde se </a:t>
             </a:r>
             <a:r>
               <a:rPr lang="en-GB" dirty="0" err="1"/>
@@ -6174,10 +6174,6 @@
             <a:r>
               <a:rPr lang="en-GB" dirty="0" err="1"/>
               <a:t>podpis</a:t>
-            </a:r>
-            <a:r>
-              <a:rPr lang="en-GB" dirty="0"/>
-              <a:t>.</a:t>
             </a:r>
             <a:endParaRPr lang="cs-CZ" dirty="0"/>
           </a:p>
@@ -10345,7 +10341,7 @@
         </p:spPr>
         <p:txBody>
           <a:bodyPr>
-            <a:normAutofit fontScale="92500" lnSpcReduction="20000"/>
+            <a:normAutofit lnSpcReduction="10000"/>
           </a:bodyPr>
           <a:lstStyle/>
           <a:p>
@@ -10369,25 +10365,19 @@
           <a:p>
             <a:r>
               <a:rPr lang="cs-CZ" dirty="0"/>
+              <a:t>Implementační detaily</a:t>
+            </a:r>
+          </a:p>
+          <a:p>
+            <a:r>
+              <a:rPr lang="cs-CZ" dirty="0"/>
               <a:t>Architektura</a:t>
             </a:r>
           </a:p>
           <a:p>
             <a:r>
               <a:rPr lang="cs-CZ" dirty="0"/>
-              <a:t>Bezpečnostní model</a:t>
-            </a:r>
-          </a:p>
-          <a:p>
-            <a:r>
-              <a:rPr lang="cs-CZ" dirty="0"/>
-              <a:t>Implementace</a:t>
-            </a:r>
-          </a:p>
-          <a:p>
-            <a:r>
-              <a:rPr lang="cs-CZ" dirty="0"/>
-              <a:t>Datové toky a komunikace</a:t>
+              <a:t>Datové toky a komunikace </a:t>
             </a:r>
           </a:p>
           <a:p>
@@ -12064,11 +12054,11 @@
           <a:p>
             <a:r>
               <a:rPr lang="cs-CZ" dirty="0"/>
-              <a:t>Děkujeme za </a:t>
-            </a:r>
-            <a:r>
-              <a:rPr lang="cs-CZ" dirty="0" err="1"/>
-              <a:t>pozoronost</a:t>
+              <a:t>Děkujeme </a:t>
+            </a:r>
+            <a:r>
+              <a:rPr lang="cs-CZ"/>
+              <a:t>za pozornost</a:t>
             </a:r>
             <a:endParaRPr lang="en-GB" dirty="0"/>
           </a:p>
